--- a/ps/js/演示文稿.pptx
+++ b/ps/js/演示文稿.pptx
@@ -5,20 +5,23 @@
     <p:sldMasterId id="2147483972" r:id="rId1"/>
   </p:sldMasterIdLst>
   <p:notesMasterIdLst>
-    <p:notesMasterId r:id="rId13"/>
+    <p:notesMasterId r:id="rId16"/>
   </p:notesMasterIdLst>
   <p:sldIdLst>
     <p:sldId id="256" r:id="rId2"/>
-    <p:sldId id="257" r:id="rId3"/>
-    <p:sldId id="258" r:id="rId4"/>
-    <p:sldId id="260" r:id="rId5"/>
-    <p:sldId id="262" r:id="rId6"/>
-    <p:sldId id="261" r:id="rId7"/>
-    <p:sldId id="259" r:id="rId8"/>
+    <p:sldId id="269" r:id="rId3"/>
+    <p:sldId id="257" r:id="rId4"/>
+    <p:sldId id="258" r:id="rId5"/>
+    <p:sldId id="260" r:id="rId6"/>
+    <p:sldId id="262" r:id="rId7"/>
+    <p:sldId id="261" r:id="rId8"/>
     <p:sldId id="263" r:id="rId9"/>
     <p:sldId id="264" r:id="rId10"/>
     <p:sldId id="265" r:id="rId11"/>
     <p:sldId id="266" r:id="rId12"/>
+    <p:sldId id="267" r:id="rId13"/>
+    <p:sldId id="268" r:id="rId14"/>
+    <p:sldId id="259" r:id="rId15"/>
   </p:sldIdLst>
   <p:sldSz cx="9144000" cy="6858000" type="screen4x3"/>
   <p:notesSz cx="6858000" cy="9144000"/>
@@ -202,7 +205,8 @@
           <a:p>
             <a:fld id="{BB18017A-EF27-4333-8CBA-7208022D9565}" type="datetimeFigureOut">
               <a:rPr lang="zh-CN" altLang="en-US" smtClean="0"/>
-              <a:t>2017/10/17</a:t>
+              <a:pPr/>
+              <a:t>2017/10/18</a:t>
             </a:fld>
             <a:endParaRPr lang="zh-CN" altLang="en-US"/>
           </a:p>
@@ -363,6 +367,7 @@
           <a:p>
             <a:fld id="{F36645F3-DF14-4580-88C0-61136AC25E0B}" type="slidenum">
               <a:rPr lang="zh-CN" altLang="en-US" smtClean="0"/>
+              <a:pPr/>
               <a:t>‹#›</a:t>
             </a:fld>
             <a:endParaRPr lang="zh-CN" altLang="en-US"/>
@@ -534,6 +539,7 @@
           <a:p>
             <a:fld id="{F36645F3-DF14-4580-88C0-61136AC25E0B}" type="slidenum">
               <a:rPr lang="zh-CN" altLang="en-US" smtClean="0"/>
+              <a:pPr/>
               <a:t>1</a:t>
             </a:fld>
             <a:endParaRPr lang="zh-CN" altLang="en-US"/>
@@ -615,7 +621,8 @@
           <a:p>
             <a:fld id="{F36645F3-DF14-4580-88C0-61136AC25E0B}" type="slidenum">
               <a:rPr lang="zh-CN" altLang="en-US" smtClean="0"/>
-              <a:t>2</a:t>
+              <a:pPr/>
+              <a:t>3</a:t>
             </a:fld>
             <a:endParaRPr lang="zh-CN" altLang="en-US"/>
           </a:p>
@@ -696,7 +703,8 @@
           <a:p>
             <a:fld id="{F36645F3-DF14-4580-88C0-61136AC25E0B}" type="slidenum">
               <a:rPr lang="zh-CN" altLang="en-US" smtClean="0"/>
-              <a:t>3</a:t>
+              <a:pPr/>
+              <a:t>4</a:t>
             </a:fld>
             <a:endParaRPr lang="zh-CN" altLang="en-US"/>
           </a:p>
@@ -777,7 +785,8 @@
           <a:p>
             <a:fld id="{F36645F3-DF14-4580-88C0-61136AC25E0B}" type="slidenum">
               <a:rPr lang="zh-CN" altLang="en-US" smtClean="0"/>
-              <a:t>6</a:t>
+              <a:pPr/>
+              <a:t>7</a:t>
             </a:fld>
             <a:endParaRPr lang="zh-CN" altLang="en-US"/>
           </a:p>
@@ -858,7 +867,90 @@
           <a:p>
             <a:fld id="{F36645F3-DF14-4580-88C0-61136AC25E0B}" type="slidenum">
               <a:rPr lang="zh-CN" altLang="en-US" smtClean="0"/>
+              <a:pPr/>
               <a:t>8</a:t>
+            </a:fld>
+            <a:endParaRPr lang="zh-CN" altLang="en-US"/>
+          </a:p>
+        </p:txBody>
+      </p:sp>
+    </p:spTree>
+  </p:cSld>
+  <p:clrMapOvr>
+    <a:masterClrMapping/>
+  </p:clrMapOvr>
+</p:notes>
+</file>
+
+<file path=ppt/notesSlides/notesSlide6.xml><?xml version="1.0" encoding="utf-8"?>
+<p:notes xmlns:a="http://schemas.openxmlformats.org/drawingml/2006/main" xmlns:r="http://schemas.openxmlformats.org/officeDocument/2006/relationships" xmlns:p="http://schemas.openxmlformats.org/presentationml/2006/main">
+  <p:cSld>
+    <p:spTree>
+      <p:nvGrpSpPr>
+        <p:cNvPr id="1" name=""/>
+        <p:cNvGrpSpPr/>
+        <p:nvPr/>
+      </p:nvGrpSpPr>
+      <p:grpSpPr>
+        <a:xfrm>
+          <a:off x="0" y="0"/>
+          <a:ext cx="0" cy="0"/>
+          <a:chOff x="0" y="0"/>
+          <a:chExt cx="0" cy="0"/>
+        </a:xfrm>
+      </p:grpSpPr>
+      <p:sp>
+        <p:nvSpPr>
+          <p:cNvPr id="2" name="幻灯片图像占位符 1"/>
+          <p:cNvSpPr>
+            <a:spLocks noGrp="1" noRot="1" noChangeAspect="1"/>
+          </p:cNvSpPr>
+          <p:nvPr>
+            <p:ph type="sldImg"/>
+          </p:nvPr>
+        </p:nvSpPr>
+        <p:spPr/>
+      </p:sp>
+      <p:sp>
+        <p:nvSpPr>
+          <p:cNvPr id="3" name="备注占位符 2"/>
+          <p:cNvSpPr>
+            <a:spLocks noGrp="1"/>
+          </p:cNvSpPr>
+          <p:nvPr>
+            <p:ph type="body" idx="1"/>
+          </p:nvPr>
+        </p:nvSpPr>
+        <p:spPr/>
+        <p:txBody>
+          <a:bodyPr>
+            <a:normAutofit/>
+          </a:bodyPr>
+          <a:lstStyle/>
+          <a:p>
+            <a:endParaRPr lang="zh-CN" altLang="en-US" dirty="0"/>
+          </a:p>
+        </p:txBody>
+      </p:sp>
+      <p:sp>
+        <p:nvSpPr>
+          <p:cNvPr id="4" name="灯片编号占位符 3"/>
+          <p:cNvSpPr>
+            <a:spLocks noGrp="1"/>
+          </p:cNvSpPr>
+          <p:nvPr>
+            <p:ph type="sldNum" sz="quarter" idx="10"/>
+          </p:nvPr>
+        </p:nvSpPr>
+        <p:spPr/>
+        <p:txBody>
+          <a:bodyPr/>
+          <a:lstStyle/>
+          <a:p>
+            <a:fld id="{F36645F3-DF14-4580-88C0-61136AC25E0B}" type="slidenum">
+              <a:rPr lang="zh-CN" altLang="en-US" smtClean="0"/>
+              <a:pPr/>
+              <a:t>11</a:t>
             </a:fld>
             <a:endParaRPr lang="zh-CN" altLang="en-US"/>
           </a:p>
@@ -1007,7 +1099,7 @@
             <a:fld id="{530820CF-B880-4189-942D-D702A7CBA730}" type="datetimeFigureOut">
               <a:rPr lang="zh-CN" altLang="en-US" smtClean="0"/>
               <a:pPr/>
-              <a:t>2017/10/17</a:t>
+              <a:t>2017/10/18</a:t>
             </a:fld>
             <a:endParaRPr lang="zh-CN" altLang="en-US"/>
           </a:p>
@@ -1322,7 +1414,7 @@
             <a:fld id="{530820CF-B880-4189-942D-D702A7CBA730}" type="datetimeFigureOut">
               <a:rPr lang="zh-CN" altLang="en-US" smtClean="0"/>
               <a:pPr/>
-              <a:t>2017/10/17</a:t>
+              <a:t>2017/10/18</a:t>
             </a:fld>
             <a:endParaRPr lang="zh-CN" altLang="en-US"/>
           </a:p>
@@ -1509,7 +1601,7 @@
             <a:fld id="{530820CF-B880-4189-942D-D702A7CBA730}" type="datetimeFigureOut">
               <a:rPr lang="zh-CN" altLang="en-US" smtClean="0"/>
               <a:pPr/>
-              <a:t>2017/10/17</a:t>
+              <a:t>2017/10/18</a:t>
             </a:fld>
             <a:endParaRPr lang="zh-CN" altLang="en-US"/>
           </a:p>
@@ -1686,7 +1778,7 @@
             <a:fld id="{530820CF-B880-4189-942D-D702A7CBA730}" type="datetimeFigureOut">
               <a:rPr lang="zh-CN" altLang="en-US" smtClean="0"/>
               <a:pPr/>
-              <a:t>2017/10/17</a:t>
+              <a:t>2017/10/18</a:t>
             </a:fld>
             <a:endParaRPr lang="zh-CN" altLang="en-US"/>
           </a:p>
@@ -1956,7 +2048,7 @@
             <a:fld id="{530820CF-B880-4189-942D-D702A7CBA730}" type="datetimeFigureOut">
               <a:rPr lang="zh-CN" altLang="en-US" smtClean="0"/>
               <a:pPr/>
-              <a:t>2017/10/17</a:t>
+              <a:t>2017/10/18</a:t>
             </a:fld>
             <a:endParaRPr lang="zh-CN" altLang="en-US"/>
           </a:p>
@@ -2426,7 +2518,7 @@
             <a:fld id="{530820CF-B880-4189-942D-D702A7CBA730}" type="datetimeFigureOut">
               <a:rPr lang="zh-CN" altLang="en-US" smtClean="0"/>
               <a:pPr/>
-              <a:t>2017/10/17</a:t>
+              <a:t>2017/10/18</a:t>
             </a:fld>
             <a:endParaRPr lang="zh-CN" altLang="en-US"/>
           </a:p>
@@ -2917,7 +3009,7 @@
             <a:fld id="{530820CF-B880-4189-942D-D702A7CBA730}" type="datetimeFigureOut">
               <a:rPr lang="zh-CN" altLang="en-US" smtClean="0"/>
               <a:pPr/>
-              <a:t>2017/10/17</a:t>
+              <a:t>2017/10/18</a:t>
             </a:fld>
             <a:endParaRPr lang="zh-CN" altLang="en-US"/>
           </a:p>
@@ -3045,7 +3137,7 @@
             <a:fld id="{530820CF-B880-4189-942D-D702A7CBA730}" type="datetimeFigureOut">
               <a:rPr lang="zh-CN" altLang="en-US" smtClean="0"/>
               <a:pPr/>
-              <a:t>2017/10/17</a:t>
+              <a:t>2017/10/18</a:t>
             </a:fld>
             <a:endParaRPr lang="zh-CN" altLang="en-US"/>
           </a:p>
@@ -3191,7 +3283,7 @@
             <a:fld id="{530820CF-B880-4189-942D-D702A7CBA730}" type="datetimeFigureOut">
               <a:rPr lang="zh-CN" altLang="en-US" smtClean="0"/>
               <a:pPr/>
-              <a:t>2017/10/17</a:t>
+              <a:t>2017/10/18</a:t>
             </a:fld>
             <a:endParaRPr lang="zh-CN" altLang="en-US"/>
           </a:p>
@@ -3515,7 +3607,7 @@
             <a:fld id="{530820CF-B880-4189-942D-D702A7CBA730}" type="datetimeFigureOut">
               <a:rPr lang="zh-CN" altLang="en-US" smtClean="0"/>
               <a:pPr/>
-              <a:t>2017/10/17</a:t>
+              <a:t>2017/10/18</a:t>
             </a:fld>
             <a:endParaRPr lang="zh-CN" altLang="en-US"/>
           </a:p>
@@ -3651,7 +3743,7 @@
             <a:fld id="{530820CF-B880-4189-942D-D702A7CBA730}" type="datetimeFigureOut">
               <a:rPr lang="zh-CN" altLang="en-US" smtClean="0"/>
               <a:pPr/>
-              <a:t>2017/10/17</a:t>
+              <a:t>2017/10/18</a:t>
             </a:fld>
             <a:endParaRPr lang="zh-CN" altLang="en-US"/>
           </a:p>
@@ -4434,7 +4526,7 @@
             <a:fld id="{530820CF-B880-4189-942D-D702A7CBA730}" type="datetimeFigureOut">
               <a:rPr lang="zh-CN" altLang="en-US" smtClean="0"/>
               <a:pPr/>
-              <a:t>2017/10/17</a:t>
+              <a:t>2017/10/18</a:t>
             </a:fld>
             <a:endParaRPr lang="zh-CN" altLang="en-US"/>
           </a:p>
@@ -5018,15 +5110,7 @@
           <a:p>
             <a:r>
               <a:rPr lang="zh-CN" altLang="en-US" dirty="0" smtClean="0"/>
-              <a:t>设计“</a:t>
-            </a:r>
-            <a:r>
-              <a:rPr lang="zh-CN" altLang="en-US" dirty="0" smtClean="0"/>
-              <a:t>项目</a:t>
-            </a:r>
-            <a:r>
-              <a:rPr lang="zh-CN" altLang="en-US" dirty="0" smtClean="0"/>
-              <a:t>”</a:t>
+              <a:t>设计“项目”</a:t>
             </a:r>
             <a:endParaRPr lang="zh-CN" altLang="en-US" dirty="0"/>
           </a:p>
@@ -5049,7 +5133,23 @@
           <a:p>
             <a:r>
               <a:rPr lang="zh-CN" altLang="en-US" dirty="0" smtClean="0"/>
-              <a:t>设计一个课程购买网站，可以将各个课程添加到自己的购物车，点击提交时，将购物车里的数据提交到后台，存储至数据库。</a:t>
+              <a:t>设计一个课程购买网站，可以</a:t>
+            </a:r>
+            <a:r>
+              <a:rPr lang="zh-CN" altLang="en-US" dirty="0" smtClean="0"/>
+              <a:t>将</a:t>
+            </a:r>
+            <a:r>
+              <a:rPr lang="zh-CN" altLang="en-US" dirty="0" smtClean="0"/>
+              <a:t>喜欢的</a:t>
+            </a:r>
+            <a:r>
+              <a:rPr lang="zh-CN" altLang="en-US" dirty="0" smtClean="0"/>
+              <a:t>课程</a:t>
+            </a:r>
+            <a:r>
+              <a:rPr lang="zh-CN" altLang="en-US" dirty="0" smtClean="0"/>
+              <a:t>添加到自己的购物车，点击提交时，将购物车里的数据提交到后台，存储至数据库。</a:t>
             </a:r>
             <a:endParaRPr lang="zh-CN" altLang="en-US" dirty="0"/>
           </a:p>
@@ -5153,7 +5253,7 @@
           </p:nvPr>
         </p:nvPicPr>
         <p:blipFill>
-          <a:blip r:embed="rId2"/>
+          <a:blip r:embed="rId3"/>
           <a:srcRect/>
           <a:stretch>
             <a:fillRect/>
@@ -5177,6 +5277,127 @@
           <a:effectLst/>
         </p:spPr>
       </p:pic>
+      <p:pic>
+        <p:nvPicPr>
+          <p:cNvPr id="1026" name="Picture 2"/>
+          <p:cNvPicPr>
+            <a:picLocks noChangeAspect="1" noChangeArrowheads="1"/>
+          </p:cNvPicPr>
+          <p:nvPr/>
+        </p:nvPicPr>
+        <p:blipFill>
+          <a:blip r:embed="rId4"/>
+          <a:srcRect/>
+          <a:stretch>
+            <a:fillRect/>
+          </a:stretch>
+        </p:blipFill>
+        <p:spPr bwMode="auto">
+          <a:xfrm>
+            <a:off x="3929058" y="1500174"/>
+            <a:ext cx="5029200" cy="4276725"/>
+          </a:xfrm>
+          <a:prstGeom prst="rect">
+            <a:avLst/>
+          </a:prstGeom>
+          <a:noFill/>
+          <a:ln w="9525">
+            <a:noFill/>
+            <a:miter lim="800000"/>
+            <a:headEnd/>
+            <a:tailEnd/>
+          </a:ln>
+          <a:effectLst/>
+        </p:spPr>
+      </p:pic>
+      <p:sp>
+        <p:nvSpPr>
+          <p:cNvPr id="5" name="TextBox 4"/>
+          <p:cNvSpPr txBox="1"/>
+          <p:nvPr/>
+        </p:nvSpPr>
+        <p:spPr>
+          <a:xfrm>
+            <a:off x="1000100" y="5857892"/>
+            <a:ext cx="8001056" cy="369332"/>
+          </a:xfrm>
+          <a:prstGeom prst="rect">
+            <a:avLst/>
+          </a:prstGeom>
+          <a:noFill/>
+        </p:spPr>
+        <p:txBody>
+          <a:bodyPr wrap="square" rtlCol="0">
+            <a:spAutoFit/>
+          </a:bodyPr>
+          <a:lstStyle/>
+          <a:p>
+            <a:r>
+              <a:rPr lang="zh-CN" altLang="en-US" dirty="0" smtClean="0">
+                <a:hlinkClick r:id="rId5" action="ppaction://hlinkfile"/>
+              </a:rPr>
+              <a:t>原</a:t>
+            </a:r>
+            <a:r>
+              <a:rPr lang="zh-CN" altLang="en-US" dirty="0" smtClean="0">
+                <a:hlinkClick r:id="rId5" action="ppaction://hlinkfile"/>
+              </a:rPr>
+              <a:t>生</a:t>
+            </a:r>
+            <a:r>
+              <a:rPr lang="en-US" altLang="zh-CN" dirty="0" err="1" smtClean="0">
+                <a:hlinkClick r:id="rId5" action="ppaction://hlinkfile"/>
+              </a:rPr>
+              <a:t>js</a:t>
+            </a:r>
+            <a:r>
+              <a:rPr lang="en-US" altLang="zh-CN" dirty="0" smtClean="0">
+                <a:hlinkClick r:id="rId5" action="ppaction://hlinkfile"/>
+              </a:rPr>
+              <a:t> demo</a:t>
+            </a:r>
+            <a:endParaRPr lang="zh-CN" altLang="en-US" dirty="0"/>
+          </a:p>
+        </p:txBody>
+      </p:sp>
+      <p:sp>
+        <p:nvSpPr>
+          <p:cNvPr id="6" name="TextBox 5"/>
+          <p:cNvSpPr txBox="1"/>
+          <p:nvPr/>
+        </p:nvSpPr>
+        <p:spPr>
+          <a:xfrm>
+            <a:off x="1071538" y="6286520"/>
+            <a:ext cx="7858180" cy="369332"/>
+          </a:xfrm>
+          <a:prstGeom prst="rect">
+            <a:avLst/>
+          </a:prstGeom>
+          <a:noFill/>
+        </p:spPr>
+        <p:txBody>
+          <a:bodyPr wrap="square" rtlCol="0">
+            <a:spAutoFit/>
+          </a:bodyPr>
+          <a:lstStyle/>
+          <a:p>
+            <a:r>
+              <a:rPr lang="en-US" altLang="zh-CN" dirty="0" err="1" smtClean="0">
+                <a:hlinkClick r:id="rId6" action="ppaction://hlinkfile"/>
+              </a:rPr>
+              <a:t>Jquery</a:t>
+            </a:r>
+            <a:r>
+              <a:rPr lang="en-US" altLang="zh-CN" dirty="0" smtClean="0">
+                <a:hlinkClick r:id="rId6" action="ppaction://hlinkfile"/>
+              </a:rPr>
+              <a:t> demo</a:t>
+            </a:r>
+            <a:endParaRPr lang="zh-CN" altLang="en-US" dirty="0"/>
+          </a:p>
+        </p:txBody>
+      </p:sp>
     </p:spTree>
   </p:cSld>
   <p:clrMapOvr>
@@ -5185,14 +5406,300 @@
   <p:timing>
     <p:tnLst>
       <p:par>
-        <p:cTn id="1" dur="indefinite" restart="never" nodeType="tmRoot"/>
+        <p:cTn id="1" dur="indefinite" restart="never" nodeType="tmRoot">
+          <p:childTnLst>
+            <p:seq concurrent="1" nextAc="seek">
+              <p:cTn id="2" dur="indefinite" nodeType="mainSeq">
+                <p:childTnLst>
+                  <p:par>
+                    <p:cTn id="3" fill="hold">
+                      <p:stCondLst>
+                        <p:cond delay="indefinite"/>
+                      </p:stCondLst>
+                      <p:childTnLst>
+                        <p:par>
+                          <p:cTn id="4" fill="hold">
+                            <p:stCondLst>
+                              <p:cond delay="0"/>
+                            </p:stCondLst>
+                            <p:childTnLst>
+                              <p:par>
+                                <p:cTn id="5" presetID="10" presetClass="entr" presetSubtype="0" fill="hold" nodeType="clickEffect">
+                                  <p:stCondLst>
+                                    <p:cond delay="0"/>
+                                  </p:stCondLst>
+                                  <p:childTnLst>
+                                    <p:set>
+                                      <p:cBhvr>
+                                        <p:cTn id="6" dur="1" fill="hold">
+                                          <p:stCondLst>
+                                            <p:cond delay="0"/>
+                                          </p:stCondLst>
+                                        </p:cTn>
+                                        <p:tgtEl>
+                                          <p:spTgt spid="1026"/>
+                                        </p:tgtEl>
+                                        <p:attrNameLst>
+                                          <p:attrName>style.visibility</p:attrName>
+                                        </p:attrNameLst>
+                                      </p:cBhvr>
+                                      <p:to>
+                                        <p:strVal val="visible"/>
+                                      </p:to>
+                                    </p:set>
+                                    <p:animEffect transition="in" filter="fade">
+                                      <p:cBhvr>
+                                        <p:cTn id="7" dur="2000"/>
+                                        <p:tgtEl>
+                                          <p:spTgt spid="1026"/>
+                                        </p:tgtEl>
+                                      </p:cBhvr>
+                                    </p:animEffect>
+                                  </p:childTnLst>
+                                </p:cTn>
+                              </p:par>
+                            </p:childTnLst>
+                          </p:cTn>
+                        </p:par>
+                      </p:childTnLst>
+                    </p:cTn>
+                  </p:par>
+                  <p:par>
+                    <p:cTn id="8" fill="hold">
+                      <p:stCondLst>
+                        <p:cond delay="indefinite"/>
+                      </p:stCondLst>
+                      <p:childTnLst>
+                        <p:par>
+                          <p:cTn id="9" fill="hold">
+                            <p:stCondLst>
+                              <p:cond delay="0"/>
+                            </p:stCondLst>
+                            <p:childTnLst>
+                              <p:par>
+                                <p:cTn id="10" presetID="2" presetClass="entr" presetSubtype="4" fill="hold" grpId="0" nodeType="clickEffect">
+                                  <p:stCondLst>
+                                    <p:cond delay="0"/>
+                                  </p:stCondLst>
+                                  <p:childTnLst>
+                                    <p:set>
+                                      <p:cBhvr>
+                                        <p:cTn id="11" dur="1" fill="hold">
+                                          <p:stCondLst>
+                                            <p:cond delay="0"/>
+                                          </p:stCondLst>
+                                        </p:cTn>
+                                        <p:tgtEl>
+                                          <p:spTgt spid="5">
+                                            <p:txEl>
+                                              <p:pRg st="0" end="0"/>
+                                            </p:txEl>
+                                          </p:spTgt>
+                                        </p:tgtEl>
+                                        <p:attrNameLst>
+                                          <p:attrName>style.visibility</p:attrName>
+                                        </p:attrNameLst>
+                                      </p:cBhvr>
+                                      <p:to>
+                                        <p:strVal val="visible"/>
+                                      </p:to>
+                                    </p:set>
+                                    <p:anim calcmode="lin" valueType="num">
+                                      <p:cBhvr additive="base">
+                                        <p:cTn id="12" dur="500" fill="hold"/>
+                                        <p:tgtEl>
+                                          <p:spTgt spid="5">
+                                            <p:txEl>
+                                              <p:pRg st="0" end="0"/>
+                                            </p:txEl>
+                                          </p:spTgt>
+                                        </p:tgtEl>
+                                        <p:attrNameLst>
+                                          <p:attrName>ppt_x</p:attrName>
+                                        </p:attrNameLst>
+                                      </p:cBhvr>
+                                      <p:tavLst>
+                                        <p:tav tm="0">
+                                          <p:val>
+                                            <p:strVal val="#ppt_x"/>
+                                          </p:val>
+                                        </p:tav>
+                                        <p:tav tm="100000">
+                                          <p:val>
+                                            <p:strVal val="#ppt_x"/>
+                                          </p:val>
+                                        </p:tav>
+                                      </p:tavLst>
+                                    </p:anim>
+                                    <p:anim calcmode="lin" valueType="num">
+                                      <p:cBhvr additive="base">
+                                        <p:cTn id="13" dur="500" fill="hold"/>
+                                        <p:tgtEl>
+                                          <p:spTgt spid="5">
+                                            <p:txEl>
+                                              <p:pRg st="0" end="0"/>
+                                            </p:txEl>
+                                          </p:spTgt>
+                                        </p:tgtEl>
+                                        <p:attrNameLst>
+                                          <p:attrName>ppt_y</p:attrName>
+                                        </p:attrNameLst>
+                                      </p:cBhvr>
+                                      <p:tavLst>
+                                        <p:tav tm="0">
+                                          <p:val>
+                                            <p:strVal val="1+#ppt_h/2"/>
+                                          </p:val>
+                                        </p:tav>
+                                        <p:tav tm="100000">
+                                          <p:val>
+                                            <p:strVal val="#ppt_y"/>
+                                          </p:val>
+                                        </p:tav>
+                                      </p:tavLst>
+                                    </p:anim>
+                                  </p:childTnLst>
+                                </p:cTn>
+                              </p:par>
+                            </p:childTnLst>
+                          </p:cTn>
+                        </p:par>
+                      </p:childTnLst>
+                    </p:cTn>
+                  </p:par>
+                  <p:par>
+                    <p:cTn id="14" fill="hold">
+                      <p:stCondLst>
+                        <p:cond delay="indefinite"/>
+                      </p:stCondLst>
+                      <p:childTnLst>
+                        <p:par>
+                          <p:cTn id="15" fill="hold">
+                            <p:stCondLst>
+                              <p:cond delay="0"/>
+                            </p:stCondLst>
+                            <p:childTnLst>
+                              <p:par>
+                                <p:cTn id="16" presetID="2" presetClass="entr" presetSubtype="4" fill="hold" grpId="0" nodeType="clickEffect">
+                                  <p:stCondLst>
+                                    <p:cond delay="0"/>
+                                  </p:stCondLst>
+                                  <p:childTnLst>
+                                    <p:set>
+                                      <p:cBhvr>
+                                        <p:cTn id="17" dur="1" fill="hold">
+                                          <p:stCondLst>
+                                            <p:cond delay="0"/>
+                                          </p:stCondLst>
+                                        </p:cTn>
+                                        <p:tgtEl>
+                                          <p:spTgt spid="6">
+                                            <p:txEl>
+                                              <p:pRg st="0" end="0"/>
+                                            </p:txEl>
+                                          </p:spTgt>
+                                        </p:tgtEl>
+                                        <p:attrNameLst>
+                                          <p:attrName>style.visibility</p:attrName>
+                                        </p:attrNameLst>
+                                      </p:cBhvr>
+                                      <p:to>
+                                        <p:strVal val="visible"/>
+                                      </p:to>
+                                    </p:set>
+                                    <p:anim calcmode="lin" valueType="num">
+                                      <p:cBhvr additive="base">
+                                        <p:cTn id="18" dur="500" fill="hold"/>
+                                        <p:tgtEl>
+                                          <p:spTgt spid="6">
+                                            <p:txEl>
+                                              <p:pRg st="0" end="0"/>
+                                            </p:txEl>
+                                          </p:spTgt>
+                                        </p:tgtEl>
+                                        <p:attrNameLst>
+                                          <p:attrName>ppt_x</p:attrName>
+                                        </p:attrNameLst>
+                                      </p:cBhvr>
+                                      <p:tavLst>
+                                        <p:tav tm="0">
+                                          <p:val>
+                                            <p:strVal val="#ppt_x"/>
+                                          </p:val>
+                                        </p:tav>
+                                        <p:tav tm="100000">
+                                          <p:val>
+                                            <p:strVal val="#ppt_x"/>
+                                          </p:val>
+                                        </p:tav>
+                                      </p:tavLst>
+                                    </p:anim>
+                                    <p:anim calcmode="lin" valueType="num">
+                                      <p:cBhvr additive="base">
+                                        <p:cTn id="19" dur="500" fill="hold"/>
+                                        <p:tgtEl>
+                                          <p:spTgt spid="6">
+                                            <p:txEl>
+                                              <p:pRg st="0" end="0"/>
+                                            </p:txEl>
+                                          </p:spTgt>
+                                        </p:tgtEl>
+                                        <p:attrNameLst>
+                                          <p:attrName>ppt_y</p:attrName>
+                                        </p:attrNameLst>
+                                      </p:cBhvr>
+                                      <p:tavLst>
+                                        <p:tav tm="0">
+                                          <p:val>
+                                            <p:strVal val="1+#ppt_h/2"/>
+                                          </p:val>
+                                        </p:tav>
+                                        <p:tav tm="100000">
+                                          <p:val>
+                                            <p:strVal val="#ppt_y"/>
+                                          </p:val>
+                                        </p:tav>
+                                      </p:tavLst>
+                                    </p:anim>
+                                  </p:childTnLst>
+                                </p:cTn>
+                              </p:par>
+                            </p:childTnLst>
+                          </p:cTn>
+                        </p:par>
+                      </p:childTnLst>
+                    </p:cTn>
+                  </p:par>
+                </p:childTnLst>
+              </p:cTn>
+              <p:prevCondLst>
+                <p:cond evt="onPrev" delay="0">
+                  <p:tgtEl>
+                    <p:sldTgt/>
+                  </p:tgtEl>
+                </p:cond>
+              </p:prevCondLst>
+              <p:nextCondLst>
+                <p:cond evt="onNext" delay="0">
+                  <p:tgtEl>
+                    <p:sldTgt/>
+                  </p:tgtEl>
+                </p:cond>
+              </p:nextCondLst>
+            </p:seq>
+          </p:childTnLst>
+        </p:cTn>
       </p:par>
     </p:tnLst>
+    <p:bldLst>
+      <p:bldP spid="5" grpId="0" build="allAtOnce"/>
+      <p:bldP spid="6" grpId="0" build="allAtOnce"/>
+    </p:bldLst>
   </p:timing>
 </p:sld>
 </file>
 
-<file path=ppt/slides/slide2.xml><?xml version="1.0" encoding="utf-8"?>
+<file path=ppt/slides/slide12.xml><?xml version="1.0" encoding="utf-8"?>
 <p:sld xmlns:a="http://schemas.openxmlformats.org/drawingml/2006/main" xmlns:r="http://schemas.openxmlformats.org/officeDocument/2006/relationships" xmlns:p="http://schemas.openxmlformats.org/presentationml/2006/main">
   <p:cSld>
     <p:spTree>
@@ -5225,8 +5732,20 @@
           <a:lstStyle/>
           <a:p>
             <a:r>
+              <a:rPr lang="en-US" altLang="zh-CN" dirty="0" smtClean="0"/>
+              <a:t>Js</a:t>
+            </a:r>
+            <a:r>
               <a:rPr lang="zh-CN" altLang="en-US" dirty="0" smtClean="0"/>
-              <a:t>总技术架构</a:t>
+              <a:t>和</a:t>
+            </a:r>
+            <a:r>
+              <a:rPr lang="en-US" altLang="zh-CN" dirty="0" err="1" smtClean="0"/>
+              <a:t>jQuery</a:t>
+            </a:r>
+            <a:r>
+              <a:rPr lang="zh-CN" altLang="en-US" dirty="0" smtClean="0"/>
+              <a:t>的关系</a:t>
             </a:r>
             <a:endParaRPr lang="zh-CN" altLang="en-US" dirty="0"/>
           </a:p>
@@ -5247,93 +5766,112 @@
           <a:bodyPr/>
           <a:lstStyle/>
           <a:p>
-            <a:endParaRPr lang="zh-CN" altLang="en-US" dirty="0"/>
-          </a:p>
-        </p:txBody>
-      </p:sp>
-      <p:sp>
-        <p:nvSpPr>
-          <p:cNvPr id="5" name="TextBox 4"/>
-          <p:cNvSpPr txBox="1"/>
-          <p:nvPr/>
-        </p:nvSpPr>
-        <p:spPr>
-          <a:xfrm>
-            <a:off x="428564" y="6286520"/>
-            <a:ext cx="8715436" cy="369332"/>
-          </a:xfrm>
-          <a:prstGeom prst="rect">
-            <a:avLst/>
-          </a:prstGeom>
-          <a:noFill/>
-        </p:spPr>
-        <p:txBody>
-          <a:bodyPr wrap="square" rtlCol="0">
-            <a:spAutoFit/>
-          </a:bodyPr>
-          <a:lstStyle/>
-          <a:p>
-            <a:r>
-              <a:rPr lang="en-US" altLang="zh-CN" dirty="0" smtClean="0">
-                <a:hlinkClick r:id="rId3"/>
-              </a:rPr>
-              <a:t>https://www.processon.com/view/link/59e407e3e4b06e04d962234d</a:t>
-            </a:r>
-            <a:endParaRPr lang="zh-CN" altLang="en-US" dirty="0"/>
-          </a:p>
-        </p:txBody>
-      </p:sp>
-      <p:pic>
-        <p:nvPicPr>
-          <p:cNvPr id="1027" name="Picture 3"/>
-          <p:cNvPicPr>
-            <a:picLocks noChangeAspect="1" noChangeArrowheads="1"/>
-          </p:cNvPicPr>
-          <p:nvPr/>
-        </p:nvPicPr>
-        <p:blipFill>
-          <a:blip r:embed="rId4"/>
-          <a:srcRect/>
-          <a:stretch>
-            <a:fillRect/>
-          </a:stretch>
-        </p:blipFill>
-        <p:spPr bwMode="auto">
-          <a:xfrm>
-            <a:off x="-285784" y="1357298"/>
-            <a:ext cx="9787006" cy="4708919"/>
-          </a:xfrm>
-          <a:prstGeom prst="rect">
-            <a:avLst/>
-          </a:prstGeom>
-          <a:noFill/>
-          <a:ln w="9525">
-            <a:noFill/>
-            <a:miter lim="800000"/>
-            <a:headEnd/>
-            <a:tailEnd/>
-          </a:ln>
-          <a:effectLst/>
-        </p:spPr>
-      </p:pic>
+            <a:r>
+              <a:rPr lang="en-US" dirty="0" err="1" smtClean="0"/>
+              <a:t>jQuery</a:t>
+            </a:r>
+            <a:r>
+              <a:rPr lang="zh-CN" altLang="en-US" dirty="0" smtClean="0"/>
+              <a:t>是一个兼容多浏览器的</a:t>
+            </a:r>
+            <a:r>
+              <a:rPr lang="en-US" dirty="0" err="1" smtClean="0"/>
+              <a:t>javascript</a:t>
+            </a:r>
+            <a:r>
+              <a:rPr lang="zh-CN" altLang="en-US" dirty="0" smtClean="0"/>
+              <a:t>库，核心理念是</a:t>
+            </a:r>
+            <a:r>
+              <a:rPr lang="en-US" dirty="0" smtClean="0"/>
+              <a:t>write </a:t>
+            </a:r>
+            <a:r>
+              <a:rPr lang="en-US" dirty="0" err="1" smtClean="0"/>
+              <a:t>less,do</a:t>
+            </a:r>
+            <a:r>
+              <a:rPr lang="en-US" dirty="0" smtClean="0"/>
+              <a:t> more(</a:t>
+            </a:r>
+            <a:r>
+              <a:rPr lang="zh-CN" altLang="en-US" dirty="0" smtClean="0"/>
+              <a:t>写得更少</a:t>
+            </a:r>
+            <a:r>
+              <a:rPr lang="en-US" altLang="zh-CN" dirty="0" smtClean="0"/>
+              <a:t>,</a:t>
+            </a:r>
+            <a:r>
+              <a:rPr lang="zh-CN" altLang="en-US" dirty="0" smtClean="0"/>
+              <a:t>做得更多</a:t>
+            </a:r>
+            <a:r>
+              <a:rPr lang="en-US" altLang="zh-CN" dirty="0" smtClean="0"/>
+              <a:t>)</a:t>
+            </a:r>
+          </a:p>
+          <a:p>
+            <a:r>
+              <a:rPr lang="en-US" altLang="zh-CN" dirty="0" err="1" smtClean="0"/>
+              <a:t>jquery</a:t>
+            </a:r>
+            <a:r>
+              <a:rPr lang="zh-CN" altLang="en-US" dirty="0" smtClean="0"/>
+              <a:t>对</a:t>
+            </a:r>
+            <a:r>
+              <a:rPr lang="en-US" altLang="zh-CN" dirty="0" smtClean="0"/>
+              <a:t>DOM</a:t>
+            </a:r>
+            <a:r>
+              <a:rPr lang="zh-CN" altLang="en-US" dirty="0" smtClean="0"/>
+              <a:t>的操作极度</a:t>
+            </a:r>
+            <a:r>
+              <a:rPr lang="zh-CN" altLang="en-US" dirty="0" smtClean="0"/>
+              <a:t>简化，</a:t>
+            </a:r>
+            <a:r>
+              <a:rPr lang="zh-CN" altLang="en-US" dirty="0" smtClean="0"/>
+              <a:t>提高了开发效率</a:t>
+            </a:r>
+            <a:r>
+              <a:rPr lang="en-US" altLang="zh-CN" dirty="0" smtClean="0"/>
+              <a:t>, </a:t>
+            </a:r>
+            <a:r>
+              <a:rPr lang="zh-CN" altLang="en-US" dirty="0" smtClean="0"/>
+              <a:t>减少重复</a:t>
+            </a:r>
+            <a:r>
+              <a:rPr lang="zh-CN" altLang="en-US" dirty="0" smtClean="0"/>
+              <a:t>劳动</a:t>
+            </a:r>
+            <a:endParaRPr lang="en-US" altLang="zh-CN" dirty="0" smtClean="0"/>
+          </a:p>
+        </p:txBody>
+      </p:sp>
     </p:spTree>
   </p:cSld>
   <p:clrMapOvr>
     <a:masterClrMapping/>
   </p:clrMapOvr>
-  <p:timing>
-    <p:tnLst>
-      <p:par>
-        <p:cTn id="1" dur="indefinite" restart="never" nodeType="tmRoot"/>
-      </p:par>
-    </p:tnLst>
-  </p:timing>
 </p:sld>
 </file>
 
-<file path=ppt/slides/slide3.xml><?xml version="1.0" encoding="utf-8"?>
+<file path=ppt/slides/slide13.xml><?xml version="1.0" encoding="utf-8"?>
 <p:sld xmlns:a="http://schemas.openxmlformats.org/drawingml/2006/main" xmlns:r="http://schemas.openxmlformats.org/officeDocument/2006/relationships" xmlns:p="http://schemas.openxmlformats.org/presentationml/2006/main">
   <p:cSld>
+    <p:bg>
+      <p:bgPr>
+        <a:blipFill>
+          <a:blip r:embed="rId3"/>
+          <a:tile tx="0" ty="0" sx="100000" sy="100000" flip="none" algn="tl"/>
+        </a:blipFill>
+        <a:effectLst/>
+      </p:bgPr>
+    </p:bg>
     <p:spTree>
       <p:nvGrpSpPr>
         <p:cNvPr id="1" name=""/>
@@ -5350,7 +5888,7 @@
       </p:grpSpPr>
       <p:sp>
         <p:nvSpPr>
-          <p:cNvPr id="2" name="标题 1"/>
+          <p:cNvPr id="9" name="标题 8"/>
           <p:cNvSpPr>
             <a:spLocks noGrp="1"/>
           </p:cNvSpPr>
@@ -5363,21 +5901,13 @@
           <a:bodyPr/>
           <a:lstStyle/>
           <a:p>
-            <a:r>
-              <a:rPr lang="en-US" altLang="zh-CN" dirty="0" smtClean="0"/>
-              <a:t>http</a:t>
-            </a:r>
-            <a:r>
-              <a:rPr lang="zh-CN" altLang="en-US" dirty="0" smtClean="0"/>
-              <a:t>请求是怎么样一个过程</a:t>
-            </a:r>
             <a:endParaRPr lang="zh-CN" altLang="en-US" dirty="0"/>
           </a:p>
         </p:txBody>
       </p:sp>
       <p:sp>
         <p:nvSpPr>
-          <p:cNvPr id="3" name="内容占位符 2"/>
+          <p:cNvPr id="5" name="内容占位符 4"/>
           <p:cNvSpPr>
             <a:spLocks noGrp="1"/>
           </p:cNvSpPr>
@@ -5387,74 +5917,133 @@
         </p:nvSpPr>
         <p:spPr/>
         <p:txBody>
-          <a:bodyPr/>
-          <a:lstStyle/>
-          <a:p>
-            <a:endParaRPr lang="zh-CN" altLang="en-US" dirty="0"/>
-          </a:p>
-        </p:txBody>
-      </p:sp>
-      <p:pic>
-        <p:nvPicPr>
-          <p:cNvPr id="2050" name="Picture 2"/>
-          <p:cNvPicPr>
-            <a:picLocks noChangeAspect="1" noChangeArrowheads="1"/>
-          </p:cNvPicPr>
-          <p:nvPr/>
-        </p:nvPicPr>
-        <p:blipFill>
-          <a:blip r:embed="rId3"/>
-          <a:srcRect/>
-          <a:stretch>
-            <a:fillRect/>
-          </a:stretch>
-        </p:blipFill>
-        <p:spPr bwMode="auto">
-          <a:xfrm>
-            <a:off x="214282" y="1500174"/>
-            <a:ext cx="8689818" cy="4572032"/>
-          </a:xfrm>
-          <a:prstGeom prst="rect">
-            <a:avLst/>
-          </a:prstGeom>
-          <a:noFill/>
-          <a:ln w="9525">
-            <a:noFill/>
-            <a:miter lim="800000"/>
-            <a:headEnd/>
-            <a:tailEnd/>
-          </a:ln>
-          <a:effectLst/>
-        </p:spPr>
-      </p:pic>
-      <p:sp>
-        <p:nvSpPr>
-          <p:cNvPr id="6" name="TextBox 5"/>
-          <p:cNvSpPr txBox="1"/>
-          <p:nvPr/>
-        </p:nvSpPr>
-        <p:spPr>
-          <a:xfrm>
-            <a:off x="428564" y="6286520"/>
-            <a:ext cx="8715436" cy="369332"/>
-          </a:xfrm>
-          <a:prstGeom prst="rect">
-            <a:avLst/>
-          </a:prstGeom>
-          <a:noFill/>
-        </p:spPr>
-        <p:txBody>
-          <a:bodyPr wrap="square" rtlCol="0">
-            <a:spAutoFit/>
+          <a:bodyPr>
+            <a:normAutofit fontScale="70000" lnSpcReduction="20000"/>
           </a:bodyPr>
           <a:lstStyle/>
           <a:p>
             <a:r>
-              <a:rPr lang="en-US" altLang="zh-CN" dirty="0" smtClean="0">
-                <a:hlinkClick r:id="rId4"/>
-              </a:rPr>
-              <a:t>http://www.zhihuishu.com/</a:t>
-            </a:r>
+              <a:rPr lang="zh-CN" altLang="en-US" dirty="0" smtClean="0"/>
+              <a:t>计算机技术是有层次的。</a:t>
+            </a:r>
+            <a:br>
+              <a:rPr lang="zh-CN" altLang="en-US" dirty="0" smtClean="0"/>
+            </a:br>
+            <a:r>
+              <a:rPr lang="zh-CN" altLang="en-US" dirty="0" smtClean="0"/>
+              <a:t>举个例子：</a:t>
+            </a:r>
+            <a:br>
+              <a:rPr lang="zh-CN" altLang="en-US" dirty="0" smtClean="0"/>
+            </a:br>
+            <a:r>
+              <a:rPr lang="en-US" altLang="zh-CN" dirty="0" smtClean="0"/>
+              <a:t>bootstrap -&gt; </a:t>
+            </a:r>
+            <a:r>
+              <a:rPr lang="en-US" altLang="zh-CN" dirty="0" err="1" smtClean="0"/>
+              <a:t>jQuery</a:t>
+            </a:r>
+            <a:r>
+              <a:rPr lang="en-US" altLang="zh-CN" dirty="0" smtClean="0"/>
+              <a:t> -&gt; </a:t>
+            </a:r>
+            <a:r>
+              <a:rPr lang="en-US" altLang="zh-CN" dirty="0" err="1" smtClean="0"/>
+              <a:t>js</a:t>
+            </a:r>
+            <a:r>
+              <a:rPr lang="en-US" altLang="zh-CN" dirty="0" smtClean="0"/>
+              <a:t> -&gt; V8 -&gt; C++ -&gt; </a:t>
+            </a:r>
+            <a:r>
+              <a:rPr lang="zh-CN" altLang="en-US" dirty="0" smtClean="0"/>
+              <a:t>汇编 </a:t>
+            </a:r>
+            <a:r>
+              <a:rPr lang="en-US" altLang="zh-CN" dirty="0" smtClean="0"/>
+              <a:t>-&gt; </a:t>
+            </a:r>
+            <a:r>
+              <a:rPr lang="zh-CN" altLang="en-US" dirty="0" smtClean="0"/>
+              <a:t>处理器架构 </a:t>
+            </a:r>
+            <a:r>
+              <a:rPr lang="en-US" altLang="zh-CN" dirty="0" smtClean="0"/>
+              <a:t>-&gt; </a:t>
+            </a:r>
+            <a:r>
+              <a:rPr lang="zh-CN" altLang="en-US" dirty="0" smtClean="0"/>
+              <a:t>电路设计 </a:t>
+            </a:r>
+            <a:r>
+              <a:rPr lang="en-US" altLang="zh-CN" dirty="0" smtClean="0"/>
+              <a:t>-&gt; </a:t>
+            </a:r>
+            <a:r>
+              <a:rPr lang="zh-CN" altLang="en-US" dirty="0" smtClean="0"/>
+              <a:t>半导体材料</a:t>
+            </a:r>
+            <a:r>
+              <a:rPr lang="en-US" altLang="zh-CN" dirty="0" smtClean="0"/>
+              <a:t>-&gt; ...</a:t>
+            </a:r>
+          </a:p>
+          <a:p>
+            <a:r>
+              <a:rPr lang="zh-CN" altLang="en-US" dirty="0" smtClean="0"/>
+              <a:t>分层的好处就是让不同层次的开发者只需要关注与之相关的几个层次就可以高效地进行生产，而不需要过度了解底层和上层的细节。</a:t>
+            </a:r>
+          </a:p>
+          <a:p>
+            <a:r>
+              <a:rPr lang="zh-CN" altLang="en-US" dirty="0" smtClean="0"/>
+              <a:t/>
+            </a:r>
+            <a:br>
+              <a:rPr lang="zh-CN" altLang="en-US" dirty="0" smtClean="0"/>
+            </a:br>
+            <a:r>
+              <a:rPr lang="zh-CN" altLang="en-US" dirty="0" smtClean="0"/>
+              <a:t/>
+            </a:r>
+            <a:br>
+              <a:rPr lang="zh-CN" altLang="en-US" dirty="0" smtClean="0"/>
+            </a:br>
+            <a:r>
+              <a:rPr lang="zh-CN" altLang="en-US" dirty="0" smtClean="0"/>
+              <a:t>作者：知乎用户</a:t>
+            </a:r>
+            <a:br>
+              <a:rPr lang="zh-CN" altLang="en-US" dirty="0" smtClean="0"/>
+            </a:br>
+            <a:r>
+              <a:rPr lang="zh-CN" altLang="en-US" dirty="0" smtClean="0"/>
+              <a:t>链接：</a:t>
+            </a:r>
+            <a:r>
+              <a:rPr lang="en-US" altLang="zh-CN" dirty="0" smtClean="0"/>
+              <a:t>https://www.zhihu.com/question/36498186/answer/67902815</a:t>
+            </a:r>
+            <a:br>
+              <a:rPr lang="en-US" altLang="zh-CN" dirty="0" smtClean="0"/>
+            </a:br>
+            <a:r>
+              <a:rPr lang="zh-CN" altLang="en-US" dirty="0" smtClean="0"/>
+              <a:t>来源：知乎</a:t>
+            </a:r>
+            <a:br>
+              <a:rPr lang="zh-CN" altLang="en-US" dirty="0" smtClean="0"/>
+            </a:br>
+            <a:r>
+              <a:rPr lang="zh-CN" altLang="en-US" dirty="0" smtClean="0"/>
+              <a:t>著作权归作者所有。商业转载请联系作者获得授权，非商业转载请注明出处。</a:t>
+            </a:r>
+          </a:p>
+          <a:p>
+            <a:pPr>
+              <a:buNone/>
+            </a:pPr>
             <a:endParaRPr lang="zh-CN" altLang="en-US" dirty="0"/>
           </a:p>
         </p:txBody>
@@ -5462,21 +6051,23 @@
     </p:spTree>
   </p:cSld>
   <p:clrMapOvr>
-    <a:masterClrMapping/>
+    <a:overrideClrMapping bg1="lt1" tx1="dk1" bg2="lt2" tx2="dk2" accent1="accent1" accent2="accent2" accent3="accent3" accent4="accent4" accent5="accent5" accent6="accent6" hlink="hlink" folHlink="folHlink"/>
   </p:clrMapOvr>
-  <p:timing>
-    <p:tnLst>
-      <p:par>
-        <p:cTn id="1" dur="indefinite" restart="never" nodeType="tmRoot"/>
-      </p:par>
-    </p:tnLst>
-  </p:timing>
 </p:sld>
 </file>
 
-<file path=ppt/slides/slide4.xml><?xml version="1.0" encoding="utf-8"?>
+<file path=ppt/slides/slide14.xml><?xml version="1.0" encoding="utf-8"?>
 <p:sld xmlns:a="http://schemas.openxmlformats.org/drawingml/2006/main" xmlns:r="http://schemas.openxmlformats.org/officeDocument/2006/relationships" xmlns:p="http://schemas.openxmlformats.org/presentationml/2006/main">
   <p:cSld>
+    <p:bg>
+      <p:bgPr>
+        <a:blipFill>
+          <a:blip r:embed="rId2"/>
+          <a:tile tx="0" ty="0" sx="100000" sy="100000" flip="none" algn="tl"/>
+        </a:blipFill>
+        <a:effectLst/>
+      </p:bgPr>
+    </p:bg>
     <p:spTree>
       <p:nvGrpSpPr>
         <p:cNvPr id="1" name=""/>
@@ -5501,372 +6092,6 @@
             <p:ph type="title"/>
           </p:nvPr>
         </p:nvSpPr>
-        <p:spPr/>
-        <p:txBody>
-          <a:bodyPr/>
-          <a:lstStyle/>
-          <a:p>
-            <a:endParaRPr lang="zh-CN" altLang="en-US"/>
-          </a:p>
-        </p:txBody>
-      </p:sp>
-      <p:sp>
-        <p:nvSpPr>
-          <p:cNvPr id="3" name="内容占位符 2"/>
-          <p:cNvSpPr>
-            <a:spLocks noGrp="1"/>
-          </p:cNvSpPr>
-          <p:nvPr>
-            <p:ph idx="1"/>
-          </p:nvPr>
-        </p:nvSpPr>
-        <p:spPr/>
-        <p:txBody>
-          <a:bodyPr/>
-          <a:lstStyle/>
-          <a:p>
-            <a:endParaRPr lang="zh-CN" altLang="en-US"/>
-          </a:p>
-        </p:txBody>
-      </p:sp>
-      <p:pic>
-        <p:nvPicPr>
-          <p:cNvPr id="3074" name="Picture 2"/>
-          <p:cNvPicPr>
-            <a:picLocks noChangeAspect="1" noChangeArrowheads="1"/>
-          </p:cNvPicPr>
-          <p:nvPr/>
-        </p:nvPicPr>
-        <p:blipFill>
-          <a:blip r:embed="rId2"/>
-          <a:srcRect/>
-          <a:stretch>
-            <a:fillRect/>
-          </a:stretch>
-        </p:blipFill>
-        <p:spPr bwMode="auto">
-          <a:xfrm>
-            <a:off x="0" y="0"/>
-            <a:ext cx="12087518" cy="6715148"/>
-          </a:xfrm>
-          <a:prstGeom prst="rect">
-            <a:avLst/>
-          </a:prstGeom>
-          <a:noFill/>
-          <a:ln w="9525">
-            <a:noFill/>
-            <a:miter lim="800000"/>
-            <a:headEnd/>
-            <a:tailEnd/>
-          </a:ln>
-          <a:effectLst/>
-        </p:spPr>
-      </p:pic>
-    </p:spTree>
-  </p:cSld>
-  <p:clrMapOvr>
-    <a:masterClrMapping/>
-  </p:clrMapOvr>
-  <p:timing>
-    <p:tnLst>
-      <p:par>
-        <p:cTn id="1" dur="indefinite" restart="never" nodeType="tmRoot"/>
-      </p:par>
-    </p:tnLst>
-  </p:timing>
-</p:sld>
-</file>
-
-<file path=ppt/slides/slide5.xml><?xml version="1.0" encoding="utf-8"?>
-<p:sld xmlns:a="http://schemas.openxmlformats.org/drawingml/2006/main" xmlns:r="http://schemas.openxmlformats.org/officeDocument/2006/relationships" xmlns:p="http://schemas.openxmlformats.org/presentationml/2006/main">
-  <p:cSld>
-    <p:spTree>
-      <p:nvGrpSpPr>
-        <p:cNvPr id="1" name=""/>
-        <p:cNvGrpSpPr/>
-        <p:nvPr/>
-      </p:nvGrpSpPr>
-      <p:grpSpPr>
-        <a:xfrm>
-          <a:off x="0" y="0"/>
-          <a:ext cx="0" cy="0"/>
-          <a:chOff x="0" y="0"/>
-          <a:chExt cx="0" cy="0"/>
-        </a:xfrm>
-      </p:grpSpPr>
-      <p:sp>
-        <p:nvSpPr>
-          <p:cNvPr id="2" name="标题 1"/>
-          <p:cNvSpPr>
-            <a:spLocks noGrp="1"/>
-          </p:cNvSpPr>
-          <p:nvPr>
-            <p:ph type="title"/>
-          </p:nvPr>
-        </p:nvSpPr>
-        <p:spPr/>
-        <p:txBody>
-          <a:bodyPr/>
-          <a:lstStyle/>
-          <a:p>
-            <a:endParaRPr lang="zh-CN" altLang="en-US"/>
-          </a:p>
-        </p:txBody>
-      </p:sp>
-      <p:sp>
-        <p:nvSpPr>
-          <p:cNvPr id="3" name="内容占位符 2"/>
-          <p:cNvSpPr>
-            <a:spLocks noGrp="1"/>
-          </p:cNvSpPr>
-          <p:nvPr>
-            <p:ph idx="1"/>
-          </p:nvPr>
-        </p:nvSpPr>
-        <p:spPr/>
-        <p:txBody>
-          <a:bodyPr/>
-          <a:lstStyle/>
-          <a:p>
-            <a:endParaRPr lang="zh-CN" altLang="en-US"/>
-          </a:p>
-        </p:txBody>
-      </p:sp>
-      <p:pic>
-        <p:nvPicPr>
-          <p:cNvPr id="6146" name="Picture 2"/>
-          <p:cNvPicPr>
-            <a:picLocks noChangeAspect="1" noChangeArrowheads="1"/>
-          </p:cNvPicPr>
-          <p:nvPr/>
-        </p:nvPicPr>
-        <p:blipFill>
-          <a:blip r:embed="rId2"/>
-          <a:srcRect/>
-          <a:stretch>
-            <a:fillRect/>
-          </a:stretch>
-        </p:blipFill>
-        <p:spPr bwMode="auto">
-          <a:xfrm>
-            <a:off x="0" y="-112713"/>
-            <a:ext cx="10533063" cy="6970713"/>
-          </a:xfrm>
-          <a:prstGeom prst="rect">
-            <a:avLst/>
-          </a:prstGeom>
-          <a:noFill/>
-          <a:ln w="9525">
-            <a:noFill/>
-            <a:miter lim="800000"/>
-            <a:headEnd/>
-            <a:tailEnd/>
-          </a:ln>
-          <a:effectLst/>
-        </p:spPr>
-      </p:pic>
-    </p:spTree>
-  </p:cSld>
-  <p:clrMapOvr>
-    <a:masterClrMapping/>
-  </p:clrMapOvr>
-  <p:timing>
-    <p:tnLst>
-      <p:par>
-        <p:cTn id="1" dur="indefinite" restart="never" nodeType="tmRoot"/>
-      </p:par>
-    </p:tnLst>
-  </p:timing>
-</p:sld>
-</file>
-
-<file path=ppt/slides/slide6.xml><?xml version="1.0" encoding="utf-8"?>
-<p:sld xmlns:a="http://schemas.openxmlformats.org/drawingml/2006/main" xmlns:r="http://schemas.openxmlformats.org/officeDocument/2006/relationships" xmlns:p="http://schemas.openxmlformats.org/presentationml/2006/main">
-  <p:cSld>
-    <p:spTree>
-      <p:nvGrpSpPr>
-        <p:cNvPr id="1" name=""/>
-        <p:cNvGrpSpPr/>
-        <p:nvPr/>
-      </p:nvGrpSpPr>
-      <p:grpSpPr>
-        <a:xfrm>
-          <a:off x="0" y="0"/>
-          <a:ext cx="0" cy="0"/>
-          <a:chOff x="0" y="0"/>
-          <a:chExt cx="0" cy="0"/>
-        </a:xfrm>
-      </p:grpSpPr>
-      <p:sp>
-        <p:nvSpPr>
-          <p:cNvPr id="2" name="标题 1"/>
-          <p:cNvSpPr>
-            <a:spLocks noGrp="1"/>
-          </p:cNvSpPr>
-          <p:nvPr>
-            <p:ph type="title"/>
-          </p:nvPr>
-        </p:nvSpPr>
-        <p:spPr/>
-        <p:txBody>
-          <a:bodyPr/>
-          <a:lstStyle/>
-          <a:p>
-            <a:r>
-              <a:rPr lang="zh-CN" altLang="en-US" dirty="0" smtClean="0"/>
-              <a:t>服务器端</a:t>
-            </a:r>
-            <a:r>
-              <a:rPr lang="en-US" altLang="zh-CN" dirty="0" err="1" smtClean="0"/>
-              <a:t>js</a:t>
-            </a:r>
-            <a:endParaRPr lang="zh-CN" altLang="en-US" dirty="0"/>
-          </a:p>
-        </p:txBody>
-      </p:sp>
-      <p:pic>
-        <p:nvPicPr>
-          <p:cNvPr id="5122" name="Picture 2"/>
-          <p:cNvPicPr>
-            <a:picLocks noGrp="1" noChangeAspect="1" noChangeArrowheads="1"/>
-          </p:cNvPicPr>
-          <p:nvPr>
-            <p:ph idx="1"/>
-          </p:nvPr>
-        </p:nvPicPr>
-        <p:blipFill>
-          <a:blip r:embed="rId3"/>
-          <a:srcRect/>
-          <a:stretch>
-            <a:fillRect/>
-          </a:stretch>
-        </p:blipFill>
-        <p:spPr bwMode="auto">
-          <a:xfrm>
-            <a:off x="1071538" y="4500570"/>
-            <a:ext cx="3819048" cy="457143"/>
-          </a:xfrm>
-          <a:prstGeom prst="rect">
-            <a:avLst/>
-          </a:prstGeom>
-          <a:noFill/>
-          <a:ln w="9525">
-            <a:noFill/>
-            <a:miter lim="800000"/>
-            <a:headEnd/>
-            <a:tailEnd/>
-          </a:ln>
-          <a:effectLst/>
-        </p:spPr>
-      </p:pic>
-      <p:pic>
-        <p:nvPicPr>
-          <p:cNvPr id="5123" name="Picture 3"/>
-          <p:cNvPicPr>
-            <a:picLocks noChangeAspect="1" noChangeArrowheads="1"/>
-          </p:cNvPicPr>
-          <p:nvPr/>
-        </p:nvPicPr>
-        <p:blipFill>
-          <a:blip r:embed="rId4"/>
-          <a:srcRect/>
-          <a:stretch>
-            <a:fillRect/>
-          </a:stretch>
-        </p:blipFill>
-        <p:spPr bwMode="auto">
-          <a:xfrm>
-            <a:off x="1142976" y="1571612"/>
-            <a:ext cx="6038850" cy="2743200"/>
-          </a:xfrm>
-          <a:prstGeom prst="rect">
-            <a:avLst/>
-          </a:prstGeom>
-          <a:noFill/>
-          <a:ln w="9525">
-            <a:noFill/>
-            <a:miter lim="800000"/>
-            <a:headEnd/>
-            <a:tailEnd/>
-          </a:ln>
-          <a:effectLst/>
-        </p:spPr>
-      </p:pic>
-      <p:pic>
-        <p:nvPicPr>
-          <p:cNvPr id="5124" name="Picture 4"/>
-          <p:cNvPicPr>
-            <a:picLocks noChangeAspect="1" noChangeArrowheads="1"/>
-          </p:cNvPicPr>
-          <p:nvPr/>
-        </p:nvPicPr>
-        <p:blipFill>
-          <a:blip r:embed="rId5"/>
-          <a:srcRect/>
-          <a:stretch>
-            <a:fillRect/>
-          </a:stretch>
-        </p:blipFill>
-        <p:spPr bwMode="auto">
-          <a:xfrm>
-            <a:off x="1142976" y="5214950"/>
-            <a:ext cx="3724275" cy="1181100"/>
-          </a:xfrm>
-          <a:prstGeom prst="rect">
-            <a:avLst/>
-          </a:prstGeom>
-          <a:noFill/>
-          <a:ln w="9525">
-            <a:noFill/>
-            <a:miter lim="800000"/>
-            <a:headEnd/>
-            <a:tailEnd/>
-          </a:ln>
-          <a:effectLst/>
-        </p:spPr>
-      </p:pic>
-    </p:spTree>
-  </p:cSld>
-  <p:clrMapOvr>
-    <a:masterClrMapping/>
-  </p:clrMapOvr>
-  <p:timing>
-    <p:tnLst>
-      <p:par>
-        <p:cTn id="1" dur="indefinite" restart="never" nodeType="tmRoot"/>
-      </p:par>
-    </p:tnLst>
-  </p:timing>
-</p:sld>
-</file>
-
-<file path=ppt/slides/slide7.xml><?xml version="1.0" encoding="utf-8"?>
-<p:sld xmlns:a="http://schemas.openxmlformats.org/drawingml/2006/main" xmlns:r="http://schemas.openxmlformats.org/officeDocument/2006/relationships" xmlns:p="http://schemas.openxmlformats.org/presentationml/2006/main">
-  <p:cSld>
-    <p:spTree>
-      <p:nvGrpSpPr>
-        <p:cNvPr id="1" name=""/>
-        <p:cNvGrpSpPr/>
-        <p:nvPr/>
-      </p:nvGrpSpPr>
-      <p:grpSpPr>
-        <a:xfrm>
-          <a:off x="0" y="0"/>
-          <a:ext cx="0" cy="0"/>
-          <a:chOff x="0" y="0"/>
-          <a:chExt cx="0" cy="0"/>
-        </a:xfrm>
-      </p:grpSpPr>
-      <p:sp>
-        <p:nvSpPr>
-          <p:cNvPr id="2" name="标题 1"/>
-          <p:cNvSpPr>
-            <a:spLocks noGrp="1"/>
-          </p:cNvSpPr>
-          <p:nvPr>
-            <p:ph type="title"/>
-          </p:nvPr>
-        </p:nvSpPr>
         <p:spPr>
           <a:xfrm>
             <a:off x="1428728" y="274638"/>
@@ -5945,11 +6170,7 @@
             </a:r>
             <a:r>
               <a:rPr lang="zh-CN" altLang="en-US" dirty="0" smtClean="0"/>
-              <a:t>样式进行附着</a:t>
-            </a:r>
-            <a:r>
-              <a:rPr lang="zh-CN" altLang="en-US" dirty="0" smtClean="0"/>
-              <a:t>构造</a:t>
+              <a:t>样式进行附着构造</a:t>
             </a:r>
             <a:r>
               <a:rPr lang="en-US" altLang="zh-CN" dirty="0" smtClean="0"/>
@@ -6002,7 +6223,7 @@
           <p:nvPr/>
         </p:nvPicPr>
         <p:blipFill>
-          <a:blip r:embed="rId2"/>
+          <a:blip r:embed="rId3"/>
           <a:srcRect/>
           <a:stretch>
             <a:fillRect/>
@@ -6050,7 +6271,7 @@
           <a:p>
             <a:r>
               <a:rPr lang="en-US" altLang="zh-CN" dirty="0" smtClean="0">
-                <a:hlinkClick r:id="rId3"/>
+                <a:hlinkClick r:id="rId4"/>
               </a:rPr>
               <a:t>http://www.cnblogs.com/dojo-lzz/p/3983335.html</a:t>
             </a:r>
@@ -6187,6 +6408,1407 @@
 </p:sld>
 </file>
 
+<file path=ppt/slides/slide2.xml><?xml version="1.0" encoding="utf-8"?>
+<p:sld xmlns:a="http://schemas.openxmlformats.org/drawingml/2006/main" xmlns:r="http://schemas.openxmlformats.org/officeDocument/2006/relationships" xmlns:p="http://schemas.openxmlformats.org/presentationml/2006/main">
+  <p:cSld>
+    <p:spTree>
+      <p:nvGrpSpPr>
+        <p:cNvPr id="1" name=""/>
+        <p:cNvGrpSpPr/>
+        <p:nvPr/>
+      </p:nvGrpSpPr>
+      <p:grpSpPr>
+        <a:xfrm>
+          <a:off x="0" y="0"/>
+          <a:ext cx="0" cy="0"/>
+          <a:chOff x="0" y="0"/>
+          <a:chExt cx="0" cy="0"/>
+        </a:xfrm>
+      </p:grpSpPr>
+      <p:sp>
+        <p:nvSpPr>
+          <p:cNvPr id="2" name="标题 1"/>
+          <p:cNvSpPr>
+            <a:spLocks noGrp="1"/>
+          </p:cNvSpPr>
+          <p:nvPr>
+            <p:ph type="title"/>
+          </p:nvPr>
+        </p:nvSpPr>
+        <p:spPr/>
+        <p:txBody>
+          <a:bodyPr/>
+          <a:lstStyle/>
+          <a:p>
+            <a:endParaRPr lang="zh-CN" altLang="en-US" dirty="0"/>
+          </a:p>
+        </p:txBody>
+      </p:sp>
+      <p:sp>
+        <p:nvSpPr>
+          <p:cNvPr id="3" name="内容占位符 2"/>
+          <p:cNvSpPr>
+            <a:spLocks noGrp="1"/>
+          </p:cNvSpPr>
+          <p:nvPr>
+            <p:ph idx="1"/>
+          </p:nvPr>
+        </p:nvSpPr>
+        <p:spPr/>
+        <p:txBody>
+          <a:bodyPr/>
+          <a:lstStyle/>
+          <a:p>
+            <a:r>
+              <a:rPr lang="zh-CN" altLang="en-US" dirty="0" smtClean="0"/>
+              <a:t>经济学的供求关系</a:t>
+            </a:r>
+            <a:endParaRPr lang="en-US" altLang="zh-CN" dirty="0" smtClean="0"/>
+          </a:p>
+          <a:p>
+            <a:r>
+              <a:rPr lang="zh-CN" altLang="en-US" dirty="0" smtClean="0"/>
+              <a:t>高考、中考</a:t>
+            </a:r>
+            <a:endParaRPr lang="en-US" altLang="zh-CN" dirty="0" smtClean="0"/>
+          </a:p>
+          <a:p>
+            <a:r>
+              <a:rPr lang="zh-CN" altLang="en-US" dirty="0" smtClean="0"/>
+              <a:t>男女爱情</a:t>
+            </a:r>
+            <a:endParaRPr lang="en-US" altLang="zh-CN" dirty="0" smtClean="0"/>
+          </a:p>
+          <a:p>
+            <a:r>
+              <a:rPr lang="zh-CN" altLang="en-US" dirty="0" smtClean="0"/>
+              <a:t>游戏和工作里任务</a:t>
+            </a:r>
+            <a:endParaRPr lang="en-US" altLang="zh-CN" dirty="0" smtClean="0"/>
+          </a:p>
+          <a:p>
+            <a:r>
+              <a:rPr lang="zh-CN" altLang="en-US" dirty="0" smtClean="0"/>
+              <a:t>综艺节目</a:t>
+            </a:r>
+            <a:endParaRPr lang="en-US" altLang="zh-CN" dirty="0" smtClean="0"/>
+          </a:p>
+          <a:p>
+            <a:r>
+              <a:rPr lang="zh-CN" altLang="en-US" dirty="0" smtClean="0"/>
+              <a:t>穷人的孩子早当家</a:t>
+            </a:r>
+            <a:endParaRPr lang="zh-CN" altLang="en-US" dirty="0"/>
+          </a:p>
+        </p:txBody>
+      </p:sp>
+    </p:spTree>
+  </p:cSld>
+  <p:clrMapOvr>
+    <a:masterClrMapping/>
+  </p:clrMapOvr>
+  <p:timing>
+    <p:tnLst>
+      <p:par>
+        <p:cTn id="1" dur="indefinite" restart="never" nodeType="tmRoot">
+          <p:childTnLst>
+            <p:seq concurrent="1" nextAc="seek">
+              <p:cTn id="2" dur="indefinite" nodeType="mainSeq">
+                <p:childTnLst>
+                  <p:par>
+                    <p:cTn id="3" fill="hold">
+                      <p:stCondLst>
+                        <p:cond delay="indefinite"/>
+                      </p:stCondLst>
+                      <p:childTnLst>
+                        <p:par>
+                          <p:cTn id="4" fill="hold">
+                            <p:stCondLst>
+                              <p:cond delay="0"/>
+                            </p:stCondLst>
+                            <p:childTnLst>
+                              <p:par>
+                                <p:cTn id="5" presetID="2" presetClass="entr" presetSubtype="4" fill="hold" grpId="0" nodeType="clickEffect">
+                                  <p:stCondLst>
+                                    <p:cond delay="0"/>
+                                  </p:stCondLst>
+                                  <p:childTnLst>
+                                    <p:set>
+                                      <p:cBhvr>
+                                        <p:cTn id="6" dur="1" fill="hold">
+                                          <p:stCondLst>
+                                            <p:cond delay="0"/>
+                                          </p:stCondLst>
+                                        </p:cTn>
+                                        <p:tgtEl>
+                                          <p:spTgt spid="3">
+                                            <p:txEl>
+                                              <p:pRg st="0" end="0"/>
+                                            </p:txEl>
+                                          </p:spTgt>
+                                        </p:tgtEl>
+                                        <p:attrNameLst>
+                                          <p:attrName>style.visibility</p:attrName>
+                                        </p:attrNameLst>
+                                      </p:cBhvr>
+                                      <p:to>
+                                        <p:strVal val="visible"/>
+                                      </p:to>
+                                    </p:set>
+                                    <p:anim calcmode="lin" valueType="num">
+                                      <p:cBhvr additive="base">
+                                        <p:cTn id="7" dur="500" fill="hold"/>
+                                        <p:tgtEl>
+                                          <p:spTgt spid="3">
+                                            <p:txEl>
+                                              <p:pRg st="0" end="0"/>
+                                            </p:txEl>
+                                          </p:spTgt>
+                                        </p:tgtEl>
+                                        <p:attrNameLst>
+                                          <p:attrName>ppt_x</p:attrName>
+                                        </p:attrNameLst>
+                                      </p:cBhvr>
+                                      <p:tavLst>
+                                        <p:tav tm="0">
+                                          <p:val>
+                                            <p:strVal val="#ppt_x"/>
+                                          </p:val>
+                                        </p:tav>
+                                        <p:tav tm="100000">
+                                          <p:val>
+                                            <p:strVal val="#ppt_x"/>
+                                          </p:val>
+                                        </p:tav>
+                                      </p:tavLst>
+                                    </p:anim>
+                                    <p:anim calcmode="lin" valueType="num">
+                                      <p:cBhvr additive="base">
+                                        <p:cTn id="8" dur="500" fill="hold"/>
+                                        <p:tgtEl>
+                                          <p:spTgt spid="3">
+                                            <p:txEl>
+                                              <p:pRg st="0" end="0"/>
+                                            </p:txEl>
+                                          </p:spTgt>
+                                        </p:tgtEl>
+                                        <p:attrNameLst>
+                                          <p:attrName>ppt_y</p:attrName>
+                                        </p:attrNameLst>
+                                      </p:cBhvr>
+                                      <p:tavLst>
+                                        <p:tav tm="0">
+                                          <p:val>
+                                            <p:strVal val="1+#ppt_h/2"/>
+                                          </p:val>
+                                        </p:tav>
+                                        <p:tav tm="100000">
+                                          <p:val>
+                                            <p:strVal val="#ppt_y"/>
+                                          </p:val>
+                                        </p:tav>
+                                      </p:tavLst>
+                                    </p:anim>
+                                  </p:childTnLst>
+                                </p:cTn>
+                              </p:par>
+                            </p:childTnLst>
+                          </p:cTn>
+                        </p:par>
+                      </p:childTnLst>
+                    </p:cTn>
+                  </p:par>
+                  <p:par>
+                    <p:cTn id="9" fill="hold">
+                      <p:stCondLst>
+                        <p:cond delay="indefinite"/>
+                      </p:stCondLst>
+                      <p:childTnLst>
+                        <p:par>
+                          <p:cTn id="10" fill="hold">
+                            <p:stCondLst>
+                              <p:cond delay="0"/>
+                            </p:stCondLst>
+                            <p:childTnLst>
+                              <p:par>
+                                <p:cTn id="11" presetID="2" presetClass="entr" presetSubtype="4" fill="hold" grpId="0" nodeType="clickEffect">
+                                  <p:stCondLst>
+                                    <p:cond delay="0"/>
+                                  </p:stCondLst>
+                                  <p:childTnLst>
+                                    <p:set>
+                                      <p:cBhvr>
+                                        <p:cTn id="12" dur="1" fill="hold">
+                                          <p:stCondLst>
+                                            <p:cond delay="0"/>
+                                          </p:stCondLst>
+                                        </p:cTn>
+                                        <p:tgtEl>
+                                          <p:spTgt spid="3">
+                                            <p:txEl>
+                                              <p:pRg st="1" end="1"/>
+                                            </p:txEl>
+                                          </p:spTgt>
+                                        </p:tgtEl>
+                                        <p:attrNameLst>
+                                          <p:attrName>style.visibility</p:attrName>
+                                        </p:attrNameLst>
+                                      </p:cBhvr>
+                                      <p:to>
+                                        <p:strVal val="visible"/>
+                                      </p:to>
+                                    </p:set>
+                                    <p:anim calcmode="lin" valueType="num">
+                                      <p:cBhvr additive="base">
+                                        <p:cTn id="13" dur="500" fill="hold"/>
+                                        <p:tgtEl>
+                                          <p:spTgt spid="3">
+                                            <p:txEl>
+                                              <p:pRg st="1" end="1"/>
+                                            </p:txEl>
+                                          </p:spTgt>
+                                        </p:tgtEl>
+                                        <p:attrNameLst>
+                                          <p:attrName>ppt_x</p:attrName>
+                                        </p:attrNameLst>
+                                      </p:cBhvr>
+                                      <p:tavLst>
+                                        <p:tav tm="0">
+                                          <p:val>
+                                            <p:strVal val="#ppt_x"/>
+                                          </p:val>
+                                        </p:tav>
+                                        <p:tav tm="100000">
+                                          <p:val>
+                                            <p:strVal val="#ppt_x"/>
+                                          </p:val>
+                                        </p:tav>
+                                      </p:tavLst>
+                                    </p:anim>
+                                    <p:anim calcmode="lin" valueType="num">
+                                      <p:cBhvr additive="base">
+                                        <p:cTn id="14" dur="500" fill="hold"/>
+                                        <p:tgtEl>
+                                          <p:spTgt spid="3">
+                                            <p:txEl>
+                                              <p:pRg st="1" end="1"/>
+                                            </p:txEl>
+                                          </p:spTgt>
+                                        </p:tgtEl>
+                                        <p:attrNameLst>
+                                          <p:attrName>ppt_y</p:attrName>
+                                        </p:attrNameLst>
+                                      </p:cBhvr>
+                                      <p:tavLst>
+                                        <p:tav tm="0">
+                                          <p:val>
+                                            <p:strVal val="1+#ppt_h/2"/>
+                                          </p:val>
+                                        </p:tav>
+                                        <p:tav tm="100000">
+                                          <p:val>
+                                            <p:strVal val="#ppt_y"/>
+                                          </p:val>
+                                        </p:tav>
+                                      </p:tavLst>
+                                    </p:anim>
+                                  </p:childTnLst>
+                                </p:cTn>
+                              </p:par>
+                            </p:childTnLst>
+                          </p:cTn>
+                        </p:par>
+                      </p:childTnLst>
+                    </p:cTn>
+                  </p:par>
+                  <p:par>
+                    <p:cTn id="15" fill="hold">
+                      <p:stCondLst>
+                        <p:cond delay="indefinite"/>
+                      </p:stCondLst>
+                      <p:childTnLst>
+                        <p:par>
+                          <p:cTn id="16" fill="hold">
+                            <p:stCondLst>
+                              <p:cond delay="0"/>
+                            </p:stCondLst>
+                            <p:childTnLst>
+                              <p:par>
+                                <p:cTn id="17" presetID="2" presetClass="entr" presetSubtype="4" fill="hold" grpId="0" nodeType="clickEffect">
+                                  <p:stCondLst>
+                                    <p:cond delay="0"/>
+                                  </p:stCondLst>
+                                  <p:childTnLst>
+                                    <p:set>
+                                      <p:cBhvr>
+                                        <p:cTn id="18" dur="1" fill="hold">
+                                          <p:stCondLst>
+                                            <p:cond delay="0"/>
+                                          </p:stCondLst>
+                                        </p:cTn>
+                                        <p:tgtEl>
+                                          <p:spTgt spid="3">
+                                            <p:txEl>
+                                              <p:pRg st="2" end="2"/>
+                                            </p:txEl>
+                                          </p:spTgt>
+                                        </p:tgtEl>
+                                        <p:attrNameLst>
+                                          <p:attrName>style.visibility</p:attrName>
+                                        </p:attrNameLst>
+                                      </p:cBhvr>
+                                      <p:to>
+                                        <p:strVal val="visible"/>
+                                      </p:to>
+                                    </p:set>
+                                    <p:anim calcmode="lin" valueType="num">
+                                      <p:cBhvr additive="base">
+                                        <p:cTn id="19" dur="500" fill="hold"/>
+                                        <p:tgtEl>
+                                          <p:spTgt spid="3">
+                                            <p:txEl>
+                                              <p:pRg st="2" end="2"/>
+                                            </p:txEl>
+                                          </p:spTgt>
+                                        </p:tgtEl>
+                                        <p:attrNameLst>
+                                          <p:attrName>ppt_x</p:attrName>
+                                        </p:attrNameLst>
+                                      </p:cBhvr>
+                                      <p:tavLst>
+                                        <p:tav tm="0">
+                                          <p:val>
+                                            <p:strVal val="#ppt_x"/>
+                                          </p:val>
+                                        </p:tav>
+                                        <p:tav tm="100000">
+                                          <p:val>
+                                            <p:strVal val="#ppt_x"/>
+                                          </p:val>
+                                        </p:tav>
+                                      </p:tavLst>
+                                    </p:anim>
+                                    <p:anim calcmode="lin" valueType="num">
+                                      <p:cBhvr additive="base">
+                                        <p:cTn id="20" dur="500" fill="hold"/>
+                                        <p:tgtEl>
+                                          <p:spTgt spid="3">
+                                            <p:txEl>
+                                              <p:pRg st="2" end="2"/>
+                                            </p:txEl>
+                                          </p:spTgt>
+                                        </p:tgtEl>
+                                        <p:attrNameLst>
+                                          <p:attrName>ppt_y</p:attrName>
+                                        </p:attrNameLst>
+                                      </p:cBhvr>
+                                      <p:tavLst>
+                                        <p:tav tm="0">
+                                          <p:val>
+                                            <p:strVal val="1+#ppt_h/2"/>
+                                          </p:val>
+                                        </p:tav>
+                                        <p:tav tm="100000">
+                                          <p:val>
+                                            <p:strVal val="#ppt_y"/>
+                                          </p:val>
+                                        </p:tav>
+                                      </p:tavLst>
+                                    </p:anim>
+                                  </p:childTnLst>
+                                </p:cTn>
+                              </p:par>
+                            </p:childTnLst>
+                          </p:cTn>
+                        </p:par>
+                      </p:childTnLst>
+                    </p:cTn>
+                  </p:par>
+                  <p:par>
+                    <p:cTn id="21" fill="hold">
+                      <p:stCondLst>
+                        <p:cond delay="indefinite"/>
+                      </p:stCondLst>
+                      <p:childTnLst>
+                        <p:par>
+                          <p:cTn id="22" fill="hold">
+                            <p:stCondLst>
+                              <p:cond delay="0"/>
+                            </p:stCondLst>
+                            <p:childTnLst>
+                              <p:par>
+                                <p:cTn id="23" presetID="2" presetClass="entr" presetSubtype="4" fill="hold" grpId="0" nodeType="clickEffect">
+                                  <p:stCondLst>
+                                    <p:cond delay="0"/>
+                                  </p:stCondLst>
+                                  <p:childTnLst>
+                                    <p:set>
+                                      <p:cBhvr>
+                                        <p:cTn id="24" dur="1" fill="hold">
+                                          <p:stCondLst>
+                                            <p:cond delay="0"/>
+                                          </p:stCondLst>
+                                        </p:cTn>
+                                        <p:tgtEl>
+                                          <p:spTgt spid="3">
+                                            <p:txEl>
+                                              <p:pRg st="3" end="3"/>
+                                            </p:txEl>
+                                          </p:spTgt>
+                                        </p:tgtEl>
+                                        <p:attrNameLst>
+                                          <p:attrName>style.visibility</p:attrName>
+                                        </p:attrNameLst>
+                                      </p:cBhvr>
+                                      <p:to>
+                                        <p:strVal val="visible"/>
+                                      </p:to>
+                                    </p:set>
+                                    <p:anim calcmode="lin" valueType="num">
+                                      <p:cBhvr additive="base">
+                                        <p:cTn id="25" dur="500" fill="hold"/>
+                                        <p:tgtEl>
+                                          <p:spTgt spid="3">
+                                            <p:txEl>
+                                              <p:pRg st="3" end="3"/>
+                                            </p:txEl>
+                                          </p:spTgt>
+                                        </p:tgtEl>
+                                        <p:attrNameLst>
+                                          <p:attrName>ppt_x</p:attrName>
+                                        </p:attrNameLst>
+                                      </p:cBhvr>
+                                      <p:tavLst>
+                                        <p:tav tm="0">
+                                          <p:val>
+                                            <p:strVal val="#ppt_x"/>
+                                          </p:val>
+                                        </p:tav>
+                                        <p:tav tm="100000">
+                                          <p:val>
+                                            <p:strVal val="#ppt_x"/>
+                                          </p:val>
+                                        </p:tav>
+                                      </p:tavLst>
+                                    </p:anim>
+                                    <p:anim calcmode="lin" valueType="num">
+                                      <p:cBhvr additive="base">
+                                        <p:cTn id="26" dur="500" fill="hold"/>
+                                        <p:tgtEl>
+                                          <p:spTgt spid="3">
+                                            <p:txEl>
+                                              <p:pRg st="3" end="3"/>
+                                            </p:txEl>
+                                          </p:spTgt>
+                                        </p:tgtEl>
+                                        <p:attrNameLst>
+                                          <p:attrName>ppt_y</p:attrName>
+                                        </p:attrNameLst>
+                                      </p:cBhvr>
+                                      <p:tavLst>
+                                        <p:tav tm="0">
+                                          <p:val>
+                                            <p:strVal val="1+#ppt_h/2"/>
+                                          </p:val>
+                                        </p:tav>
+                                        <p:tav tm="100000">
+                                          <p:val>
+                                            <p:strVal val="#ppt_y"/>
+                                          </p:val>
+                                        </p:tav>
+                                      </p:tavLst>
+                                    </p:anim>
+                                  </p:childTnLst>
+                                </p:cTn>
+                              </p:par>
+                            </p:childTnLst>
+                          </p:cTn>
+                        </p:par>
+                      </p:childTnLst>
+                    </p:cTn>
+                  </p:par>
+                  <p:par>
+                    <p:cTn id="27" fill="hold">
+                      <p:stCondLst>
+                        <p:cond delay="indefinite"/>
+                      </p:stCondLst>
+                      <p:childTnLst>
+                        <p:par>
+                          <p:cTn id="28" fill="hold">
+                            <p:stCondLst>
+                              <p:cond delay="0"/>
+                            </p:stCondLst>
+                            <p:childTnLst>
+                              <p:par>
+                                <p:cTn id="29" presetID="2" presetClass="entr" presetSubtype="4" fill="hold" grpId="0" nodeType="clickEffect">
+                                  <p:stCondLst>
+                                    <p:cond delay="0"/>
+                                  </p:stCondLst>
+                                  <p:childTnLst>
+                                    <p:set>
+                                      <p:cBhvr>
+                                        <p:cTn id="30" dur="1" fill="hold">
+                                          <p:stCondLst>
+                                            <p:cond delay="0"/>
+                                          </p:stCondLst>
+                                        </p:cTn>
+                                        <p:tgtEl>
+                                          <p:spTgt spid="3">
+                                            <p:txEl>
+                                              <p:pRg st="4" end="4"/>
+                                            </p:txEl>
+                                          </p:spTgt>
+                                        </p:tgtEl>
+                                        <p:attrNameLst>
+                                          <p:attrName>style.visibility</p:attrName>
+                                        </p:attrNameLst>
+                                      </p:cBhvr>
+                                      <p:to>
+                                        <p:strVal val="visible"/>
+                                      </p:to>
+                                    </p:set>
+                                    <p:anim calcmode="lin" valueType="num">
+                                      <p:cBhvr additive="base">
+                                        <p:cTn id="31" dur="500" fill="hold"/>
+                                        <p:tgtEl>
+                                          <p:spTgt spid="3">
+                                            <p:txEl>
+                                              <p:pRg st="4" end="4"/>
+                                            </p:txEl>
+                                          </p:spTgt>
+                                        </p:tgtEl>
+                                        <p:attrNameLst>
+                                          <p:attrName>ppt_x</p:attrName>
+                                        </p:attrNameLst>
+                                      </p:cBhvr>
+                                      <p:tavLst>
+                                        <p:tav tm="0">
+                                          <p:val>
+                                            <p:strVal val="#ppt_x"/>
+                                          </p:val>
+                                        </p:tav>
+                                        <p:tav tm="100000">
+                                          <p:val>
+                                            <p:strVal val="#ppt_x"/>
+                                          </p:val>
+                                        </p:tav>
+                                      </p:tavLst>
+                                    </p:anim>
+                                    <p:anim calcmode="lin" valueType="num">
+                                      <p:cBhvr additive="base">
+                                        <p:cTn id="32" dur="500" fill="hold"/>
+                                        <p:tgtEl>
+                                          <p:spTgt spid="3">
+                                            <p:txEl>
+                                              <p:pRg st="4" end="4"/>
+                                            </p:txEl>
+                                          </p:spTgt>
+                                        </p:tgtEl>
+                                        <p:attrNameLst>
+                                          <p:attrName>ppt_y</p:attrName>
+                                        </p:attrNameLst>
+                                      </p:cBhvr>
+                                      <p:tavLst>
+                                        <p:tav tm="0">
+                                          <p:val>
+                                            <p:strVal val="1+#ppt_h/2"/>
+                                          </p:val>
+                                        </p:tav>
+                                        <p:tav tm="100000">
+                                          <p:val>
+                                            <p:strVal val="#ppt_y"/>
+                                          </p:val>
+                                        </p:tav>
+                                      </p:tavLst>
+                                    </p:anim>
+                                  </p:childTnLst>
+                                </p:cTn>
+                              </p:par>
+                            </p:childTnLst>
+                          </p:cTn>
+                        </p:par>
+                      </p:childTnLst>
+                    </p:cTn>
+                  </p:par>
+                  <p:par>
+                    <p:cTn id="33" fill="hold">
+                      <p:stCondLst>
+                        <p:cond delay="indefinite"/>
+                      </p:stCondLst>
+                      <p:childTnLst>
+                        <p:par>
+                          <p:cTn id="34" fill="hold">
+                            <p:stCondLst>
+                              <p:cond delay="0"/>
+                            </p:stCondLst>
+                            <p:childTnLst>
+                              <p:par>
+                                <p:cTn id="35" presetID="2" presetClass="entr" presetSubtype="4" fill="hold" grpId="0" nodeType="clickEffect">
+                                  <p:stCondLst>
+                                    <p:cond delay="0"/>
+                                  </p:stCondLst>
+                                  <p:childTnLst>
+                                    <p:set>
+                                      <p:cBhvr>
+                                        <p:cTn id="36" dur="1" fill="hold">
+                                          <p:stCondLst>
+                                            <p:cond delay="0"/>
+                                          </p:stCondLst>
+                                        </p:cTn>
+                                        <p:tgtEl>
+                                          <p:spTgt spid="3">
+                                            <p:txEl>
+                                              <p:pRg st="5" end="5"/>
+                                            </p:txEl>
+                                          </p:spTgt>
+                                        </p:tgtEl>
+                                        <p:attrNameLst>
+                                          <p:attrName>style.visibility</p:attrName>
+                                        </p:attrNameLst>
+                                      </p:cBhvr>
+                                      <p:to>
+                                        <p:strVal val="visible"/>
+                                      </p:to>
+                                    </p:set>
+                                    <p:anim calcmode="lin" valueType="num">
+                                      <p:cBhvr additive="base">
+                                        <p:cTn id="37" dur="500" fill="hold"/>
+                                        <p:tgtEl>
+                                          <p:spTgt spid="3">
+                                            <p:txEl>
+                                              <p:pRg st="5" end="5"/>
+                                            </p:txEl>
+                                          </p:spTgt>
+                                        </p:tgtEl>
+                                        <p:attrNameLst>
+                                          <p:attrName>ppt_x</p:attrName>
+                                        </p:attrNameLst>
+                                      </p:cBhvr>
+                                      <p:tavLst>
+                                        <p:tav tm="0">
+                                          <p:val>
+                                            <p:strVal val="#ppt_x"/>
+                                          </p:val>
+                                        </p:tav>
+                                        <p:tav tm="100000">
+                                          <p:val>
+                                            <p:strVal val="#ppt_x"/>
+                                          </p:val>
+                                        </p:tav>
+                                      </p:tavLst>
+                                    </p:anim>
+                                    <p:anim calcmode="lin" valueType="num">
+                                      <p:cBhvr additive="base">
+                                        <p:cTn id="38" dur="500" fill="hold"/>
+                                        <p:tgtEl>
+                                          <p:spTgt spid="3">
+                                            <p:txEl>
+                                              <p:pRg st="5" end="5"/>
+                                            </p:txEl>
+                                          </p:spTgt>
+                                        </p:tgtEl>
+                                        <p:attrNameLst>
+                                          <p:attrName>ppt_y</p:attrName>
+                                        </p:attrNameLst>
+                                      </p:cBhvr>
+                                      <p:tavLst>
+                                        <p:tav tm="0">
+                                          <p:val>
+                                            <p:strVal val="1+#ppt_h/2"/>
+                                          </p:val>
+                                        </p:tav>
+                                        <p:tav tm="100000">
+                                          <p:val>
+                                            <p:strVal val="#ppt_y"/>
+                                          </p:val>
+                                        </p:tav>
+                                      </p:tavLst>
+                                    </p:anim>
+                                  </p:childTnLst>
+                                </p:cTn>
+                              </p:par>
+                            </p:childTnLst>
+                          </p:cTn>
+                        </p:par>
+                      </p:childTnLst>
+                    </p:cTn>
+                  </p:par>
+                </p:childTnLst>
+              </p:cTn>
+              <p:prevCondLst>
+                <p:cond evt="onPrev" delay="0">
+                  <p:tgtEl>
+                    <p:sldTgt/>
+                  </p:tgtEl>
+                </p:cond>
+              </p:prevCondLst>
+              <p:nextCondLst>
+                <p:cond evt="onNext" delay="0">
+                  <p:tgtEl>
+                    <p:sldTgt/>
+                  </p:tgtEl>
+                </p:cond>
+              </p:nextCondLst>
+            </p:seq>
+          </p:childTnLst>
+        </p:cTn>
+      </p:par>
+    </p:tnLst>
+    <p:bldLst>
+      <p:bldP spid="3" grpId="0" build="p"/>
+    </p:bldLst>
+  </p:timing>
+</p:sld>
+</file>
+
+<file path=ppt/slides/slide3.xml><?xml version="1.0" encoding="utf-8"?>
+<p:sld xmlns:a="http://schemas.openxmlformats.org/drawingml/2006/main" xmlns:r="http://schemas.openxmlformats.org/officeDocument/2006/relationships" xmlns:p="http://schemas.openxmlformats.org/presentationml/2006/main">
+  <p:cSld>
+    <p:spTree>
+      <p:nvGrpSpPr>
+        <p:cNvPr id="1" name=""/>
+        <p:cNvGrpSpPr/>
+        <p:nvPr/>
+      </p:nvGrpSpPr>
+      <p:grpSpPr>
+        <a:xfrm>
+          <a:off x="0" y="0"/>
+          <a:ext cx="0" cy="0"/>
+          <a:chOff x="0" y="0"/>
+          <a:chExt cx="0" cy="0"/>
+        </a:xfrm>
+      </p:grpSpPr>
+      <p:sp>
+        <p:nvSpPr>
+          <p:cNvPr id="2" name="标题 1"/>
+          <p:cNvSpPr>
+            <a:spLocks noGrp="1"/>
+          </p:cNvSpPr>
+          <p:nvPr>
+            <p:ph type="title"/>
+          </p:nvPr>
+        </p:nvSpPr>
+        <p:spPr/>
+        <p:txBody>
+          <a:bodyPr/>
+          <a:lstStyle/>
+          <a:p>
+            <a:r>
+              <a:rPr lang="zh-CN" altLang="en-US" dirty="0" smtClean="0"/>
+              <a:t>总技术架构</a:t>
+            </a:r>
+            <a:endParaRPr lang="zh-CN" altLang="en-US" dirty="0"/>
+          </a:p>
+        </p:txBody>
+      </p:sp>
+      <p:sp>
+        <p:nvSpPr>
+          <p:cNvPr id="3" name="内容占位符 2"/>
+          <p:cNvSpPr>
+            <a:spLocks noGrp="1"/>
+          </p:cNvSpPr>
+          <p:nvPr>
+            <p:ph idx="1"/>
+          </p:nvPr>
+        </p:nvSpPr>
+        <p:spPr/>
+        <p:txBody>
+          <a:bodyPr/>
+          <a:lstStyle/>
+          <a:p>
+            <a:endParaRPr lang="zh-CN" altLang="en-US" dirty="0"/>
+          </a:p>
+        </p:txBody>
+      </p:sp>
+      <p:sp>
+        <p:nvSpPr>
+          <p:cNvPr id="5" name="TextBox 4"/>
+          <p:cNvSpPr txBox="1"/>
+          <p:nvPr/>
+        </p:nvSpPr>
+        <p:spPr>
+          <a:xfrm>
+            <a:off x="428564" y="6286520"/>
+            <a:ext cx="8715436" cy="369332"/>
+          </a:xfrm>
+          <a:prstGeom prst="rect">
+            <a:avLst/>
+          </a:prstGeom>
+          <a:noFill/>
+        </p:spPr>
+        <p:txBody>
+          <a:bodyPr wrap="square" rtlCol="0">
+            <a:spAutoFit/>
+          </a:bodyPr>
+          <a:lstStyle/>
+          <a:p>
+            <a:r>
+              <a:rPr lang="en-US" altLang="zh-CN" dirty="0" smtClean="0">
+                <a:hlinkClick r:id="rId3"/>
+              </a:rPr>
+              <a:t>https://www.processon.com/view/link/59e407e3e4b06e04d962234d</a:t>
+            </a:r>
+            <a:endParaRPr lang="zh-CN" altLang="en-US" dirty="0"/>
+          </a:p>
+        </p:txBody>
+      </p:sp>
+      <p:pic>
+        <p:nvPicPr>
+          <p:cNvPr id="1027" name="Picture 3"/>
+          <p:cNvPicPr>
+            <a:picLocks noChangeAspect="1" noChangeArrowheads="1"/>
+          </p:cNvPicPr>
+          <p:nvPr/>
+        </p:nvPicPr>
+        <p:blipFill>
+          <a:blip r:embed="rId4"/>
+          <a:srcRect/>
+          <a:stretch>
+            <a:fillRect/>
+          </a:stretch>
+        </p:blipFill>
+        <p:spPr bwMode="auto">
+          <a:xfrm>
+            <a:off x="-285784" y="1357298"/>
+            <a:ext cx="9787006" cy="4708919"/>
+          </a:xfrm>
+          <a:prstGeom prst="rect">
+            <a:avLst/>
+          </a:prstGeom>
+          <a:noFill/>
+          <a:ln w="9525">
+            <a:noFill/>
+            <a:miter lim="800000"/>
+            <a:headEnd/>
+            <a:tailEnd/>
+          </a:ln>
+          <a:effectLst/>
+        </p:spPr>
+      </p:pic>
+    </p:spTree>
+  </p:cSld>
+  <p:clrMapOvr>
+    <a:masterClrMapping/>
+  </p:clrMapOvr>
+  <p:timing>
+    <p:tnLst>
+      <p:par>
+        <p:cTn id="1" dur="indefinite" restart="never" nodeType="tmRoot"/>
+      </p:par>
+    </p:tnLst>
+  </p:timing>
+</p:sld>
+</file>
+
+<file path=ppt/slides/slide4.xml><?xml version="1.0" encoding="utf-8"?>
+<p:sld xmlns:a="http://schemas.openxmlformats.org/drawingml/2006/main" xmlns:r="http://schemas.openxmlformats.org/officeDocument/2006/relationships" xmlns:p="http://schemas.openxmlformats.org/presentationml/2006/main">
+  <p:cSld>
+    <p:spTree>
+      <p:nvGrpSpPr>
+        <p:cNvPr id="1" name=""/>
+        <p:cNvGrpSpPr/>
+        <p:nvPr/>
+      </p:nvGrpSpPr>
+      <p:grpSpPr>
+        <a:xfrm>
+          <a:off x="0" y="0"/>
+          <a:ext cx="0" cy="0"/>
+          <a:chOff x="0" y="0"/>
+          <a:chExt cx="0" cy="0"/>
+        </a:xfrm>
+      </p:grpSpPr>
+      <p:sp>
+        <p:nvSpPr>
+          <p:cNvPr id="2" name="标题 1"/>
+          <p:cNvSpPr>
+            <a:spLocks noGrp="1"/>
+          </p:cNvSpPr>
+          <p:nvPr>
+            <p:ph type="title"/>
+          </p:nvPr>
+        </p:nvSpPr>
+        <p:spPr/>
+        <p:txBody>
+          <a:bodyPr/>
+          <a:lstStyle/>
+          <a:p>
+            <a:r>
+              <a:rPr lang="en-US" altLang="zh-CN" dirty="0" smtClean="0"/>
+              <a:t>http</a:t>
+            </a:r>
+            <a:r>
+              <a:rPr lang="zh-CN" altLang="en-US" dirty="0" smtClean="0"/>
+              <a:t>请求是怎么样一个过程</a:t>
+            </a:r>
+            <a:endParaRPr lang="zh-CN" altLang="en-US" dirty="0"/>
+          </a:p>
+        </p:txBody>
+      </p:sp>
+      <p:sp>
+        <p:nvSpPr>
+          <p:cNvPr id="3" name="内容占位符 2"/>
+          <p:cNvSpPr>
+            <a:spLocks noGrp="1"/>
+          </p:cNvSpPr>
+          <p:nvPr>
+            <p:ph idx="1"/>
+          </p:nvPr>
+        </p:nvSpPr>
+        <p:spPr/>
+        <p:txBody>
+          <a:bodyPr/>
+          <a:lstStyle/>
+          <a:p>
+            <a:endParaRPr lang="zh-CN" altLang="en-US" dirty="0"/>
+          </a:p>
+        </p:txBody>
+      </p:sp>
+      <p:pic>
+        <p:nvPicPr>
+          <p:cNvPr id="2050" name="Picture 2"/>
+          <p:cNvPicPr>
+            <a:picLocks noChangeAspect="1" noChangeArrowheads="1"/>
+          </p:cNvPicPr>
+          <p:nvPr/>
+        </p:nvPicPr>
+        <p:blipFill>
+          <a:blip r:embed="rId3"/>
+          <a:srcRect/>
+          <a:stretch>
+            <a:fillRect/>
+          </a:stretch>
+        </p:blipFill>
+        <p:spPr bwMode="auto">
+          <a:xfrm>
+            <a:off x="214282" y="1500174"/>
+            <a:ext cx="8689818" cy="4572032"/>
+          </a:xfrm>
+          <a:prstGeom prst="rect">
+            <a:avLst/>
+          </a:prstGeom>
+          <a:noFill/>
+          <a:ln w="9525">
+            <a:noFill/>
+            <a:miter lim="800000"/>
+            <a:headEnd/>
+            <a:tailEnd/>
+          </a:ln>
+          <a:effectLst/>
+        </p:spPr>
+      </p:pic>
+      <p:sp>
+        <p:nvSpPr>
+          <p:cNvPr id="6" name="TextBox 5"/>
+          <p:cNvSpPr txBox="1"/>
+          <p:nvPr/>
+        </p:nvSpPr>
+        <p:spPr>
+          <a:xfrm>
+            <a:off x="428564" y="6286520"/>
+            <a:ext cx="8715436" cy="369332"/>
+          </a:xfrm>
+          <a:prstGeom prst="rect">
+            <a:avLst/>
+          </a:prstGeom>
+          <a:noFill/>
+        </p:spPr>
+        <p:txBody>
+          <a:bodyPr wrap="square" rtlCol="0">
+            <a:spAutoFit/>
+          </a:bodyPr>
+          <a:lstStyle/>
+          <a:p>
+            <a:r>
+              <a:rPr lang="en-US" altLang="zh-CN" dirty="0" smtClean="0">
+                <a:hlinkClick r:id="rId4"/>
+              </a:rPr>
+              <a:t>http://www.zhihuishu.com/</a:t>
+            </a:r>
+            <a:endParaRPr lang="zh-CN" altLang="en-US" dirty="0"/>
+          </a:p>
+        </p:txBody>
+      </p:sp>
+    </p:spTree>
+  </p:cSld>
+  <p:clrMapOvr>
+    <a:masterClrMapping/>
+  </p:clrMapOvr>
+  <p:timing>
+    <p:tnLst>
+      <p:par>
+        <p:cTn id="1" dur="indefinite" restart="never" nodeType="tmRoot"/>
+      </p:par>
+    </p:tnLst>
+  </p:timing>
+</p:sld>
+</file>
+
+<file path=ppt/slides/slide5.xml><?xml version="1.0" encoding="utf-8"?>
+<p:sld xmlns:a="http://schemas.openxmlformats.org/drawingml/2006/main" xmlns:r="http://schemas.openxmlformats.org/officeDocument/2006/relationships" xmlns:p="http://schemas.openxmlformats.org/presentationml/2006/main">
+  <p:cSld>
+    <p:spTree>
+      <p:nvGrpSpPr>
+        <p:cNvPr id="1" name=""/>
+        <p:cNvGrpSpPr/>
+        <p:nvPr/>
+      </p:nvGrpSpPr>
+      <p:grpSpPr>
+        <a:xfrm>
+          <a:off x="0" y="0"/>
+          <a:ext cx="0" cy="0"/>
+          <a:chOff x="0" y="0"/>
+          <a:chExt cx="0" cy="0"/>
+        </a:xfrm>
+      </p:grpSpPr>
+      <p:sp>
+        <p:nvSpPr>
+          <p:cNvPr id="2" name="标题 1"/>
+          <p:cNvSpPr>
+            <a:spLocks noGrp="1"/>
+          </p:cNvSpPr>
+          <p:nvPr>
+            <p:ph type="title"/>
+          </p:nvPr>
+        </p:nvSpPr>
+        <p:spPr/>
+        <p:txBody>
+          <a:bodyPr/>
+          <a:lstStyle/>
+          <a:p>
+            <a:endParaRPr lang="zh-CN" altLang="en-US"/>
+          </a:p>
+        </p:txBody>
+      </p:sp>
+      <p:sp>
+        <p:nvSpPr>
+          <p:cNvPr id="3" name="内容占位符 2"/>
+          <p:cNvSpPr>
+            <a:spLocks noGrp="1"/>
+          </p:cNvSpPr>
+          <p:nvPr>
+            <p:ph idx="1"/>
+          </p:nvPr>
+        </p:nvSpPr>
+        <p:spPr/>
+        <p:txBody>
+          <a:bodyPr/>
+          <a:lstStyle/>
+          <a:p>
+            <a:endParaRPr lang="zh-CN" altLang="en-US"/>
+          </a:p>
+        </p:txBody>
+      </p:sp>
+      <p:pic>
+        <p:nvPicPr>
+          <p:cNvPr id="3074" name="Picture 2"/>
+          <p:cNvPicPr>
+            <a:picLocks noChangeAspect="1" noChangeArrowheads="1"/>
+          </p:cNvPicPr>
+          <p:nvPr/>
+        </p:nvPicPr>
+        <p:blipFill>
+          <a:blip r:embed="rId2"/>
+          <a:srcRect/>
+          <a:stretch>
+            <a:fillRect/>
+          </a:stretch>
+        </p:blipFill>
+        <p:spPr bwMode="auto">
+          <a:xfrm>
+            <a:off x="0" y="0"/>
+            <a:ext cx="12087518" cy="6715148"/>
+          </a:xfrm>
+          <a:prstGeom prst="rect">
+            <a:avLst/>
+          </a:prstGeom>
+          <a:noFill/>
+          <a:ln w="9525">
+            <a:noFill/>
+            <a:miter lim="800000"/>
+            <a:headEnd/>
+            <a:tailEnd/>
+          </a:ln>
+          <a:effectLst/>
+        </p:spPr>
+      </p:pic>
+    </p:spTree>
+  </p:cSld>
+  <p:clrMapOvr>
+    <a:masterClrMapping/>
+  </p:clrMapOvr>
+  <p:timing>
+    <p:tnLst>
+      <p:par>
+        <p:cTn id="1" dur="indefinite" restart="never" nodeType="tmRoot"/>
+      </p:par>
+    </p:tnLst>
+  </p:timing>
+</p:sld>
+</file>
+
+<file path=ppt/slides/slide6.xml><?xml version="1.0" encoding="utf-8"?>
+<p:sld xmlns:a="http://schemas.openxmlformats.org/drawingml/2006/main" xmlns:r="http://schemas.openxmlformats.org/officeDocument/2006/relationships" xmlns:p="http://schemas.openxmlformats.org/presentationml/2006/main">
+  <p:cSld>
+    <p:spTree>
+      <p:nvGrpSpPr>
+        <p:cNvPr id="1" name=""/>
+        <p:cNvGrpSpPr/>
+        <p:nvPr/>
+      </p:nvGrpSpPr>
+      <p:grpSpPr>
+        <a:xfrm>
+          <a:off x="0" y="0"/>
+          <a:ext cx="0" cy="0"/>
+          <a:chOff x="0" y="0"/>
+          <a:chExt cx="0" cy="0"/>
+        </a:xfrm>
+      </p:grpSpPr>
+      <p:sp>
+        <p:nvSpPr>
+          <p:cNvPr id="2" name="标题 1"/>
+          <p:cNvSpPr>
+            <a:spLocks noGrp="1"/>
+          </p:cNvSpPr>
+          <p:nvPr>
+            <p:ph type="title"/>
+          </p:nvPr>
+        </p:nvSpPr>
+        <p:spPr/>
+        <p:txBody>
+          <a:bodyPr/>
+          <a:lstStyle/>
+          <a:p>
+            <a:endParaRPr lang="zh-CN" altLang="en-US"/>
+          </a:p>
+        </p:txBody>
+      </p:sp>
+      <p:sp>
+        <p:nvSpPr>
+          <p:cNvPr id="3" name="内容占位符 2"/>
+          <p:cNvSpPr>
+            <a:spLocks noGrp="1"/>
+          </p:cNvSpPr>
+          <p:nvPr>
+            <p:ph idx="1"/>
+          </p:nvPr>
+        </p:nvSpPr>
+        <p:spPr/>
+        <p:txBody>
+          <a:bodyPr/>
+          <a:lstStyle/>
+          <a:p>
+            <a:endParaRPr lang="zh-CN" altLang="en-US"/>
+          </a:p>
+        </p:txBody>
+      </p:sp>
+      <p:pic>
+        <p:nvPicPr>
+          <p:cNvPr id="6146" name="Picture 2"/>
+          <p:cNvPicPr>
+            <a:picLocks noChangeAspect="1" noChangeArrowheads="1"/>
+          </p:cNvPicPr>
+          <p:nvPr/>
+        </p:nvPicPr>
+        <p:blipFill>
+          <a:blip r:embed="rId2"/>
+          <a:srcRect/>
+          <a:stretch>
+            <a:fillRect/>
+          </a:stretch>
+        </p:blipFill>
+        <p:spPr bwMode="auto">
+          <a:xfrm>
+            <a:off x="0" y="-112713"/>
+            <a:ext cx="10533063" cy="6970713"/>
+          </a:xfrm>
+          <a:prstGeom prst="rect">
+            <a:avLst/>
+          </a:prstGeom>
+          <a:noFill/>
+          <a:ln w="9525">
+            <a:noFill/>
+            <a:miter lim="800000"/>
+            <a:headEnd/>
+            <a:tailEnd/>
+          </a:ln>
+          <a:effectLst/>
+        </p:spPr>
+      </p:pic>
+    </p:spTree>
+  </p:cSld>
+  <p:clrMapOvr>
+    <a:masterClrMapping/>
+  </p:clrMapOvr>
+  <p:timing>
+    <p:tnLst>
+      <p:par>
+        <p:cTn id="1" dur="indefinite" restart="never" nodeType="tmRoot"/>
+      </p:par>
+    </p:tnLst>
+  </p:timing>
+</p:sld>
+</file>
+
+<file path=ppt/slides/slide7.xml><?xml version="1.0" encoding="utf-8"?>
+<p:sld xmlns:a="http://schemas.openxmlformats.org/drawingml/2006/main" xmlns:r="http://schemas.openxmlformats.org/officeDocument/2006/relationships" xmlns:p="http://schemas.openxmlformats.org/presentationml/2006/main">
+  <p:cSld>
+    <p:spTree>
+      <p:nvGrpSpPr>
+        <p:cNvPr id="1" name=""/>
+        <p:cNvGrpSpPr/>
+        <p:nvPr/>
+      </p:nvGrpSpPr>
+      <p:grpSpPr>
+        <a:xfrm>
+          <a:off x="0" y="0"/>
+          <a:ext cx="0" cy="0"/>
+          <a:chOff x="0" y="0"/>
+          <a:chExt cx="0" cy="0"/>
+        </a:xfrm>
+      </p:grpSpPr>
+      <p:sp>
+        <p:nvSpPr>
+          <p:cNvPr id="2" name="标题 1"/>
+          <p:cNvSpPr>
+            <a:spLocks noGrp="1"/>
+          </p:cNvSpPr>
+          <p:nvPr>
+            <p:ph type="title"/>
+          </p:nvPr>
+        </p:nvSpPr>
+        <p:spPr/>
+        <p:txBody>
+          <a:bodyPr/>
+          <a:lstStyle/>
+          <a:p>
+            <a:r>
+              <a:rPr lang="zh-CN" altLang="en-US" dirty="0" smtClean="0"/>
+              <a:t>服务器端</a:t>
+            </a:r>
+            <a:r>
+              <a:rPr lang="en-US" altLang="zh-CN" dirty="0" err="1" smtClean="0"/>
+              <a:t>js</a:t>
+            </a:r>
+            <a:endParaRPr lang="zh-CN" altLang="en-US" dirty="0"/>
+          </a:p>
+        </p:txBody>
+      </p:sp>
+      <p:pic>
+        <p:nvPicPr>
+          <p:cNvPr id="5122" name="Picture 2"/>
+          <p:cNvPicPr>
+            <a:picLocks noGrp="1" noChangeAspect="1" noChangeArrowheads="1"/>
+          </p:cNvPicPr>
+          <p:nvPr>
+            <p:ph idx="1"/>
+          </p:nvPr>
+        </p:nvPicPr>
+        <p:blipFill>
+          <a:blip r:embed="rId3"/>
+          <a:srcRect/>
+          <a:stretch>
+            <a:fillRect/>
+          </a:stretch>
+        </p:blipFill>
+        <p:spPr bwMode="auto">
+          <a:xfrm>
+            <a:off x="1071538" y="4500570"/>
+            <a:ext cx="3819048" cy="457143"/>
+          </a:xfrm>
+          <a:prstGeom prst="rect">
+            <a:avLst/>
+          </a:prstGeom>
+          <a:noFill/>
+          <a:ln w="9525">
+            <a:noFill/>
+            <a:miter lim="800000"/>
+            <a:headEnd/>
+            <a:tailEnd/>
+          </a:ln>
+          <a:effectLst/>
+        </p:spPr>
+      </p:pic>
+      <p:pic>
+        <p:nvPicPr>
+          <p:cNvPr id="5123" name="Picture 3"/>
+          <p:cNvPicPr>
+            <a:picLocks noChangeAspect="1" noChangeArrowheads="1"/>
+          </p:cNvPicPr>
+          <p:nvPr/>
+        </p:nvPicPr>
+        <p:blipFill>
+          <a:blip r:embed="rId4"/>
+          <a:srcRect/>
+          <a:stretch>
+            <a:fillRect/>
+          </a:stretch>
+        </p:blipFill>
+        <p:spPr bwMode="auto">
+          <a:xfrm>
+            <a:off x="1142976" y="1571612"/>
+            <a:ext cx="6038850" cy="2743200"/>
+          </a:xfrm>
+          <a:prstGeom prst="rect">
+            <a:avLst/>
+          </a:prstGeom>
+          <a:noFill/>
+          <a:ln w="9525">
+            <a:noFill/>
+            <a:miter lim="800000"/>
+            <a:headEnd/>
+            <a:tailEnd/>
+          </a:ln>
+          <a:effectLst/>
+        </p:spPr>
+      </p:pic>
+      <p:pic>
+        <p:nvPicPr>
+          <p:cNvPr id="5124" name="Picture 4"/>
+          <p:cNvPicPr>
+            <a:picLocks noChangeAspect="1" noChangeArrowheads="1"/>
+          </p:cNvPicPr>
+          <p:nvPr/>
+        </p:nvPicPr>
+        <p:blipFill>
+          <a:blip r:embed="rId5"/>
+          <a:srcRect/>
+          <a:stretch>
+            <a:fillRect/>
+          </a:stretch>
+        </p:blipFill>
+        <p:spPr bwMode="auto">
+          <a:xfrm>
+            <a:off x="1142976" y="5214950"/>
+            <a:ext cx="3724275" cy="1181100"/>
+          </a:xfrm>
+          <a:prstGeom prst="rect">
+            <a:avLst/>
+          </a:prstGeom>
+          <a:noFill/>
+          <a:ln w="9525">
+            <a:noFill/>
+            <a:miter lim="800000"/>
+            <a:headEnd/>
+            <a:tailEnd/>
+          </a:ln>
+          <a:effectLst/>
+        </p:spPr>
+      </p:pic>
+    </p:spTree>
+  </p:cSld>
+  <p:clrMapOvr>
+    <a:masterClrMapping/>
+  </p:clrMapOvr>
+  <p:timing>
+    <p:tnLst>
+      <p:par>
+        <p:cTn id="1" dur="indefinite" restart="never" nodeType="tmRoot"/>
+      </p:par>
+    </p:tnLst>
+  </p:timing>
+</p:sld>
+</file>
+
 <file path=ppt/slides/slide8.xml><?xml version="1.0" encoding="utf-8"?>
 <p:sld xmlns:a="http://schemas.openxmlformats.org/drawingml/2006/main" xmlns:r="http://schemas.openxmlformats.org/officeDocument/2006/relationships" xmlns:p="http://schemas.openxmlformats.org/presentationml/2006/main">
   <p:cSld>
@@ -6278,13 +7900,7 @@
               <a:rPr lang="en-US" altLang="zh-CN" dirty="0" smtClean="0">
                 <a:hlinkClick r:id="rId3"/>
               </a:rPr>
-              <a:t>: http</a:t>
-            </a:r>
-            <a:r>
-              <a:rPr lang="en-US" altLang="zh-CN" dirty="0" smtClean="0">
-                <a:hlinkClick r:id="rId3"/>
-              </a:rPr>
-              <a:t>://www.runoob.com/js/js-strict.html</a:t>
+              <a:t>: http://www.runoob.com/js/js-strict.html</a:t>
             </a:r>
             <a:endParaRPr lang="zh-CN" altLang="en-US" dirty="0"/>
           </a:p>
@@ -6480,16 +8096,12 @@
           <a:lstStyle/>
           <a:p>
             <a:r>
+              <a:rPr lang="en-US" altLang="zh-CN" dirty="0" smtClean="0"/>
+              <a:t>Js</a:t>
+            </a:r>
+            <a:r>
               <a:rPr lang="zh-CN" altLang="en-US" dirty="0" smtClean="0"/>
-              <a:t>使用</a:t>
-            </a:r>
-            <a:r>
-              <a:rPr lang="en-US" altLang="zh-CN" dirty="0" err="1" smtClean="0"/>
-              <a:t>js</a:t>
-            </a:r>
-            <a:r>
-              <a:rPr lang="zh-CN" altLang="en-US" dirty="0" smtClean="0"/>
-              <a:t>的目的</a:t>
+              <a:t>能做什么</a:t>
             </a:r>
             <a:endParaRPr lang="zh-CN" altLang="en-US" dirty="0"/>
           </a:p>
@@ -7144,4 +8756,47 @@
   <a:objectDefaults/>
   <a:extraClrSchemeLst/>
 </a:theme>
+</file>
+
+<file path=ppt/theme/themeOverride1.xml><?xml version="1.0" encoding="utf-8"?>
+<a:themeOverride xmlns:a="http://schemas.openxmlformats.org/drawingml/2006/main">
+  <a:clrScheme name="夏至">
+    <a:dk1>
+      <a:sysClr val="windowText" lastClr="000000"/>
+    </a:dk1>
+    <a:lt1>
+      <a:sysClr val="window" lastClr="FFFFFF"/>
+    </a:lt1>
+    <a:dk2>
+      <a:srgbClr val="4F271C"/>
+    </a:dk2>
+    <a:lt2>
+      <a:srgbClr val="E7DEC9"/>
+    </a:lt2>
+    <a:accent1>
+      <a:srgbClr val="3891A7"/>
+    </a:accent1>
+    <a:accent2>
+      <a:srgbClr val="FEB80A"/>
+    </a:accent2>
+    <a:accent3>
+      <a:srgbClr val="C32D2E"/>
+    </a:accent3>
+    <a:accent4>
+      <a:srgbClr val="84AA33"/>
+    </a:accent4>
+    <a:accent5>
+      <a:srgbClr val="964305"/>
+    </a:accent5>
+    <a:accent6>
+      <a:srgbClr val="475A8D"/>
+    </a:accent6>
+    <a:hlink>
+      <a:srgbClr val="8DC765"/>
+    </a:hlink>
+    <a:folHlink>
+      <a:srgbClr val="AA8A14"/>
+    </a:folHlink>
+  </a:clrScheme>
+</a:themeOverride>
 </file>
--- a/ps/js/演示文稿.pptx
+++ b/ps/js/演示文稿.pptx
@@ -5,7 +5,7 @@
     <p:sldMasterId id="2147483972" r:id="rId1"/>
   </p:sldMasterIdLst>
   <p:notesMasterIdLst>
-    <p:notesMasterId r:id="rId16"/>
+    <p:notesMasterId r:id="rId20"/>
   </p:notesMasterIdLst>
   <p:sldIdLst>
     <p:sldId id="256" r:id="rId2"/>
@@ -19,9 +19,13 @@
     <p:sldId id="264" r:id="rId10"/>
     <p:sldId id="265" r:id="rId11"/>
     <p:sldId id="266" r:id="rId12"/>
-    <p:sldId id="267" r:id="rId13"/>
-    <p:sldId id="268" r:id="rId14"/>
-    <p:sldId id="259" r:id="rId15"/>
+    <p:sldId id="271" r:id="rId13"/>
+    <p:sldId id="267" r:id="rId14"/>
+    <p:sldId id="272" r:id="rId15"/>
+    <p:sldId id="270" r:id="rId16"/>
+    <p:sldId id="273" r:id="rId17"/>
+    <p:sldId id="268" r:id="rId18"/>
+    <p:sldId id="259" r:id="rId19"/>
   </p:sldIdLst>
   <p:sldSz cx="9144000" cy="6858000" type="screen4x3"/>
   <p:notesSz cx="6858000" cy="9144000"/>
@@ -206,7 +210,7 @@
             <a:fld id="{BB18017A-EF27-4333-8CBA-7208022D9565}" type="datetimeFigureOut">
               <a:rPr lang="zh-CN" altLang="en-US" smtClean="0"/>
               <a:pPr/>
-              <a:t>2017/10/18</a:t>
+              <a:t>2017/10/19</a:t>
             </a:fld>
             <a:endParaRPr lang="zh-CN" altLang="en-US"/>
           </a:p>
@@ -964,6 +968,88 @@
 </p:notes>
 </file>
 
+<file path=ppt/notesSlides/notesSlide7.xml><?xml version="1.0" encoding="utf-8"?>
+<p:notes xmlns:a="http://schemas.openxmlformats.org/drawingml/2006/main" xmlns:r="http://schemas.openxmlformats.org/officeDocument/2006/relationships" xmlns:p="http://schemas.openxmlformats.org/presentationml/2006/main">
+  <p:cSld>
+    <p:spTree>
+      <p:nvGrpSpPr>
+        <p:cNvPr id="1" name=""/>
+        <p:cNvGrpSpPr/>
+        <p:nvPr/>
+      </p:nvGrpSpPr>
+      <p:grpSpPr>
+        <a:xfrm>
+          <a:off x="0" y="0"/>
+          <a:ext cx="0" cy="0"/>
+          <a:chOff x="0" y="0"/>
+          <a:chExt cx="0" cy="0"/>
+        </a:xfrm>
+      </p:grpSpPr>
+      <p:sp>
+        <p:nvSpPr>
+          <p:cNvPr id="2" name="幻灯片图像占位符 1"/>
+          <p:cNvSpPr>
+            <a:spLocks noGrp="1" noRot="1" noChangeAspect="1"/>
+          </p:cNvSpPr>
+          <p:nvPr>
+            <p:ph type="sldImg"/>
+          </p:nvPr>
+        </p:nvSpPr>
+        <p:spPr/>
+      </p:sp>
+      <p:sp>
+        <p:nvSpPr>
+          <p:cNvPr id="3" name="备注占位符 2"/>
+          <p:cNvSpPr>
+            <a:spLocks noGrp="1"/>
+          </p:cNvSpPr>
+          <p:nvPr>
+            <p:ph type="body" idx="1"/>
+          </p:nvPr>
+        </p:nvSpPr>
+        <p:spPr/>
+        <p:txBody>
+          <a:bodyPr>
+            <a:normAutofit/>
+          </a:bodyPr>
+          <a:lstStyle/>
+          <a:p>
+            <a:endParaRPr lang="zh-CN" altLang="en-US" dirty="0"/>
+          </a:p>
+        </p:txBody>
+      </p:sp>
+      <p:sp>
+        <p:nvSpPr>
+          <p:cNvPr id="4" name="灯片编号占位符 3"/>
+          <p:cNvSpPr>
+            <a:spLocks noGrp="1"/>
+          </p:cNvSpPr>
+          <p:nvPr>
+            <p:ph type="sldNum" sz="quarter" idx="10"/>
+          </p:nvPr>
+        </p:nvSpPr>
+        <p:spPr/>
+        <p:txBody>
+          <a:bodyPr/>
+          <a:lstStyle/>
+          <a:p>
+            <a:fld id="{F36645F3-DF14-4580-88C0-61136AC25E0B}" type="slidenum">
+              <a:rPr lang="zh-CN" altLang="en-US" smtClean="0"/>
+              <a:pPr/>
+              <a:t>14</a:t>
+            </a:fld>
+            <a:endParaRPr lang="zh-CN" altLang="en-US"/>
+          </a:p>
+        </p:txBody>
+      </p:sp>
+    </p:spTree>
+  </p:cSld>
+  <p:clrMapOvr>
+    <a:masterClrMapping/>
+  </p:clrMapOvr>
+</p:notes>
+</file>
+
 <file path=ppt/slideLayouts/slideLayout1.xml><?xml version="1.0" encoding="utf-8"?>
 <p:sldLayout xmlns:a="http://schemas.openxmlformats.org/drawingml/2006/main" xmlns:r="http://schemas.openxmlformats.org/officeDocument/2006/relationships" xmlns:p="http://schemas.openxmlformats.org/presentationml/2006/main" type="title" preserve="1">
   <p:cSld name="标题幻灯片">
@@ -1099,7 +1185,7 @@
             <a:fld id="{530820CF-B880-4189-942D-D702A7CBA730}" type="datetimeFigureOut">
               <a:rPr lang="zh-CN" altLang="en-US" smtClean="0"/>
               <a:pPr/>
-              <a:t>2017/10/18</a:t>
+              <a:t>2017/10/19</a:t>
             </a:fld>
             <a:endParaRPr lang="zh-CN" altLang="en-US"/>
           </a:p>
@@ -1414,7 +1500,7 @@
             <a:fld id="{530820CF-B880-4189-942D-D702A7CBA730}" type="datetimeFigureOut">
               <a:rPr lang="zh-CN" altLang="en-US" smtClean="0"/>
               <a:pPr/>
-              <a:t>2017/10/18</a:t>
+              <a:t>2017/10/19</a:t>
             </a:fld>
             <a:endParaRPr lang="zh-CN" altLang="en-US"/>
           </a:p>
@@ -1601,7 +1687,7 @@
             <a:fld id="{530820CF-B880-4189-942D-D702A7CBA730}" type="datetimeFigureOut">
               <a:rPr lang="zh-CN" altLang="en-US" smtClean="0"/>
               <a:pPr/>
-              <a:t>2017/10/18</a:t>
+              <a:t>2017/10/19</a:t>
             </a:fld>
             <a:endParaRPr lang="zh-CN" altLang="en-US"/>
           </a:p>
@@ -1778,7 +1864,7 @@
             <a:fld id="{530820CF-B880-4189-942D-D702A7CBA730}" type="datetimeFigureOut">
               <a:rPr lang="zh-CN" altLang="en-US" smtClean="0"/>
               <a:pPr/>
-              <a:t>2017/10/18</a:t>
+              <a:t>2017/10/19</a:t>
             </a:fld>
             <a:endParaRPr lang="zh-CN" altLang="en-US"/>
           </a:p>
@@ -2048,7 +2134,7 @@
             <a:fld id="{530820CF-B880-4189-942D-D702A7CBA730}" type="datetimeFigureOut">
               <a:rPr lang="zh-CN" altLang="en-US" smtClean="0"/>
               <a:pPr/>
-              <a:t>2017/10/18</a:t>
+              <a:t>2017/10/19</a:t>
             </a:fld>
             <a:endParaRPr lang="zh-CN" altLang="en-US"/>
           </a:p>
@@ -2518,7 +2604,7 @@
             <a:fld id="{530820CF-B880-4189-942D-D702A7CBA730}" type="datetimeFigureOut">
               <a:rPr lang="zh-CN" altLang="en-US" smtClean="0"/>
               <a:pPr/>
-              <a:t>2017/10/18</a:t>
+              <a:t>2017/10/19</a:t>
             </a:fld>
             <a:endParaRPr lang="zh-CN" altLang="en-US"/>
           </a:p>
@@ -3009,7 +3095,7 @@
             <a:fld id="{530820CF-B880-4189-942D-D702A7CBA730}" type="datetimeFigureOut">
               <a:rPr lang="zh-CN" altLang="en-US" smtClean="0"/>
               <a:pPr/>
-              <a:t>2017/10/18</a:t>
+              <a:t>2017/10/19</a:t>
             </a:fld>
             <a:endParaRPr lang="zh-CN" altLang="en-US"/>
           </a:p>
@@ -3137,7 +3223,7 @@
             <a:fld id="{530820CF-B880-4189-942D-D702A7CBA730}" type="datetimeFigureOut">
               <a:rPr lang="zh-CN" altLang="en-US" smtClean="0"/>
               <a:pPr/>
-              <a:t>2017/10/18</a:t>
+              <a:t>2017/10/19</a:t>
             </a:fld>
             <a:endParaRPr lang="zh-CN" altLang="en-US"/>
           </a:p>
@@ -3283,7 +3369,7 @@
             <a:fld id="{530820CF-B880-4189-942D-D702A7CBA730}" type="datetimeFigureOut">
               <a:rPr lang="zh-CN" altLang="en-US" smtClean="0"/>
               <a:pPr/>
-              <a:t>2017/10/18</a:t>
+              <a:t>2017/10/19</a:t>
             </a:fld>
             <a:endParaRPr lang="zh-CN" altLang="en-US"/>
           </a:p>
@@ -3607,7 +3693,7 @@
             <a:fld id="{530820CF-B880-4189-942D-D702A7CBA730}" type="datetimeFigureOut">
               <a:rPr lang="zh-CN" altLang="en-US" smtClean="0"/>
               <a:pPr/>
-              <a:t>2017/10/18</a:t>
+              <a:t>2017/10/19</a:t>
             </a:fld>
             <a:endParaRPr lang="zh-CN" altLang="en-US"/>
           </a:p>
@@ -3743,7 +3829,7 @@
             <a:fld id="{530820CF-B880-4189-942D-D702A7CBA730}" type="datetimeFigureOut">
               <a:rPr lang="zh-CN" altLang="en-US" smtClean="0"/>
               <a:pPr/>
-              <a:t>2017/10/18</a:t>
+              <a:t>2017/10/19</a:t>
             </a:fld>
             <a:endParaRPr lang="zh-CN" altLang="en-US"/>
           </a:p>
@@ -4526,7 +4612,7 @@
             <a:fld id="{530820CF-B880-4189-942D-D702A7CBA730}" type="datetimeFigureOut">
               <a:rPr lang="zh-CN" altLang="en-US" smtClean="0"/>
               <a:pPr/>
-              <a:t>2017/10/18</a:t>
+              <a:t>2017/10/19</a:t>
             </a:fld>
             <a:endParaRPr lang="zh-CN" altLang="en-US"/>
           </a:p>
@@ -5133,23 +5219,7 @@
           <a:p>
             <a:r>
               <a:rPr lang="zh-CN" altLang="en-US" dirty="0" smtClean="0"/>
-              <a:t>设计一个课程购买网站，可以</a:t>
-            </a:r>
-            <a:r>
-              <a:rPr lang="zh-CN" altLang="en-US" dirty="0" smtClean="0"/>
-              <a:t>将</a:t>
-            </a:r>
-            <a:r>
-              <a:rPr lang="zh-CN" altLang="en-US" dirty="0" smtClean="0"/>
-              <a:t>喜欢的</a:t>
-            </a:r>
-            <a:r>
-              <a:rPr lang="zh-CN" altLang="en-US" dirty="0" smtClean="0"/>
-              <a:t>课程</a:t>
-            </a:r>
-            <a:r>
-              <a:rPr lang="zh-CN" altLang="en-US" dirty="0" smtClean="0"/>
-              <a:t>添加到自己的购物车，点击提交时，将购物车里的数据提交到后台，存储至数据库。</a:t>
+              <a:t>设计一个课程购买网站，可以将喜欢的课程添加到自己的购物车，点击提交时，将购物车里的数据提交到后台，存储至数据库。</a:t>
             </a:r>
             <a:endParaRPr lang="zh-CN" altLang="en-US" dirty="0"/>
           </a:p>
@@ -5261,7 +5331,7 @@
         </p:blipFill>
         <p:spPr bwMode="auto">
           <a:xfrm>
-            <a:off x="928662" y="1571612"/>
+            <a:off x="1142976" y="1571612"/>
             <a:ext cx="3266667" cy="4009524"/>
           </a:xfrm>
           <a:prstGeom prst="rect">
@@ -5277,39 +5347,6 @@
           <a:effectLst/>
         </p:spPr>
       </p:pic>
-      <p:pic>
-        <p:nvPicPr>
-          <p:cNvPr id="1026" name="Picture 2"/>
-          <p:cNvPicPr>
-            <a:picLocks noChangeAspect="1" noChangeArrowheads="1"/>
-          </p:cNvPicPr>
-          <p:nvPr/>
-        </p:nvPicPr>
-        <p:blipFill>
-          <a:blip r:embed="rId4"/>
-          <a:srcRect/>
-          <a:stretch>
-            <a:fillRect/>
-          </a:stretch>
-        </p:blipFill>
-        <p:spPr bwMode="auto">
-          <a:xfrm>
-            <a:off x="3929058" y="1500174"/>
-            <a:ext cx="5029200" cy="4276725"/>
-          </a:xfrm>
-          <a:prstGeom prst="rect">
-            <a:avLst/>
-          </a:prstGeom>
-          <a:noFill/>
-          <a:ln w="9525">
-            <a:noFill/>
-            <a:miter lim="800000"/>
-            <a:headEnd/>
-            <a:tailEnd/>
-          </a:ln>
-          <a:effectLst/>
-        </p:spPr>
-      </p:pic>
       <p:sp>
         <p:nvSpPr>
           <p:cNvPr id="5" name="TextBox 4"/>
@@ -5334,25 +5371,19 @@
           <a:p>
             <a:r>
               <a:rPr lang="zh-CN" altLang="en-US" dirty="0" smtClean="0">
-                <a:hlinkClick r:id="rId5" action="ppaction://hlinkfile"/>
+                <a:hlinkClick r:id="rId4" action="ppaction://hlinkfile"/>
               </a:rPr>
-              <a:t>原</a:t>
-            </a:r>
-            <a:r>
-              <a:rPr lang="zh-CN" altLang="en-US" dirty="0" smtClean="0">
-                <a:hlinkClick r:id="rId5" action="ppaction://hlinkfile"/>
-              </a:rPr>
-              <a:t>生</a:t>
+              <a:t>原生</a:t>
             </a:r>
             <a:r>
               <a:rPr lang="en-US" altLang="zh-CN" dirty="0" err="1" smtClean="0">
-                <a:hlinkClick r:id="rId5" action="ppaction://hlinkfile"/>
+                <a:hlinkClick r:id="rId4" action="ppaction://hlinkfile"/>
               </a:rPr>
               <a:t>js</a:t>
             </a:r>
             <a:r>
               <a:rPr lang="en-US" altLang="zh-CN" dirty="0" smtClean="0">
-                <a:hlinkClick r:id="rId5" action="ppaction://hlinkfile"/>
+                <a:hlinkClick r:id="rId4" action="ppaction://hlinkfile"/>
               </a:rPr>
               <a:t> demo</a:t>
             </a:r>
@@ -5384,16 +5415,131 @@
           <a:p>
             <a:r>
               <a:rPr lang="en-US" altLang="zh-CN" dirty="0" err="1" smtClean="0">
-                <a:hlinkClick r:id="rId6" action="ppaction://hlinkfile"/>
+                <a:hlinkClick r:id="rId5" action="ppaction://hlinkfile"/>
               </a:rPr>
               <a:t>Jquery</a:t>
             </a:r>
             <a:r>
               <a:rPr lang="en-US" altLang="zh-CN" dirty="0" smtClean="0">
-                <a:hlinkClick r:id="rId6" action="ppaction://hlinkfile"/>
+                <a:hlinkClick r:id="rId5" action="ppaction://hlinkfile"/>
               </a:rPr>
               <a:t> demo</a:t>
             </a:r>
+            <a:endParaRPr lang="zh-CN" altLang="en-US" dirty="0"/>
+          </a:p>
+        </p:txBody>
+      </p:sp>
+      <p:sp>
+        <p:nvSpPr>
+          <p:cNvPr id="7" name="TextBox 6"/>
+          <p:cNvSpPr txBox="1"/>
+          <p:nvPr/>
+        </p:nvSpPr>
+        <p:spPr>
+          <a:xfrm>
+            <a:off x="5072066" y="1785926"/>
+            <a:ext cx="3500462" cy="2031325"/>
+          </a:xfrm>
+          <a:prstGeom prst="rect">
+            <a:avLst/>
+          </a:prstGeom>
+          <a:noFill/>
+        </p:spPr>
+        <p:txBody>
+          <a:bodyPr wrap="square" rtlCol="0">
+            <a:spAutoFit/>
+          </a:bodyPr>
+          <a:lstStyle/>
+          <a:p>
+            <a:pPr marL="342900" indent="-342900">
+              <a:buFont typeface="Arial" pitchFamily="34" charset="0"/>
+              <a:buChar char="•"/>
+            </a:pPr>
+            <a:r>
+              <a:rPr lang="zh-CN" altLang="en-US" dirty="0" smtClean="0"/>
+              <a:t>当 </a:t>
+            </a:r>
+            <a:r>
+              <a:rPr lang="en-US" altLang="zh-CN" dirty="0" smtClean="0"/>
+              <a:t>– </a:t>
+            </a:r>
+            <a:r>
+              <a:rPr lang="zh-CN" altLang="en-US" dirty="0" smtClean="0"/>
+              <a:t>按钮按下时，数量</a:t>
+            </a:r>
+            <a:r>
+              <a:rPr lang="en-US" altLang="zh-CN" dirty="0" smtClean="0"/>
+              <a:t>-1</a:t>
+            </a:r>
+          </a:p>
+          <a:p>
+            <a:pPr marL="342900" indent="-342900">
+              <a:buFont typeface="Arial" pitchFamily="34" charset="0"/>
+              <a:buChar char="•"/>
+            </a:pPr>
+            <a:r>
+              <a:rPr lang="zh-CN" altLang="en-US" dirty="0" smtClean="0"/>
+              <a:t>当 </a:t>
+            </a:r>
+            <a:r>
+              <a:rPr lang="en-US" altLang="zh-CN" dirty="0" smtClean="0"/>
+              <a:t>+ </a:t>
+            </a:r>
+            <a:r>
+              <a:rPr lang="zh-CN" altLang="en-US" dirty="0" smtClean="0"/>
+              <a:t>按钮按下时，</a:t>
+            </a:r>
+            <a:r>
+              <a:rPr lang="zh-CN" altLang="en-US" dirty="0" smtClean="0"/>
+              <a:t>数量</a:t>
+            </a:r>
+            <a:r>
+              <a:rPr lang="en-US" altLang="zh-CN" dirty="0" smtClean="0"/>
+              <a:t>+1</a:t>
+            </a:r>
+          </a:p>
+          <a:p>
+            <a:pPr marL="342900" indent="-342900">
+              <a:buFont typeface="Arial" pitchFamily="34" charset="0"/>
+              <a:buChar char="•"/>
+            </a:pPr>
+            <a:r>
+              <a:rPr lang="zh-CN" altLang="en-US" dirty="0" smtClean="0"/>
+              <a:t>当 </a:t>
+            </a:r>
+            <a:r>
+              <a:rPr lang="zh-CN" altLang="en-US" dirty="0" smtClean="0"/>
+              <a:t>购买 按钮</a:t>
+            </a:r>
+            <a:r>
+              <a:rPr lang="zh-CN" altLang="en-US" dirty="0" smtClean="0"/>
+              <a:t>按下时</a:t>
+            </a:r>
+            <a:r>
+              <a:rPr lang="zh-CN" altLang="en-US" dirty="0" smtClean="0"/>
+              <a:t>，提交购买请求</a:t>
+            </a:r>
+            <a:endParaRPr lang="en-US" altLang="zh-CN" dirty="0" smtClean="0"/>
+          </a:p>
+          <a:p>
+            <a:pPr marL="342900" indent="-342900">
+              <a:buFont typeface="Arial" pitchFamily="34" charset="0"/>
+              <a:buChar char="•"/>
+            </a:pPr>
+            <a:endParaRPr lang="en-US" altLang="zh-CN" dirty="0" smtClean="0"/>
+          </a:p>
+          <a:p>
+            <a:pPr marL="342900" indent="-342900">
+              <a:buFont typeface="Arial" pitchFamily="34" charset="0"/>
+              <a:buChar char="•"/>
+            </a:pPr>
+            <a:endParaRPr lang="en-US" altLang="zh-CN" dirty="0" smtClean="0"/>
+          </a:p>
+          <a:p>
+            <a:pPr marL="342900" indent="-342900">
+              <a:buFont typeface="Arial" pitchFamily="34" charset="0"/>
+              <a:buChar char="•"/>
+            </a:pPr>
             <a:endParaRPr lang="zh-CN" altLang="en-US" dirty="0"/>
           </a:p>
         </p:txBody>
@@ -5424,7 +5570,7 @@
                             </p:stCondLst>
                             <p:childTnLst>
                               <p:par>
-                                <p:cTn id="5" presetID="10" presetClass="entr" presetSubtype="0" fill="hold" nodeType="clickEffect">
+                                <p:cTn id="5" presetID="2" presetClass="entr" presetSubtype="4" fill="hold" grpId="0" nodeType="clickEffect">
                                   <p:stCondLst>
                                     <p:cond delay="0"/>
                                   </p:stCondLst>
@@ -5437,7 +5583,11 @@
                                           </p:stCondLst>
                                         </p:cTn>
                                         <p:tgtEl>
-                                          <p:spTgt spid="1026"/>
+                                          <p:spTgt spid="7">
+                                            <p:txEl>
+                                              <p:pRg st="0" end="0"/>
+                                            </p:txEl>
+                                          </p:spTgt>
                                         </p:tgtEl>
                                         <p:attrNameLst>
                                           <p:attrName>style.visibility</p:attrName>
@@ -5447,14 +5597,60 @@
                                         <p:strVal val="visible"/>
                                       </p:to>
                                     </p:set>
-                                    <p:animEffect transition="in" filter="fade">
-                                      <p:cBhvr>
-                                        <p:cTn id="7" dur="2000"/>
+                                    <p:anim calcmode="lin" valueType="num">
+                                      <p:cBhvr additive="base">
+                                        <p:cTn id="7" dur="500" fill="hold"/>
                                         <p:tgtEl>
-                                          <p:spTgt spid="1026"/>
+                                          <p:spTgt spid="7">
+                                            <p:txEl>
+                                              <p:pRg st="0" end="0"/>
+                                            </p:txEl>
+                                          </p:spTgt>
                                         </p:tgtEl>
+                                        <p:attrNameLst>
+                                          <p:attrName>ppt_x</p:attrName>
+                                        </p:attrNameLst>
                                       </p:cBhvr>
-                                    </p:animEffect>
+                                      <p:tavLst>
+                                        <p:tav tm="0">
+                                          <p:val>
+                                            <p:strVal val="#ppt_x"/>
+                                          </p:val>
+                                        </p:tav>
+                                        <p:tav tm="100000">
+                                          <p:val>
+                                            <p:strVal val="#ppt_x"/>
+                                          </p:val>
+                                        </p:tav>
+                                      </p:tavLst>
+                                    </p:anim>
+                                    <p:anim calcmode="lin" valueType="num">
+                                      <p:cBhvr additive="base">
+                                        <p:cTn id="8" dur="500" fill="hold"/>
+                                        <p:tgtEl>
+                                          <p:spTgt spid="7">
+                                            <p:txEl>
+                                              <p:pRg st="0" end="0"/>
+                                            </p:txEl>
+                                          </p:spTgt>
+                                        </p:tgtEl>
+                                        <p:attrNameLst>
+                                          <p:attrName>ppt_y</p:attrName>
+                                        </p:attrNameLst>
+                                      </p:cBhvr>
+                                      <p:tavLst>
+                                        <p:tav tm="0">
+                                          <p:val>
+                                            <p:strVal val="1+#ppt_h/2"/>
+                                          </p:val>
+                                        </p:tav>
+                                        <p:tav tm="100000">
+                                          <p:val>
+                                            <p:strVal val="#ppt_y"/>
+                                          </p:val>
+                                        </p:tav>
+                                      </p:tavLst>
+                                    </p:anim>
                                   </p:childTnLst>
                                 </p:cTn>
                               </p:par>
@@ -5465,26 +5661,232 @@
                     </p:cTn>
                   </p:par>
                   <p:par>
-                    <p:cTn id="8" fill="hold">
+                    <p:cTn id="9" fill="hold">
                       <p:stCondLst>
                         <p:cond delay="indefinite"/>
                       </p:stCondLst>
                       <p:childTnLst>
                         <p:par>
-                          <p:cTn id="9" fill="hold">
+                          <p:cTn id="10" fill="hold">
                             <p:stCondLst>
                               <p:cond delay="0"/>
                             </p:stCondLst>
                             <p:childTnLst>
                               <p:par>
-                                <p:cTn id="10" presetID="2" presetClass="entr" presetSubtype="4" fill="hold" grpId="0" nodeType="clickEffect">
+                                <p:cTn id="11" presetID="2" presetClass="entr" presetSubtype="4" fill="hold" grpId="0" nodeType="clickEffect">
                                   <p:stCondLst>
                                     <p:cond delay="0"/>
                                   </p:stCondLst>
                                   <p:childTnLst>
                                     <p:set>
                                       <p:cBhvr>
-                                        <p:cTn id="11" dur="1" fill="hold">
+                                        <p:cTn id="12" dur="1" fill="hold">
+                                          <p:stCondLst>
+                                            <p:cond delay="0"/>
+                                          </p:stCondLst>
+                                        </p:cTn>
+                                        <p:tgtEl>
+                                          <p:spTgt spid="7">
+                                            <p:txEl>
+                                              <p:pRg st="1" end="1"/>
+                                            </p:txEl>
+                                          </p:spTgt>
+                                        </p:tgtEl>
+                                        <p:attrNameLst>
+                                          <p:attrName>style.visibility</p:attrName>
+                                        </p:attrNameLst>
+                                      </p:cBhvr>
+                                      <p:to>
+                                        <p:strVal val="visible"/>
+                                      </p:to>
+                                    </p:set>
+                                    <p:anim calcmode="lin" valueType="num">
+                                      <p:cBhvr additive="base">
+                                        <p:cTn id="13" dur="500" fill="hold"/>
+                                        <p:tgtEl>
+                                          <p:spTgt spid="7">
+                                            <p:txEl>
+                                              <p:pRg st="1" end="1"/>
+                                            </p:txEl>
+                                          </p:spTgt>
+                                        </p:tgtEl>
+                                        <p:attrNameLst>
+                                          <p:attrName>ppt_x</p:attrName>
+                                        </p:attrNameLst>
+                                      </p:cBhvr>
+                                      <p:tavLst>
+                                        <p:tav tm="0">
+                                          <p:val>
+                                            <p:strVal val="#ppt_x"/>
+                                          </p:val>
+                                        </p:tav>
+                                        <p:tav tm="100000">
+                                          <p:val>
+                                            <p:strVal val="#ppt_x"/>
+                                          </p:val>
+                                        </p:tav>
+                                      </p:tavLst>
+                                    </p:anim>
+                                    <p:anim calcmode="lin" valueType="num">
+                                      <p:cBhvr additive="base">
+                                        <p:cTn id="14" dur="500" fill="hold"/>
+                                        <p:tgtEl>
+                                          <p:spTgt spid="7">
+                                            <p:txEl>
+                                              <p:pRg st="1" end="1"/>
+                                            </p:txEl>
+                                          </p:spTgt>
+                                        </p:tgtEl>
+                                        <p:attrNameLst>
+                                          <p:attrName>ppt_y</p:attrName>
+                                        </p:attrNameLst>
+                                      </p:cBhvr>
+                                      <p:tavLst>
+                                        <p:tav tm="0">
+                                          <p:val>
+                                            <p:strVal val="1+#ppt_h/2"/>
+                                          </p:val>
+                                        </p:tav>
+                                        <p:tav tm="100000">
+                                          <p:val>
+                                            <p:strVal val="#ppt_y"/>
+                                          </p:val>
+                                        </p:tav>
+                                      </p:tavLst>
+                                    </p:anim>
+                                  </p:childTnLst>
+                                </p:cTn>
+                              </p:par>
+                            </p:childTnLst>
+                          </p:cTn>
+                        </p:par>
+                      </p:childTnLst>
+                    </p:cTn>
+                  </p:par>
+                  <p:par>
+                    <p:cTn id="15" fill="hold">
+                      <p:stCondLst>
+                        <p:cond delay="indefinite"/>
+                      </p:stCondLst>
+                      <p:childTnLst>
+                        <p:par>
+                          <p:cTn id="16" fill="hold">
+                            <p:stCondLst>
+                              <p:cond delay="0"/>
+                            </p:stCondLst>
+                            <p:childTnLst>
+                              <p:par>
+                                <p:cTn id="17" presetID="2" presetClass="entr" presetSubtype="4" fill="hold" grpId="0" nodeType="clickEffect">
+                                  <p:stCondLst>
+                                    <p:cond delay="0"/>
+                                  </p:stCondLst>
+                                  <p:childTnLst>
+                                    <p:set>
+                                      <p:cBhvr>
+                                        <p:cTn id="18" dur="1" fill="hold">
+                                          <p:stCondLst>
+                                            <p:cond delay="0"/>
+                                          </p:stCondLst>
+                                        </p:cTn>
+                                        <p:tgtEl>
+                                          <p:spTgt spid="7">
+                                            <p:txEl>
+                                              <p:pRg st="2" end="2"/>
+                                            </p:txEl>
+                                          </p:spTgt>
+                                        </p:tgtEl>
+                                        <p:attrNameLst>
+                                          <p:attrName>style.visibility</p:attrName>
+                                        </p:attrNameLst>
+                                      </p:cBhvr>
+                                      <p:to>
+                                        <p:strVal val="visible"/>
+                                      </p:to>
+                                    </p:set>
+                                    <p:anim calcmode="lin" valueType="num">
+                                      <p:cBhvr additive="base">
+                                        <p:cTn id="19" dur="500" fill="hold"/>
+                                        <p:tgtEl>
+                                          <p:spTgt spid="7">
+                                            <p:txEl>
+                                              <p:pRg st="2" end="2"/>
+                                            </p:txEl>
+                                          </p:spTgt>
+                                        </p:tgtEl>
+                                        <p:attrNameLst>
+                                          <p:attrName>ppt_x</p:attrName>
+                                        </p:attrNameLst>
+                                      </p:cBhvr>
+                                      <p:tavLst>
+                                        <p:tav tm="0">
+                                          <p:val>
+                                            <p:strVal val="#ppt_x"/>
+                                          </p:val>
+                                        </p:tav>
+                                        <p:tav tm="100000">
+                                          <p:val>
+                                            <p:strVal val="#ppt_x"/>
+                                          </p:val>
+                                        </p:tav>
+                                      </p:tavLst>
+                                    </p:anim>
+                                    <p:anim calcmode="lin" valueType="num">
+                                      <p:cBhvr additive="base">
+                                        <p:cTn id="20" dur="500" fill="hold"/>
+                                        <p:tgtEl>
+                                          <p:spTgt spid="7">
+                                            <p:txEl>
+                                              <p:pRg st="2" end="2"/>
+                                            </p:txEl>
+                                          </p:spTgt>
+                                        </p:tgtEl>
+                                        <p:attrNameLst>
+                                          <p:attrName>ppt_y</p:attrName>
+                                        </p:attrNameLst>
+                                      </p:cBhvr>
+                                      <p:tavLst>
+                                        <p:tav tm="0">
+                                          <p:val>
+                                            <p:strVal val="1+#ppt_h/2"/>
+                                          </p:val>
+                                        </p:tav>
+                                        <p:tav tm="100000">
+                                          <p:val>
+                                            <p:strVal val="#ppt_y"/>
+                                          </p:val>
+                                        </p:tav>
+                                      </p:tavLst>
+                                    </p:anim>
+                                  </p:childTnLst>
+                                </p:cTn>
+                              </p:par>
+                            </p:childTnLst>
+                          </p:cTn>
+                        </p:par>
+                      </p:childTnLst>
+                    </p:cTn>
+                  </p:par>
+                  <p:par>
+                    <p:cTn id="21" fill="hold">
+                      <p:stCondLst>
+                        <p:cond delay="indefinite"/>
+                      </p:stCondLst>
+                      <p:childTnLst>
+                        <p:par>
+                          <p:cTn id="22" fill="hold">
+                            <p:stCondLst>
+                              <p:cond delay="0"/>
+                            </p:stCondLst>
+                            <p:childTnLst>
+                              <p:par>
+                                <p:cTn id="23" presetID="2" presetClass="entr" presetSubtype="4" fill="hold" grpId="0" nodeType="clickEffect">
+                                  <p:stCondLst>
+                                    <p:cond delay="0"/>
+                                  </p:stCondLst>
+                                  <p:childTnLst>
+                                    <p:set>
+                                      <p:cBhvr>
+                                        <p:cTn id="24" dur="1" fill="hold">
                                           <p:stCondLst>
                                             <p:cond delay="0"/>
                                           </p:stCondLst>
@@ -5506,7 +5908,7 @@
                                     </p:set>
                                     <p:anim calcmode="lin" valueType="num">
                                       <p:cBhvr additive="base">
-                                        <p:cTn id="12" dur="500" fill="hold"/>
+                                        <p:cTn id="25" dur="500" fill="hold"/>
                                         <p:tgtEl>
                                           <p:spTgt spid="5">
                                             <p:txEl>
@@ -5533,7 +5935,7 @@
                                     </p:anim>
                                     <p:anim calcmode="lin" valueType="num">
                                       <p:cBhvr additive="base">
-                                        <p:cTn id="13" dur="500" fill="hold"/>
+                                        <p:cTn id="26" dur="500" fill="hold"/>
                                         <p:tgtEl>
                                           <p:spTgt spid="5">
                                             <p:txEl>
@@ -5568,26 +5970,26 @@
                     </p:cTn>
                   </p:par>
                   <p:par>
-                    <p:cTn id="14" fill="hold">
+                    <p:cTn id="27" fill="hold">
                       <p:stCondLst>
                         <p:cond delay="indefinite"/>
                       </p:stCondLst>
                       <p:childTnLst>
                         <p:par>
-                          <p:cTn id="15" fill="hold">
+                          <p:cTn id="28" fill="hold">
                             <p:stCondLst>
                               <p:cond delay="0"/>
                             </p:stCondLst>
                             <p:childTnLst>
                               <p:par>
-                                <p:cTn id="16" presetID="2" presetClass="entr" presetSubtype="4" fill="hold" grpId="0" nodeType="clickEffect">
+                                <p:cTn id="29" presetID="2" presetClass="entr" presetSubtype="4" fill="hold" grpId="0" nodeType="clickEffect">
                                   <p:stCondLst>
                                     <p:cond delay="0"/>
                                   </p:stCondLst>
                                   <p:childTnLst>
                                     <p:set>
                                       <p:cBhvr>
-                                        <p:cTn id="17" dur="1" fill="hold">
+                                        <p:cTn id="30" dur="1" fill="hold">
                                           <p:stCondLst>
                                             <p:cond delay="0"/>
                                           </p:stCondLst>
@@ -5609,7 +6011,7 @@
                                     </p:set>
                                     <p:anim calcmode="lin" valueType="num">
                                       <p:cBhvr additive="base">
-                                        <p:cTn id="18" dur="500" fill="hold"/>
+                                        <p:cTn id="31" dur="500" fill="hold"/>
                                         <p:tgtEl>
                                           <p:spTgt spid="6">
                                             <p:txEl>
@@ -5636,7 +6038,7 @@
                                     </p:anim>
                                     <p:anim calcmode="lin" valueType="num">
                                       <p:cBhvr additive="base">
-                                        <p:cTn id="19" dur="500" fill="hold"/>
+                                        <p:cTn id="32" dur="500" fill="hold"/>
                                         <p:tgtEl>
                                           <p:spTgt spid="6">
                                             <p:txEl>
@@ -5694,6 +6096,7 @@
     <p:bldLst>
       <p:bldP spid="5" grpId="0" build="allAtOnce"/>
       <p:bldP spid="6" grpId="0" build="allAtOnce"/>
+      <p:bldP spid="7" grpId="0" build="p"/>
     </p:bldLst>
   </p:timing>
 </p:sld>
@@ -5737,15 +6140,7 @@
             </a:r>
             <a:r>
               <a:rPr lang="zh-CN" altLang="en-US" dirty="0" smtClean="0"/>
-              <a:t>和</a:t>
-            </a:r>
-            <a:r>
-              <a:rPr lang="en-US" altLang="zh-CN" dirty="0" err="1" smtClean="0"/>
-              <a:t>jQuery</a:t>
-            </a:r>
-            <a:r>
-              <a:rPr lang="zh-CN" altLang="en-US" dirty="0" smtClean="0"/>
-              <a:t>的关系</a:t>
+              <a:t>使用总结</a:t>
             </a:r>
             <a:endParaRPr lang="zh-CN" altLang="en-US" dirty="0"/>
           </a:p>
@@ -5766,101 +6161,559 @@
           <a:bodyPr/>
           <a:lstStyle/>
           <a:p>
-            <a:r>
-              <a:rPr lang="en-US" dirty="0" err="1" smtClean="0"/>
-              <a:t>jQuery</a:t>
-            </a:r>
-            <a:r>
-              <a:rPr lang="zh-CN" altLang="en-US" dirty="0" smtClean="0"/>
-              <a:t>是一个兼容多浏览器的</a:t>
-            </a:r>
-            <a:r>
-              <a:rPr lang="en-US" dirty="0" err="1" smtClean="0"/>
-              <a:t>javascript</a:t>
-            </a:r>
-            <a:r>
-              <a:rPr lang="zh-CN" altLang="en-US" dirty="0" smtClean="0"/>
-              <a:t>库，核心理念是</a:t>
-            </a:r>
-            <a:r>
-              <a:rPr lang="en-US" dirty="0" smtClean="0"/>
-              <a:t>write </a:t>
-            </a:r>
-            <a:r>
-              <a:rPr lang="en-US" dirty="0" err="1" smtClean="0"/>
-              <a:t>less,do</a:t>
-            </a:r>
-            <a:r>
-              <a:rPr lang="en-US" dirty="0" smtClean="0"/>
-              <a:t> more(</a:t>
-            </a:r>
-            <a:r>
-              <a:rPr lang="zh-CN" altLang="en-US" dirty="0" smtClean="0"/>
-              <a:t>写得更少</a:t>
-            </a:r>
-            <a:r>
-              <a:rPr lang="en-US" altLang="zh-CN" dirty="0" smtClean="0"/>
-              <a:t>,</a:t>
-            </a:r>
-            <a:r>
-              <a:rPr lang="zh-CN" altLang="en-US" dirty="0" smtClean="0"/>
-              <a:t>做得更多</a:t>
-            </a:r>
-            <a:r>
-              <a:rPr lang="en-US" altLang="zh-CN" dirty="0" smtClean="0"/>
-              <a:t>)</a:t>
-            </a:r>
-          </a:p>
-          <a:p>
-            <a:r>
-              <a:rPr lang="en-US" altLang="zh-CN" dirty="0" err="1" smtClean="0"/>
-              <a:t>jquery</a:t>
-            </a:r>
-            <a:r>
-              <a:rPr lang="zh-CN" altLang="en-US" dirty="0" smtClean="0"/>
-              <a:t>对</a:t>
-            </a:r>
-            <a:r>
-              <a:rPr lang="en-US" altLang="zh-CN" dirty="0" smtClean="0"/>
-              <a:t>DOM</a:t>
-            </a:r>
-            <a:r>
-              <a:rPr lang="zh-CN" altLang="en-US" dirty="0" smtClean="0"/>
-              <a:t>的操作极度</a:t>
-            </a:r>
-            <a:r>
-              <a:rPr lang="zh-CN" altLang="en-US" dirty="0" smtClean="0"/>
-              <a:t>简化，</a:t>
-            </a:r>
-            <a:r>
-              <a:rPr lang="zh-CN" altLang="en-US" dirty="0" smtClean="0"/>
-              <a:t>提高了开发效率</a:t>
-            </a:r>
-            <a:r>
-              <a:rPr lang="en-US" altLang="zh-CN" dirty="0" smtClean="0"/>
-              <a:t>, </a:t>
-            </a:r>
-            <a:r>
-              <a:rPr lang="zh-CN" altLang="en-US" dirty="0" smtClean="0"/>
-              <a:t>减少重复</a:t>
-            </a:r>
-            <a:r>
-              <a:rPr lang="zh-CN" altLang="en-US" dirty="0" smtClean="0"/>
-              <a:t>劳动</a:t>
-            </a:r>
-            <a:endParaRPr lang="en-US" altLang="zh-CN" dirty="0" smtClean="0"/>
-          </a:p>
-        </p:txBody>
-      </p:sp>
+            <a:endParaRPr lang="zh-CN" altLang="en-US" dirty="0"/>
+          </a:p>
+        </p:txBody>
+      </p:sp>
+      <p:pic>
+        <p:nvPicPr>
+          <p:cNvPr id="1027" name="Picture 3"/>
+          <p:cNvPicPr>
+            <a:picLocks noChangeAspect="1" noChangeArrowheads="1"/>
+          </p:cNvPicPr>
+          <p:nvPr/>
+        </p:nvPicPr>
+        <p:blipFill>
+          <a:blip r:embed="rId2"/>
+          <a:srcRect/>
+          <a:stretch>
+            <a:fillRect/>
+          </a:stretch>
+        </p:blipFill>
+        <p:spPr bwMode="auto">
+          <a:xfrm>
+            <a:off x="214282" y="1214422"/>
+            <a:ext cx="8643966" cy="4697231"/>
+          </a:xfrm>
+          <a:prstGeom prst="rect">
+            <a:avLst/>
+          </a:prstGeom>
+          <a:noFill/>
+          <a:ln w="9525">
+            <a:noFill/>
+            <a:miter lim="800000"/>
+            <a:headEnd/>
+            <a:tailEnd/>
+          </a:ln>
+          <a:effectLst/>
+        </p:spPr>
+      </p:pic>
     </p:spTree>
   </p:cSld>
   <p:clrMapOvr>
     <a:masterClrMapping/>
   </p:clrMapOvr>
+  <p:timing>
+    <p:tnLst>
+      <p:par>
+        <p:cTn id="1" dur="indefinite" restart="never" nodeType="tmRoot"/>
+      </p:par>
+    </p:tnLst>
+  </p:timing>
 </p:sld>
 </file>
 
 <file path=ppt/slides/slide13.xml><?xml version="1.0" encoding="utf-8"?>
+<p:sld xmlns:a="http://schemas.openxmlformats.org/drawingml/2006/main" xmlns:r="http://schemas.openxmlformats.org/officeDocument/2006/relationships" xmlns:p="http://schemas.openxmlformats.org/presentationml/2006/main">
+  <p:cSld>
+    <p:spTree>
+      <p:nvGrpSpPr>
+        <p:cNvPr id="1" name=""/>
+        <p:cNvGrpSpPr/>
+        <p:nvPr/>
+      </p:nvGrpSpPr>
+      <p:grpSpPr>
+        <a:xfrm>
+          <a:off x="0" y="0"/>
+          <a:ext cx="0" cy="0"/>
+          <a:chOff x="0" y="0"/>
+          <a:chExt cx="0" cy="0"/>
+        </a:xfrm>
+      </p:grpSpPr>
+      <p:sp>
+        <p:nvSpPr>
+          <p:cNvPr id="2" name="标题 1"/>
+          <p:cNvSpPr>
+            <a:spLocks noGrp="1"/>
+          </p:cNvSpPr>
+          <p:nvPr>
+            <p:ph type="title"/>
+          </p:nvPr>
+        </p:nvSpPr>
+        <p:spPr/>
+        <p:txBody>
+          <a:bodyPr/>
+          <a:lstStyle/>
+          <a:p>
+            <a:r>
+              <a:rPr lang="en-US" altLang="zh-CN" dirty="0" smtClean="0"/>
+              <a:t>Js</a:t>
+            </a:r>
+            <a:r>
+              <a:rPr lang="zh-CN" altLang="en-US" dirty="0" smtClean="0"/>
+              <a:t>和</a:t>
+            </a:r>
+            <a:r>
+              <a:rPr lang="en-US" altLang="zh-CN" dirty="0" err="1" smtClean="0"/>
+              <a:t>jQuery</a:t>
+            </a:r>
+            <a:r>
+              <a:rPr lang="zh-CN" altLang="en-US" dirty="0" smtClean="0"/>
+              <a:t>的关系</a:t>
+            </a:r>
+            <a:endParaRPr lang="zh-CN" altLang="en-US" dirty="0"/>
+          </a:p>
+        </p:txBody>
+      </p:sp>
+      <p:sp>
+        <p:nvSpPr>
+          <p:cNvPr id="3" name="内容占位符 2"/>
+          <p:cNvSpPr>
+            <a:spLocks noGrp="1"/>
+          </p:cNvSpPr>
+          <p:nvPr>
+            <p:ph idx="1"/>
+          </p:nvPr>
+        </p:nvSpPr>
+        <p:spPr/>
+        <p:txBody>
+          <a:bodyPr/>
+          <a:lstStyle/>
+          <a:p>
+            <a:r>
+              <a:rPr lang="en-US" dirty="0" err="1" smtClean="0"/>
+              <a:t>jQuery</a:t>
+            </a:r>
+            <a:r>
+              <a:rPr lang="zh-CN" altLang="en-US" dirty="0" smtClean="0"/>
+              <a:t>是一个兼容多浏览器的</a:t>
+            </a:r>
+            <a:r>
+              <a:rPr lang="en-US" dirty="0" err="1" smtClean="0"/>
+              <a:t>javascript</a:t>
+            </a:r>
+            <a:r>
+              <a:rPr lang="zh-CN" altLang="en-US" dirty="0" smtClean="0"/>
+              <a:t>库，核心理念是</a:t>
+            </a:r>
+            <a:r>
+              <a:rPr lang="en-US" dirty="0" smtClean="0"/>
+              <a:t>write </a:t>
+            </a:r>
+            <a:r>
+              <a:rPr lang="en-US" dirty="0" err="1" smtClean="0"/>
+              <a:t>less,do</a:t>
+            </a:r>
+            <a:r>
+              <a:rPr lang="en-US" dirty="0" smtClean="0"/>
+              <a:t> more(</a:t>
+            </a:r>
+            <a:r>
+              <a:rPr lang="zh-CN" altLang="en-US" dirty="0" smtClean="0"/>
+              <a:t>写得更少</a:t>
+            </a:r>
+            <a:r>
+              <a:rPr lang="en-US" altLang="zh-CN" dirty="0" smtClean="0"/>
+              <a:t>,</a:t>
+            </a:r>
+            <a:r>
+              <a:rPr lang="zh-CN" altLang="en-US" dirty="0" smtClean="0"/>
+              <a:t>做得更多</a:t>
+            </a:r>
+            <a:r>
+              <a:rPr lang="en-US" altLang="zh-CN" dirty="0" smtClean="0"/>
+              <a:t>)</a:t>
+            </a:r>
+          </a:p>
+          <a:p>
+            <a:r>
+              <a:rPr lang="en-US" altLang="zh-CN" dirty="0" err="1" smtClean="0"/>
+              <a:t>jquery</a:t>
+            </a:r>
+            <a:r>
+              <a:rPr lang="zh-CN" altLang="en-US" dirty="0" smtClean="0"/>
+              <a:t>对</a:t>
+            </a:r>
+            <a:r>
+              <a:rPr lang="en-US" altLang="zh-CN" dirty="0" smtClean="0"/>
+              <a:t>DOM</a:t>
+            </a:r>
+            <a:r>
+              <a:rPr lang="zh-CN" altLang="en-US" dirty="0" smtClean="0"/>
+              <a:t>的操作极度简化，提高了开发效率</a:t>
+            </a:r>
+            <a:r>
+              <a:rPr lang="en-US" altLang="zh-CN" dirty="0" smtClean="0"/>
+              <a:t>, </a:t>
+            </a:r>
+            <a:r>
+              <a:rPr lang="zh-CN" altLang="en-US" dirty="0" smtClean="0"/>
+              <a:t>减少重复劳动</a:t>
+            </a:r>
+            <a:endParaRPr lang="en-US" altLang="zh-CN" dirty="0" smtClean="0"/>
+          </a:p>
+        </p:txBody>
+      </p:sp>
+    </p:spTree>
+  </p:cSld>
+  <p:clrMapOvr>
+    <a:masterClrMapping/>
+  </p:clrMapOvr>
+  <p:timing>
+    <p:tnLst>
+      <p:par>
+        <p:cTn id="1" dur="indefinite" restart="never" nodeType="tmRoot"/>
+      </p:par>
+    </p:tnLst>
+  </p:timing>
+</p:sld>
+</file>
+
+<file path=ppt/slides/slide14.xml><?xml version="1.0" encoding="utf-8"?>
+<p:sld xmlns:a="http://schemas.openxmlformats.org/drawingml/2006/main" xmlns:r="http://schemas.openxmlformats.org/officeDocument/2006/relationships" xmlns:p="http://schemas.openxmlformats.org/presentationml/2006/main">
+  <p:cSld>
+    <p:spTree>
+      <p:nvGrpSpPr>
+        <p:cNvPr id="1" name=""/>
+        <p:cNvGrpSpPr/>
+        <p:nvPr/>
+      </p:nvGrpSpPr>
+      <p:grpSpPr>
+        <a:xfrm>
+          <a:off x="0" y="0"/>
+          <a:ext cx="0" cy="0"/>
+          <a:chOff x="0" y="0"/>
+          <a:chExt cx="0" cy="0"/>
+        </a:xfrm>
+      </p:grpSpPr>
+      <p:sp>
+        <p:nvSpPr>
+          <p:cNvPr id="2" name="标题 1"/>
+          <p:cNvSpPr>
+            <a:spLocks noGrp="1"/>
+          </p:cNvSpPr>
+          <p:nvPr>
+            <p:ph type="title"/>
+          </p:nvPr>
+        </p:nvSpPr>
+        <p:spPr/>
+        <p:txBody>
+          <a:bodyPr/>
+          <a:lstStyle/>
+          <a:p>
+            <a:r>
+              <a:rPr lang="zh-CN" altLang="en-US" dirty="0" smtClean="0"/>
+              <a:t>“项目”</a:t>
+            </a:r>
+            <a:r>
+              <a:rPr lang="zh-CN" altLang="en-US" dirty="0" smtClean="0"/>
+              <a:t>优化</a:t>
+            </a:r>
+            <a:endParaRPr lang="zh-CN" altLang="en-US" dirty="0"/>
+          </a:p>
+        </p:txBody>
+      </p:sp>
+      <p:sp>
+        <p:nvSpPr>
+          <p:cNvPr id="3" name="内容占位符 2"/>
+          <p:cNvSpPr>
+            <a:spLocks noGrp="1"/>
+          </p:cNvSpPr>
+          <p:nvPr>
+            <p:ph idx="1"/>
+          </p:nvPr>
+        </p:nvSpPr>
+        <p:spPr/>
+        <p:txBody>
+          <a:bodyPr/>
+          <a:lstStyle/>
+          <a:p>
+            <a:endParaRPr lang="zh-CN" altLang="en-US" dirty="0"/>
+          </a:p>
+        </p:txBody>
+      </p:sp>
+      <p:pic>
+        <p:nvPicPr>
+          <p:cNvPr id="2050" name="Picture 2"/>
+          <p:cNvPicPr>
+            <a:picLocks noChangeAspect="1" noChangeArrowheads="1"/>
+          </p:cNvPicPr>
+          <p:nvPr/>
+        </p:nvPicPr>
+        <p:blipFill>
+          <a:blip r:embed="rId3"/>
+          <a:srcRect/>
+          <a:stretch>
+            <a:fillRect/>
+          </a:stretch>
+        </p:blipFill>
+        <p:spPr bwMode="auto">
+          <a:xfrm>
+            <a:off x="142844" y="1285860"/>
+            <a:ext cx="6643734" cy="4692847"/>
+          </a:xfrm>
+          <a:prstGeom prst="rect">
+            <a:avLst/>
+          </a:prstGeom>
+          <a:noFill/>
+          <a:ln w="9525">
+            <a:noFill/>
+            <a:miter lim="800000"/>
+            <a:headEnd/>
+            <a:tailEnd/>
+          </a:ln>
+          <a:effectLst/>
+        </p:spPr>
+      </p:pic>
+      <p:sp>
+        <p:nvSpPr>
+          <p:cNvPr id="5" name="TextBox 4"/>
+          <p:cNvSpPr txBox="1"/>
+          <p:nvPr/>
+        </p:nvSpPr>
+        <p:spPr>
+          <a:xfrm>
+            <a:off x="642910" y="6357958"/>
+            <a:ext cx="8715436" cy="369332"/>
+          </a:xfrm>
+          <a:prstGeom prst="rect">
+            <a:avLst/>
+          </a:prstGeom>
+          <a:noFill/>
+        </p:spPr>
+        <p:txBody>
+          <a:bodyPr wrap="square" rtlCol="0">
+            <a:spAutoFit/>
+          </a:bodyPr>
+          <a:lstStyle/>
+          <a:p>
+            <a:r>
+              <a:rPr lang="en-US" altLang="zh-CN" dirty="0" smtClean="0">
+                <a:hlinkClick r:id="rId4"/>
+              </a:rPr>
+              <a:t>https://www.processon.com/view/link/59e841bce4b05f52bada89fa</a:t>
+            </a:r>
+            <a:endParaRPr lang="zh-CN" altLang="en-US" dirty="0"/>
+          </a:p>
+        </p:txBody>
+      </p:sp>
+      <p:sp>
+        <p:nvSpPr>
+          <p:cNvPr id="6" name="TextBox 5"/>
+          <p:cNvSpPr txBox="1"/>
+          <p:nvPr/>
+        </p:nvSpPr>
+        <p:spPr>
+          <a:xfrm>
+            <a:off x="6786578" y="1928802"/>
+            <a:ext cx="2143140" cy="2031325"/>
+          </a:xfrm>
+          <a:prstGeom prst="rect">
+            <a:avLst/>
+          </a:prstGeom>
+          <a:noFill/>
+        </p:spPr>
+        <p:txBody>
+          <a:bodyPr wrap="square" rtlCol="0">
+            <a:spAutoFit/>
+          </a:bodyPr>
+          <a:lstStyle/>
+          <a:p>
+            <a:pPr>
+              <a:buFont typeface="Arial" pitchFamily="34" charset="0"/>
+              <a:buChar char="•"/>
+            </a:pPr>
+            <a:r>
+              <a:rPr lang="zh-CN" altLang="en-US" dirty="0" smtClean="0"/>
+              <a:t>开发效率（插件库，编译，打包，自动部署</a:t>
+            </a:r>
+            <a:r>
+              <a:rPr lang="zh-CN" altLang="en-US" dirty="0" smtClean="0"/>
+              <a:t>）</a:t>
+            </a:r>
+            <a:endParaRPr lang="en-US" altLang="zh-CN" dirty="0" smtClean="0"/>
+          </a:p>
+          <a:p>
+            <a:pPr>
+              <a:buFont typeface="Arial" pitchFamily="34" charset="0"/>
+              <a:buChar char="•"/>
+            </a:pPr>
+            <a:r>
+              <a:rPr lang="zh-CN" altLang="en-US" dirty="0" smtClean="0"/>
+              <a:t>合作（</a:t>
+            </a:r>
+            <a:r>
+              <a:rPr lang="en-US" altLang="zh-CN" dirty="0" err="1" smtClean="0"/>
+              <a:t>git</a:t>
+            </a:r>
+            <a:r>
+              <a:rPr lang="zh-CN" altLang="en-US" dirty="0" smtClean="0"/>
+              <a:t>，</a:t>
+            </a:r>
+            <a:r>
+              <a:rPr lang="en-US" altLang="zh-CN" dirty="0" smtClean="0"/>
+              <a:t>code review</a:t>
+            </a:r>
+            <a:r>
+              <a:rPr lang="zh-CN" altLang="en-US" dirty="0" smtClean="0"/>
+              <a:t>）</a:t>
+            </a:r>
+            <a:endParaRPr lang="en-US" altLang="zh-CN" dirty="0" smtClean="0"/>
+          </a:p>
+          <a:p>
+            <a:pPr>
+              <a:buFont typeface="Arial" pitchFamily="34" charset="0"/>
+              <a:buChar char="•"/>
+            </a:pPr>
+            <a:r>
+              <a:rPr lang="zh-CN" altLang="en-US" dirty="0" smtClean="0"/>
+              <a:t>项目质量（</a:t>
+            </a:r>
+            <a:r>
+              <a:rPr lang="en-US" altLang="zh-CN" dirty="0" smtClean="0"/>
+              <a:t>bug</a:t>
+            </a:r>
+            <a:r>
+              <a:rPr lang="zh-CN" altLang="en-US" dirty="0" smtClean="0"/>
+              <a:t>少，稳定，速度快）</a:t>
+            </a:r>
+            <a:endParaRPr lang="en-US" altLang="zh-CN" dirty="0" smtClean="0"/>
+          </a:p>
+        </p:txBody>
+      </p:sp>
+    </p:spTree>
+  </p:cSld>
+  <p:clrMapOvr>
+    <a:masterClrMapping/>
+  </p:clrMapOvr>
+  <p:timing>
+    <p:tnLst>
+      <p:par>
+        <p:cTn id="1" dur="indefinite" restart="never" nodeType="tmRoot">
+          <p:childTnLst>
+            <p:seq concurrent="1" nextAc="seek">
+              <p:cTn id="2" dur="indefinite" nodeType="mainSeq">
+                <p:childTnLst>
+                  <p:par>
+                    <p:cTn id="3" fill="hold">
+                      <p:stCondLst>
+                        <p:cond delay="indefinite"/>
+                      </p:stCondLst>
+                      <p:childTnLst>
+                        <p:par>
+                          <p:cTn id="4" fill="hold">
+                            <p:stCondLst>
+                              <p:cond delay="0"/>
+                            </p:stCondLst>
+                            <p:childTnLst>
+                              <p:par>
+                                <p:cTn id="5" presetID="2" presetClass="entr" presetSubtype="4" fill="hold" grpId="0" nodeType="clickEffect">
+                                  <p:stCondLst>
+                                    <p:cond delay="0"/>
+                                  </p:stCondLst>
+                                  <p:childTnLst>
+                                    <p:set>
+                                      <p:cBhvr>
+                                        <p:cTn id="6" dur="1" fill="hold">
+                                          <p:stCondLst>
+                                            <p:cond delay="0"/>
+                                          </p:stCondLst>
+                                        </p:cTn>
+                                        <p:tgtEl>
+                                          <p:spTgt spid="6"/>
+                                        </p:tgtEl>
+                                        <p:attrNameLst>
+                                          <p:attrName>style.visibility</p:attrName>
+                                        </p:attrNameLst>
+                                      </p:cBhvr>
+                                      <p:to>
+                                        <p:strVal val="visible"/>
+                                      </p:to>
+                                    </p:set>
+                                    <p:anim calcmode="lin" valueType="num">
+                                      <p:cBhvr additive="base">
+                                        <p:cTn id="7" dur="500" fill="hold"/>
+                                        <p:tgtEl>
+                                          <p:spTgt spid="6"/>
+                                        </p:tgtEl>
+                                        <p:attrNameLst>
+                                          <p:attrName>ppt_x</p:attrName>
+                                        </p:attrNameLst>
+                                      </p:cBhvr>
+                                      <p:tavLst>
+                                        <p:tav tm="0">
+                                          <p:val>
+                                            <p:strVal val="#ppt_x"/>
+                                          </p:val>
+                                        </p:tav>
+                                        <p:tav tm="100000">
+                                          <p:val>
+                                            <p:strVal val="#ppt_x"/>
+                                          </p:val>
+                                        </p:tav>
+                                      </p:tavLst>
+                                    </p:anim>
+                                    <p:anim calcmode="lin" valueType="num">
+                                      <p:cBhvr additive="base">
+                                        <p:cTn id="8" dur="500" fill="hold"/>
+                                        <p:tgtEl>
+                                          <p:spTgt spid="6"/>
+                                        </p:tgtEl>
+                                        <p:attrNameLst>
+                                          <p:attrName>ppt_y</p:attrName>
+                                        </p:attrNameLst>
+                                      </p:cBhvr>
+                                      <p:tavLst>
+                                        <p:tav tm="0">
+                                          <p:val>
+                                            <p:strVal val="1+#ppt_h/2"/>
+                                          </p:val>
+                                        </p:tav>
+                                        <p:tav tm="100000">
+                                          <p:val>
+                                            <p:strVal val="#ppt_y"/>
+                                          </p:val>
+                                        </p:tav>
+                                      </p:tavLst>
+                                    </p:anim>
+                                  </p:childTnLst>
+                                </p:cTn>
+                              </p:par>
+                            </p:childTnLst>
+                          </p:cTn>
+                        </p:par>
+                      </p:childTnLst>
+                    </p:cTn>
+                  </p:par>
+                </p:childTnLst>
+              </p:cTn>
+              <p:prevCondLst>
+                <p:cond evt="onPrev" delay="0">
+                  <p:tgtEl>
+                    <p:sldTgt/>
+                  </p:tgtEl>
+                </p:cond>
+              </p:prevCondLst>
+              <p:nextCondLst>
+                <p:cond evt="onNext" delay="0">
+                  <p:tgtEl>
+                    <p:sldTgt/>
+                  </p:tgtEl>
+                </p:cond>
+              </p:nextCondLst>
+            </p:seq>
+          </p:childTnLst>
+        </p:cTn>
+      </p:par>
+    </p:tnLst>
+    <p:bldLst>
+      <p:bldP spid="6" grpId="0"/>
+    </p:bldLst>
+  </p:timing>
+</p:sld>
+</file>
+
+<file path=ppt/slides/slide15.xml><?xml version="1.0" encoding="utf-8"?>
 <p:sld xmlns:a="http://schemas.openxmlformats.org/drawingml/2006/main" xmlns:r="http://schemas.openxmlformats.org/officeDocument/2006/relationships" xmlns:p="http://schemas.openxmlformats.org/presentationml/2006/main">
   <p:cSld>
     <p:bg>
@@ -5888,7 +6741,7 @@
       </p:grpSpPr>
       <p:sp>
         <p:nvSpPr>
-          <p:cNvPr id="9" name="标题 8"/>
+          <p:cNvPr id="2" name="标题 1"/>
           <p:cNvSpPr>
             <a:spLocks noGrp="1"/>
           </p:cNvSpPr>
@@ -5901,13 +6754,17 @@
           <a:bodyPr/>
           <a:lstStyle/>
           <a:p>
+            <a:r>
+              <a:rPr lang="zh-CN" altLang="en-US" dirty="0" smtClean="0"/>
+              <a:t>形形色色的框架和技术</a:t>
+            </a:r>
             <a:endParaRPr lang="zh-CN" altLang="en-US" dirty="0"/>
           </a:p>
         </p:txBody>
       </p:sp>
       <p:sp>
         <p:nvSpPr>
-          <p:cNvPr id="5" name="内容占位符 4"/>
+          <p:cNvPr id="3" name="内容占位符 2"/>
           <p:cNvSpPr>
             <a:spLocks noGrp="1"/>
           </p:cNvSpPr>
@@ -5917,152 +6774,157 @@
         </p:nvSpPr>
         <p:spPr/>
         <p:txBody>
-          <a:bodyPr>
-            <a:normAutofit fontScale="70000" lnSpcReduction="20000"/>
-          </a:bodyPr>
+          <a:bodyPr/>
           <a:lstStyle/>
           <a:p>
             <a:r>
               <a:rPr lang="zh-CN" altLang="en-US" dirty="0" smtClean="0"/>
-              <a:t>计算机技术是有层次的。</a:t>
-            </a:r>
-            <a:br>
-              <a:rPr lang="zh-CN" altLang="en-US" dirty="0" smtClean="0"/>
-            </a:br>
-            <a:r>
-              <a:rPr lang="zh-CN" altLang="en-US" dirty="0" smtClean="0"/>
-              <a:t>举个例子：</a:t>
-            </a:r>
-            <a:br>
-              <a:rPr lang="zh-CN" altLang="en-US" dirty="0" smtClean="0"/>
-            </a:br>
-            <a:r>
-              <a:rPr lang="en-US" altLang="zh-CN" dirty="0" smtClean="0"/>
-              <a:t>bootstrap -&gt; </a:t>
-            </a:r>
-            <a:r>
-              <a:rPr lang="en-US" altLang="zh-CN" dirty="0" err="1" smtClean="0"/>
-              <a:t>jQuery</a:t>
-            </a:r>
-            <a:r>
-              <a:rPr lang="en-US" altLang="zh-CN" dirty="0" smtClean="0"/>
-              <a:t> -&gt; </a:t>
-            </a:r>
-            <a:r>
-              <a:rPr lang="en-US" altLang="zh-CN" dirty="0" err="1" smtClean="0"/>
-              <a:t>js</a:t>
-            </a:r>
-            <a:r>
-              <a:rPr lang="en-US" altLang="zh-CN" dirty="0" smtClean="0"/>
-              <a:t> -&gt; V8 -&gt; C++ -&gt; </a:t>
-            </a:r>
-            <a:r>
-              <a:rPr lang="zh-CN" altLang="en-US" dirty="0" smtClean="0"/>
-              <a:t>汇编 </a:t>
-            </a:r>
-            <a:r>
-              <a:rPr lang="en-US" altLang="zh-CN" dirty="0" smtClean="0"/>
-              <a:t>-&gt; </a:t>
-            </a:r>
-            <a:r>
-              <a:rPr lang="zh-CN" altLang="en-US" dirty="0" smtClean="0"/>
-              <a:t>处理器架构 </a:t>
-            </a:r>
-            <a:r>
-              <a:rPr lang="en-US" altLang="zh-CN" dirty="0" smtClean="0"/>
-              <a:t>-&gt; </a:t>
-            </a:r>
-            <a:r>
-              <a:rPr lang="zh-CN" altLang="en-US" dirty="0" smtClean="0"/>
-              <a:t>电路设计 </a:t>
-            </a:r>
-            <a:r>
-              <a:rPr lang="en-US" altLang="zh-CN" dirty="0" smtClean="0"/>
-              <a:t>-&gt; </a:t>
-            </a:r>
-            <a:r>
-              <a:rPr lang="zh-CN" altLang="en-US" dirty="0" smtClean="0"/>
-              <a:t>半导体材料</a:t>
-            </a:r>
-            <a:r>
-              <a:rPr lang="en-US" altLang="zh-CN" dirty="0" smtClean="0"/>
-              <a:t>-&gt; ...</a:t>
-            </a:r>
-          </a:p>
-          <a:p>
-            <a:r>
-              <a:rPr lang="zh-CN" altLang="en-US" dirty="0" smtClean="0"/>
-              <a:t>分层的好处就是让不同层次的开发者只需要关注与之相关的几个层次就可以高效地进行生产，而不需要过度了解底层和上层的细节。</a:t>
-            </a:r>
-          </a:p>
-          <a:p>
-            <a:r>
-              <a:rPr lang="zh-CN" altLang="en-US" dirty="0" smtClean="0"/>
-              <a:t/>
-            </a:r>
-            <a:br>
-              <a:rPr lang="zh-CN" altLang="en-US" dirty="0" smtClean="0"/>
-            </a:br>
-            <a:r>
-              <a:rPr lang="zh-CN" altLang="en-US" dirty="0" smtClean="0"/>
-              <a:t/>
-            </a:r>
-            <a:br>
-              <a:rPr lang="zh-CN" altLang="en-US" dirty="0" smtClean="0"/>
-            </a:br>
-            <a:r>
-              <a:rPr lang="zh-CN" altLang="en-US" dirty="0" smtClean="0"/>
-              <a:t>作者：知乎用户</a:t>
-            </a:r>
-            <a:br>
-              <a:rPr lang="zh-CN" altLang="en-US" dirty="0" smtClean="0"/>
-            </a:br>
-            <a:r>
-              <a:rPr lang="zh-CN" altLang="en-US" dirty="0" smtClean="0"/>
-              <a:t>链接：</a:t>
-            </a:r>
-            <a:r>
-              <a:rPr lang="en-US" altLang="zh-CN" dirty="0" smtClean="0"/>
-              <a:t>https://www.zhihu.com/question/36498186/answer/67902815</a:t>
-            </a:r>
-            <a:br>
-              <a:rPr lang="en-US" altLang="zh-CN" dirty="0" smtClean="0"/>
-            </a:br>
-            <a:r>
-              <a:rPr lang="zh-CN" altLang="en-US" dirty="0" smtClean="0"/>
-              <a:t>来源：知乎</a:t>
-            </a:r>
-            <a:br>
-              <a:rPr lang="zh-CN" altLang="en-US" dirty="0" smtClean="0"/>
-            </a:br>
-            <a:r>
-              <a:rPr lang="zh-CN" altLang="en-US" dirty="0" smtClean="0"/>
-              <a:t>著作权归作者所有。商业转载请联系作者获得授权，非商业转载请注明出处。</a:t>
-            </a:r>
-          </a:p>
-          <a:p>
-            <a:pPr>
-              <a:buNone/>
-            </a:pPr>
+              <a:t>知名开源网站</a:t>
+            </a:r>
+            <a:endParaRPr lang="en-US" altLang="zh-CN" dirty="0" smtClean="0"/>
+          </a:p>
+          <a:p>
+            <a:r>
+              <a:rPr lang="en-US" altLang="zh-CN" dirty="0" smtClean="0">
+                <a:hlinkClick r:id="rId4"/>
+              </a:rPr>
+              <a:t>https://github.com/topics</a:t>
+            </a:r>
             <a:endParaRPr lang="zh-CN" altLang="en-US" dirty="0"/>
           </a:p>
         </p:txBody>
       </p:sp>
+      <p:pic>
+        <p:nvPicPr>
+          <p:cNvPr id="3074" name="Picture 2"/>
+          <p:cNvPicPr>
+            <a:picLocks noChangeAspect="1" noChangeArrowheads="1"/>
+          </p:cNvPicPr>
+          <p:nvPr/>
+        </p:nvPicPr>
+        <p:blipFill>
+          <a:blip r:embed="rId5"/>
+          <a:srcRect/>
+          <a:stretch>
+            <a:fillRect/>
+          </a:stretch>
+        </p:blipFill>
+        <p:spPr bwMode="auto">
+          <a:xfrm>
+            <a:off x="1142976" y="458806"/>
+            <a:ext cx="7134862" cy="6399194"/>
+          </a:xfrm>
+          <a:prstGeom prst="rect">
+            <a:avLst/>
+          </a:prstGeom>
+          <a:noFill/>
+          <a:ln w="9525">
+            <a:noFill/>
+            <a:miter lim="800000"/>
+            <a:headEnd/>
+            <a:tailEnd/>
+          </a:ln>
+          <a:effectLst/>
+        </p:spPr>
+      </p:pic>
     </p:spTree>
   </p:cSld>
   <p:clrMapOvr>
     <a:overrideClrMapping bg1="lt1" tx1="dk1" bg2="lt2" tx2="dk2" accent1="accent1" accent2="accent2" accent3="accent3" accent4="accent4" accent5="accent5" accent6="accent6" hlink="hlink" folHlink="folHlink"/>
   </p:clrMapOvr>
+  <p:timing>
+    <p:tnLst>
+      <p:par>
+        <p:cTn id="1" dur="indefinite" restart="never" nodeType="tmRoot">
+          <p:childTnLst>
+            <p:seq concurrent="1" nextAc="seek">
+              <p:cTn id="2" dur="indefinite" nodeType="mainSeq">
+                <p:childTnLst>
+                  <p:par>
+                    <p:cTn id="3" fill="hold">
+                      <p:stCondLst>
+                        <p:cond delay="indefinite"/>
+                      </p:stCondLst>
+                      <p:childTnLst>
+                        <p:par>
+                          <p:cTn id="4" fill="hold">
+                            <p:stCondLst>
+                              <p:cond delay="0"/>
+                            </p:stCondLst>
+                            <p:childTnLst>
+                              <p:par>
+                                <p:cTn id="5" presetID="4" presetClass="entr" presetSubtype="16" fill="hold" nodeType="clickEffect">
+                                  <p:stCondLst>
+                                    <p:cond delay="0"/>
+                                  </p:stCondLst>
+                                  <p:childTnLst>
+                                    <p:set>
+                                      <p:cBhvr>
+                                        <p:cTn id="6" dur="1" fill="hold">
+                                          <p:stCondLst>
+                                            <p:cond delay="0"/>
+                                          </p:stCondLst>
+                                        </p:cTn>
+                                        <p:tgtEl>
+                                          <p:spTgt spid="3074"/>
+                                        </p:tgtEl>
+                                        <p:attrNameLst>
+                                          <p:attrName>style.visibility</p:attrName>
+                                        </p:attrNameLst>
+                                      </p:cBhvr>
+                                      <p:to>
+                                        <p:strVal val="visible"/>
+                                      </p:to>
+                                    </p:set>
+                                    <p:animEffect transition="in" filter="box(in)">
+                                      <p:cBhvr>
+                                        <p:cTn id="7" dur="500"/>
+                                        <p:tgtEl>
+                                          <p:spTgt spid="3074"/>
+                                        </p:tgtEl>
+                                      </p:cBhvr>
+                                    </p:animEffect>
+                                  </p:childTnLst>
+                                </p:cTn>
+                              </p:par>
+                            </p:childTnLst>
+                          </p:cTn>
+                        </p:par>
+                      </p:childTnLst>
+                    </p:cTn>
+                  </p:par>
+                </p:childTnLst>
+              </p:cTn>
+              <p:prevCondLst>
+                <p:cond evt="onPrev" delay="0">
+                  <p:tgtEl>
+                    <p:sldTgt/>
+                  </p:tgtEl>
+                </p:cond>
+              </p:prevCondLst>
+              <p:nextCondLst>
+                <p:cond evt="onNext" delay="0">
+                  <p:tgtEl>
+                    <p:sldTgt/>
+                  </p:tgtEl>
+                </p:cond>
+              </p:nextCondLst>
+            </p:seq>
+          </p:childTnLst>
+        </p:cTn>
+      </p:par>
+    </p:tnLst>
+  </p:timing>
 </p:sld>
 </file>
 
-<file path=ppt/slides/slide14.xml><?xml version="1.0" encoding="utf-8"?>
+<file path=ppt/slides/slide16.xml><?xml version="1.0" encoding="utf-8"?>
 <p:sld xmlns:a="http://schemas.openxmlformats.org/drawingml/2006/main" xmlns:r="http://schemas.openxmlformats.org/officeDocument/2006/relationships" xmlns:p="http://schemas.openxmlformats.org/presentationml/2006/main">
   <p:cSld>
     <p:bg>
       <p:bgPr>
         <a:blipFill>
-          <a:blip r:embed="rId2"/>
+          <a:blip r:embed="rId3"/>
           <a:tile tx="0" ty="0" sx="100000" sy="100000" flip="none" algn="tl"/>
         </a:blipFill>
         <a:effectLst/>
@@ -6092,21 +6954,12 @@
             <p:ph type="title"/>
           </p:nvPr>
         </p:nvSpPr>
-        <p:spPr>
-          <a:xfrm>
-            <a:off x="1428728" y="274638"/>
-            <a:ext cx="7504960" cy="1143000"/>
-          </a:xfrm>
-        </p:spPr>
+        <p:spPr/>
         <p:txBody>
           <a:bodyPr/>
           <a:lstStyle/>
           <a:p>
-            <a:r>
-              <a:rPr lang="zh-CN" altLang="en-US" dirty="0" smtClean="0"/>
-              <a:t>浏览器的解析渲染过程</a:t>
-            </a:r>
-            <a:endParaRPr lang="zh-CN" altLang="en-US" dirty="0"/>
+            <a:endParaRPr lang="zh-CN" altLang="en-US"/>
           </a:p>
         </p:txBody>
       </p:sp>
@@ -6125,91 +6978,6 @@
           <a:bodyPr/>
           <a:lstStyle/>
           <a:p>
-            <a:pPr marL="596646" indent="-514350">
-              <a:buFont typeface="+mj-lt"/>
-              <a:buAutoNum type="arabicPeriod"/>
-            </a:pPr>
-            <a:r>
-              <a:rPr lang="zh-CN" altLang="en-US" dirty="0" smtClean="0"/>
-              <a:t>解析</a:t>
-            </a:r>
-            <a:r>
-              <a:rPr lang="en-US" altLang="zh-CN" dirty="0" smtClean="0"/>
-              <a:t>HTML+</a:t>
-            </a:r>
-            <a:r>
-              <a:rPr lang="zh-CN" altLang="en-US" dirty="0" smtClean="0"/>
-              <a:t>构建</a:t>
-            </a:r>
-            <a:r>
-              <a:rPr lang="en-US" altLang="zh-CN" dirty="0" smtClean="0"/>
-              <a:t>DOM</a:t>
-            </a:r>
-            <a:r>
-              <a:rPr lang="zh-CN" altLang="en-US" dirty="0" smtClean="0"/>
-              <a:t>树</a:t>
-            </a:r>
-            <a:endParaRPr lang="en-US" altLang="zh-CN" dirty="0" smtClean="0"/>
-          </a:p>
-          <a:p>
-            <a:pPr marL="596646" indent="-514350">
-              <a:buFont typeface="+mj-lt"/>
-              <a:buAutoNum type="arabicPeriod"/>
-            </a:pPr>
-            <a:r>
-              <a:rPr lang="en-US" altLang="zh-CN" dirty="0" smtClean="0"/>
-              <a:t>DOM</a:t>
-            </a:r>
-            <a:r>
-              <a:rPr lang="zh-CN" altLang="en-US" dirty="0" smtClean="0"/>
-              <a:t>树与</a:t>
-            </a:r>
-            <a:r>
-              <a:rPr lang="en-US" altLang="zh-CN" dirty="0" smtClean="0"/>
-              <a:t>CSS</a:t>
-            </a:r>
-            <a:r>
-              <a:rPr lang="zh-CN" altLang="en-US" dirty="0" smtClean="0"/>
-              <a:t>样式进行附着构造</a:t>
-            </a:r>
-            <a:r>
-              <a:rPr lang="en-US" altLang="zh-CN" dirty="0" smtClean="0"/>
-              <a:t>=&gt;</a:t>
-            </a:r>
-            <a:r>
-              <a:rPr lang="zh-CN" altLang="en-US" dirty="0" smtClean="0"/>
-              <a:t>呈现树</a:t>
-            </a:r>
-            <a:r>
-              <a:rPr lang="en-US" dirty="0" err="1" smtClean="0"/>
-              <a:t>RenderTree</a:t>
-            </a:r>
-            <a:endParaRPr lang="zh-CN" altLang="en-US" dirty="0" smtClean="0"/>
-          </a:p>
-          <a:p>
-            <a:pPr marL="596646" indent="-514350">
-              <a:buFont typeface="+mj-lt"/>
-              <a:buAutoNum type="arabicPeriod"/>
-            </a:pPr>
-            <a:r>
-              <a:rPr lang="zh-CN" altLang="en-US" dirty="0" smtClean="0"/>
-              <a:t>布局</a:t>
-            </a:r>
-          </a:p>
-          <a:p>
-            <a:pPr marL="596646" indent="-514350">
-              <a:buFont typeface="+mj-lt"/>
-              <a:buAutoNum type="arabicPeriod"/>
-            </a:pPr>
-            <a:r>
-              <a:rPr lang="zh-CN" altLang="en-US" dirty="0" smtClean="0"/>
-              <a:t>绘制</a:t>
-            </a:r>
-          </a:p>
-          <a:p>
-            <a:pPr>
-              <a:buNone/>
-            </a:pPr>
             <a:endParaRPr lang="zh-CN" altLang="en-US" dirty="0"/>
           </a:p>
         </p:txBody>
@@ -6223,7 +6991,371 @@
           <p:nvPr/>
         </p:nvPicPr>
         <p:blipFill>
+          <a:blip r:embed="rId4"/>
+          <a:srcRect/>
+          <a:stretch>
+            <a:fillRect/>
+          </a:stretch>
+        </p:blipFill>
+        <p:spPr bwMode="auto">
+          <a:xfrm>
+            <a:off x="1428728" y="0"/>
+            <a:ext cx="6072230" cy="7080335"/>
+          </a:xfrm>
+          <a:prstGeom prst="rect">
+            <a:avLst/>
+          </a:prstGeom>
+          <a:noFill/>
+          <a:ln w="9525">
+            <a:noFill/>
+            <a:miter lim="800000"/>
+            <a:headEnd/>
+            <a:tailEnd/>
+          </a:ln>
+          <a:effectLst/>
+        </p:spPr>
+      </p:pic>
+    </p:spTree>
+  </p:cSld>
+  <p:clrMapOvr>
+    <a:overrideClrMapping bg1="lt1" tx1="dk1" bg2="lt2" tx2="dk2" accent1="accent1" accent2="accent2" accent3="accent3" accent4="accent4" accent5="accent5" accent6="accent6" hlink="hlink" folHlink="folHlink"/>
+  </p:clrMapOvr>
+  <p:timing>
+    <p:tnLst>
+      <p:par>
+        <p:cTn id="1" dur="indefinite" restart="never" nodeType="tmRoot"/>
+      </p:par>
+    </p:tnLst>
+  </p:timing>
+</p:sld>
+</file>
+
+<file path=ppt/slides/slide17.xml><?xml version="1.0" encoding="utf-8"?>
+<p:sld xmlns:a="http://schemas.openxmlformats.org/drawingml/2006/main" xmlns:r="http://schemas.openxmlformats.org/officeDocument/2006/relationships" xmlns:p="http://schemas.openxmlformats.org/presentationml/2006/main">
+  <p:cSld>
+    <p:bg>
+      <p:bgPr>
+        <a:blipFill>
           <a:blip r:embed="rId3"/>
+          <a:tile tx="0" ty="0" sx="100000" sy="100000" flip="none" algn="tl"/>
+        </a:blipFill>
+        <a:effectLst/>
+      </p:bgPr>
+    </p:bg>
+    <p:spTree>
+      <p:nvGrpSpPr>
+        <p:cNvPr id="1" name=""/>
+        <p:cNvGrpSpPr/>
+        <p:nvPr/>
+      </p:nvGrpSpPr>
+      <p:grpSpPr>
+        <a:xfrm>
+          <a:off x="0" y="0"/>
+          <a:ext cx="0" cy="0"/>
+          <a:chOff x="0" y="0"/>
+          <a:chExt cx="0" cy="0"/>
+        </a:xfrm>
+      </p:grpSpPr>
+      <p:sp>
+        <p:nvSpPr>
+          <p:cNvPr id="9" name="标题 8"/>
+          <p:cNvSpPr>
+            <a:spLocks noGrp="1"/>
+          </p:cNvSpPr>
+          <p:nvPr>
+            <p:ph type="title"/>
+          </p:nvPr>
+        </p:nvSpPr>
+        <p:spPr/>
+        <p:txBody>
+          <a:bodyPr/>
+          <a:lstStyle/>
+          <a:p>
+            <a:endParaRPr lang="zh-CN" altLang="en-US" dirty="0"/>
+          </a:p>
+        </p:txBody>
+      </p:sp>
+      <p:sp>
+        <p:nvSpPr>
+          <p:cNvPr id="5" name="内容占位符 4"/>
+          <p:cNvSpPr>
+            <a:spLocks noGrp="1"/>
+          </p:cNvSpPr>
+          <p:nvPr>
+            <p:ph idx="1"/>
+          </p:nvPr>
+        </p:nvSpPr>
+        <p:spPr/>
+        <p:txBody>
+          <a:bodyPr>
+            <a:normAutofit/>
+          </a:bodyPr>
+          <a:lstStyle/>
+          <a:p>
+            <a:r>
+              <a:rPr lang="zh-CN" altLang="en-US" dirty="0" smtClean="0"/>
+              <a:t>计算机技术是有层次的。</a:t>
+            </a:r>
+            <a:br>
+              <a:rPr lang="zh-CN" altLang="en-US" dirty="0" smtClean="0"/>
+            </a:br>
+            <a:r>
+              <a:rPr lang="zh-CN" altLang="en-US" dirty="0" smtClean="0"/>
+              <a:t>举个例子：</a:t>
+            </a:r>
+            <a:br>
+              <a:rPr lang="zh-CN" altLang="en-US" dirty="0" smtClean="0"/>
+            </a:br>
+            <a:r>
+              <a:rPr lang="en-US" altLang="zh-CN" dirty="0" smtClean="0"/>
+              <a:t>bootstrap -&gt; </a:t>
+            </a:r>
+            <a:r>
+              <a:rPr lang="en-US" altLang="zh-CN" dirty="0" err="1" smtClean="0"/>
+              <a:t>jQuery</a:t>
+            </a:r>
+            <a:r>
+              <a:rPr lang="en-US" altLang="zh-CN" dirty="0" smtClean="0"/>
+              <a:t> -&gt; </a:t>
+            </a:r>
+            <a:r>
+              <a:rPr lang="en-US" altLang="zh-CN" dirty="0" err="1" smtClean="0"/>
+              <a:t>js</a:t>
+            </a:r>
+            <a:r>
+              <a:rPr lang="en-US" altLang="zh-CN" dirty="0" smtClean="0"/>
+              <a:t> -&gt; V8 -&gt; C++ -&gt; </a:t>
+            </a:r>
+            <a:r>
+              <a:rPr lang="zh-CN" altLang="en-US" dirty="0" smtClean="0"/>
+              <a:t>汇编 </a:t>
+            </a:r>
+            <a:r>
+              <a:rPr lang="en-US" altLang="zh-CN" dirty="0" smtClean="0"/>
+              <a:t>-&gt; </a:t>
+            </a:r>
+            <a:r>
+              <a:rPr lang="zh-CN" altLang="en-US" dirty="0" smtClean="0"/>
+              <a:t>处理器架构 </a:t>
+            </a:r>
+            <a:r>
+              <a:rPr lang="en-US" altLang="zh-CN" dirty="0" smtClean="0"/>
+              <a:t>-&gt; </a:t>
+            </a:r>
+            <a:r>
+              <a:rPr lang="zh-CN" altLang="en-US" dirty="0" smtClean="0"/>
+              <a:t>电路设计 </a:t>
+            </a:r>
+            <a:r>
+              <a:rPr lang="en-US" altLang="zh-CN" dirty="0" smtClean="0"/>
+              <a:t>-&gt; </a:t>
+            </a:r>
+            <a:r>
+              <a:rPr lang="zh-CN" altLang="en-US" dirty="0" smtClean="0"/>
+              <a:t>半导体材料</a:t>
+            </a:r>
+            <a:r>
+              <a:rPr lang="en-US" altLang="zh-CN" dirty="0" smtClean="0"/>
+              <a:t>-&gt; ...</a:t>
+            </a:r>
+          </a:p>
+          <a:p>
+            <a:r>
+              <a:rPr lang="zh-CN" altLang="en-US" dirty="0" smtClean="0"/>
+              <a:t>分层的好处就是让不同层次的开发者只需要关注与之相关的几个层次就可以高效地进行生产，而不需要过度了解底层和上层的细节。</a:t>
+            </a:r>
+          </a:p>
+          <a:p>
+            <a:pPr>
+              <a:buNone/>
+            </a:pPr>
+            <a:endParaRPr lang="zh-CN" altLang="en-US" dirty="0"/>
+          </a:p>
+        </p:txBody>
+      </p:sp>
+    </p:spTree>
+  </p:cSld>
+  <p:clrMapOvr>
+    <a:overrideClrMapping bg1="lt1" tx1="dk1" bg2="lt2" tx2="dk2" accent1="accent1" accent2="accent2" accent3="accent3" accent4="accent4" accent5="accent5" accent6="accent6" hlink="hlink" folHlink="folHlink"/>
+  </p:clrMapOvr>
+  <p:timing>
+    <p:tnLst>
+      <p:par>
+        <p:cTn id="1" dur="indefinite" restart="never" nodeType="tmRoot"/>
+      </p:par>
+    </p:tnLst>
+  </p:timing>
+</p:sld>
+</file>
+
+<file path=ppt/slides/slide18.xml><?xml version="1.0" encoding="utf-8"?>
+<p:sld xmlns:a="http://schemas.openxmlformats.org/drawingml/2006/main" xmlns:r="http://schemas.openxmlformats.org/officeDocument/2006/relationships" xmlns:p="http://schemas.openxmlformats.org/presentationml/2006/main">
+  <p:cSld>
+    <p:bg>
+      <p:bgPr>
+        <a:blipFill>
+          <a:blip r:embed="rId3"/>
+          <a:tile tx="0" ty="0" sx="100000" sy="100000" flip="none" algn="tl"/>
+        </a:blipFill>
+        <a:effectLst/>
+      </p:bgPr>
+    </p:bg>
+    <p:spTree>
+      <p:nvGrpSpPr>
+        <p:cNvPr id="1" name=""/>
+        <p:cNvGrpSpPr/>
+        <p:nvPr/>
+      </p:nvGrpSpPr>
+      <p:grpSpPr>
+        <a:xfrm>
+          <a:off x="0" y="0"/>
+          <a:ext cx="0" cy="0"/>
+          <a:chOff x="0" y="0"/>
+          <a:chExt cx="0" cy="0"/>
+        </a:xfrm>
+      </p:grpSpPr>
+      <p:sp>
+        <p:nvSpPr>
+          <p:cNvPr id="2" name="标题 1"/>
+          <p:cNvSpPr>
+            <a:spLocks noGrp="1"/>
+          </p:cNvSpPr>
+          <p:nvPr>
+            <p:ph type="title"/>
+          </p:nvPr>
+        </p:nvSpPr>
+        <p:spPr>
+          <a:xfrm>
+            <a:off x="1428728" y="274638"/>
+            <a:ext cx="7504960" cy="1143000"/>
+          </a:xfrm>
+        </p:spPr>
+        <p:txBody>
+          <a:bodyPr/>
+          <a:lstStyle/>
+          <a:p>
+            <a:r>
+              <a:rPr lang="zh-CN" altLang="en-US" dirty="0" smtClean="0"/>
+              <a:t>浏览器的解析渲染过程</a:t>
+            </a:r>
+            <a:endParaRPr lang="zh-CN" altLang="en-US" dirty="0"/>
+          </a:p>
+        </p:txBody>
+      </p:sp>
+      <p:sp>
+        <p:nvSpPr>
+          <p:cNvPr id="3" name="内容占位符 2"/>
+          <p:cNvSpPr>
+            <a:spLocks noGrp="1"/>
+          </p:cNvSpPr>
+          <p:nvPr>
+            <p:ph idx="1"/>
+          </p:nvPr>
+        </p:nvSpPr>
+        <p:spPr/>
+        <p:txBody>
+          <a:bodyPr/>
+          <a:lstStyle/>
+          <a:p>
+            <a:pPr marL="596646" indent="-514350">
+              <a:buFont typeface="+mj-lt"/>
+              <a:buAutoNum type="arabicPeriod"/>
+            </a:pPr>
+            <a:r>
+              <a:rPr lang="zh-CN" altLang="en-US" dirty="0" smtClean="0"/>
+              <a:t>解析</a:t>
+            </a:r>
+            <a:r>
+              <a:rPr lang="en-US" altLang="zh-CN" dirty="0" smtClean="0"/>
+              <a:t>HTML+</a:t>
+            </a:r>
+            <a:r>
+              <a:rPr lang="zh-CN" altLang="en-US" dirty="0" smtClean="0"/>
+              <a:t>构建</a:t>
+            </a:r>
+            <a:r>
+              <a:rPr lang="en-US" altLang="zh-CN" dirty="0" smtClean="0"/>
+              <a:t>DOM</a:t>
+            </a:r>
+            <a:r>
+              <a:rPr lang="zh-CN" altLang="en-US" dirty="0" smtClean="0"/>
+              <a:t>树</a:t>
+            </a:r>
+            <a:endParaRPr lang="en-US" altLang="zh-CN" dirty="0" smtClean="0"/>
+          </a:p>
+          <a:p>
+            <a:pPr marL="596646" indent="-514350">
+              <a:buFont typeface="+mj-lt"/>
+              <a:buAutoNum type="arabicPeriod"/>
+            </a:pPr>
+            <a:r>
+              <a:rPr lang="en-US" altLang="zh-CN" dirty="0" smtClean="0"/>
+              <a:t>DOM</a:t>
+            </a:r>
+            <a:r>
+              <a:rPr lang="zh-CN" altLang="en-US" dirty="0" smtClean="0"/>
+              <a:t>树与</a:t>
+            </a:r>
+            <a:r>
+              <a:rPr lang="en-US" altLang="zh-CN" dirty="0" smtClean="0"/>
+              <a:t>CSS</a:t>
+            </a:r>
+            <a:r>
+              <a:rPr lang="zh-CN" altLang="en-US" dirty="0" smtClean="0"/>
+              <a:t>样式进行附着构造</a:t>
+            </a:r>
+            <a:r>
+              <a:rPr lang="en-US" altLang="zh-CN" dirty="0" smtClean="0"/>
+              <a:t>=&gt;</a:t>
+            </a:r>
+            <a:r>
+              <a:rPr lang="zh-CN" altLang="en-US" dirty="0" smtClean="0"/>
+              <a:t>呈现树</a:t>
+            </a:r>
+            <a:r>
+              <a:rPr lang="en-US" dirty="0" err="1" smtClean="0"/>
+              <a:t>RenderTree</a:t>
+            </a:r>
+            <a:endParaRPr lang="zh-CN" altLang="en-US" dirty="0" smtClean="0"/>
+          </a:p>
+          <a:p>
+            <a:pPr marL="596646" indent="-514350">
+              <a:buFont typeface="+mj-lt"/>
+              <a:buAutoNum type="arabicPeriod"/>
+            </a:pPr>
+            <a:r>
+              <a:rPr lang="zh-CN" altLang="en-US" dirty="0" smtClean="0"/>
+              <a:t>布局</a:t>
+            </a:r>
+          </a:p>
+          <a:p>
+            <a:pPr marL="596646" indent="-514350">
+              <a:buFont typeface="+mj-lt"/>
+              <a:buAutoNum type="arabicPeriod"/>
+            </a:pPr>
+            <a:r>
+              <a:rPr lang="zh-CN" altLang="en-US" dirty="0" smtClean="0"/>
+              <a:t>绘制</a:t>
+            </a:r>
+          </a:p>
+          <a:p>
+            <a:pPr>
+              <a:buNone/>
+            </a:pPr>
+            <a:endParaRPr lang="zh-CN" altLang="en-US" dirty="0"/>
+          </a:p>
+        </p:txBody>
+      </p:sp>
+      <p:pic>
+        <p:nvPicPr>
+          <p:cNvPr id="4098" name="Picture 2"/>
+          <p:cNvPicPr>
+            <a:picLocks noChangeAspect="1" noChangeArrowheads="1"/>
+          </p:cNvPicPr>
+          <p:nvPr/>
+        </p:nvPicPr>
+        <p:blipFill>
+          <a:blip r:embed="rId4"/>
           <a:srcRect/>
           <a:stretch>
             <a:fillRect/>
@@ -6271,7 +7403,7 @@
           <a:p>
             <a:r>
               <a:rPr lang="en-US" altLang="zh-CN" dirty="0" smtClean="0">
-                <a:hlinkClick r:id="rId4"/>
+                <a:hlinkClick r:id="rId5"/>
               </a:rPr>
               <a:t>http://www.cnblogs.com/dojo-lzz/p/3983335.html</a:t>
             </a:r>
@@ -6282,7 +7414,7 @@
     </p:spTree>
   </p:cSld>
   <p:clrMapOvr>
-    <a:masterClrMapping/>
+    <a:overrideClrMapping bg1="lt1" tx1="dk1" bg2="lt2" tx2="dk2" accent1="accent1" accent2="accent2" accent3="accent3" accent4="accent4" accent5="accent5" accent6="accent6" hlink="hlink" folHlink="folHlink"/>
   </p:clrMapOvr>
   <p:timing>
     <p:tnLst>
@@ -8799,4 +9931,133 @@
     </a:folHlink>
   </a:clrScheme>
 </a:themeOverride>
+</file>
+
+<file path=ppt/theme/themeOverride2.xml><?xml version="1.0" encoding="utf-8"?>
+<a:themeOverride xmlns:a="http://schemas.openxmlformats.org/drawingml/2006/main">
+  <a:clrScheme name="夏至">
+    <a:dk1>
+      <a:sysClr val="windowText" lastClr="000000"/>
+    </a:dk1>
+    <a:lt1>
+      <a:sysClr val="window" lastClr="FFFFFF"/>
+    </a:lt1>
+    <a:dk2>
+      <a:srgbClr val="4F271C"/>
+    </a:dk2>
+    <a:lt2>
+      <a:srgbClr val="E7DEC9"/>
+    </a:lt2>
+    <a:accent1>
+      <a:srgbClr val="3891A7"/>
+    </a:accent1>
+    <a:accent2>
+      <a:srgbClr val="FEB80A"/>
+    </a:accent2>
+    <a:accent3>
+      <a:srgbClr val="C32D2E"/>
+    </a:accent3>
+    <a:accent4>
+      <a:srgbClr val="84AA33"/>
+    </a:accent4>
+    <a:accent5>
+      <a:srgbClr val="964305"/>
+    </a:accent5>
+    <a:accent6>
+      <a:srgbClr val="475A8D"/>
+    </a:accent6>
+    <a:hlink>
+      <a:srgbClr val="8DC765"/>
+    </a:hlink>
+    <a:folHlink>
+      <a:srgbClr val="AA8A14"/>
+    </a:folHlink>
+  </a:clrScheme>
+</a:themeOverride>
+</file>
+
+<file path=ppt/theme/themeOverride3.xml><?xml version="1.0" encoding="utf-8"?>
+<a:themeOverride xmlns:a="http://schemas.openxmlformats.org/drawingml/2006/main">
+  <a:clrScheme name="夏至">
+    <a:dk1>
+      <a:sysClr val="windowText" lastClr="000000"/>
+    </a:dk1>
+    <a:lt1>
+      <a:sysClr val="window" lastClr="FFFFFF"/>
+    </a:lt1>
+    <a:dk2>
+      <a:srgbClr val="4F271C"/>
+    </a:dk2>
+    <a:lt2>
+      <a:srgbClr val="E7DEC9"/>
+    </a:lt2>
+    <a:accent1>
+      <a:srgbClr val="3891A7"/>
+    </a:accent1>
+    <a:accent2>
+      <a:srgbClr val="FEB80A"/>
+    </a:accent2>
+    <a:accent3>
+      <a:srgbClr val="C32D2E"/>
+    </a:accent3>
+    <a:accent4>
+      <a:srgbClr val="84AA33"/>
+    </a:accent4>
+    <a:accent5>
+      <a:srgbClr val="964305"/>
+    </a:accent5>
+    <a:accent6>
+      <a:srgbClr val="475A8D"/>
+    </a:accent6>
+    <a:hlink>
+      <a:srgbClr val="8DC765"/>
+    </a:hlink>
+    <a:folHlink>
+      <a:srgbClr val="AA8A14"/>
+    </a:folHlink>
+  </a:clrScheme>
+</a:themeOverride>
+</file>
+
+<file path=ppt/theme/themeOverride4.xml><?xml version="1.0" encoding="utf-8"?>
+<a:themeOverride xmlns:a="http://schemas.openxmlformats.org/drawingml/2006/main">
+  <a:clrScheme name="夏至">
+    <a:dk1>
+      <a:sysClr val="windowText" lastClr="000000"/>
+    </a:dk1>
+    <a:lt1>
+      <a:sysClr val="window" lastClr="FFFFFF"/>
+    </a:lt1>
+    <a:dk2>
+      <a:srgbClr val="4F271C"/>
+    </a:dk2>
+    <a:lt2>
+      <a:srgbClr val="E7DEC9"/>
+    </a:lt2>
+    <a:accent1>
+      <a:srgbClr val="3891A7"/>
+    </a:accent1>
+    <a:accent2>
+      <a:srgbClr val="FEB80A"/>
+    </a:accent2>
+    <a:accent3>
+      <a:srgbClr val="C32D2E"/>
+    </a:accent3>
+    <a:accent4>
+      <a:srgbClr val="84AA33"/>
+    </a:accent4>
+    <a:accent5>
+      <a:srgbClr val="964305"/>
+    </a:accent5>
+    <a:accent6>
+      <a:srgbClr val="475A8D"/>
+    </a:accent6>
+    <a:hlink>
+      <a:srgbClr val="8DC765"/>
+    </a:hlink>
+    <a:folHlink>
+      <a:srgbClr val="AA8A14"/>
+    </a:folHlink>
+  </a:clrScheme>
+</a:themeOverride>
 </file>
--- a/ps/js/演示文稿.pptx
+++ b/ps/js/演示文稿.pptx
@@ -5,7 +5,7 @@
     <p:sldMasterId id="2147483972" r:id="rId1"/>
   </p:sldMasterIdLst>
   <p:notesMasterIdLst>
-    <p:notesMasterId r:id="rId20"/>
+    <p:notesMasterId r:id="rId43"/>
   </p:notesMasterIdLst>
   <p:sldIdLst>
     <p:sldId id="256" r:id="rId2"/>
@@ -22,10 +22,33 @@
     <p:sldId id="271" r:id="rId13"/>
     <p:sldId id="267" r:id="rId14"/>
     <p:sldId id="272" r:id="rId15"/>
-    <p:sldId id="270" r:id="rId16"/>
-    <p:sldId id="273" r:id="rId17"/>
-    <p:sldId id="268" r:id="rId18"/>
-    <p:sldId id="259" r:id="rId19"/>
+    <p:sldId id="275" r:id="rId16"/>
+    <p:sldId id="270" r:id="rId17"/>
+    <p:sldId id="273" r:id="rId18"/>
+    <p:sldId id="277" r:id="rId19"/>
+    <p:sldId id="278" r:id="rId20"/>
+    <p:sldId id="279" r:id="rId21"/>
+    <p:sldId id="280" r:id="rId22"/>
+    <p:sldId id="281" r:id="rId23"/>
+    <p:sldId id="282" r:id="rId24"/>
+    <p:sldId id="283" r:id="rId25"/>
+    <p:sldId id="284" r:id="rId26"/>
+    <p:sldId id="285" r:id="rId27"/>
+    <p:sldId id="286" r:id="rId28"/>
+    <p:sldId id="287" r:id="rId29"/>
+    <p:sldId id="288" r:id="rId30"/>
+    <p:sldId id="289" r:id="rId31"/>
+    <p:sldId id="290" r:id="rId32"/>
+    <p:sldId id="276" r:id="rId33"/>
+    <p:sldId id="274" r:id="rId34"/>
+    <p:sldId id="291" r:id="rId35"/>
+    <p:sldId id="292" r:id="rId36"/>
+    <p:sldId id="293" r:id="rId37"/>
+    <p:sldId id="294" r:id="rId38"/>
+    <p:sldId id="295" r:id="rId39"/>
+    <p:sldId id="296" r:id="rId40"/>
+    <p:sldId id="268" r:id="rId41"/>
+    <p:sldId id="259" r:id="rId42"/>
   </p:sldIdLst>
   <p:sldSz cx="9144000" cy="6858000" type="screen4x3"/>
   <p:notesSz cx="6858000" cy="9144000"/>
@@ -210,7 +233,7 @@
             <a:fld id="{BB18017A-EF27-4333-8CBA-7208022D9565}" type="datetimeFigureOut">
               <a:rPr lang="zh-CN" altLang="en-US" smtClean="0"/>
               <a:pPr/>
-              <a:t>2017/10/19</a:t>
+              <a:t>2017/10/20</a:t>
             </a:fld>
             <a:endParaRPr lang="zh-CN" altLang="en-US"/>
           </a:p>
@@ -558,6 +581,170 @@
 </p:notes>
 </file>
 
+<file path=ppt/notesSlides/notesSlide10.xml><?xml version="1.0" encoding="utf-8"?>
+<p:notes xmlns:a="http://schemas.openxmlformats.org/drawingml/2006/main" xmlns:r="http://schemas.openxmlformats.org/officeDocument/2006/relationships" xmlns:p="http://schemas.openxmlformats.org/presentationml/2006/main">
+  <p:cSld>
+    <p:spTree>
+      <p:nvGrpSpPr>
+        <p:cNvPr id="1" name=""/>
+        <p:cNvGrpSpPr/>
+        <p:nvPr/>
+      </p:nvGrpSpPr>
+      <p:grpSpPr>
+        <a:xfrm>
+          <a:off x="0" y="0"/>
+          <a:ext cx="0" cy="0"/>
+          <a:chOff x="0" y="0"/>
+          <a:chExt cx="0" cy="0"/>
+        </a:xfrm>
+      </p:grpSpPr>
+      <p:sp>
+        <p:nvSpPr>
+          <p:cNvPr id="2" name="幻灯片图像占位符 1"/>
+          <p:cNvSpPr>
+            <a:spLocks noGrp="1" noRot="1" noChangeAspect="1"/>
+          </p:cNvSpPr>
+          <p:nvPr>
+            <p:ph type="sldImg"/>
+          </p:nvPr>
+        </p:nvSpPr>
+        <p:spPr/>
+      </p:sp>
+      <p:sp>
+        <p:nvSpPr>
+          <p:cNvPr id="3" name="备注占位符 2"/>
+          <p:cNvSpPr>
+            <a:spLocks noGrp="1"/>
+          </p:cNvSpPr>
+          <p:nvPr>
+            <p:ph type="body" idx="1"/>
+          </p:nvPr>
+        </p:nvSpPr>
+        <p:spPr/>
+        <p:txBody>
+          <a:bodyPr>
+            <a:normAutofit/>
+          </a:bodyPr>
+          <a:lstStyle/>
+          <a:p>
+            <a:endParaRPr lang="zh-CN" altLang="en-US" dirty="0"/>
+          </a:p>
+        </p:txBody>
+      </p:sp>
+      <p:sp>
+        <p:nvSpPr>
+          <p:cNvPr id="4" name="灯片编号占位符 3"/>
+          <p:cNvSpPr>
+            <a:spLocks noGrp="1"/>
+          </p:cNvSpPr>
+          <p:nvPr>
+            <p:ph type="sldNum" sz="quarter" idx="10"/>
+          </p:nvPr>
+        </p:nvSpPr>
+        <p:spPr/>
+        <p:txBody>
+          <a:bodyPr/>
+          <a:lstStyle/>
+          <a:p>
+            <a:fld id="{F36645F3-DF14-4580-88C0-61136AC25E0B}" type="slidenum">
+              <a:rPr lang="zh-CN" altLang="en-US" smtClean="0"/>
+              <a:pPr/>
+              <a:t>34</a:t>
+            </a:fld>
+            <a:endParaRPr lang="zh-CN" altLang="en-US"/>
+          </a:p>
+        </p:txBody>
+      </p:sp>
+    </p:spTree>
+  </p:cSld>
+  <p:clrMapOvr>
+    <a:masterClrMapping/>
+  </p:clrMapOvr>
+</p:notes>
+</file>
+
+<file path=ppt/notesSlides/notesSlide11.xml><?xml version="1.0" encoding="utf-8"?>
+<p:notes xmlns:a="http://schemas.openxmlformats.org/drawingml/2006/main" xmlns:r="http://schemas.openxmlformats.org/officeDocument/2006/relationships" xmlns:p="http://schemas.openxmlformats.org/presentationml/2006/main">
+  <p:cSld>
+    <p:spTree>
+      <p:nvGrpSpPr>
+        <p:cNvPr id="1" name=""/>
+        <p:cNvGrpSpPr/>
+        <p:nvPr/>
+      </p:nvGrpSpPr>
+      <p:grpSpPr>
+        <a:xfrm>
+          <a:off x="0" y="0"/>
+          <a:ext cx="0" cy="0"/>
+          <a:chOff x="0" y="0"/>
+          <a:chExt cx="0" cy="0"/>
+        </a:xfrm>
+      </p:grpSpPr>
+      <p:sp>
+        <p:nvSpPr>
+          <p:cNvPr id="2" name="幻灯片图像占位符 1"/>
+          <p:cNvSpPr>
+            <a:spLocks noGrp="1" noRot="1" noChangeAspect="1"/>
+          </p:cNvSpPr>
+          <p:nvPr>
+            <p:ph type="sldImg"/>
+          </p:nvPr>
+        </p:nvSpPr>
+        <p:spPr/>
+      </p:sp>
+      <p:sp>
+        <p:nvSpPr>
+          <p:cNvPr id="3" name="备注占位符 2"/>
+          <p:cNvSpPr>
+            <a:spLocks noGrp="1"/>
+          </p:cNvSpPr>
+          <p:nvPr>
+            <p:ph type="body" idx="1"/>
+          </p:nvPr>
+        </p:nvSpPr>
+        <p:spPr/>
+        <p:txBody>
+          <a:bodyPr>
+            <a:normAutofit/>
+          </a:bodyPr>
+          <a:lstStyle/>
+          <a:p>
+            <a:endParaRPr lang="zh-CN" altLang="en-US" dirty="0"/>
+          </a:p>
+        </p:txBody>
+      </p:sp>
+      <p:sp>
+        <p:nvSpPr>
+          <p:cNvPr id="4" name="灯片编号占位符 3"/>
+          <p:cNvSpPr>
+            <a:spLocks noGrp="1"/>
+          </p:cNvSpPr>
+          <p:nvPr>
+            <p:ph type="sldNum" sz="quarter" idx="10"/>
+          </p:nvPr>
+        </p:nvSpPr>
+        <p:spPr/>
+        <p:txBody>
+          <a:bodyPr/>
+          <a:lstStyle/>
+          <a:p>
+            <a:fld id="{F36645F3-DF14-4580-88C0-61136AC25E0B}" type="slidenum">
+              <a:rPr lang="zh-CN" altLang="en-US" smtClean="0"/>
+              <a:pPr/>
+              <a:t>35</a:t>
+            </a:fld>
+            <a:endParaRPr lang="zh-CN" altLang="en-US"/>
+          </a:p>
+        </p:txBody>
+      </p:sp>
+    </p:spTree>
+  </p:cSld>
+  <p:clrMapOvr>
+    <a:masterClrMapping/>
+  </p:clrMapOvr>
+</p:notes>
+</file>
+
 <file path=ppt/notesSlides/notesSlide2.xml><?xml version="1.0" encoding="utf-8"?>
 <p:notes xmlns:a="http://schemas.openxmlformats.org/drawingml/2006/main" xmlns:r="http://schemas.openxmlformats.org/officeDocument/2006/relationships" xmlns:p="http://schemas.openxmlformats.org/presentationml/2006/main">
   <p:cSld>
@@ -1037,6 +1224,170 @@
               <a:rPr lang="zh-CN" altLang="en-US" smtClean="0"/>
               <a:pPr/>
               <a:t>14</a:t>
+            </a:fld>
+            <a:endParaRPr lang="zh-CN" altLang="en-US"/>
+          </a:p>
+        </p:txBody>
+      </p:sp>
+    </p:spTree>
+  </p:cSld>
+  <p:clrMapOvr>
+    <a:masterClrMapping/>
+  </p:clrMapOvr>
+</p:notes>
+</file>
+
+<file path=ppt/notesSlides/notesSlide8.xml><?xml version="1.0" encoding="utf-8"?>
+<p:notes xmlns:a="http://schemas.openxmlformats.org/drawingml/2006/main" xmlns:r="http://schemas.openxmlformats.org/officeDocument/2006/relationships" xmlns:p="http://schemas.openxmlformats.org/presentationml/2006/main">
+  <p:cSld>
+    <p:spTree>
+      <p:nvGrpSpPr>
+        <p:cNvPr id="1" name=""/>
+        <p:cNvGrpSpPr/>
+        <p:nvPr/>
+      </p:nvGrpSpPr>
+      <p:grpSpPr>
+        <a:xfrm>
+          <a:off x="0" y="0"/>
+          <a:ext cx="0" cy="0"/>
+          <a:chOff x="0" y="0"/>
+          <a:chExt cx="0" cy="0"/>
+        </a:xfrm>
+      </p:grpSpPr>
+      <p:sp>
+        <p:nvSpPr>
+          <p:cNvPr id="2" name="幻灯片图像占位符 1"/>
+          <p:cNvSpPr>
+            <a:spLocks noGrp="1" noRot="1" noChangeAspect="1"/>
+          </p:cNvSpPr>
+          <p:nvPr>
+            <p:ph type="sldImg"/>
+          </p:nvPr>
+        </p:nvSpPr>
+        <p:spPr/>
+      </p:sp>
+      <p:sp>
+        <p:nvSpPr>
+          <p:cNvPr id="3" name="备注占位符 2"/>
+          <p:cNvSpPr>
+            <a:spLocks noGrp="1"/>
+          </p:cNvSpPr>
+          <p:nvPr>
+            <p:ph type="body" idx="1"/>
+          </p:nvPr>
+        </p:nvSpPr>
+        <p:spPr/>
+        <p:txBody>
+          <a:bodyPr>
+            <a:normAutofit/>
+          </a:bodyPr>
+          <a:lstStyle/>
+          <a:p>
+            <a:endParaRPr lang="zh-CN" altLang="en-US" dirty="0"/>
+          </a:p>
+        </p:txBody>
+      </p:sp>
+      <p:sp>
+        <p:nvSpPr>
+          <p:cNvPr id="4" name="灯片编号占位符 3"/>
+          <p:cNvSpPr>
+            <a:spLocks noGrp="1"/>
+          </p:cNvSpPr>
+          <p:nvPr>
+            <p:ph type="sldNum" sz="quarter" idx="10"/>
+          </p:nvPr>
+        </p:nvSpPr>
+        <p:spPr/>
+        <p:txBody>
+          <a:bodyPr/>
+          <a:lstStyle/>
+          <a:p>
+            <a:fld id="{F36645F3-DF14-4580-88C0-61136AC25E0B}" type="slidenum">
+              <a:rPr lang="zh-CN" altLang="en-US" smtClean="0"/>
+              <a:pPr/>
+              <a:t>21</a:t>
+            </a:fld>
+            <a:endParaRPr lang="zh-CN" altLang="en-US"/>
+          </a:p>
+        </p:txBody>
+      </p:sp>
+    </p:spTree>
+  </p:cSld>
+  <p:clrMapOvr>
+    <a:masterClrMapping/>
+  </p:clrMapOvr>
+</p:notes>
+</file>
+
+<file path=ppt/notesSlides/notesSlide9.xml><?xml version="1.0" encoding="utf-8"?>
+<p:notes xmlns:a="http://schemas.openxmlformats.org/drawingml/2006/main" xmlns:r="http://schemas.openxmlformats.org/officeDocument/2006/relationships" xmlns:p="http://schemas.openxmlformats.org/presentationml/2006/main">
+  <p:cSld>
+    <p:spTree>
+      <p:nvGrpSpPr>
+        <p:cNvPr id="1" name=""/>
+        <p:cNvGrpSpPr/>
+        <p:nvPr/>
+      </p:nvGrpSpPr>
+      <p:grpSpPr>
+        <a:xfrm>
+          <a:off x="0" y="0"/>
+          <a:ext cx="0" cy="0"/>
+          <a:chOff x="0" y="0"/>
+          <a:chExt cx="0" cy="0"/>
+        </a:xfrm>
+      </p:grpSpPr>
+      <p:sp>
+        <p:nvSpPr>
+          <p:cNvPr id="2" name="幻灯片图像占位符 1"/>
+          <p:cNvSpPr>
+            <a:spLocks noGrp="1" noRot="1" noChangeAspect="1"/>
+          </p:cNvSpPr>
+          <p:nvPr>
+            <p:ph type="sldImg"/>
+          </p:nvPr>
+        </p:nvSpPr>
+        <p:spPr/>
+      </p:sp>
+      <p:sp>
+        <p:nvSpPr>
+          <p:cNvPr id="3" name="备注占位符 2"/>
+          <p:cNvSpPr>
+            <a:spLocks noGrp="1"/>
+          </p:cNvSpPr>
+          <p:nvPr>
+            <p:ph type="body" idx="1"/>
+          </p:nvPr>
+        </p:nvSpPr>
+        <p:spPr/>
+        <p:txBody>
+          <a:bodyPr>
+            <a:normAutofit/>
+          </a:bodyPr>
+          <a:lstStyle/>
+          <a:p>
+            <a:endParaRPr lang="zh-CN" altLang="en-US" dirty="0"/>
+          </a:p>
+        </p:txBody>
+      </p:sp>
+      <p:sp>
+        <p:nvSpPr>
+          <p:cNvPr id="4" name="灯片编号占位符 3"/>
+          <p:cNvSpPr>
+            <a:spLocks noGrp="1"/>
+          </p:cNvSpPr>
+          <p:nvPr>
+            <p:ph type="sldNum" sz="quarter" idx="10"/>
+          </p:nvPr>
+        </p:nvSpPr>
+        <p:spPr/>
+        <p:txBody>
+          <a:bodyPr/>
+          <a:lstStyle/>
+          <a:p>
+            <a:fld id="{F36645F3-DF14-4580-88C0-61136AC25E0B}" type="slidenum">
+              <a:rPr lang="zh-CN" altLang="en-US" smtClean="0"/>
+              <a:pPr/>
+              <a:t>33</a:t>
             </a:fld>
             <a:endParaRPr lang="zh-CN" altLang="en-US"/>
           </a:p>
@@ -1185,7 +1536,7 @@
             <a:fld id="{530820CF-B880-4189-942D-D702A7CBA730}" type="datetimeFigureOut">
               <a:rPr lang="zh-CN" altLang="en-US" smtClean="0"/>
               <a:pPr/>
-              <a:t>2017/10/19</a:t>
+              <a:t>2017/10/20</a:t>
             </a:fld>
             <a:endParaRPr lang="zh-CN" altLang="en-US"/>
           </a:p>
@@ -1500,7 +1851,7 @@
             <a:fld id="{530820CF-B880-4189-942D-D702A7CBA730}" type="datetimeFigureOut">
               <a:rPr lang="zh-CN" altLang="en-US" smtClean="0"/>
               <a:pPr/>
-              <a:t>2017/10/19</a:t>
+              <a:t>2017/10/20</a:t>
             </a:fld>
             <a:endParaRPr lang="zh-CN" altLang="en-US"/>
           </a:p>
@@ -1687,7 +2038,7 @@
             <a:fld id="{530820CF-B880-4189-942D-D702A7CBA730}" type="datetimeFigureOut">
               <a:rPr lang="zh-CN" altLang="en-US" smtClean="0"/>
               <a:pPr/>
-              <a:t>2017/10/19</a:t>
+              <a:t>2017/10/20</a:t>
             </a:fld>
             <a:endParaRPr lang="zh-CN" altLang="en-US"/>
           </a:p>
@@ -1864,7 +2215,7 @@
             <a:fld id="{530820CF-B880-4189-942D-D702A7CBA730}" type="datetimeFigureOut">
               <a:rPr lang="zh-CN" altLang="en-US" smtClean="0"/>
               <a:pPr/>
-              <a:t>2017/10/19</a:t>
+              <a:t>2017/10/20</a:t>
             </a:fld>
             <a:endParaRPr lang="zh-CN" altLang="en-US"/>
           </a:p>
@@ -2134,7 +2485,7 @@
             <a:fld id="{530820CF-B880-4189-942D-D702A7CBA730}" type="datetimeFigureOut">
               <a:rPr lang="zh-CN" altLang="en-US" smtClean="0"/>
               <a:pPr/>
-              <a:t>2017/10/19</a:t>
+              <a:t>2017/10/20</a:t>
             </a:fld>
             <a:endParaRPr lang="zh-CN" altLang="en-US"/>
           </a:p>
@@ -2604,7 +2955,7 @@
             <a:fld id="{530820CF-B880-4189-942D-D702A7CBA730}" type="datetimeFigureOut">
               <a:rPr lang="zh-CN" altLang="en-US" smtClean="0"/>
               <a:pPr/>
-              <a:t>2017/10/19</a:t>
+              <a:t>2017/10/20</a:t>
             </a:fld>
             <a:endParaRPr lang="zh-CN" altLang="en-US"/>
           </a:p>
@@ -3095,7 +3446,7 @@
             <a:fld id="{530820CF-B880-4189-942D-D702A7CBA730}" type="datetimeFigureOut">
               <a:rPr lang="zh-CN" altLang="en-US" smtClean="0"/>
               <a:pPr/>
-              <a:t>2017/10/19</a:t>
+              <a:t>2017/10/20</a:t>
             </a:fld>
             <a:endParaRPr lang="zh-CN" altLang="en-US"/>
           </a:p>
@@ -3223,7 +3574,7 @@
             <a:fld id="{530820CF-B880-4189-942D-D702A7CBA730}" type="datetimeFigureOut">
               <a:rPr lang="zh-CN" altLang="en-US" smtClean="0"/>
               <a:pPr/>
-              <a:t>2017/10/19</a:t>
+              <a:t>2017/10/20</a:t>
             </a:fld>
             <a:endParaRPr lang="zh-CN" altLang="en-US"/>
           </a:p>
@@ -3369,7 +3720,7 @@
             <a:fld id="{530820CF-B880-4189-942D-D702A7CBA730}" type="datetimeFigureOut">
               <a:rPr lang="zh-CN" altLang="en-US" smtClean="0"/>
               <a:pPr/>
-              <a:t>2017/10/19</a:t>
+              <a:t>2017/10/20</a:t>
             </a:fld>
             <a:endParaRPr lang="zh-CN" altLang="en-US"/>
           </a:p>
@@ -3693,7 +4044,7 @@
             <a:fld id="{530820CF-B880-4189-942D-D702A7CBA730}" type="datetimeFigureOut">
               <a:rPr lang="zh-CN" altLang="en-US" smtClean="0"/>
               <a:pPr/>
-              <a:t>2017/10/19</a:t>
+              <a:t>2017/10/20</a:t>
             </a:fld>
             <a:endParaRPr lang="zh-CN" altLang="en-US"/>
           </a:p>
@@ -3829,7 +4180,7 @@
             <a:fld id="{530820CF-B880-4189-942D-D702A7CBA730}" type="datetimeFigureOut">
               <a:rPr lang="zh-CN" altLang="en-US" smtClean="0"/>
               <a:pPr/>
-              <a:t>2017/10/19</a:t>
+              <a:t>2017/10/20</a:t>
             </a:fld>
             <a:endParaRPr lang="zh-CN" altLang="en-US"/>
           </a:p>
@@ -4612,7 +4963,7 @@
             <a:fld id="{530820CF-B880-4189-942D-D702A7CBA730}" type="datetimeFigureOut">
               <a:rPr lang="zh-CN" altLang="en-US" smtClean="0"/>
               <a:pPr/>
-              <a:t>2017/10/19</a:t>
+              <a:t>2017/10/20</a:t>
             </a:fld>
             <a:endParaRPr lang="zh-CN" altLang="en-US"/>
           </a:p>
@@ -5487,11 +5838,7 @@
             </a:r>
             <a:r>
               <a:rPr lang="zh-CN" altLang="en-US" dirty="0" smtClean="0"/>
-              <a:t>按钮按下时，</a:t>
-            </a:r>
-            <a:r>
-              <a:rPr lang="zh-CN" altLang="en-US" dirty="0" smtClean="0"/>
-              <a:t>数量</a:t>
+              <a:t>按钮按下时，数量</a:t>
             </a:r>
             <a:r>
               <a:rPr lang="en-US" altLang="zh-CN" dirty="0" smtClean="0"/>
@@ -5505,19 +5852,7 @@
             </a:pPr>
             <a:r>
               <a:rPr lang="zh-CN" altLang="en-US" dirty="0" smtClean="0"/>
-              <a:t>当 </a:t>
-            </a:r>
-            <a:r>
-              <a:rPr lang="zh-CN" altLang="en-US" dirty="0" smtClean="0"/>
-              <a:t>购买 按钮</a:t>
-            </a:r>
-            <a:r>
-              <a:rPr lang="zh-CN" altLang="en-US" dirty="0" smtClean="0"/>
-              <a:t>按下时</a:t>
-            </a:r>
-            <a:r>
-              <a:rPr lang="zh-CN" altLang="en-US" dirty="0" smtClean="0"/>
-              <a:t>，提交购买请求</a:t>
+              <a:t>当 购买 按钮按下时，提交购买请求</a:t>
             </a:r>
             <a:endParaRPr lang="en-US" altLang="zh-CN" dirty="0" smtClean="0"/>
           </a:p>
@@ -6354,6 +6689,38 @@
           </a:p>
         </p:txBody>
       </p:sp>
+      <p:sp>
+        <p:nvSpPr>
+          <p:cNvPr id="4" name="TextBox 3"/>
+          <p:cNvSpPr txBox="1"/>
+          <p:nvPr/>
+        </p:nvSpPr>
+        <p:spPr>
+          <a:xfrm>
+            <a:off x="928662" y="6215082"/>
+            <a:ext cx="8715436" cy="369332"/>
+          </a:xfrm>
+          <a:prstGeom prst="rect">
+            <a:avLst/>
+          </a:prstGeom>
+          <a:noFill/>
+        </p:spPr>
+        <p:txBody>
+          <a:bodyPr wrap="square" rtlCol="0">
+            <a:spAutoFit/>
+          </a:bodyPr>
+          <a:lstStyle/>
+          <a:p>
+            <a:r>
+              <a:rPr lang="en-US" altLang="zh-CN" dirty="0" smtClean="0">
+                <a:hlinkClick r:id="rId2"/>
+              </a:rPr>
+              <a:t>http://www.w3school.com.cn/jquery/</a:t>
+            </a:r>
+            <a:endParaRPr lang="zh-CN" altLang="en-US" dirty="0"/>
+          </a:p>
+        </p:txBody>
+      </p:sp>
     </p:spTree>
   </p:cSld>
   <p:clrMapOvr>
@@ -6372,6 +6739,15 @@
 <file path=ppt/slides/slide14.xml><?xml version="1.0" encoding="utf-8"?>
 <p:sld xmlns:a="http://schemas.openxmlformats.org/drawingml/2006/main" xmlns:r="http://schemas.openxmlformats.org/officeDocument/2006/relationships" xmlns:p="http://schemas.openxmlformats.org/presentationml/2006/main">
   <p:cSld>
+    <p:bg>
+      <p:bgPr>
+        <a:blipFill>
+          <a:blip r:embed="rId4"/>
+          <a:tile tx="0" ty="0" sx="100000" sy="100000" flip="none" algn="tl"/>
+        </a:blipFill>
+        <a:effectLst/>
+      </p:bgPr>
+    </p:bg>
     <p:spTree>
       <p:nvGrpSpPr>
         <p:cNvPr id="1" name=""/>
@@ -6407,7 +6783,7 @@
             </a:r>
             <a:r>
               <a:rPr lang="zh-CN" altLang="en-US" dirty="0" smtClean="0"/>
-              <a:t>优化</a:t>
+              <a:t>升级</a:t>
             </a:r>
             <a:endParaRPr lang="zh-CN" altLang="en-US" dirty="0"/>
           </a:p>
@@ -6441,7 +6817,7 @@
           <p:nvPr/>
         </p:nvPicPr>
         <p:blipFill>
-          <a:blip r:embed="rId3"/>
+          <a:blip r:embed="rId5"/>
           <a:srcRect/>
           <a:stretch>
             <a:fillRect/>
@@ -6489,7 +6865,7 @@
           <a:p>
             <a:r>
               <a:rPr lang="en-US" altLang="zh-CN" dirty="0" smtClean="0">
-                <a:hlinkClick r:id="rId4"/>
+                <a:hlinkClick r:id="rId6"/>
               </a:rPr>
               <a:t>https://www.processon.com/view/link/59e841bce4b05f52bada89fa</a:t>
             </a:r>
@@ -6525,11 +6901,7 @@
             </a:pPr>
             <a:r>
               <a:rPr lang="zh-CN" altLang="en-US" dirty="0" smtClean="0"/>
-              <a:t>开发效率（插件库，编译，打包，自动部署</a:t>
-            </a:r>
-            <a:r>
-              <a:rPr lang="zh-CN" altLang="en-US" dirty="0" smtClean="0"/>
-              <a:t>）</a:t>
+              <a:t>开发效率（插件库，编译，打包，自动部署）</a:t>
             </a:r>
             <a:endParaRPr lang="en-US" altLang="zh-CN" dirty="0" smtClean="0"/>
           </a:p>
@@ -6584,7 +6956,7 @@
     </p:spTree>
   </p:cSld>
   <p:clrMapOvr>
-    <a:masterClrMapping/>
+    <a:overrideClrMapping bg1="lt1" tx1="dk1" bg2="lt2" tx2="dk2" accent1="accent1" accent2="accent2" accent3="accent3" accent4="accent4" accent5="accent5" accent6="accent6" hlink="hlink" folHlink="folHlink"/>
   </p:clrMapOvr>
   <p:timing>
     <p:tnLst>
@@ -6756,6 +7128,122 @@
           <a:p>
             <a:r>
               <a:rPr lang="zh-CN" altLang="en-US" dirty="0" smtClean="0"/>
+              <a:t>开发过程细化</a:t>
+            </a:r>
+            <a:endParaRPr lang="zh-CN" altLang="en-US" dirty="0"/>
+          </a:p>
+        </p:txBody>
+      </p:sp>
+      <p:sp>
+        <p:nvSpPr>
+          <p:cNvPr id="3" name="内容占位符 2"/>
+          <p:cNvSpPr>
+            <a:spLocks noGrp="1"/>
+          </p:cNvSpPr>
+          <p:nvPr>
+            <p:ph idx="1"/>
+          </p:nvPr>
+        </p:nvSpPr>
+        <p:spPr/>
+        <p:txBody>
+          <a:bodyPr/>
+          <a:lstStyle/>
+          <a:p>
+            <a:endParaRPr lang="zh-CN" altLang="en-US" dirty="0"/>
+          </a:p>
+        </p:txBody>
+      </p:sp>
+      <p:pic>
+        <p:nvPicPr>
+          <p:cNvPr id="4098" name="Picture 2"/>
+          <p:cNvPicPr>
+            <a:picLocks noChangeAspect="1" noChangeArrowheads="1"/>
+          </p:cNvPicPr>
+          <p:nvPr/>
+        </p:nvPicPr>
+        <p:blipFill>
+          <a:blip r:embed="rId4"/>
+          <a:srcRect/>
+          <a:stretch>
+            <a:fillRect/>
+          </a:stretch>
+        </p:blipFill>
+        <p:spPr bwMode="auto">
+          <a:xfrm>
+            <a:off x="214282" y="1285860"/>
+            <a:ext cx="9072626" cy="5289606"/>
+          </a:xfrm>
+          <a:prstGeom prst="rect">
+            <a:avLst/>
+          </a:prstGeom>
+          <a:noFill/>
+          <a:ln w="9525">
+            <a:noFill/>
+            <a:miter lim="800000"/>
+            <a:headEnd/>
+            <a:tailEnd/>
+          </a:ln>
+          <a:effectLst/>
+        </p:spPr>
+      </p:pic>
+    </p:spTree>
+  </p:cSld>
+  <p:clrMapOvr>
+    <a:overrideClrMapping bg1="lt1" tx1="dk1" bg2="lt2" tx2="dk2" accent1="accent1" accent2="accent2" accent3="accent3" accent4="accent4" accent5="accent5" accent6="accent6" hlink="hlink" folHlink="folHlink"/>
+  </p:clrMapOvr>
+  <p:timing>
+    <p:tnLst>
+      <p:par>
+        <p:cTn id="1" dur="indefinite" restart="never" nodeType="tmRoot"/>
+      </p:par>
+    </p:tnLst>
+  </p:timing>
+</p:sld>
+</file>
+
+<file path=ppt/slides/slide16.xml><?xml version="1.0" encoding="utf-8"?>
+<p:sld xmlns:a="http://schemas.openxmlformats.org/drawingml/2006/main" xmlns:r="http://schemas.openxmlformats.org/officeDocument/2006/relationships" xmlns:p="http://schemas.openxmlformats.org/presentationml/2006/main">
+  <p:cSld>
+    <p:bg>
+      <p:bgPr>
+        <a:blipFill>
+          <a:blip r:embed="rId3"/>
+          <a:tile tx="0" ty="0" sx="100000" sy="100000" flip="none" algn="tl"/>
+        </a:blipFill>
+        <a:effectLst/>
+      </p:bgPr>
+    </p:bg>
+    <p:spTree>
+      <p:nvGrpSpPr>
+        <p:cNvPr id="1" name=""/>
+        <p:cNvGrpSpPr/>
+        <p:nvPr/>
+      </p:nvGrpSpPr>
+      <p:grpSpPr>
+        <a:xfrm>
+          <a:off x="0" y="0"/>
+          <a:ext cx="0" cy="0"/>
+          <a:chOff x="0" y="0"/>
+          <a:chExt cx="0" cy="0"/>
+        </a:xfrm>
+      </p:grpSpPr>
+      <p:sp>
+        <p:nvSpPr>
+          <p:cNvPr id="2" name="标题 1"/>
+          <p:cNvSpPr>
+            <a:spLocks noGrp="1"/>
+          </p:cNvSpPr>
+          <p:nvPr>
+            <p:ph type="title"/>
+          </p:nvPr>
+        </p:nvSpPr>
+        <p:spPr/>
+        <p:txBody>
+          <a:bodyPr/>
+          <a:lstStyle/>
+          <a:p>
+            <a:r>
+              <a:rPr lang="zh-CN" altLang="en-US" dirty="0" smtClean="0"/>
               <a:t>形形色色的框架和技术</a:t>
             </a:r>
             <a:endParaRPr lang="zh-CN" altLang="en-US" dirty="0"/>
@@ -6918,7 +7406,7 @@
 </p:sld>
 </file>
 
-<file path=ppt/slides/slide16.xml><?xml version="1.0" encoding="utf-8"?>
+<file path=ppt/slides/slide17.xml><?xml version="1.0" encoding="utf-8"?>
 <p:sld xmlns:a="http://schemas.openxmlformats.org/drawingml/2006/main" xmlns:r="http://schemas.openxmlformats.org/officeDocument/2006/relationships" xmlns:p="http://schemas.openxmlformats.org/presentationml/2006/main">
   <p:cSld>
     <p:bg>
@@ -7030,164 +7518,6 @@
 </p:sld>
 </file>
 
-<file path=ppt/slides/slide17.xml><?xml version="1.0" encoding="utf-8"?>
-<p:sld xmlns:a="http://schemas.openxmlformats.org/drawingml/2006/main" xmlns:r="http://schemas.openxmlformats.org/officeDocument/2006/relationships" xmlns:p="http://schemas.openxmlformats.org/presentationml/2006/main">
-  <p:cSld>
-    <p:bg>
-      <p:bgPr>
-        <a:blipFill>
-          <a:blip r:embed="rId3"/>
-          <a:tile tx="0" ty="0" sx="100000" sy="100000" flip="none" algn="tl"/>
-        </a:blipFill>
-        <a:effectLst/>
-      </p:bgPr>
-    </p:bg>
-    <p:spTree>
-      <p:nvGrpSpPr>
-        <p:cNvPr id="1" name=""/>
-        <p:cNvGrpSpPr/>
-        <p:nvPr/>
-      </p:nvGrpSpPr>
-      <p:grpSpPr>
-        <a:xfrm>
-          <a:off x="0" y="0"/>
-          <a:ext cx="0" cy="0"/>
-          <a:chOff x="0" y="0"/>
-          <a:chExt cx="0" cy="0"/>
-        </a:xfrm>
-      </p:grpSpPr>
-      <p:sp>
-        <p:nvSpPr>
-          <p:cNvPr id="9" name="标题 8"/>
-          <p:cNvSpPr>
-            <a:spLocks noGrp="1"/>
-          </p:cNvSpPr>
-          <p:nvPr>
-            <p:ph type="title"/>
-          </p:nvPr>
-        </p:nvSpPr>
-        <p:spPr/>
-        <p:txBody>
-          <a:bodyPr/>
-          <a:lstStyle/>
-          <a:p>
-            <a:endParaRPr lang="zh-CN" altLang="en-US" dirty="0"/>
-          </a:p>
-        </p:txBody>
-      </p:sp>
-      <p:sp>
-        <p:nvSpPr>
-          <p:cNvPr id="5" name="内容占位符 4"/>
-          <p:cNvSpPr>
-            <a:spLocks noGrp="1"/>
-          </p:cNvSpPr>
-          <p:nvPr>
-            <p:ph idx="1"/>
-          </p:nvPr>
-        </p:nvSpPr>
-        <p:spPr/>
-        <p:txBody>
-          <a:bodyPr>
-            <a:normAutofit/>
-          </a:bodyPr>
-          <a:lstStyle/>
-          <a:p>
-            <a:r>
-              <a:rPr lang="zh-CN" altLang="en-US" dirty="0" smtClean="0"/>
-              <a:t>计算机技术是有层次的。</a:t>
-            </a:r>
-            <a:br>
-              <a:rPr lang="zh-CN" altLang="en-US" dirty="0" smtClean="0"/>
-            </a:br>
-            <a:r>
-              <a:rPr lang="zh-CN" altLang="en-US" dirty="0" smtClean="0"/>
-              <a:t>举个例子：</a:t>
-            </a:r>
-            <a:br>
-              <a:rPr lang="zh-CN" altLang="en-US" dirty="0" smtClean="0"/>
-            </a:br>
-            <a:r>
-              <a:rPr lang="en-US" altLang="zh-CN" dirty="0" smtClean="0"/>
-              <a:t>bootstrap -&gt; </a:t>
-            </a:r>
-            <a:r>
-              <a:rPr lang="en-US" altLang="zh-CN" dirty="0" err="1" smtClean="0"/>
-              <a:t>jQuery</a:t>
-            </a:r>
-            <a:r>
-              <a:rPr lang="en-US" altLang="zh-CN" dirty="0" smtClean="0"/>
-              <a:t> -&gt; </a:t>
-            </a:r>
-            <a:r>
-              <a:rPr lang="en-US" altLang="zh-CN" dirty="0" err="1" smtClean="0"/>
-              <a:t>js</a:t>
-            </a:r>
-            <a:r>
-              <a:rPr lang="en-US" altLang="zh-CN" dirty="0" smtClean="0"/>
-              <a:t> -&gt; V8 -&gt; C++ -&gt; </a:t>
-            </a:r>
-            <a:r>
-              <a:rPr lang="zh-CN" altLang="en-US" dirty="0" smtClean="0"/>
-              <a:t>汇编 </a:t>
-            </a:r>
-            <a:r>
-              <a:rPr lang="en-US" altLang="zh-CN" dirty="0" smtClean="0"/>
-              <a:t>-&gt; </a:t>
-            </a:r>
-            <a:r>
-              <a:rPr lang="zh-CN" altLang="en-US" dirty="0" smtClean="0"/>
-              <a:t>处理器架构 </a:t>
-            </a:r>
-            <a:r>
-              <a:rPr lang="en-US" altLang="zh-CN" dirty="0" smtClean="0"/>
-              <a:t>-&gt; </a:t>
-            </a:r>
-            <a:r>
-              <a:rPr lang="zh-CN" altLang="en-US" dirty="0" smtClean="0"/>
-              <a:t>电路设计 </a:t>
-            </a:r>
-            <a:r>
-              <a:rPr lang="en-US" altLang="zh-CN" dirty="0" smtClean="0"/>
-              <a:t>-&gt; </a:t>
-            </a:r>
-            <a:r>
-              <a:rPr lang="zh-CN" altLang="en-US" dirty="0" smtClean="0"/>
-              <a:t>半导体材料</a:t>
-            </a:r>
-            <a:r>
-              <a:rPr lang="en-US" altLang="zh-CN" dirty="0" smtClean="0"/>
-              <a:t>-&gt; ...</a:t>
-            </a:r>
-          </a:p>
-          <a:p>
-            <a:r>
-              <a:rPr lang="zh-CN" altLang="en-US" dirty="0" smtClean="0"/>
-              <a:t>分层的好处就是让不同层次的开发者只需要关注与之相关的几个层次就可以高效地进行生产，而不需要过度了解底层和上层的细节。</a:t>
-            </a:r>
-          </a:p>
-          <a:p>
-            <a:pPr>
-              <a:buNone/>
-            </a:pPr>
-            <a:endParaRPr lang="zh-CN" altLang="en-US" dirty="0"/>
-          </a:p>
-        </p:txBody>
-      </p:sp>
-    </p:spTree>
-  </p:cSld>
-  <p:clrMapOvr>
-    <a:overrideClrMapping bg1="lt1" tx1="dk1" bg2="lt2" tx2="dk2" accent1="accent1" accent2="accent2" accent3="accent3" accent4="accent4" accent5="accent5" accent6="accent6" hlink="hlink" folHlink="folHlink"/>
-  </p:clrMapOvr>
-  <p:timing>
-    <p:tnLst>
-      <p:par>
-        <p:cTn id="1" dur="indefinite" restart="never" nodeType="tmRoot"/>
-      </p:par>
-    </p:tnLst>
-  </p:timing>
-</p:sld>
-</file>
-
 <file path=ppt/slides/slide18.xml><?xml version="1.0" encoding="utf-8"?>
 <p:sld xmlns:a="http://schemas.openxmlformats.org/drawingml/2006/main" xmlns:r="http://schemas.openxmlformats.org/officeDocument/2006/relationships" xmlns:p="http://schemas.openxmlformats.org/presentationml/2006/main">
   <p:cSld>
@@ -7224,21 +7554,12 @@
             <p:ph type="title"/>
           </p:nvPr>
         </p:nvSpPr>
-        <p:spPr>
-          <a:xfrm>
-            <a:off x="1428728" y="274638"/>
-            <a:ext cx="7504960" cy="1143000"/>
-          </a:xfrm>
-        </p:spPr>
+        <p:spPr/>
         <p:txBody>
           <a:bodyPr/>
           <a:lstStyle/>
           <a:p>
-            <a:r>
-              <a:rPr lang="zh-CN" altLang="en-US" dirty="0" smtClean="0"/>
-              <a:t>浏览器的解析渲染过程</a:t>
-            </a:r>
-            <a:endParaRPr lang="zh-CN" altLang="en-US" dirty="0"/>
+            <a:endParaRPr lang="zh-CN" altLang="en-US"/>
           </a:p>
         </p:txBody>
       </p:sp>
@@ -7257,98 +7578,13 @@
           <a:bodyPr/>
           <a:lstStyle/>
           <a:p>
-            <a:pPr marL="596646" indent="-514350">
-              <a:buFont typeface="+mj-lt"/>
-              <a:buAutoNum type="arabicPeriod"/>
-            </a:pPr>
-            <a:r>
-              <a:rPr lang="zh-CN" altLang="en-US" dirty="0" smtClean="0"/>
-              <a:t>解析</a:t>
-            </a:r>
-            <a:r>
-              <a:rPr lang="en-US" altLang="zh-CN" dirty="0" smtClean="0"/>
-              <a:t>HTML+</a:t>
-            </a:r>
-            <a:r>
-              <a:rPr lang="zh-CN" altLang="en-US" dirty="0" smtClean="0"/>
-              <a:t>构建</a:t>
-            </a:r>
-            <a:r>
-              <a:rPr lang="en-US" altLang="zh-CN" dirty="0" smtClean="0"/>
-              <a:t>DOM</a:t>
-            </a:r>
-            <a:r>
-              <a:rPr lang="zh-CN" altLang="en-US" dirty="0" smtClean="0"/>
-              <a:t>树</a:t>
-            </a:r>
-            <a:endParaRPr lang="en-US" altLang="zh-CN" dirty="0" smtClean="0"/>
-          </a:p>
-          <a:p>
-            <a:pPr marL="596646" indent="-514350">
-              <a:buFont typeface="+mj-lt"/>
-              <a:buAutoNum type="arabicPeriod"/>
-            </a:pPr>
-            <a:r>
-              <a:rPr lang="en-US" altLang="zh-CN" dirty="0" smtClean="0"/>
-              <a:t>DOM</a:t>
-            </a:r>
-            <a:r>
-              <a:rPr lang="zh-CN" altLang="en-US" dirty="0" smtClean="0"/>
-              <a:t>树与</a:t>
-            </a:r>
-            <a:r>
-              <a:rPr lang="en-US" altLang="zh-CN" dirty="0" smtClean="0"/>
-              <a:t>CSS</a:t>
-            </a:r>
-            <a:r>
-              <a:rPr lang="zh-CN" altLang="en-US" dirty="0" smtClean="0"/>
-              <a:t>样式进行附着构造</a:t>
-            </a:r>
-            <a:r>
-              <a:rPr lang="en-US" altLang="zh-CN" dirty="0" smtClean="0"/>
-              <a:t>=&gt;</a:t>
-            </a:r>
-            <a:r>
-              <a:rPr lang="zh-CN" altLang="en-US" dirty="0" smtClean="0"/>
-              <a:t>呈现树</a:t>
-            </a:r>
-            <a:r>
-              <a:rPr lang="en-US" dirty="0" err="1" smtClean="0"/>
-              <a:t>RenderTree</a:t>
-            </a:r>
-            <a:endParaRPr lang="zh-CN" altLang="en-US" dirty="0" smtClean="0"/>
-          </a:p>
-          <a:p>
-            <a:pPr marL="596646" indent="-514350">
-              <a:buFont typeface="+mj-lt"/>
-              <a:buAutoNum type="arabicPeriod"/>
-            </a:pPr>
-            <a:r>
-              <a:rPr lang="zh-CN" altLang="en-US" dirty="0" smtClean="0"/>
-              <a:t>布局</a:t>
-            </a:r>
-          </a:p>
-          <a:p>
-            <a:pPr marL="596646" indent="-514350">
-              <a:buFont typeface="+mj-lt"/>
-              <a:buAutoNum type="arabicPeriod"/>
-            </a:pPr>
-            <a:r>
-              <a:rPr lang="zh-CN" altLang="en-US" dirty="0" smtClean="0"/>
-              <a:t>绘制</a:t>
-            </a:r>
-          </a:p>
-          <a:p>
-            <a:pPr>
-              <a:buNone/>
-            </a:pPr>
-            <a:endParaRPr lang="zh-CN" altLang="en-US" dirty="0"/>
+            <a:endParaRPr lang="zh-CN" altLang="en-US"/>
           </a:p>
         </p:txBody>
       </p:sp>
       <p:pic>
         <p:nvPicPr>
-          <p:cNvPr id="4098" name="Picture 2"/>
+          <p:cNvPr id="1026" name="Picture 2"/>
           <p:cNvPicPr>
             <a:picLocks noChangeAspect="1" noChangeArrowheads="1"/>
           </p:cNvPicPr>
@@ -7363,8 +7599,8 @@
         </p:blipFill>
         <p:spPr bwMode="auto">
           <a:xfrm>
-            <a:off x="1857356" y="2628900"/>
-            <a:ext cx="6732587" cy="4229100"/>
+            <a:off x="1571604" y="428604"/>
+            <a:ext cx="6808787" cy="5514975"/>
           </a:xfrm>
           <a:prstGeom prst="rect">
             <a:avLst/>
@@ -7379,38 +7615,6 @@
           <a:effectLst/>
         </p:spPr>
       </p:pic>
-      <p:sp>
-        <p:nvSpPr>
-          <p:cNvPr id="5" name="TextBox 4"/>
-          <p:cNvSpPr txBox="1"/>
-          <p:nvPr/>
-        </p:nvSpPr>
-        <p:spPr>
-          <a:xfrm>
-            <a:off x="428564" y="6286520"/>
-            <a:ext cx="8715436" cy="369332"/>
-          </a:xfrm>
-          <a:prstGeom prst="rect">
-            <a:avLst/>
-          </a:prstGeom>
-          <a:noFill/>
-        </p:spPr>
-        <p:txBody>
-          <a:bodyPr wrap="square" rtlCol="0">
-            <a:spAutoFit/>
-          </a:bodyPr>
-          <a:lstStyle/>
-          <a:p>
-            <a:r>
-              <a:rPr lang="en-US" altLang="zh-CN" dirty="0" smtClean="0">
-                <a:hlinkClick r:id="rId5"/>
-              </a:rPr>
-              <a:t>http://www.cnblogs.com/dojo-lzz/p/3983335.html</a:t>
-            </a:r>
-            <a:endParaRPr lang="zh-CN" altLang="en-US" dirty="0"/>
-          </a:p>
-        </p:txBody>
-      </p:sp>
     </p:spTree>
   </p:cSld>
   <p:clrMapOvr>
@@ -7419,121 +7623,135 @@
   <p:timing>
     <p:tnLst>
       <p:par>
-        <p:cTn id="1" dur="indefinite" restart="never" nodeType="tmRoot">
-          <p:childTnLst>
-            <p:seq concurrent="1" nextAc="seek">
-              <p:cTn id="2" dur="indefinite" nodeType="mainSeq">
-                <p:childTnLst>
-                  <p:par>
-                    <p:cTn id="3" fill="hold">
-                      <p:stCondLst>
-                        <p:cond delay="indefinite"/>
-                      </p:stCondLst>
-                      <p:childTnLst>
-                        <p:par>
-                          <p:cTn id="4" fill="hold">
-                            <p:stCondLst>
-                              <p:cond delay="0"/>
-                            </p:stCondLst>
-                            <p:childTnLst>
-                              <p:par>
-                                <p:cTn id="5" presetID="2" presetClass="entr" presetSubtype="4" fill="hold" nodeType="clickEffect">
-                                  <p:stCondLst>
-                                    <p:cond delay="0"/>
-                                  </p:stCondLst>
-                                  <p:childTnLst>
-                                    <p:set>
-                                      <p:cBhvr>
-                                        <p:cTn id="6" dur="1" fill="hold">
-                                          <p:stCondLst>
-                                            <p:cond delay="0"/>
-                                          </p:stCondLst>
-                                        </p:cTn>
-                                        <p:tgtEl>
-                                          <p:spTgt spid="4098"/>
-                                        </p:tgtEl>
-                                        <p:attrNameLst>
-                                          <p:attrName>style.visibility</p:attrName>
-                                        </p:attrNameLst>
-                                      </p:cBhvr>
-                                      <p:to>
-                                        <p:strVal val="visible"/>
-                                      </p:to>
-                                    </p:set>
-                                    <p:anim calcmode="lin" valueType="num">
-                                      <p:cBhvr additive="base">
-                                        <p:cTn id="7" dur="500" fill="hold"/>
-                                        <p:tgtEl>
-                                          <p:spTgt spid="4098"/>
-                                        </p:tgtEl>
-                                        <p:attrNameLst>
-                                          <p:attrName>ppt_x</p:attrName>
-                                        </p:attrNameLst>
-                                      </p:cBhvr>
-                                      <p:tavLst>
-                                        <p:tav tm="0">
-                                          <p:val>
-                                            <p:strVal val="#ppt_x"/>
-                                          </p:val>
-                                        </p:tav>
-                                        <p:tav tm="100000">
-                                          <p:val>
-                                            <p:strVal val="#ppt_x"/>
-                                          </p:val>
-                                        </p:tav>
-                                      </p:tavLst>
-                                    </p:anim>
-                                    <p:anim calcmode="lin" valueType="num">
-                                      <p:cBhvr additive="base">
-                                        <p:cTn id="8" dur="500" fill="hold"/>
-                                        <p:tgtEl>
-                                          <p:spTgt spid="4098"/>
-                                        </p:tgtEl>
-                                        <p:attrNameLst>
-                                          <p:attrName>ppt_y</p:attrName>
-                                        </p:attrNameLst>
-                                      </p:cBhvr>
-                                      <p:tavLst>
-                                        <p:tav tm="0">
-                                          <p:val>
-                                            <p:strVal val="1+#ppt_h/2"/>
-                                          </p:val>
-                                        </p:tav>
-                                        <p:tav tm="100000">
-                                          <p:val>
-                                            <p:strVal val="#ppt_y"/>
-                                          </p:val>
-                                        </p:tav>
-                                      </p:tavLst>
-                                    </p:anim>
-                                  </p:childTnLst>
-                                </p:cTn>
-                              </p:par>
-                            </p:childTnLst>
-                          </p:cTn>
-                        </p:par>
-                      </p:childTnLst>
-                    </p:cTn>
-                  </p:par>
-                </p:childTnLst>
-              </p:cTn>
-              <p:prevCondLst>
-                <p:cond evt="onPrev" delay="0">
-                  <p:tgtEl>
-                    <p:sldTgt/>
-                  </p:tgtEl>
-                </p:cond>
-              </p:prevCondLst>
-              <p:nextCondLst>
-                <p:cond evt="onNext" delay="0">
-                  <p:tgtEl>
-                    <p:sldTgt/>
-                  </p:tgtEl>
-                </p:cond>
-              </p:nextCondLst>
-            </p:seq>
-          </p:childTnLst>
-        </p:cTn>
+        <p:cTn id="1" dur="indefinite" restart="never" nodeType="tmRoot"/>
+      </p:par>
+    </p:tnLst>
+  </p:timing>
+</p:sld>
+</file>
+
+<file path=ppt/slides/slide19.xml><?xml version="1.0" encoding="utf-8"?>
+<p:sld xmlns:a="http://schemas.openxmlformats.org/drawingml/2006/main" xmlns:r="http://schemas.openxmlformats.org/officeDocument/2006/relationships" xmlns:p="http://schemas.openxmlformats.org/presentationml/2006/main">
+  <p:cSld>
+    <p:bg>
+      <p:bgPr>
+        <a:blipFill>
+          <a:blip r:embed="rId3"/>
+          <a:tile tx="0" ty="0" sx="100000" sy="100000" flip="none" algn="tl"/>
+        </a:blipFill>
+        <a:effectLst/>
+      </p:bgPr>
+    </p:bg>
+    <p:spTree>
+      <p:nvGrpSpPr>
+        <p:cNvPr id="1" name=""/>
+        <p:cNvGrpSpPr/>
+        <p:nvPr/>
+      </p:nvGrpSpPr>
+      <p:grpSpPr>
+        <a:xfrm>
+          <a:off x="0" y="0"/>
+          <a:ext cx="0" cy="0"/>
+          <a:chOff x="0" y="0"/>
+          <a:chExt cx="0" cy="0"/>
+        </a:xfrm>
+      </p:grpSpPr>
+      <p:sp>
+        <p:nvSpPr>
+          <p:cNvPr id="2" name="标题 1"/>
+          <p:cNvSpPr>
+            <a:spLocks noGrp="1"/>
+          </p:cNvSpPr>
+          <p:nvPr>
+            <p:ph type="title"/>
+          </p:nvPr>
+        </p:nvSpPr>
+        <p:spPr/>
+        <p:txBody>
+          <a:bodyPr/>
+          <a:lstStyle/>
+          <a:p>
+            <a:endParaRPr lang="zh-CN" altLang="en-US"/>
+          </a:p>
+        </p:txBody>
+      </p:sp>
+      <p:pic>
+        <p:nvPicPr>
+          <p:cNvPr id="2050" name="Picture 2"/>
+          <p:cNvPicPr>
+            <a:picLocks noGrp="1" noChangeAspect="1" noChangeArrowheads="1"/>
+          </p:cNvPicPr>
+          <p:nvPr>
+            <p:ph idx="1"/>
+          </p:nvPr>
+        </p:nvPicPr>
+        <p:blipFill>
+          <a:blip r:embed="rId4"/>
+          <a:srcRect/>
+          <a:stretch>
+            <a:fillRect/>
+          </a:stretch>
+        </p:blipFill>
+        <p:spPr bwMode="auto">
+          <a:xfrm>
+            <a:off x="1428728" y="500042"/>
+            <a:ext cx="6466667" cy="1866667"/>
+          </a:xfrm>
+          <a:prstGeom prst="rect">
+            <a:avLst/>
+          </a:prstGeom>
+          <a:noFill/>
+          <a:ln w="9525">
+            <a:noFill/>
+            <a:miter lim="800000"/>
+            <a:headEnd/>
+            <a:tailEnd/>
+          </a:ln>
+          <a:effectLst/>
+        </p:spPr>
+      </p:pic>
+      <p:pic>
+        <p:nvPicPr>
+          <p:cNvPr id="2051" name="Picture 3"/>
+          <p:cNvPicPr>
+            <a:picLocks noChangeAspect="1" noChangeArrowheads="1"/>
+          </p:cNvPicPr>
+          <p:nvPr/>
+        </p:nvPicPr>
+        <p:blipFill>
+          <a:blip r:embed="rId5"/>
+          <a:srcRect/>
+          <a:stretch>
+            <a:fillRect/>
+          </a:stretch>
+        </p:blipFill>
+        <p:spPr bwMode="auto">
+          <a:xfrm>
+            <a:off x="1571604" y="2571744"/>
+            <a:ext cx="6465887" cy="1847850"/>
+          </a:xfrm>
+          <a:prstGeom prst="rect">
+            <a:avLst/>
+          </a:prstGeom>
+          <a:noFill/>
+          <a:ln w="9525">
+            <a:noFill/>
+            <a:miter lim="800000"/>
+            <a:headEnd/>
+            <a:tailEnd/>
+          </a:ln>
+          <a:effectLst/>
+        </p:spPr>
+      </p:pic>
+    </p:spTree>
+  </p:cSld>
+  <p:clrMapOvr>
+    <a:overrideClrMapping bg1="lt1" tx1="dk1" bg2="lt2" tx2="dk2" accent1="accent1" accent2="accent2" accent3="accent3" accent4="accent4" accent5="accent5" accent6="accent6" hlink="hlink" folHlink="folHlink"/>
+  </p:clrMapOvr>
+  <p:timing>
+    <p:tnLst>
+      <p:par>
+        <p:cTn id="1" dur="indefinite" restart="never" nodeType="tmRoot"/>
       </p:par>
     </p:tnLst>
   </p:timing>
@@ -8293,6 +8511,3325 @@
 </p:sld>
 </file>
 
+<file path=ppt/slides/slide20.xml><?xml version="1.0" encoding="utf-8"?>
+<p:sld xmlns:a="http://schemas.openxmlformats.org/drawingml/2006/main" xmlns:r="http://schemas.openxmlformats.org/officeDocument/2006/relationships" xmlns:p="http://schemas.openxmlformats.org/presentationml/2006/main">
+  <p:cSld>
+    <p:bg>
+      <p:bgPr>
+        <a:blipFill>
+          <a:blip r:embed="rId3"/>
+          <a:tile tx="0" ty="0" sx="100000" sy="100000" flip="none" algn="tl"/>
+        </a:blipFill>
+        <a:effectLst/>
+      </p:bgPr>
+    </p:bg>
+    <p:spTree>
+      <p:nvGrpSpPr>
+        <p:cNvPr id="1" name=""/>
+        <p:cNvGrpSpPr/>
+        <p:nvPr/>
+      </p:nvGrpSpPr>
+      <p:grpSpPr>
+        <a:xfrm>
+          <a:off x="0" y="0"/>
+          <a:ext cx="0" cy="0"/>
+          <a:chOff x="0" y="0"/>
+          <a:chExt cx="0" cy="0"/>
+        </a:xfrm>
+      </p:grpSpPr>
+      <p:sp>
+        <p:nvSpPr>
+          <p:cNvPr id="2" name="标题 1"/>
+          <p:cNvSpPr>
+            <a:spLocks noGrp="1"/>
+          </p:cNvSpPr>
+          <p:nvPr>
+            <p:ph type="title"/>
+          </p:nvPr>
+        </p:nvSpPr>
+        <p:spPr/>
+        <p:txBody>
+          <a:bodyPr/>
+          <a:lstStyle/>
+          <a:p>
+            <a:r>
+              <a:rPr lang="en-US" altLang="zh-CN" dirty="0" err="1" smtClean="0"/>
+              <a:t>Mvvc</a:t>
+            </a:r>
+            <a:r>
+              <a:rPr lang="zh-CN" altLang="en-US" dirty="0" smtClean="0"/>
+              <a:t>框架是什么？</a:t>
+            </a:r>
+            <a:endParaRPr lang="zh-CN" altLang="en-US" dirty="0"/>
+          </a:p>
+        </p:txBody>
+      </p:sp>
+      <p:sp>
+        <p:nvSpPr>
+          <p:cNvPr id="3" name="内容占位符 2"/>
+          <p:cNvSpPr>
+            <a:spLocks noGrp="1"/>
+          </p:cNvSpPr>
+          <p:nvPr>
+            <p:ph idx="1"/>
+          </p:nvPr>
+        </p:nvSpPr>
+        <p:spPr/>
+        <p:txBody>
+          <a:bodyPr/>
+          <a:lstStyle/>
+          <a:p>
+            <a:endParaRPr lang="zh-CN" altLang="en-US" dirty="0"/>
+          </a:p>
+        </p:txBody>
+      </p:sp>
+      <p:pic>
+        <p:nvPicPr>
+          <p:cNvPr id="3074" name="Picture 2"/>
+          <p:cNvPicPr>
+            <a:picLocks noChangeAspect="1" noChangeArrowheads="1"/>
+          </p:cNvPicPr>
+          <p:nvPr/>
+        </p:nvPicPr>
+        <p:blipFill>
+          <a:blip r:embed="rId4"/>
+          <a:srcRect/>
+          <a:stretch>
+            <a:fillRect/>
+          </a:stretch>
+        </p:blipFill>
+        <p:spPr bwMode="auto">
+          <a:xfrm>
+            <a:off x="1357290" y="1357298"/>
+            <a:ext cx="7215238" cy="4500397"/>
+          </a:xfrm>
+          <a:prstGeom prst="rect">
+            <a:avLst/>
+          </a:prstGeom>
+          <a:noFill/>
+          <a:ln w="9525">
+            <a:noFill/>
+            <a:miter lim="800000"/>
+            <a:headEnd/>
+            <a:tailEnd/>
+          </a:ln>
+          <a:effectLst/>
+        </p:spPr>
+      </p:pic>
+      <p:sp>
+        <p:nvSpPr>
+          <p:cNvPr id="5" name="TextBox 4"/>
+          <p:cNvSpPr txBox="1"/>
+          <p:nvPr/>
+        </p:nvSpPr>
+        <p:spPr>
+          <a:xfrm>
+            <a:off x="857224" y="6286520"/>
+            <a:ext cx="8715436" cy="369332"/>
+          </a:xfrm>
+          <a:prstGeom prst="rect">
+            <a:avLst/>
+          </a:prstGeom>
+          <a:noFill/>
+        </p:spPr>
+        <p:txBody>
+          <a:bodyPr wrap="square" rtlCol="0">
+            <a:spAutoFit/>
+          </a:bodyPr>
+          <a:lstStyle/>
+          <a:p>
+            <a:r>
+              <a:rPr lang="en-US" altLang="zh-CN" dirty="0" smtClean="0">
+                <a:hlinkClick r:id="rId5"/>
+              </a:rPr>
+              <a:t>http://www.runoob.com/</a:t>
+            </a:r>
+            <a:endParaRPr lang="zh-CN" altLang="en-US" dirty="0"/>
+          </a:p>
+        </p:txBody>
+      </p:sp>
+    </p:spTree>
+  </p:cSld>
+  <p:clrMapOvr>
+    <a:overrideClrMapping bg1="lt1" tx1="dk1" bg2="lt2" tx2="dk2" accent1="accent1" accent2="accent2" accent3="accent3" accent4="accent4" accent5="accent5" accent6="accent6" hlink="hlink" folHlink="folHlink"/>
+  </p:clrMapOvr>
+  <p:timing>
+    <p:tnLst>
+      <p:par>
+        <p:cTn id="1" dur="indefinite" restart="never" nodeType="tmRoot"/>
+      </p:par>
+    </p:tnLst>
+  </p:timing>
+</p:sld>
+</file>
+
+<file path=ppt/slides/slide21.xml><?xml version="1.0" encoding="utf-8"?>
+<p:sld xmlns:a="http://schemas.openxmlformats.org/drawingml/2006/main" xmlns:r="http://schemas.openxmlformats.org/officeDocument/2006/relationships" xmlns:p="http://schemas.openxmlformats.org/presentationml/2006/main">
+  <p:cSld>
+    <p:bg>
+      <p:bgPr>
+        <a:blipFill>
+          <a:blip r:embed="rId4"/>
+          <a:tile tx="0" ty="0" sx="100000" sy="100000" flip="none" algn="tl"/>
+        </a:blipFill>
+        <a:effectLst/>
+      </p:bgPr>
+    </p:bg>
+    <p:spTree>
+      <p:nvGrpSpPr>
+        <p:cNvPr id="1" name=""/>
+        <p:cNvGrpSpPr/>
+        <p:nvPr/>
+      </p:nvGrpSpPr>
+      <p:grpSpPr>
+        <a:xfrm>
+          <a:off x="0" y="0"/>
+          <a:ext cx="0" cy="0"/>
+          <a:chOff x="0" y="0"/>
+          <a:chExt cx="0" cy="0"/>
+        </a:xfrm>
+      </p:grpSpPr>
+      <p:sp>
+        <p:nvSpPr>
+          <p:cNvPr id="2" name="标题 1"/>
+          <p:cNvSpPr>
+            <a:spLocks noGrp="1"/>
+          </p:cNvSpPr>
+          <p:nvPr>
+            <p:ph type="title"/>
+          </p:nvPr>
+        </p:nvSpPr>
+        <p:spPr/>
+        <p:txBody>
+          <a:bodyPr/>
+          <a:lstStyle/>
+          <a:p>
+            <a:r>
+              <a:rPr lang="en-US" altLang="zh-CN" dirty="0" smtClean="0"/>
+              <a:t>vue.js</a:t>
+            </a:r>
+            <a:endParaRPr lang="zh-CN" altLang="en-US" dirty="0"/>
+          </a:p>
+        </p:txBody>
+      </p:sp>
+      <p:sp>
+        <p:nvSpPr>
+          <p:cNvPr id="3" name="内容占位符 2"/>
+          <p:cNvSpPr>
+            <a:spLocks noGrp="1"/>
+          </p:cNvSpPr>
+          <p:nvPr>
+            <p:ph idx="1"/>
+          </p:nvPr>
+        </p:nvSpPr>
+        <p:spPr/>
+        <p:txBody>
+          <a:bodyPr/>
+          <a:lstStyle/>
+          <a:p>
+            <a:endParaRPr lang="zh-CN" altLang="en-US" dirty="0"/>
+          </a:p>
+        </p:txBody>
+      </p:sp>
+      <p:sp>
+        <p:nvSpPr>
+          <p:cNvPr id="4" name="TextBox 3"/>
+          <p:cNvSpPr txBox="1"/>
+          <p:nvPr/>
+        </p:nvSpPr>
+        <p:spPr>
+          <a:xfrm>
+            <a:off x="1071538" y="5929330"/>
+            <a:ext cx="7858180" cy="369332"/>
+          </a:xfrm>
+          <a:prstGeom prst="rect">
+            <a:avLst/>
+          </a:prstGeom>
+          <a:noFill/>
+        </p:spPr>
+        <p:txBody>
+          <a:bodyPr wrap="square" rtlCol="0">
+            <a:spAutoFit/>
+          </a:bodyPr>
+          <a:lstStyle/>
+          <a:p>
+            <a:r>
+              <a:rPr lang="en-US" altLang="zh-CN" dirty="0" err="1" smtClean="0">
+                <a:hlinkClick r:id="rId5" action="ppaction://hlinkfile"/>
+              </a:rPr>
+              <a:t>Jquery</a:t>
+            </a:r>
+            <a:r>
+              <a:rPr lang="en-US" altLang="zh-CN" dirty="0" smtClean="0">
+                <a:hlinkClick r:id="rId5" action="ppaction://hlinkfile"/>
+              </a:rPr>
+              <a:t> demo</a:t>
+            </a:r>
+            <a:endParaRPr lang="zh-CN" altLang="en-US" dirty="0"/>
+          </a:p>
+        </p:txBody>
+      </p:sp>
+      <p:pic>
+        <p:nvPicPr>
+          <p:cNvPr id="5122" name="Picture 2" descr="http://www.runoob.com/wp-content/uploads/2017/01/20151109171527_549.png"/>
+          <p:cNvPicPr>
+            <a:picLocks noChangeAspect="1" noChangeArrowheads="1"/>
+          </p:cNvPicPr>
+          <p:nvPr/>
+        </p:nvPicPr>
+        <p:blipFill>
+          <a:blip r:embed="rId6"/>
+          <a:srcRect/>
+          <a:stretch>
+            <a:fillRect/>
+          </a:stretch>
+        </p:blipFill>
+        <p:spPr bwMode="auto">
+          <a:xfrm>
+            <a:off x="1428728" y="1785926"/>
+            <a:ext cx="6667500" cy="3543300"/>
+          </a:xfrm>
+          <a:prstGeom prst="rect">
+            <a:avLst/>
+          </a:prstGeom>
+          <a:noFill/>
+        </p:spPr>
+      </p:pic>
+      <p:sp>
+        <p:nvSpPr>
+          <p:cNvPr id="6" name="TextBox 5"/>
+          <p:cNvSpPr txBox="1"/>
+          <p:nvPr/>
+        </p:nvSpPr>
+        <p:spPr>
+          <a:xfrm>
+            <a:off x="1142976" y="6357958"/>
+            <a:ext cx="7858180" cy="369332"/>
+          </a:xfrm>
+          <a:prstGeom prst="rect">
+            <a:avLst/>
+          </a:prstGeom>
+          <a:noFill/>
+        </p:spPr>
+        <p:txBody>
+          <a:bodyPr wrap="square" rtlCol="0">
+            <a:spAutoFit/>
+          </a:bodyPr>
+          <a:lstStyle/>
+          <a:p>
+            <a:r>
+              <a:rPr lang="en-US" altLang="zh-CN" dirty="0" err="1" smtClean="0">
+                <a:hlinkClick r:id="rId7" action="ppaction://hlinkfile"/>
+              </a:rPr>
+              <a:t>Vue</a:t>
+            </a:r>
+            <a:r>
+              <a:rPr lang="en-US" altLang="zh-CN" dirty="0" smtClean="0">
+                <a:hlinkClick r:id="rId7" action="ppaction://hlinkfile"/>
+              </a:rPr>
+              <a:t> demo</a:t>
+            </a:r>
+            <a:endParaRPr lang="zh-CN" altLang="en-US" dirty="0">
+              <a:hlinkClick r:id="rId7" action="ppaction://hlinkfile"/>
+            </a:endParaRPr>
+          </a:p>
+        </p:txBody>
+      </p:sp>
+    </p:spTree>
+  </p:cSld>
+  <p:clrMapOvr>
+    <a:overrideClrMapping bg1="lt1" tx1="dk1" bg2="lt2" tx2="dk2" accent1="accent1" accent2="accent2" accent3="accent3" accent4="accent4" accent5="accent5" accent6="accent6" hlink="hlink" folHlink="folHlink"/>
+  </p:clrMapOvr>
+  <p:timing>
+    <p:tnLst>
+      <p:par>
+        <p:cTn id="1" dur="indefinite" restart="never" nodeType="tmRoot">
+          <p:childTnLst>
+            <p:seq concurrent="1" nextAc="seek">
+              <p:cTn id="2" dur="indefinite" nodeType="mainSeq">
+                <p:childTnLst>
+                  <p:par>
+                    <p:cTn id="3" fill="hold">
+                      <p:stCondLst>
+                        <p:cond delay="indefinite"/>
+                      </p:stCondLst>
+                      <p:childTnLst>
+                        <p:par>
+                          <p:cTn id="4" fill="hold">
+                            <p:stCondLst>
+                              <p:cond delay="0"/>
+                            </p:stCondLst>
+                            <p:childTnLst>
+                              <p:par>
+                                <p:cTn id="5" presetID="2" presetClass="entr" presetSubtype="4" fill="hold" grpId="0" nodeType="clickEffect">
+                                  <p:stCondLst>
+                                    <p:cond delay="0"/>
+                                  </p:stCondLst>
+                                  <p:childTnLst>
+                                    <p:set>
+                                      <p:cBhvr>
+                                        <p:cTn id="6" dur="1" fill="hold">
+                                          <p:stCondLst>
+                                            <p:cond delay="0"/>
+                                          </p:stCondLst>
+                                        </p:cTn>
+                                        <p:tgtEl>
+                                          <p:spTgt spid="4">
+                                            <p:txEl>
+                                              <p:pRg st="0" end="0"/>
+                                            </p:txEl>
+                                          </p:spTgt>
+                                        </p:tgtEl>
+                                        <p:attrNameLst>
+                                          <p:attrName>style.visibility</p:attrName>
+                                        </p:attrNameLst>
+                                      </p:cBhvr>
+                                      <p:to>
+                                        <p:strVal val="visible"/>
+                                      </p:to>
+                                    </p:set>
+                                    <p:anim calcmode="lin" valueType="num">
+                                      <p:cBhvr additive="base">
+                                        <p:cTn id="7" dur="500" fill="hold"/>
+                                        <p:tgtEl>
+                                          <p:spTgt spid="4">
+                                            <p:txEl>
+                                              <p:pRg st="0" end="0"/>
+                                            </p:txEl>
+                                          </p:spTgt>
+                                        </p:tgtEl>
+                                        <p:attrNameLst>
+                                          <p:attrName>ppt_x</p:attrName>
+                                        </p:attrNameLst>
+                                      </p:cBhvr>
+                                      <p:tavLst>
+                                        <p:tav tm="0">
+                                          <p:val>
+                                            <p:strVal val="#ppt_x"/>
+                                          </p:val>
+                                        </p:tav>
+                                        <p:tav tm="100000">
+                                          <p:val>
+                                            <p:strVal val="#ppt_x"/>
+                                          </p:val>
+                                        </p:tav>
+                                      </p:tavLst>
+                                    </p:anim>
+                                    <p:anim calcmode="lin" valueType="num">
+                                      <p:cBhvr additive="base">
+                                        <p:cTn id="8" dur="500" fill="hold"/>
+                                        <p:tgtEl>
+                                          <p:spTgt spid="4">
+                                            <p:txEl>
+                                              <p:pRg st="0" end="0"/>
+                                            </p:txEl>
+                                          </p:spTgt>
+                                        </p:tgtEl>
+                                        <p:attrNameLst>
+                                          <p:attrName>ppt_y</p:attrName>
+                                        </p:attrNameLst>
+                                      </p:cBhvr>
+                                      <p:tavLst>
+                                        <p:tav tm="0">
+                                          <p:val>
+                                            <p:strVal val="1+#ppt_h/2"/>
+                                          </p:val>
+                                        </p:tav>
+                                        <p:tav tm="100000">
+                                          <p:val>
+                                            <p:strVal val="#ppt_y"/>
+                                          </p:val>
+                                        </p:tav>
+                                      </p:tavLst>
+                                    </p:anim>
+                                  </p:childTnLst>
+                                </p:cTn>
+                              </p:par>
+                            </p:childTnLst>
+                          </p:cTn>
+                        </p:par>
+                      </p:childTnLst>
+                    </p:cTn>
+                  </p:par>
+                  <p:par>
+                    <p:cTn id="9" fill="hold">
+                      <p:stCondLst>
+                        <p:cond delay="indefinite"/>
+                      </p:stCondLst>
+                      <p:childTnLst>
+                        <p:par>
+                          <p:cTn id="10" fill="hold">
+                            <p:stCondLst>
+                              <p:cond delay="0"/>
+                            </p:stCondLst>
+                            <p:childTnLst>
+                              <p:par>
+                                <p:cTn id="11" presetID="2" presetClass="entr" presetSubtype="4" fill="hold" grpId="0" nodeType="clickEffect">
+                                  <p:stCondLst>
+                                    <p:cond delay="0"/>
+                                  </p:stCondLst>
+                                  <p:childTnLst>
+                                    <p:set>
+                                      <p:cBhvr>
+                                        <p:cTn id="12" dur="1" fill="hold">
+                                          <p:stCondLst>
+                                            <p:cond delay="0"/>
+                                          </p:stCondLst>
+                                        </p:cTn>
+                                        <p:tgtEl>
+                                          <p:spTgt spid="6">
+                                            <p:txEl>
+                                              <p:pRg st="0" end="0"/>
+                                            </p:txEl>
+                                          </p:spTgt>
+                                        </p:tgtEl>
+                                        <p:attrNameLst>
+                                          <p:attrName>style.visibility</p:attrName>
+                                        </p:attrNameLst>
+                                      </p:cBhvr>
+                                      <p:to>
+                                        <p:strVal val="visible"/>
+                                      </p:to>
+                                    </p:set>
+                                    <p:anim calcmode="lin" valueType="num">
+                                      <p:cBhvr additive="base">
+                                        <p:cTn id="13" dur="500" fill="hold"/>
+                                        <p:tgtEl>
+                                          <p:spTgt spid="6">
+                                            <p:txEl>
+                                              <p:pRg st="0" end="0"/>
+                                            </p:txEl>
+                                          </p:spTgt>
+                                        </p:tgtEl>
+                                        <p:attrNameLst>
+                                          <p:attrName>ppt_x</p:attrName>
+                                        </p:attrNameLst>
+                                      </p:cBhvr>
+                                      <p:tavLst>
+                                        <p:tav tm="0">
+                                          <p:val>
+                                            <p:strVal val="#ppt_x"/>
+                                          </p:val>
+                                        </p:tav>
+                                        <p:tav tm="100000">
+                                          <p:val>
+                                            <p:strVal val="#ppt_x"/>
+                                          </p:val>
+                                        </p:tav>
+                                      </p:tavLst>
+                                    </p:anim>
+                                    <p:anim calcmode="lin" valueType="num">
+                                      <p:cBhvr additive="base">
+                                        <p:cTn id="14" dur="500" fill="hold"/>
+                                        <p:tgtEl>
+                                          <p:spTgt spid="6">
+                                            <p:txEl>
+                                              <p:pRg st="0" end="0"/>
+                                            </p:txEl>
+                                          </p:spTgt>
+                                        </p:tgtEl>
+                                        <p:attrNameLst>
+                                          <p:attrName>ppt_y</p:attrName>
+                                        </p:attrNameLst>
+                                      </p:cBhvr>
+                                      <p:tavLst>
+                                        <p:tav tm="0">
+                                          <p:val>
+                                            <p:strVal val="1+#ppt_h/2"/>
+                                          </p:val>
+                                        </p:tav>
+                                        <p:tav tm="100000">
+                                          <p:val>
+                                            <p:strVal val="#ppt_y"/>
+                                          </p:val>
+                                        </p:tav>
+                                      </p:tavLst>
+                                    </p:anim>
+                                  </p:childTnLst>
+                                </p:cTn>
+                              </p:par>
+                            </p:childTnLst>
+                          </p:cTn>
+                        </p:par>
+                      </p:childTnLst>
+                    </p:cTn>
+                  </p:par>
+                </p:childTnLst>
+              </p:cTn>
+              <p:prevCondLst>
+                <p:cond evt="onPrev" delay="0">
+                  <p:tgtEl>
+                    <p:sldTgt/>
+                  </p:tgtEl>
+                </p:cond>
+              </p:prevCondLst>
+              <p:nextCondLst>
+                <p:cond evt="onNext" delay="0">
+                  <p:tgtEl>
+                    <p:sldTgt/>
+                  </p:tgtEl>
+                </p:cond>
+              </p:nextCondLst>
+            </p:seq>
+          </p:childTnLst>
+        </p:cTn>
+      </p:par>
+    </p:tnLst>
+    <p:bldLst>
+      <p:bldP spid="4" grpId="0" build="allAtOnce"/>
+      <p:bldP spid="6" grpId="0" build="allAtOnce"/>
+    </p:bldLst>
+  </p:timing>
+</p:sld>
+</file>
+
+<file path=ppt/slides/slide22.xml><?xml version="1.0" encoding="utf-8"?>
+<p:sld xmlns:a="http://schemas.openxmlformats.org/drawingml/2006/main" xmlns:r="http://schemas.openxmlformats.org/officeDocument/2006/relationships" xmlns:p="http://schemas.openxmlformats.org/presentationml/2006/main">
+  <p:cSld>
+    <p:bg>
+      <p:bgPr>
+        <a:blipFill>
+          <a:blip r:embed="rId3"/>
+          <a:tile tx="0" ty="0" sx="100000" sy="100000" flip="none" algn="tl"/>
+        </a:blipFill>
+        <a:effectLst/>
+      </p:bgPr>
+    </p:bg>
+    <p:spTree>
+      <p:nvGrpSpPr>
+        <p:cNvPr id="1" name=""/>
+        <p:cNvGrpSpPr/>
+        <p:nvPr/>
+      </p:nvGrpSpPr>
+      <p:grpSpPr>
+        <a:xfrm>
+          <a:off x="0" y="0"/>
+          <a:ext cx="0" cy="0"/>
+          <a:chOff x="0" y="0"/>
+          <a:chExt cx="0" cy="0"/>
+        </a:xfrm>
+      </p:grpSpPr>
+      <p:sp>
+        <p:nvSpPr>
+          <p:cNvPr id="2" name="标题 1"/>
+          <p:cNvSpPr>
+            <a:spLocks noGrp="1"/>
+          </p:cNvSpPr>
+          <p:nvPr>
+            <p:ph type="title"/>
+          </p:nvPr>
+        </p:nvSpPr>
+        <p:spPr/>
+        <p:txBody>
+          <a:bodyPr/>
+          <a:lstStyle/>
+          <a:p>
+            <a:r>
+              <a:rPr lang="en-US" altLang="zh-CN" dirty="0" smtClean="0"/>
+              <a:t>Js</a:t>
+            </a:r>
+            <a:r>
+              <a:rPr lang="zh-CN" altLang="en-US" dirty="0" smtClean="0"/>
+              <a:t>编译器，</a:t>
+            </a:r>
+            <a:r>
+              <a:rPr lang="en-US" altLang="zh-CN" dirty="0" err="1" smtClean="0"/>
+              <a:t>js</a:t>
+            </a:r>
+            <a:r>
+              <a:rPr lang="zh-CN" altLang="en-US" dirty="0" smtClean="0"/>
+              <a:t>打包器是什么？</a:t>
+            </a:r>
+            <a:endParaRPr lang="zh-CN" altLang="en-US" dirty="0"/>
+          </a:p>
+        </p:txBody>
+      </p:sp>
+      <p:sp>
+        <p:nvSpPr>
+          <p:cNvPr id="3" name="内容占位符 2"/>
+          <p:cNvSpPr>
+            <a:spLocks noGrp="1"/>
+          </p:cNvSpPr>
+          <p:nvPr>
+            <p:ph idx="1"/>
+          </p:nvPr>
+        </p:nvSpPr>
+        <p:spPr/>
+        <p:txBody>
+          <a:bodyPr/>
+          <a:lstStyle/>
+          <a:p>
+            <a:endParaRPr lang="zh-CN" altLang="en-US" dirty="0"/>
+          </a:p>
+        </p:txBody>
+      </p:sp>
+      <p:sp>
+        <p:nvSpPr>
+          <p:cNvPr id="4" name="TextBox 3"/>
+          <p:cNvSpPr txBox="1"/>
+          <p:nvPr/>
+        </p:nvSpPr>
+        <p:spPr>
+          <a:xfrm>
+            <a:off x="1142976" y="6357958"/>
+            <a:ext cx="7858180" cy="369332"/>
+          </a:xfrm>
+          <a:prstGeom prst="rect">
+            <a:avLst/>
+          </a:prstGeom>
+          <a:noFill/>
+        </p:spPr>
+        <p:txBody>
+          <a:bodyPr wrap="square" rtlCol="0">
+            <a:spAutoFit/>
+          </a:bodyPr>
+          <a:lstStyle/>
+          <a:p>
+            <a:r>
+              <a:rPr lang="en-US" altLang="zh-CN" dirty="0" smtClean="0">
+                <a:hlinkClick r:id="rId4"/>
+              </a:rPr>
+              <a:t>https://www.processon.com/view/link/59e98a85e4b012b70ca07b8f</a:t>
+            </a:r>
+            <a:endParaRPr lang="zh-CN" altLang="en-US" dirty="0">
+              <a:hlinkClick r:id="rId5" action="ppaction://hlinkfile"/>
+            </a:endParaRPr>
+          </a:p>
+        </p:txBody>
+      </p:sp>
+      <p:pic>
+        <p:nvPicPr>
+          <p:cNvPr id="47106" name="Picture 2"/>
+          <p:cNvPicPr>
+            <a:picLocks noChangeAspect="1" noChangeArrowheads="1"/>
+          </p:cNvPicPr>
+          <p:nvPr/>
+        </p:nvPicPr>
+        <p:blipFill>
+          <a:blip r:embed="rId6"/>
+          <a:srcRect/>
+          <a:stretch>
+            <a:fillRect/>
+          </a:stretch>
+        </p:blipFill>
+        <p:spPr bwMode="auto">
+          <a:xfrm>
+            <a:off x="428596" y="1357298"/>
+            <a:ext cx="8715404" cy="4941642"/>
+          </a:xfrm>
+          <a:prstGeom prst="rect">
+            <a:avLst/>
+          </a:prstGeom>
+          <a:noFill/>
+          <a:ln w="9525">
+            <a:noFill/>
+            <a:miter lim="800000"/>
+            <a:headEnd/>
+            <a:tailEnd/>
+          </a:ln>
+          <a:effectLst/>
+        </p:spPr>
+      </p:pic>
+    </p:spTree>
+  </p:cSld>
+  <p:clrMapOvr>
+    <a:overrideClrMapping bg1="lt1" tx1="dk1" bg2="lt2" tx2="dk2" accent1="accent1" accent2="accent2" accent3="accent3" accent4="accent4" accent5="accent5" accent6="accent6" hlink="hlink" folHlink="folHlink"/>
+  </p:clrMapOvr>
+  <p:timing>
+    <p:tnLst>
+      <p:par>
+        <p:cTn id="1" dur="indefinite" restart="never" nodeType="tmRoot">
+          <p:childTnLst>
+            <p:seq concurrent="1" nextAc="seek">
+              <p:cTn id="2" dur="indefinite" nodeType="mainSeq">
+                <p:childTnLst>
+                  <p:par>
+                    <p:cTn id="3" fill="hold">
+                      <p:stCondLst>
+                        <p:cond delay="indefinite"/>
+                      </p:stCondLst>
+                      <p:childTnLst>
+                        <p:par>
+                          <p:cTn id="4" fill="hold">
+                            <p:stCondLst>
+                              <p:cond delay="0"/>
+                            </p:stCondLst>
+                            <p:childTnLst>
+                              <p:par>
+                                <p:cTn id="5" presetID="2" presetClass="entr" presetSubtype="4" fill="hold" grpId="0" nodeType="clickEffect">
+                                  <p:stCondLst>
+                                    <p:cond delay="0"/>
+                                  </p:stCondLst>
+                                  <p:childTnLst>
+                                    <p:set>
+                                      <p:cBhvr>
+                                        <p:cTn id="6" dur="1" fill="hold">
+                                          <p:stCondLst>
+                                            <p:cond delay="0"/>
+                                          </p:stCondLst>
+                                        </p:cTn>
+                                        <p:tgtEl>
+                                          <p:spTgt spid="4">
+                                            <p:txEl>
+                                              <p:pRg st="0" end="0"/>
+                                            </p:txEl>
+                                          </p:spTgt>
+                                        </p:tgtEl>
+                                        <p:attrNameLst>
+                                          <p:attrName>style.visibility</p:attrName>
+                                        </p:attrNameLst>
+                                      </p:cBhvr>
+                                      <p:to>
+                                        <p:strVal val="visible"/>
+                                      </p:to>
+                                    </p:set>
+                                    <p:anim calcmode="lin" valueType="num">
+                                      <p:cBhvr additive="base">
+                                        <p:cTn id="7" dur="500" fill="hold"/>
+                                        <p:tgtEl>
+                                          <p:spTgt spid="4">
+                                            <p:txEl>
+                                              <p:pRg st="0" end="0"/>
+                                            </p:txEl>
+                                          </p:spTgt>
+                                        </p:tgtEl>
+                                        <p:attrNameLst>
+                                          <p:attrName>ppt_x</p:attrName>
+                                        </p:attrNameLst>
+                                      </p:cBhvr>
+                                      <p:tavLst>
+                                        <p:tav tm="0">
+                                          <p:val>
+                                            <p:strVal val="#ppt_x"/>
+                                          </p:val>
+                                        </p:tav>
+                                        <p:tav tm="100000">
+                                          <p:val>
+                                            <p:strVal val="#ppt_x"/>
+                                          </p:val>
+                                        </p:tav>
+                                      </p:tavLst>
+                                    </p:anim>
+                                    <p:anim calcmode="lin" valueType="num">
+                                      <p:cBhvr additive="base">
+                                        <p:cTn id="8" dur="500" fill="hold"/>
+                                        <p:tgtEl>
+                                          <p:spTgt spid="4">
+                                            <p:txEl>
+                                              <p:pRg st="0" end="0"/>
+                                            </p:txEl>
+                                          </p:spTgt>
+                                        </p:tgtEl>
+                                        <p:attrNameLst>
+                                          <p:attrName>ppt_y</p:attrName>
+                                        </p:attrNameLst>
+                                      </p:cBhvr>
+                                      <p:tavLst>
+                                        <p:tav tm="0">
+                                          <p:val>
+                                            <p:strVal val="1+#ppt_h/2"/>
+                                          </p:val>
+                                        </p:tav>
+                                        <p:tav tm="100000">
+                                          <p:val>
+                                            <p:strVal val="#ppt_y"/>
+                                          </p:val>
+                                        </p:tav>
+                                      </p:tavLst>
+                                    </p:anim>
+                                  </p:childTnLst>
+                                </p:cTn>
+                              </p:par>
+                            </p:childTnLst>
+                          </p:cTn>
+                        </p:par>
+                      </p:childTnLst>
+                    </p:cTn>
+                  </p:par>
+                </p:childTnLst>
+              </p:cTn>
+              <p:prevCondLst>
+                <p:cond evt="onPrev" delay="0">
+                  <p:tgtEl>
+                    <p:sldTgt/>
+                  </p:tgtEl>
+                </p:cond>
+              </p:prevCondLst>
+              <p:nextCondLst>
+                <p:cond evt="onNext" delay="0">
+                  <p:tgtEl>
+                    <p:sldTgt/>
+                  </p:tgtEl>
+                </p:cond>
+              </p:nextCondLst>
+            </p:seq>
+          </p:childTnLst>
+        </p:cTn>
+      </p:par>
+    </p:tnLst>
+    <p:bldLst>
+      <p:bldP spid="4" grpId="0" build="allAtOnce"/>
+    </p:bldLst>
+  </p:timing>
+</p:sld>
+</file>
+
+<file path=ppt/slides/slide23.xml><?xml version="1.0" encoding="utf-8"?>
+<p:sld xmlns:a="http://schemas.openxmlformats.org/drawingml/2006/main" xmlns:r="http://schemas.openxmlformats.org/officeDocument/2006/relationships" xmlns:p="http://schemas.openxmlformats.org/presentationml/2006/main">
+  <p:cSld>
+    <p:bg>
+      <p:bgPr>
+        <a:blipFill>
+          <a:blip r:embed="rId3"/>
+          <a:tile tx="0" ty="0" sx="100000" sy="100000" flip="none" algn="tl"/>
+        </a:blipFill>
+        <a:effectLst/>
+      </p:bgPr>
+    </p:bg>
+    <p:spTree>
+      <p:nvGrpSpPr>
+        <p:cNvPr id="1" name=""/>
+        <p:cNvGrpSpPr/>
+        <p:nvPr/>
+      </p:nvGrpSpPr>
+      <p:grpSpPr>
+        <a:xfrm>
+          <a:off x="0" y="0"/>
+          <a:ext cx="0" cy="0"/>
+          <a:chOff x="0" y="0"/>
+          <a:chExt cx="0" cy="0"/>
+        </a:xfrm>
+      </p:grpSpPr>
+      <p:sp>
+        <p:nvSpPr>
+          <p:cNvPr id="2" name="标题 1"/>
+          <p:cNvSpPr>
+            <a:spLocks noGrp="1"/>
+          </p:cNvSpPr>
+          <p:nvPr>
+            <p:ph type="title"/>
+          </p:nvPr>
+        </p:nvSpPr>
+        <p:spPr/>
+        <p:txBody>
+          <a:bodyPr/>
+          <a:lstStyle/>
+          <a:p>
+            <a:r>
+              <a:rPr lang="zh-CN" altLang="en-US" dirty="0" smtClean="0"/>
+              <a:t>再探</a:t>
+            </a:r>
+            <a:r>
+              <a:rPr lang="en-US" altLang="zh-CN" dirty="0" smtClean="0"/>
+              <a:t>Node</a:t>
+            </a:r>
+            <a:endParaRPr lang="zh-CN" altLang="en-US" dirty="0"/>
+          </a:p>
+        </p:txBody>
+      </p:sp>
+      <p:pic>
+        <p:nvPicPr>
+          <p:cNvPr id="48130" name="Picture 2"/>
+          <p:cNvPicPr>
+            <a:picLocks noChangeAspect="1" noChangeArrowheads="1"/>
+          </p:cNvPicPr>
+          <p:nvPr/>
+        </p:nvPicPr>
+        <p:blipFill>
+          <a:blip r:embed="rId4"/>
+          <a:srcRect/>
+          <a:stretch>
+            <a:fillRect/>
+          </a:stretch>
+        </p:blipFill>
+        <p:spPr bwMode="auto">
+          <a:xfrm>
+            <a:off x="1214414" y="1643050"/>
+            <a:ext cx="6361113" cy="3305175"/>
+          </a:xfrm>
+          <a:prstGeom prst="rect">
+            <a:avLst/>
+          </a:prstGeom>
+          <a:noFill/>
+          <a:ln w="9525">
+            <a:noFill/>
+            <a:miter lim="800000"/>
+            <a:headEnd/>
+            <a:tailEnd/>
+          </a:ln>
+          <a:effectLst/>
+        </p:spPr>
+      </p:pic>
+      <p:pic>
+        <p:nvPicPr>
+          <p:cNvPr id="48131" name="Picture 3"/>
+          <p:cNvPicPr>
+            <a:picLocks noGrp="1" noChangeAspect="1" noChangeArrowheads="1"/>
+          </p:cNvPicPr>
+          <p:nvPr>
+            <p:ph idx="1"/>
+          </p:nvPr>
+        </p:nvPicPr>
+        <p:blipFill>
+          <a:blip r:embed="rId5"/>
+          <a:srcRect/>
+          <a:stretch>
+            <a:fillRect/>
+          </a:stretch>
+        </p:blipFill>
+        <p:spPr bwMode="auto">
+          <a:xfrm>
+            <a:off x="3643306" y="3857628"/>
+            <a:ext cx="4171429" cy="2476191"/>
+          </a:xfrm>
+          <a:prstGeom prst="rect">
+            <a:avLst/>
+          </a:prstGeom>
+          <a:noFill/>
+          <a:ln w="9525">
+            <a:noFill/>
+            <a:miter lim="800000"/>
+            <a:headEnd/>
+            <a:tailEnd/>
+          </a:ln>
+          <a:effectLst/>
+        </p:spPr>
+      </p:pic>
+    </p:spTree>
+  </p:cSld>
+  <p:clrMapOvr>
+    <a:overrideClrMapping bg1="lt1" tx1="dk1" bg2="lt2" tx2="dk2" accent1="accent1" accent2="accent2" accent3="accent3" accent4="accent4" accent5="accent5" accent6="accent6" hlink="hlink" folHlink="folHlink"/>
+  </p:clrMapOvr>
+  <p:timing>
+    <p:tnLst>
+      <p:par>
+        <p:cTn id="1" dur="indefinite" restart="never" nodeType="tmRoot">
+          <p:childTnLst>
+            <p:seq concurrent="1" nextAc="seek">
+              <p:cTn id="2" dur="indefinite" nodeType="mainSeq">
+                <p:childTnLst>
+                  <p:par>
+                    <p:cTn id="3" fill="hold">
+                      <p:stCondLst>
+                        <p:cond delay="indefinite"/>
+                      </p:stCondLst>
+                      <p:childTnLst>
+                        <p:par>
+                          <p:cTn id="4" fill="hold">
+                            <p:stCondLst>
+                              <p:cond delay="0"/>
+                            </p:stCondLst>
+                            <p:childTnLst>
+                              <p:par>
+                                <p:cTn id="5" presetID="2" presetClass="entr" presetSubtype="4" fill="hold" nodeType="clickEffect">
+                                  <p:stCondLst>
+                                    <p:cond delay="0"/>
+                                  </p:stCondLst>
+                                  <p:childTnLst>
+                                    <p:set>
+                                      <p:cBhvr>
+                                        <p:cTn id="6" dur="1" fill="hold">
+                                          <p:stCondLst>
+                                            <p:cond delay="0"/>
+                                          </p:stCondLst>
+                                        </p:cTn>
+                                        <p:tgtEl>
+                                          <p:spTgt spid="48131"/>
+                                        </p:tgtEl>
+                                        <p:attrNameLst>
+                                          <p:attrName>style.visibility</p:attrName>
+                                        </p:attrNameLst>
+                                      </p:cBhvr>
+                                      <p:to>
+                                        <p:strVal val="visible"/>
+                                      </p:to>
+                                    </p:set>
+                                    <p:anim calcmode="lin" valueType="num">
+                                      <p:cBhvr additive="base">
+                                        <p:cTn id="7" dur="500" fill="hold"/>
+                                        <p:tgtEl>
+                                          <p:spTgt spid="48131"/>
+                                        </p:tgtEl>
+                                        <p:attrNameLst>
+                                          <p:attrName>ppt_x</p:attrName>
+                                        </p:attrNameLst>
+                                      </p:cBhvr>
+                                      <p:tavLst>
+                                        <p:tav tm="0">
+                                          <p:val>
+                                            <p:strVal val="#ppt_x"/>
+                                          </p:val>
+                                        </p:tav>
+                                        <p:tav tm="100000">
+                                          <p:val>
+                                            <p:strVal val="#ppt_x"/>
+                                          </p:val>
+                                        </p:tav>
+                                      </p:tavLst>
+                                    </p:anim>
+                                    <p:anim calcmode="lin" valueType="num">
+                                      <p:cBhvr additive="base">
+                                        <p:cTn id="8" dur="500" fill="hold"/>
+                                        <p:tgtEl>
+                                          <p:spTgt spid="48131"/>
+                                        </p:tgtEl>
+                                        <p:attrNameLst>
+                                          <p:attrName>ppt_y</p:attrName>
+                                        </p:attrNameLst>
+                                      </p:cBhvr>
+                                      <p:tavLst>
+                                        <p:tav tm="0">
+                                          <p:val>
+                                            <p:strVal val="1+#ppt_h/2"/>
+                                          </p:val>
+                                        </p:tav>
+                                        <p:tav tm="100000">
+                                          <p:val>
+                                            <p:strVal val="#ppt_y"/>
+                                          </p:val>
+                                        </p:tav>
+                                      </p:tavLst>
+                                    </p:anim>
+                                  </p:childTnLst>
+                                </p:cTn>
+                              </p:par>
+                            </p:childTnLst>
+                          </p:cTn>
+                        </p:par>
+                      </p:childTnLst>
+                    </p:cTn>
+                  </p:par>
+                </p:childTnLst>
+              </p:cTn>
+              <p:prevCondLst>
+                <p:cond evt="onPrev" delay="0">
+                  <p:tgtEl>
+                    <p:sldTgt/>
+                  </p:tgtEl>
+                </p:cond>
+              </p:prevCondLst>
+              <p:nextCondLst>
+                <p:cond evt="onNext" delay="0">
+                  <p:tgtEl>
+                    <p:sldTgt/>
+                  </p:tgtEl>
+                </p:cond>
+              </p:nextCondLst>
+            </p:seq>
+          </p:childTnLst>
+        </p:cTn>
+      </p:par>
+    </p:tnLst>
+  </p:timing>
+</p:sld>
+</file>
+
+<file path=ppt/slides/slide24.xml><?xml version="1.0" encoding="utf-8"?>
+<p:sld xmlns:a="http://schemas.openxmlformats.org/drawingml/2006/main" xmlns:r="http://schemas.openxmlformats.org/officeDocument/2006/relationships" xmlns:p="http://schemas.openxmlformats.org/presentationml/2006/main">
+  <p:cSld>
+    <p:bg>
+      <p:bgPr>
+        <a:blipFill>
+          <a:blip r:embed="rId3"/>
+          <a:tile tx="0" ty="0" sx="100000" sy="100000" flip="none" algn="tl"/>
+        </a:blipFill>
+        <a:effectLst/>
+      </p:bgPr>
+    </p:bg>
+    <p:spTree>
+      <p:nvGrpSpPr>
+        <p:cNvPr id="1" name=""/>
+        <p:cNvGrpSpPr/>
+        <p:nvPr/>
+      </p:nvGrpSpPr>
+      <p:grpSpPr>
+        <a:xfrm>
+          <a:off x="0" y="0"/>
+          <a:ext cx="0" cy="0"/>
+          <a:chOff x="0" y="0"/>
+          <a:chExt cx="0" cy="0"/>
+        </a:xfrm>
+      </p:grpSpPr>
+      <p:sp>
+        <p:nvSpPr>
+          <p:cNvPr id="2" name="标题 1"/>
+          <p:cNvSpPr>
+            <a:spLocks noGrp="1"/>
+          </p:cNvSpPr>
+          <p:nvPr>
+            <p:ph type="title"/>
+          </p:nvPr>
+        </p:nvSpPr>
+        <p:spPr/>
+        <p:txBody>
+          <a:bodyPr/>
+          <a:lstStyle/>
+          <a:p>
+            <a:endParaRPr lang="zh-CN" altLang="en-US" dirty="0"/>
+          </a:p>
+        </p:txBody>
+      </p:sp>
+      <p:sp>
+        <p:nvSpPr>
+          <p:cNvPr id="3" name="内容占位符 2"/>
+          <p:cNvSpPr>
+            <a:spLocks noGrp="1"/>
+          </p:cNvSpPr>
+          <p:nvPr>
+            <p:ph idx="1"/>
+          </p:nvPr>
+        </p:nvSpPr>
+        <p:spPr>
+          <a:xfrm>
+            <a:off x="1500166" y="1357298"/>
+            <a:ext cx="7498080" cy="4800600"/>
+          </a:xfrm>
+        </p:spPr>
+        <p:txBody>
+          <a:bodyPr/>
+          <a:lstStyle/>
+          <a:p>
+            <a:endParaRPr lang="zh-CN" altLang="en-US" dirty="0"/>
+          </a:p>
+        </p:txBody>
+      </p:sp>
+      <p:pic>
+        <p:nvPicPr>
+          <p:cNvPr id="49154" name="Picture 2"/>
+          <p:cNvPicPr>
+            <a:picLocks noChangeAspect="1" noChangeArrowheads="1"/>
+          </p:cNvPicPr>
+          <p:nvPr/>
+        </p:nvPicPr>
+        <p:blipFill>
+          <a:blip r:embed="rId4"/>
+          <a:srcRect/>
+          <a:stretch>
+            <a:fillRect/>
+          </a:stretch>
+        </p:blipFill>
+        <p:spPr bwMode="auto">
+          <a:xfrm>
+            <a:off x="1500166" y="857232"/>
+            <a:ext cx="6153150" cy="2943225"/>
+          </a:xfrm>
+          <a:prstGeom prst="rect">
+            <a:avLst/>
+          </a:prstGeom>
+          <a:noFill/>
+          <a:ln w="9525">
+            <a:noFill/>
+            <a:miter lim="800000"/>
+            <a:headEnd/>
+            <a:tailEnd/>
+          </a:ln>
+          <a:effectLst/>
+        </p:spPr>
+      </p:pic>
+    </p:spTree>
+  </p:cSld>
+  <p:clrMapOvr>
+    <a:overrideClrMapping bg1="lt1" tx1="dk1" bg2="lt2" tx2="dk2" accent1="accent1" accent2="accent2" accent3="accent3" accent4="accent4" accent5="accent5" accent6="accent6" hlink="hlink" folHlink="folHlink"/>
+  </p:clrMapOvr>
+  <p:timing>
+    <p:tnLst>
+      <p:par>
+        <p:cTn id="1" dur="indefinite" restart="never" nodeType="tmRoot"/>
+      </p:par>
+    </p:tnLst>
+  </p:timing>
+</p:sld>
+</file>
+
+<file path=ppt/slides/slide25.xml><?xml version="1.0" encoding="utf-8"?>
+<p:sld xmlns:a="http://schemas.openxmlformats.org/drawingml/2006/main" xmlns:r="http://schemas.openxmlformats.org/officeDocument/2006/relationships" xmlns:p="http://schemas.openxmlformats.org/presentationml/2006/main">
+  <p:cSld>
+    <p:bg>
+      <p:bgPr>
+        <a:blipFill>
+          <a:blip r:embed="rId3"/>
+          <a:tile tx="0" ty="0" sx="100000" sy="100000" flip="none" algn="tl"/>
+        </a:blipFill>
+        <a:effectLst/>
+      </p:bgPr>
+    </p:bg>
+    <p:spTree>
+      <p:nvGrpSpPr>
+        <p:cNvPr id="1" name=""/>
+        <p:cNvGrpSpPr/>
+        <p:nvPr/>
+      </p:nvGrpSpPr>
+      <p:grpSpPr>
+        <a:xfrm>
+          <a:off x="0" y="0"/>
+          <a:ext cx="0" cy="0"/>
+          <a:chOff x="0" y="0"/>
+          <a:chExt cx="0" cy="0"/>
+        </a:xfrm>
+      </p:grpSpPr>
+      <p:sp>
+        <p:nvSpPr>
+          <p:cNvPr id="2" name="标题 1"/>
+          <p:cNvSpPr>
+            <a:spLocks noGrp="1"/>
+          </p:cNvSpPr>
+          <p:nvPr>
+            <p:ph type="title"/>
+          </p:nvPr>
+        </p:nvSpPr>
+        <p:spPr/>
+        <p:txBody>
+          <a:bodyPr/>
+          <a:lstStyle/>
+          <a:p>
+            <a:r>
+              <a:rPr lang="en-US" altLang="zh-CN" dirty="0" smtClean="0"/>
+              <a:t>ES6 ——</a:t>
+            </a:r>
+            <a:r>
+              <a:rPr lang="zh-CN" altLang="en-US" dirty="0" smtClean="0"/>
+              <a:t>字符串模板</a:t>
+            </a:r>
+            <a:endParaRPr lang="zh-CN" altLang="en-US" dirty="0"/>
+          </a:p>
+        </p:txBody>
+      </p:sp>
+      <p:pic>
+        <p:nvPicPr>
+          <p:cNvPr id="50180" name="Picture 4"/>
+          <p:cNvPicPr>
+            <a:picLocks noGrp="1" noChangeAspect="1" noChangeArrowheads="1"/>
+          </p:cNvPicPr>
+          <p:nvPr>
+            <p:ph idx="1"/>
+          </p:nvPr>
+        </p:nvPicPr>
+        <p:blipFill>
+          <a:blip r:embed="rId4"/>
+          <a:srcRect/>
+          <a:stretch>
+            <a:fillRect/>
+          </a:stretch>
+        </p:blipFill>
+        <p:spPr bwMode="auto">
+          <a:xfrm>
+            <a:off x="1571604" y="4643446"/>
+            <a:ext cx="4571429" cy="609524"/>
+          </a:xfrm>
+          <a:prstGeom prst="rect">
+            <a:avLst/>
+          </a:prstGeom>
+          <a:noFill/>
+          <a:ln w="9525">
+            <a:noFill/>
+            <a:miter lim="800000"/>
+            <a:headEnd/>
+            <a:tailEnd/>
+          </a:ln>
+          <a:effectLst/>
+        </p:spPr>
+      </p:pic>
+      <p:pic>
+        <p:nvPicPr>
+          <p:cNvPr id="50178" name="Picture 2"/>
+          <p:cNvPicPr>
+            <a:picLocks noChangeAspect="1" noChangeArrowheads="1"/>
+          </p:cNvPicPr>
+          <p:nvPr/>
+        </p:nvPicPr>
+        <p:blipFill>
+          <a:blip r:embed="rId5"/>
+          <a:srcRect/>
+          <a:stretch>
+            <a:fillRect/>
+          </a:stretch>
+        </p:blipFill>
+        <p:spPr bwMode="auto">
+          <a:xfrm>
+            <a:off x="1285852" y="1785926"/>
+            <a:ext cx="4533900" cy="1228725"/>
+          </a:xfrm>
+          <a:prstGeom prst="rect">
+            <a:avLst/>
+          </a:prstGeom>
+          <a:noFill/>
+          <a:ln w="9525">
+            <a:noFill/>
+            <a:miter lim="800000"/>
+            <a:headEnd/>
+            <a:tailEnd/>
+          </a:ln>
+          <a:effectLst/>
+        </p:spPr>
+      </p:pic>
+      <p:pic>
+        <p:nvPicPr>
+          <p:cNvPr id="50179" name="Picture 3"/>
+          <p:cNvPicPr>
+            <a:picLocks noChangeAspect="1" noChangeArrowheads="1"/>
+          </p:cNvPicPr>
+          <p:nvPr/>
+        </p:nvPicPr>
+        <p:blipFill>
+          <a:blip r:embed="rId6"/>
+          <a:srcRect/>
+          <a:stretch>
+            <a:fillRect/>
+          </a:stretch>
+        </p:blipFill>
+        <p:spPr bwMode="auto">
+          <a:xfrm>
+            <a:off x="1357290" y="3357562"/>
+            <a:ext cx="5743575" cy="942975"/>
+          </a:xfrm>
+          <a:prstGeom prst="rect">
+            <a:avLst/>
+          </a:prstGeom>
+          <a:noFill/>
+          <a:ln w="9525">
+            <a:noFill/>
+            <a:miter lim="800000"/>
+            <a:headEnd/>
+            <a:tailEnd/>
+          </a:ln>
+          <a:effectLst/>
+        </p:spPr>
+      </p:pic>
+    </p:spTree>
+  </p:cSld>
+  <p:clrMapOvr>
+    <a:overrideClrMapping bg1="lt1" tx1="dk1" bg2="lt2" tx2="dk2" accent1="accent1" accent2="accent2" accent3="accent3" accent4="accent4" accent5="accent5" accent6="accent6" hlink="hlink" folHlink="folHlink"/>
+  </p:clrMapOvr>
+  <p:timing>
+    <p:tnLst>
+      <p:par>
+        <p:cTn id="1" dur="indefinite" restart="never" nodeType="tmRoot">
+          <p:childTnLst>
+            <p:seq concurrent="1" nextAc="seek">
+              <p:cTn id="2" dur="indefinite" nodeType="mainSeq">
+                <p:childTnLst>
+                  <p:par>
+                    <p:cTn id="3" fill="hold">
+                      <p:stCondLst>
+                        <p:cond delay="indefinite"/>
+                      </p:stCondLst>
+                      <p:childTnLst>
+                        <p:par>
+                          <p:cTn id="4" fill="hold">
+                            <p:stCondLst>
+                              <p:cond delay="0"/>
+                            </p:stCondLst>
+                            <p:childTnLst>
+                              <p:par>
+                                <p:cTn id="5" presetID="10" presetClass="entr" presetSubtype="0" fill="hold" nodeType="clickEffect">
+                                  <p:stCondLst>
+                                    <p:cond delay="0"/>
+                                  </p:stCondLst>
+                                  <p:childTnLst>
+                                    <p:set>
+                                      <p:cBhvr>
+                                        <p:cTn id="6" dur="1" fill="hold">
+                                          <p:stCondLst>
+                                            <p:cond delay="0"/>
+                                          </p:stCondLst>
+                                        </p:cTn>
+                                        <p:tgtEl>
+                                          <p:spTgt spid="50180"/>
+                                        </p:tgtEl>
+                                        <p:attrNameLst>
+                                          <p:attrName>style.visibility</p:attrName>
+                                        </p:attrNameLst>
+                                      </p:cBhvr>
+                                      <p:to>
+                                        <p:strVal val="visible"/>
+                                      </p:to>
+                                    </p:set>
+                                    <p:animEffect transition="in" filter="fade">
+                                      <p:cBhvr>
+                                        <p:cTn id="7" dur="2000"/>
+                                        <p:tgtEl>
+                                          <p:spTgt spid="50180"/>
+                                        </p:tgtEl>
+                                      </p:cBhvr>
+                                    </p:animEffect>
+                                  </p:childTnLst>
+                                </p:cTn>
+                              </p:par>
+                            </p:childTnLst>
+                          </p:cTn>
+                        </p:par>
+                      </p:childTnLst>
+                    </p:cTn>
+                  </p:par>
+                </p:childTnLst>
+              </p:cTn>
+              <p:prevCondLst>
+                <p:cond evt="onPrev" delay="0">
+                  <p:tgtEl>
+                    <p:sldTgt/>
+                  </p:tgtEl>
+                </p:cond>
+              </p:prevCondLst>
+              <p:nextCondLst>
+                <p:cond evt="onNext" delay="0">
+                  <p:tgtEl>
+                    <p:sldTgt/>
+                  </p:tgtEl>
+                </p:cond>
+              </p:nextCondLst>
+            </p:seq>
+          </p:childTnLst>
+        </p:cTn>
+      </p:par>
+    </p:tnLst>
+  </p:timing>
+</p:sld>
+</file>
+
+<file path=ppt/slides/slide26.xml><?xml version="1.0" encoding="utf-8"?>
+<p:sld xmlns:a="http://schemas.openxmlformats.org/drawingml/2006/main" xmlns:r="http://schemas.openxmlformats.org/officeDocument/2006/relationships" xmlns:p="http://schemas.openxmlformats.org/presentationml/2006/main">
+  <p:cSld>
+    <p:bg>
+      <p:bgPr>
+        <a:blipFill>
+          <a:blip r:embed="rId3"/>
+          <a:tile tx="0" ty="0" sx="100000" sy="100000" flip="none" algn="tl"/>
+        </a:blipFill>
+        <a:effectLst/>
+      </p:bgPr>
+    </p:bg>
+    <p:spTree>
+      <p:nvGrpSpPr>
+        <p:cNvPr id="1" name=""/>
+        <p:cNvGrpSpPr/>
+        <p:nvPr/>
+      </p:nvGrpSpPr>
+      <p:grpSpPr>
+        <a:xfrm>
+          <a:off x="0" y="0"/>
+          <a:ext cx="0" cy="0"/>
+          <a:chOff x="0" y="0"/>
+          <a:chExt cx="0" cy="0"/>
+        </a:xfrm>
+      </p:grpSpPr>
+      <p:sp>
+        <p:nvSpPr>
+          <p:cNvPr id="2" name="标题 1"/>
+          <p:cNvSpPr>
+            <a:spLocks noGrp="1"/>
+          </p:cNvSpPr>
+          <p:nvPr>
+            <p:ph type="title"/>
+          </p:nvPr>
+        </p:nvSpPr>
+        <p:spPr/>
+        <p:txBody>
+          <a:bodyPr/>
+          <a:lstStyle/>
+          <a:p>
+            <a:r>
+              <a:rPr lang="en-US" altLang="zh-CN" dirty="0" smtClean="0"/>
+              <a:t>ES6 </a:t>
+            </a:r>
+            <a:r>
+              <a:rPr lang="en-US" altLang="zh-CN" dirty="0" smtClean="0"/>
+              <a:t>——</a:t>
+            </a:r>
+            <a:r>
+              <a:rPr lang="zh-CN" altLang="en-US" dirty="0" smtClean="0"/>
+              <a:t>解构</a:t>
+            </a:r>
+            <a:endParaRPr lang="zh-CN" altLang="en-US" dirty="0"/>
+          </a:p>
+        </p:txBody>
+      </p:sp>
+      <p:pic>
+        <p:nvPicPr>
+          <p:cNvPr id="51204" name="Picture 4"/>
+          <p:cNvPicPr>
+            <a:picLocks noGrp="1" noChangeAspect="1" noChangeArrowheads="1"/>
+          </p:cNvPicPr>
+          <p:nvPr>
+            <p:ph idx="1"/>
+          </p:nvPr>
+        </p:nvPicPr>
+        <p:blipFill>
+          <a:blip r:embed="rId4"/>
+          <a:srcRect/>
+          <a:stretch>
+            <a:fillRect/>
+          </a:stretch>
+        </p:blipFill>
+        <p:spPr bwMode="auto">
+          <a:xfrm>
+            <a:off x="1000100" y="1285860"/>
+            <a:ext cx="2904762" cy="895238"/>
+          </a:xfrm>
+          <a:prstGeom prst="rect">
+            <a:avLst/>
+          </a:prstGeom>
+          <a:noFill/>
+          <a:ln w="9525">
+            <a:noFill/>
+            <a:miter lim="800000"/>
+            <a:headEnd/>
+            <a:tailEnd/>
+          </a:ln>
+          <a:effectLst/>
+        </p:spPr>
+      </p:pic>
+      <p:pic>
+        <p:nvPicPr>
+          <p:cNvPr id="51205" name="Picture 5"/>
+          <p:cNvPicPr>
+            <a:picLocks noChangeAspect="1" noChangeArrowheads="1"/>
+          </p:cNvPicPr>
+          <p:nvPr/>
+        </p:nvPicPr>
+        <p:blipFill>
+          <a:blip r:embed="rId5"/>
+          <a:srcRect/>
+          <a:stretch>
+            <a:fillRect/>
+          </a:stretch>
+        </p:blipFill>
+        <p:spPr bwMode="auto">
+          <a:xfrm>
+            <a:off x="4357686" y="1571612"/>
+            <a:ext cx="4276725" cy="685800"/>
+          </a:xfrm>
+          <a:prstGeom prst="rect">
+            <a:avLst/>
+          </a:prstGeom>
+          <a:noFill/>
+          <a:ln w="9525">
+            <a:noFill/>
+            <a:miter lim="800000"/>
+            <a:headEnd/>
+            <a:tailEnd/>
+          </a:ln>
+          <a:effectLst/>
+        </p:spPr>
+      </p:pic>
+      <p:pic>
+        <p:nvPicPr>
+          <p:cNvPr id="51206" name="Picture 6"/>
+          <p:cNvPicPr>
+            <a:picLocks noChangeAspect="1" noChangeArrowheads="1"/>
+          </p:cNvPicPr>
+          <p:nvPr/>
+        </p:nvPicPr>
+        <p:blipFill>
+          <a:blip r:embed="rId6"/>
+          <a:srcRect/>
+          <a:stretch>
+            <a:fillRect/>
+          </a:stretch>
+        </p:blipFill>
+        <p:spPr bwMode="auto">
+          <a:xfrm>
+            <a:off x="785786" y="2714620"/>
+            <a:ext cx="3486150" cy="781050"/>
+          </a:xfrm>
+          <a:prstGeom prst="rect">
+            <a:avLst/>
+          </a:prstGeom>
+          <a:noFill/>
+          <a:ln w="9525">
+            <a:noFill/>
+            <a:miter lim="800000"/>
+            <a:headEnd/>
+            <a:tailEnd/>
+          </a:ln>
+          <a:effectLst/>
+        </p:spPr>
+      </p:pic>
+      <p:pic>
+        <p:nvPicPr>
+          <p:cNvPr id="51207" name="Picture 7"/>
+          <p:cNvPicPr>
+            <a:picLocks noChangeAspect="1" noChangeArrowheads="1"/>
+          </p:cNvPicPr>
+          <p:nvPr/>
+        </p:nvPicPr>
+        <p:blipFill>
+          <a:blip r:embed="rId7"/>
+          <a:srcRect/>
+          <a:stretch>
+            <a:fillRect/>
+          </a:stretch>
+        </p:blipFill>
+        <p:spPr bwMode="auto">
+          <a:xfrm>
+            <a:off x="4714876" y="2786058"/>
+            <a:ext cx="3686175" cy="809625"/>
+          </a:xfrm>
+          <a:prstGeom prst="rect">
+            <a:avLst/>
+          </a:prstGeom>
+          <a:noFill/>
+          <a:ln w="9525">
+            <a:noFill/>
+            <a:miter lim="800000"/>
+            <a:headEnd/>
+            <a:tailEnd/>
+          </a:ln>
+          <a:effectLst/>
+        </p:spPr>
+      </p:pic>
+      <p:pic>
+        <p:nvPicPr>
+          <p:cNvPr id="51208" name="Picture 8"/>
+          <p:cNvPicPr>
+            <a:picLocks noChangeAspect="1" noChangeArrowheads="1"/>
+          </p:cNvPicPr>
+          <p:nvPr/>
+        </p:nvPicPr>
+        <p:blipFill>
+          <a:blip r:embed="rId8"/>
+          <a:srcRect/>
+          <a:stretch>
+            <a:fillRect/>
+          </a:stretch>
+        </p:blipFill>
+        <p:spPr bwMode="auto">
+          <a:xfrm>
+            <a:off x="1285852" y="4143380"/>
+            <a:ext cx="3009900" cy="457200"/>
+          </a:xfrm>
+          <a:prstGeom prst="rect">
+            <a:avLst/>
+          </a:prstGeom>
+          <a:noFill/>
+          <a:ln w="9525">
+            <a:noFill/>
+            <a:miter lim="800000"/>
+            <a:headEnd/>
+            <a:tailEnd/>
+          </a:ln>
+          <a:effectLst/>
+        </p:spPr>
+      </p:pic>
+      <p:pic>
+        <p:nvPicPr>
+          <p:cNvPr id="51209" name="Picture 9"/>
+          <p:cNvPicPr>
+            <a:picLocks noChangeAspect="1" noChangeArrowheads="1"/>
+          </p:cNvPicPr>
+          <p:nvPr/>
+        </p:nvPicPr>
+        <p:blipFill>
+          <a:blip r:embed="rId9"/>
+          <a:srcRect/>
+          <a:stretch>
+            <a:fillRect/>
+          </a:stretch>
+        </p:blipFill>
+        <p:spPr bwMode="auto">
+          <a:xfrm>
+            <a:off x="4643438" y="3857628"/>
+            <a:ext cx="4019550" cy="971550"/>
+          </a:xfrm>
+          <a:prstGeom prst="rect">
+            <a:avLst/>
+          </a:prstGeom>
+          <a:noFill/>
+          <a:ln w="9525">
+            <a:noFill/>
+            <a:miter lim="800000"/>
+            <a:headEnd/>
+            <a:tailEnd/>
+          </a:ln>
+          <a:effectLst/>
+        </p:spPr>
+      </p:pic>
+      <p:pic>
+        <p:nvPicPr>
+          <p:cNvPr id="51210" name="Picture 10"/>
+          <p:cNvPicPr>
+            <a:picLocks noChangeAspect="1" noChangeArrowheads="1"/>
+          </p:cNvPicPr>
+          <p:nvPr/>
+        </p:nvPicPr>
+        <p:blipFill>
+          <a:blip r:embed="rId10"/>
+          <a:srcRect/>
+          <a:stretch>
+            <a:fillRect/>
+          </a:stretch>
+        </p:blipFill>
+        <p:spPr bwMode="auto">
+          <a:xfrm>
+            <a:off x="1214414" y="5429264"/>
+            <a:ext cx="3324225" cy="428625"/>
+          </a:xfrm>
+          <a:prstGeom prst="rect">
+            <a:avLst/>
+          </a:prstGeom>
+          <a:noFill/>
+          <a:ln w="9525">
+            <a:noFill/>
+            <a:miter lim="800000"/>
+            <a:headEnd/>
+            <a:tailEnd/>
+          </a:ln>
+          <a:effectLst/>
+        </p:spPr>
+      </p:pic>
+      <p:pic>
+        <p:nvPicPr>
+          <p:cNvPr id="51211" name="Picture 11"/>
+          <p:cNvPicPr>
+            <a:picLocks noChangeAspect="1" noChangeArrowheads="1"/>
+          </p:cNvPicPr>
+          <p:nvPr/>
+        </p:nvPicPr>
+        <p:blipFill>
+          <a:blip r:embed="rId11"/>
+          <a:srcRect/>
+          <a:stretch>
+            <a:fillRect/>
+          </a:stretch>
+        </p:blipFill>
+        <p:spPr bwMode="auto">
+          <a:xfrm>
+            <a:off x="5143504" y="5214950"/>
+            <a:ext cx="2657475" cy="723900"/>
+          </a:xfrm>
+          <a:prstGeom prst="rect">
+            <a:avLst/>
+          </a:prstGeom>
+          <a:noFill/>
+          <a:ln w="9525">
+            <a:noFill/>
+            <a:miter lim="800000"/>
+            <a:headEnd/>
+            <a:tailEnd/>
+          </a:ln>
+          <a:effectLst/>
+        </p:spPr>
+      </p:pic>
+    </p:spTree>
+  </p:cSld>
+  <p:clrMapOvr>
+    <a:overrideClrMapping bg1="lt1" tx1="dk1" bg2="lt2" tx2="dk2" accent1="accent1" accent2="accent2" accent3="accent3" accent4="accent4" accent5="accent5" accent6="accent6" hlink="hlink" folHlink="folHlink"/>
+  </p:clrMapOvr>
+  <p:timing>
+    <p:tnLst>
+      <p:par>
+        <p:cTn id="1" dur="indefinite" restart="never" nodeType="tmRoot">
+          <p:childTnLst>
+            <p:seq concurrent="1" nextAc="seek">
+              <p:cTn id="2" dur="indefinite" nodeType="mainSeq">
+                <p:childTnLst>
+                  <p:par>
+                    <p:cTn id="3" fill="hold">
+                      <p:stCondLst>
+                        <p:cond delay="indefinite"/>
+                      </p:stCondLst>
+                      <p:childTnLst>
+                        <p:par>
+                          <p:cTn id="4" fill="hold">
+                            <p:stCondLst>
+                              <p:cond delay="0"/>
+                            </p:stCondLst>
+                            <p:childTnLst>
+                              <p:par>
+                                <p:cTn id="5" presetID="3" presetClass="entr" presetSubtype="10" fill="hold" nodeType="clickEffect">
+                                  <p:stCondLst>
+                                    <p:cond delay="0"/>
+                                  </p:stCondLst>
+                                  <p:childTnLst>
+                                    <p:set>
+                                      <p:cBhvr>
+                                        <p:cTn id="6" dur="1" fill="hold">
+                                          <p:stCondLst>
+                                            <p:cond delay="0"/>
+                                          </p:stCondLst>
+                                        </p:cTn>
+                                        <p:tgtEl>
+                                          <p:spTgt spid="51205"/>
+                                        </p:tgtEl>
+                                        <p:attrNameLst>
+                                          <p:attrName>style.visibility</p:attrName>
+                                        </p:attrNameLst>
+                                      </p:cBhvr>
+                                      <p:to>
+                                        <p:strVal val="visible"/>
+                                      </p:to>
+                                    </p:set>
+                                    <p:animEffect transition="in" filter="blinds(horizontal)">
+                                      <p:cBhvr>
+                                        <p:cTn id="7" dur="500"/>
+                                        <p:tgtEl>
+                                          <p:spTgt spid="51205"/>
+                                        </p:tgtEl>
+                                      </p:cBhvr>
+                                    </p:animEffect>
+                                  </p:childTnLst>
+                                </p:cTn>
+                              </p:par>
+                            </p:childTnLst>
+                          </p:cTn>
+                        </p:par>
+                      </p:childTnLst>
+                    </p:cTn>
+                  </p:par>
+                  <p:par>
+                    <p:cTn id="8" fill="hold">
+                      <p:stCondLst>
+                        <p:cond delay="indefinite"/>
+                      </p:stCondLst>
+                      <p:childTnLst>
+                        <p:par>
+                          <p:cTn id="9" fill="hold">
+                            <p:stCondLst>
+                              <p:cond delay="0"/>
+                            </p:stCondLst>
+                            <p:childTnLst>
+                              <p:par>
+                                <p:cTn id="10" presetID="3" presetClass="entr" presetSubtype="10" fill="hold" nodeType="clickEffect">
+                                  <p:stCondLst>
+                                    <p:cond delay="0"/>
+                                  </p:stCondLst>
+                                  <p:childTnLst>
+                                    <p:set>
+                                      <p:cBhvr>
+                                        <p:cTn id="11" dur="1" fill="hold">
+                                          <p:stCondLst>
+                                            <p:cond delay="0"/>
+                                          </p:stCondLst>
+                                        </p:cTn>
+                                        <p:tgtEl>
+                                          <p:spTgt spid="51206"/>
+                                        </p:tgtEl>
+                                        <p:attrNameLst>
+                                          <p:attrName>style.visibility</p:attrName>
+                                        </p:attrNameLst>
+                                      </p:cBhvr>
+                                      <p:to>
+                                        <p:strVal val="visible"/>
+                                      </p:to>
+                                    </p:set>
+                                    <p:animEffect transition="in" filter="blinds(horizontal)">
+                                      <p:cBhvr>
+                                        <p:cTn id="12" dur="500"/>
+                                        <p:tgtEl>
+                                          <p:spTgt spid="51206"/>
+                                        </p:tgtEl>
+                                      </p:cBhvr>
+                                    </p:animEffect>
+                                  </p:childTnLst>
+                                </p:cTn>
+                              </p:par>
+                            </p:childTnLst>
+                          </p:cTn>
+                        </p:par>
+                      </p:childTnLst>
+                    </p:cTn>
+                  </p:par>
+                  <p:par>
+                    <p:cTn id="13" fill="hold">
+                      <p:stCondLst>
+                        <p:cond delay="indefinite"/>
+                      </p:stCondLst>
+                      <p:childTnLst>
+                        <p:par>
+                          <p:cTn id="14" fill="hold">
+                            <p:stCondLst>
+                              <p:cond delay="0"/>
+                            </p:stCondLst>
+                            <p:childTnLst>
+                              <p:par>
+                                <p:cTn id="15" presetID="3" presetClass="entr" presetSubtype="10" fill="hold" nodeType="clickEffect">
+                                  <p:stCondLst>
+                                    <p:cond delay="0"/>
+                                  </p:stCondLst>
+                                  <p:childTnLst>
+                                    <p:set>
+                                      <p:cBhvr>
+                                        <p:cTn id="16" dur="1" fill="hold">
+                                          <p:stCondLst>
+                                            <p:cond delay="0"/>
+                                          </p:stCondLst>
+                                        </p:cTn>
+                                        <p:tgtEl>
+                                          <p:spTgt spid="51207"/>
+                                        </p:tgtEl>
+                                        <p:attrNameLst>
+                                          <p:attrName>style.visibility</p:attrName>
+                                        </p:attrNameLst>
+                                      </p:cBhvr>
+                                      <p:to>
+                                        <p:strVal val="visible"/>
+                                      </p:to>
+                                    </p:set>
+                                    <p:animEffect transition="in" filter="blinds(horizontal)">
+                                      <p:cBhvr>
+                                        <p:cTn id="17" dur="500"/>
+                                        <p:tgtEl>
+                                          <p:spTgt spid="51207"/>
+                                        </p:tgtEl>
+                                      </p:cBhvr>
+                                    </p:animEffect>
+                                  </p:childTnLst>
+                                </p:cTn>
+                              </p:par>
+                            </p:childTnLst>
+                          </p:cTn>
+                        </p:par>
+                      </p:childTnLst>
+                    </p:cTn>
+                  </p:par>
+                  <p:par>
+                    <p:cTn id="18" fill="hold">
+                      <p:stCondLst>
+                        <p:cond delay="indefinite"/>
+                      </p:stCondLst>
+                      <p:childTnLst>
+                        <p:par>
+                          <p:cTn id="19" fill="hold">
+                            <p:stCondLst>
+                              <p:cond delay="0"/>
+                            </p:stCondLst>
+                            <p:childTnLst>
+                              <p:par>
+                                <p:cTn id="20" presetID="3" presetClass="entr" presetSubtype="10" fill="hold" nodeType="clickEffect">
+                                  <p:stCondLst>
+                                    <p:cond delay="0"/>
+                                  </p:stCondLst>
+                                  <p:childTnLst>
+                                    <p:set>
+                                      <p:cBhvr>
+                                        <p:cTn id="21" dur="1" fill="hold">
+                                          <p:stCondLst>
+                                            <p:cond delay="0"/>
+                                          </p:stCondLst>
+                                        </p:cTn>
+                                        <p:tgtEl>
+                                          <p:spTgt spid="51208"/>
+                                        </p:tgtEl>
+                                        <p:attrNameLst>
+                                          <p:attrName>style.visibility</p:attrName>
+                                        </p:attrNameLst>
+                                      </p:cBhvr>
+                                      <p:to>
+                                        <p:strVal val="visible"/>
+                                      </p:to>
+                                    </p:set>
+                                    <p:animEffect transition="in" filter="blinds(horizontal)">
+                                      <p:cBhvr>
+                                        <p:cTn id="22" dur="500"/>
+                                        <p:tgtEl>
+                                          <p:spTgt spid="51208"/>
+                                        </p:tgtEl>
+                                      </p:cBhvr>
+                                    </p:animEffect>
+                                  </p:childTnLst>
+                                </p:cTn>
+                              </p:par>
+                            </p:childTnLst>
+                          </p:cTn>
+                        </p:par>
+                      </p:childTnLst>
+                    </p:cTn>
+                  </p:par>
+                  <p:par>
+                    <p:cTn id="23" fill="hold">
+                      <p:stCondLst>
+                        <p:cond delay="indefinite"/>
+                      </p:stCondLst>
+                      <p:childTnLst>
+                        <p:par>
+                          <p:cTn id="24" fill="hold">
+                            <p:stCondLst>
+                              <p:cond delay="0"/>
+                            </p:stCondLst>
+                            <p:childTnLst>
+                              <p:par>
+                                <p:cTn id="25" presetID="3" presetClass="entr" presetSubtype="10" fill="hold" nodeType="clickEffect">
+                                  <p:stCondLst>
+                                    <p:cond delay="0"/>
+                                  </p:stCondLst>
+                                  <p:childTnLst>
+                                    <p:set>
+                                      <p:cBhvr>
+                                        <p:cTn id="26" dur="1" fill="hold">
+                                          <p:stCondLst>
+                                            <p:cond delay="0"/>
+                                          </p:stCondLst>
+                                        </p:cTn>
+                                        <p:tgtEl>
+                                          <p:spTgt spid="51209"/>
+                                        </p:tgtEl>
+                                        <p:attrNameLst>
+                                          <p:attrName>style.visibility</p:attrName>
+                                        </p:attrNameLst>
+                                      </p:cBhvr>
+                                      <p:to>
+                                        <p:strVal val="visible"/>
+                                      </p:to>
+                                    </p:set>
+                                    <p:animEffect transition="in" filter="blinds(horizontal)">
+                                      <p:cBhvr>
+                                        <p:cTn id="27" dur="500"/>
+                                        <p:tgtEl>
+                                          <p:spTgt spid="51209"/>
+                                        </p:tgtEl>
+                                      </p:cBhvr>
+                                    </p:animEffect>
+                                  </p:childTnLst>
+                                </p:cTn>
+                              </p:par>
+                            </p:childTnLst>
+                          </p:cTn>
+                        </p:par>
+                      </p:childTnLst>
+                    </p:cTn>
+                  </p:par>
+                  <p:par>
+                    <p:cTn id="28" fill="hold">
+                      <p:stCondLst>
+                        <p:cond delay="indefinite"/>
+                      </p:stCondLst>
+                      <p:childTnLst>
+                        <p:par>
+                          <p:cTn id="29" fill="hold">
+                            <p:stCondLst>
+                              <p:cond delay="0"/>
+                            </p:stCondLst>
+                            <p:childTnLst>
+                              <p:par>
+                                <p:cTn id="30" presetID="3" presetClass="entr" presetSubtype="10" fill="hold" nodeType="clickEffect">
+                                  <p:stCondLst>
+                                    <p:cond delay="0"/>
+                                  </p:stCondLst>
+                                  <p:childTnLst>
+                                    <p:set>
+                                      <p:cBhvr>
+                                        <p:cTn id="31" dur="1" fill="hold">
+                                          <p:stCondLst>
+                                            <p:cond delay="0"/>
+                                          </p:stCondLst>
+                                        </p:cTn>
+                                        <p:tgtEl>
+                                          <p:spTgt spid="51210"/>
+                                        </p:tgtEl>
+                                        <p:attrNameLst>
+                                          <p:attrName>style.visibility</p:attrName>
+                                        </p:attrNameLst>
+                                      </p:cBhvr>
+                                      <p:to>
+                                        <p:strVal val="visible"/>
+                                      </p:to>
+                                    </p:set>
+                                    <p:animEffect transition="in" filter="blinds(horizontal)">
+                                      <p:cBhvr>
+                                        <p:cTn id="32" dur="500"/>
+                                        <p:tgtEl>
+                                          <p:spTgt spid="51210"/>
+                                        </p:tgtEl>
+                                      </p:cBhvr>
+                                    </p:animEffect>
+                                  </p:childTnLst>
+                                </p:cTn>
+                              </p:par>
+                            </p:childTnLst>
+                          </p:cTn>
+                        </p:par>
+                      </p:childTnLst>
+                    </p:cTn>
+                  </p:par>
+                  <p:par>
+                    <p:cTn id="33" fill="hold">
+                      <p:stCondLst>
+                        <p:cond delay="indefinite"/>
+                      </p:stCondLst>
+                      <p:childTnLst>
+                        <p:par>
+                          <p:cTn id="34" fill="hold">
+                            <p:stCondLst>
+                              <p:cond delay="0"/>
+                            </p:stCondLst>
+                            <p:childTnLst>
+                              <p:par>
+                                <p:cTn id="35" presetID="3" presetClass="entr" presetSubtype="10" fill="hold" nodeType="clickEffect">
+                                  <p:stCondLst>
+                                    <p:cond delay="0"/>
+                                  </p:stCondLst>
+                                  <p:childTnLst>
+                                    <p:set>
+                                      <p:cBhvr>
+                                        <p:cTn id="36" dur="1" fill="hold">
+                                          <p:stCondLst>
+                                            <p:cond delay="0"/>
+                                          </p:stCondLst>
+                                        </p:cTn>
+                                        <p:tgtEl>
+                                          <p:spTgt spid="51211"/>
+                                        </p:tgtEl>
+                                        <p:attrNameLst>
+                                          <p:attrName>style.visibility</p:attrName>
+                                        </p:attrNameLst>
+                                      </p:cBhvr>
+                                      <p:to>
+                                        <p:strVal val="visible"/>
+                                      </p:to>
+                                    </p:set>
+                                    <p:animEffect transition="in" filter="blinds(horizontal)">
+                                      <p:cBhvr>
+                                        <p:cTn id="37" dur="500"/>
+                                        <p:tgtEl>
+                                          <p:spTgt spid="51211"/>
+                                        </p:tgtEl>
+                                      </p:cBhvr>
+                                    </p:animEffect>
+                                  </p:childTnLst>
+                                </p:cTn>
+                              </p:par>
+                            </p:childTnLst>
+                          </p:cTn>
+                        </p:par>
+                      </p:childTnLst>
+                    </p:cTn>
+                  </p:par>
+                </p:childTnLst>
+              </p:cTn>
+              <p:prevCondLst>
+                <p:cond evt="onPrev" delay="0">
+                  <p:tgtEl>
+                    <p:sldTgt/>
+                  </p:tgtEl>
+                </p:cond>
+              </p:prevCondLst>
+              <p:nextCondLst>
+                <p:cond evt="onNext" delay="0">
+                  <p:tgtEl>
+                    <p:sldTgt/>
+                  </p:tgtEl>
+                </p:cond>
+              </p:nextCondLst>
+            </p:seq>
+          </p:childTnLst>
+        </p:cTn>
+      </p:par>
+    </p:tnLst>
+  </p:timing>
+</p:sld>
+</file>
+
+<file path=ppt/slides/slide27.xml><?xml version="1.0" encoding="utf-8"?>
+<p:sld xmlns:a="http://schemas.openxmlformats.org/drawingml/2006/main" xmlns:r="http://schemas.openxmlformats.org/officeDocument/2006/relationships" xmlns:p="http://schemas.openxmlformats.org/presentationml/2006/main">
+  <p:cSld>
+    <p:bg>
+      <p:bgPr>
+        <a:blipFill>
+          <a:blip r:embed="rId3"/>
+          <a:tile tx="0" ty="0" sx="100000" sy="100000" flip="none" algn="tl"/>
+        </a:blipFill>
+        <a:effectLst/>
+      </p:bgPr>
+    </p:bg>
+    <p:spTree>
+      <p:nvGrpSpPr>
+        <p:cNvPr id="1" name=""/>
+        <p:cNvGrpSpPr/>
+        <p:nvPr/>
+      </p:nvGrpSpPr>
+      <p:grpSpPr>
+        <a:xfrm>
+          <a:off x="0" y="0"/>
+          <a:ext cx="0" cy="0"/>
+          <a:chOff x="0" y="0"/>
+          <a:chExt cx="0" cy="0"/>
+        </a:xfrm>
+      </p:grpSpPr>
+      <p:sp>
+        <p:nvSpPr>
+          <p:cNvPr id="2" name="标题 1"/>
+          <p:cNvSpPr>
+            <a:spLocks noGrp="1"/>
+          </p:cNvSpPr>
+          <p:nvPr>
+            <p:ph type="title"/>
+          </p:nvPr>
+        </p:nvSpPr>
+        <p:spPr/>
+        <p:txBody>
+          <a:bodyPr/>
+          <a:lstStyle/>
+          <a:p>
+            <a:r>
+              <a:rPr lang="en-US" altLang="zh-CN" dirty="0" smtClean="0"/>
+              <a:t>ES6 </a:t>
+            </a:r>
+            <a:r>
+              <a:rPr lang="en-US" altLang="zh-CN" dirty="0" smtClean="0"/>
+              <a:t>——</a:t>
+            </a:r>
+            <a:r>
+              <a:rPr lang="zh-CN" altLang="en-US" dirty="0" smtClean="0"/>
+              <a:t>展开</a:t>
+            </a:r>
+            <a:endParaRPr lang="zh-CN" altLang="en-US" dirty="0"/>
+          </a:p>
+        </p:txBody>
+      </p:sp>
+      <p:pic>
+        <p:nvPicPr>
+          <p:cNvPr id="52226" name="Picture 2"/>
+          <p:cNvPicPr>
+            <a:picLocks noGrp="1" noChangeAspect="1" noChangeArrowheads="1"/>
+          </p:cNvPicPr>
+          <p:nvPr>
+            <p:ph idx="1"/>
+          </p:nvPr>
+        </p:nvPicPr>
+        <p:blipFill>
+          <a:blip r:embed="rId4"/>
+          <a:srcRect/>
+          <a:stretch>
+            <a:fillRect/>
+          </a:stretch>
+        </p:blipFill>
+        <p:spPr bwMode="auto">
+          <a:xfrm>
+            <a:off x="1000100" y="3286124"/>
+            <a:ext cx="3419048" cy="952381"/>
+          </a:xfrm>
+          <a:prstGeom prst="rect">
+            <a:avLst/>
+          </a:prstGeom>
+          <a:noFill/>
+          <a:ln w="9525">
+            <a:noFill/>
+            <a:miter lim="800000"/>
+            <a:headEnd/>
+            <a:tailEnd/>
+          </a:ln>
+          <a:effectLst/>
+        </p:spPr>
+      </p:pic>
+      <p:pic>
+        <p:nvPicPr>
+          <p:cNvPr id="52227" name="Picture 3"/>
+          <p:cNvPicPr>
+            <a:picLocks noChangeAspect="1" noChangeArrowheads="1"/>
+          </p:cNvPicPr>
+          <p:nvPr/>
+        </p:nvPicPr>
+        <p:blipFill>
+          <a:blip r:embed="rId5"/>
+          <a:srcRect/>
+          <a:stretch>
+            <a:fillRect/>
+          </a:stretch>
+        </p:blipFill>
+        <p:spPr bwMode="auto">
+          <a:xfrm>
+            <a:off x="4857752" y="3429000"/>
+            <a:ext cx="3952875" cy="676275"/>
+          </a:xfrm>
+          <a:prstGeom prst="rect">
+            <a:avLst/>
+          </a:prstGeom>
+          <a:noFill/>
+          <a:ln w="9525">
+            <a:noFill/>
+            <a:miter lim="800000"/>
+            <a:headEnd/>
+            <a:tailEnd/>
+          </a:ln>
+          <a:effectLst/>
+        </p:spPr>
+      </p:pic>
+    </p:spTree>
+  </p:cSld>
+  <p:clrMapOvr>
+    <a:overrideClrMapping bg1="lt1" tx1="dk1" bg2="lt2" tx2="dk2" accent1="accent1" accent2="accent2" accent3="accent3" accent4="accent4" accent5="accent5" accent6="accent6" hlink="hlink" folHlink="folHlink"/>
+  </p:clrMapOvr>
+  <p:timing>
+    <p:tnLst>
+      <p:par>
+        <p:cTn id="1" dur="indefinite" restart="never" nodeType="tmRoot">
+          <p:childTnLst>
+            <p:seq concurrent="1" nextAc="seek">
+              <p:cTn id="2" dur="indefinite" nodeType="mainSeq">
+                <p:childTnLst>
+                  <p:par>
+                    <p:cTn id="3" fill="hold">
+                      <p:stCondLst>
+                        <p:cond delay="indefinite"/>
+                      </p:stCondLst>
+                      <p:childTnLst>
+                        <p:par>
+                          <p:cTn id="4" fill="hold">
+                            <p:stCondLst>
+                              <p:cond delay="0"/>
+                            </p:stCondLst>
+                            <p:childTnLst>
+                              <p:par>
+                                <p:cTn id="5" presetID="3" presetClass="entr" presetSubtype="10" fill="hold" nodeType="clickEffect">
+                                  <p:stCondLst>
+                                    <p:cond delay="0"/>
+                                  </p:stCondLst>
+                                  <p:childTnLst>
+                                    <p:set>
+                                      <p:cBhvr>
+                                        <p:cTn id="6" dur="1" fill="hold">
+                                          <p:stCondLst>
+                                            <p:cond delay="0"/>
+                                          </p:stCondLst>
+                                        </p:cTn>
+                                        <p:tgtEl>
+                                          <p:spTgt spid="52227"/>
+                                        </p:tgtEl>
+                                        <p:attrNameLst>
+                                          <p:attrName>style.visibility</p:attrName>
+                                        </p:attrNameLst>
+                                      </p:cBhvr>
+                                      <p:to>
+                                        <p:strVal val="visible"/>
+                                      </p:to>
+                                    </p:set>
+                                    <p:animEffect transition="in" filter="blinds(horizontal)">
+                                      <p:cBhvr>
+                                        <p:cTn id="7" dur="500"/>
+                                        <p:tgtEl>
+                                          <p:spTgt spid="52227"/>
+                                        </p:tgtEl>
+                                      </p:cBhvr>
+                                    </p:animEffect>
+                                  </p:childTnLst>
+                                </p:cTn>
+                              </p:par>
+                            </p:childTnLst>
+                          </p:cTn>
+                        </p:par>
+                      </p:childTnLst>
+                    </p:cTn>
+                  </p:par>
+                </p:childTnLst>
+              </p:cTn>
+              <p:prevCondLst>
+                <p:cond evt="onPrev" delay="0">
+                  <p:tgtEl>
+                    <p:sldTgt/>
+                  </p:tgtEl>
+                </p:cond>
+              </p:prevCondLst>
+              <p:nextCondLst>
+                <p:cond evt="onNext" delay="0">
+                  <p:tgtEl>
+                    <p:sldTgt/>
+                  </p:tgtEl>
+                </p:cond>
+              </p:nextCondLst>
+            </p:seq>
+          </p:childTnLst>
+        </p:cTn>
+      </p:par>
+    </p:tnLst>
+  </p:timing>
+</p:sld>
+</file>
+
+<file path=ppt/slides/slide28.xml><?xml version="1.0" encoding="utf-8"?>
+<p:sld xmlns:a="http://schemas.openxmlformats.org/drawingml/2006/main" xmlns:r="http://schemas.openxmlformats.org/officeDocument/2006/relationships" xmlns:p="http://schemas.openxmlformats.org/presentationml/2006/main">
+  <p:cSld>
+    <p:bg>
+      <p:bgPr>
+        <a:blipFill>
+          <a:blip r:embed="rId3"/>
+          <a:tile tx="0" ty="0" sx="100000" sy="100000" flip="none" algn="tl"/>
+        </a:blipFill>
+        <a:effectLst/>
+      </p:bgPr>
+    </p:bg>
+    <p:spTree>
+      <p:nvGrpSpPr>
+        <p:cNvPr id="1" name=""/>
+        <p:cNvGrpSpPr/>
+        <p:nvPr/>
+      </p:nvGrpSpPr>
+      <p:grpSpPr>
+        <a:xfrm>
+          <a:off x="0" y="0"/>
+          <a:ext cx="0" cy="0"/>
+          <a:chOff x="0" y="0"/>
+          <a:chExt cx="0" cy="0"/>
+        </a:xfrm>
+      </p:grpSpPr>
+      <p:sp>
+        <p:nvSpPr>
+          <p:cNvPr id="2" name="标题 1"/>
+          <p:cNvSpPr>
+            <a:spLocks noGrp="1"/>
+          </p:cNvSpPr>
+          <p:nvPr>
+            <p:ph type="title"/>
+          </p:nvPr>
+        </p:nvSpPr>
+        <p:spPr/>
+        <p:txBody>
+          <a:bodyPr/>
+          <a:lstStyle/>
+          <a:p>
+            <a:r>
+              <a:rPr lang="en-US" altLang="zh-CN" dirty="0" smtClean="0"/>
+              <a:t>ES6 </a:t>
+            </a:r>
+            <a:r>
+              <a:rPr lang="en-US" altLang="zh-CN" dirty="0" smtClean="0"/>
+              <a:t>——</a:t>
+            </a:r>
+            <a:r>
+              <a:rPr lang="zh-CN" altLang="en-US" dirty="0" smtClean="0"/>
+              <a:t>默认</a:t>
+            </a:r>
+            <a:r>
+              <a:rPr lang="zh-CN" altLang="en-US" dirty="0" smtClean="0"/>
+              <a:t>值</a:t>
+            </a:r>
+            <a:endParaRPr lang="zh-CN" altLang="en-US" dirty="0"/>
+          </a:p>
+        </p:txBody>
+      </p:sp>
+      <p:pic>
+        <p:nvPicPr>
+          <p:cNvPr id="53250" name="Picture 2"/>
+          <p:cNvPicPr>
+            <a:picLocks noGrp="1" noChangeAspect="1" noChangeArrowheads="1"/>
+          </p:cNvPicPr>
+          <p:nvPr>
+            <p:ph idx="1"/>
+          </p:nvPr>
+        </p:nvPicPr>
+        <p:blipFill>
+          <a:blip r:embed="rId4"/>
+          <a:srcRect/>
+          <a:stretch>
+            <a:fillRect/>
+          </a:stretch>
+        </p:blipFill>
+        <p:spPr bwMode="auto">
+          <a:xfrm>
+            <a:off x="1214414" y="1785926"/>
+            <a:ext cx="3523810" cy="1228572"/>
+          </a:xfrm>
+          <a:prstGeom prst="rect">
+            <a:avLst/>
+          </a:prstGeom>
+          <a:noFill/>
+          <a:ln w="9525">
+            <a:noFill/>
+            <a:miter lim="800000"/>
+            <a:headEnd/>
+            <a:tailEnd/>
+          </a:ln>
+          <a:effectLst/>
+        </p:spPr>
+      </p:pic>
+      <p:pic>
+        <p:nvPicPr>
+          <p:cNvPr id="53251" name="Picture 3"/>
+          <p:cNvPicPr>
+            <a:picLocks noChangeAspect="1" noChangeArrowheads="1"/>
+          </p:cNvPicPr>
+          <p:nvPr/>
+        </p:nvPicPr>
+        <p:blipFill>
+          <a:blip r:embed="rId5"/>
+          <a:srcRect/>
+          <a:stretch>
+            <a:fillRect/>
+          </a:stretch>
+        </p:blipFill>
+        <p:spPr bwMode="auto">
+          <a:xfrm>
+            <a:off x="5500694" y="2000240"/>
+            <a:ext cx="2765342" cy="857256"/>
+          </a:xfrm>
+          <a:prstGeom prst="rect">
+            <a:avLst/>
+          </a:prstGeom>
+          <a:noFill/>
+          <a:ln w="9525">
+            <a:noFill/>
+            <a:miter lim="800000"/>
+            <a:headEnd/>
+            <a:tailEnd/>
+          </a:ln>
+          <a:effectLst/>
+        </p:spPr>
+      </p:pic>
+      <p:pic>
+        <p:nvPicPr>
+          <p:cNvPr id="53252" name="Picture 4"/>
+          <p:cNvPicPr>
+            <a:picLocks noChangeAspect="1" noChangeArrowheads="1"/>
+          </p:cNvPicPr>
+          <p:nvPr/>
+        </p:nvPicPr>
+        <p:blipFill>
+          <a:blip r:embed="rId6"/>
+          <a:srcRect/>
+          <a:stretch>
+            <a:fillRect/>
+          </a:stretch>
+        </p:blipFill>
+        <p:spPr bwMode="auto">
+          <a:xfrm>
+            <a:off x="928662" y="3429000"/>
+            <a:ext cx="4048125" cy="590550"/>
+          </a:xfrm>
+          <a:prstGeom prst="rect">
+            <a:avLst/>
+          </a:prstGeom>
+          <a:noFill/>
+          <a:ln w="9525">
+            <a:noFill/>
+            <a:miter lim="800000"/>
+            <a:headEnd/>
+            <a:tailEnd/>
+          </a:ln>
+          <a:effectLst/>
+        </p:spPr>
+      </p:pic>
+      <p:pic>
+        <p:nvPicPr>
+          <p:cNvPr id="53253" name="Picture 5"/>
+          <p:cNvPicPr>
+            <a:picLocks noChangeAspect="1" noChangeArrowheads="1"/>
+          </p:cNvPicPr>
+          <p:nvPr/>
+        </p:nvPicPr>
+        <p:blipFill>
+          <a:blip r:embed="rId7"/>
+          <a:srcRect/>
+          <a:stretch>
+            <a:fillRect/>
+          </a:stretch>
+        </p:blipFill>
+        <p:spPr bwMode="auto">
+          <a:xfrm>
+            <a:off x="5500694" y="3357562"/>
+            <a:ext cx="2133600" cy="619125"/>
+          </a:xfrm>
+          <a:prstGeom prst="rect">
+            <a:avLst/>
+          </a:prstGeom>
+          <a:noFill/>
+          <a:ln w="9525">
+            <a:noFill/>
+            <a:miter lim="800000"/>
+            <a:headEnd/>
+            <a:tailEnd/>
+          </a:ln>
+          <a:effectLst/>
+        </p:spPr>
+      </p:pic>
+      <p:pic>
+        <p:nvPicPr>
+          <p:cNvPr id="53254" name="Picture 6"/>
+          <p:cNvPicPr>
+            <a:picLocks noChangeAspect="1" noChangeArrowheads="1"/>
+          </p:cNvPicPr>
+          <p:nvPr/>
+        </p:nvPicPr>
+        <p:blipFill>
+          <a:blip r:embed="rId8"/>
+          <a:srcRect/>
+          <a:stretch>
+            <a:fillRect/>
+          </a:stretch>
+        </p:blipFill>
+        <p:spPr bwMode="auto">
+          <a:xfrm>
+            <a:off x="928662" y="4572008"/>
+            <a:ext cx="3448050" cy="514350"/>
+          </a:xfrm>
+          <a:prstGeom prst="rect">
+            <a:avLst/>
+          </a:prstGeom>
+          <a:noFill/>
+          <a:ln w="9525">
+            <a:noFill/>
+            <a:miter lim="800000"/>
+            <a:headEnd/>
+            <a:tailEnd/>
+          </a:ln>
+          <a:effectLst/>
+        </p:spPr>
+      </p:pic>
+      <p:pic>
+        <p:nvPicPr>
+          <p:cNvPr id="53255" name="Picture 7"/>
+          <p:cNvPicPr>
+            <a:picLocks noChangeAspect="1" noChangeArrowheads="1"/>
+          </p:cNvPicPr>
+          <p:nvPr/>
+        </p:nvPicPr>
+        <p:blipFill>
+          <a:blip r:embed="rId9"/>
+          <a:srcRect/>
+          <a:stretch>
+            <a:fillRect/>
+          </a:stretch>
+        </p:blipFill>
+        <p:spPr bwMode="auto">
+          <a:xfrm>
+            <a:off x="5286380" y="4429132"/>
+            <a:ext cx="1866900" cy="619125"/>
+          </a:xfrm>
+          <a:prstGeom prst="rect">
+            <a:avLst/>
+          </a:prstGeom>
+          <a:noFill/>
+          <a:ln w="9525">
+            <a:noFill/>
+            <a:miter lim="800000"/>
+            <a:headEnd/>
+            <a:tailEnd/>
+          </a:ln>
+          <a:effectLst/>
+        </p:spPr>
+      </p:pic>
+    </p:spTree>
+  </p:cSld>
+  <p:clrMapOvr>
+    <a:overrideClrMapping bg1="lt1" tx1="dk1" bg2="lt2" tx2="dk2" accent1="accent1" accent2="accent2" accent3="accent3" accent4="accent4" accent5="accent5" accent6="accent6" hlink="hlink" folHlink="folHlink"/>
+  </p:clrMapOvr>
+  <p:timing>
+    <p:tnLst>
+      <p:par>
+        <p:cTn id="1" dur="indefinite" restart="never" nodeType="tmRoot">
+          <p:childTnLst>
+            <p:seq concurrent="1" nextAc="seek">
+              <p:cTn id="2" dur="indefinite" nodeType="mainSeq">
+                <p:childTnLst>
+                  <p:par>
+                    <p:cTn id="3" fill="hold">
+                      <p:stCondLst>
+                        <p:cond delay="indefinite"/>
+                      </p:stCondLst>
+                      <p:childTnLst>
+                        <p:par>
+                          <p:cTn id="4" fill="hold">
+                            <p:stCondLst>
+                              <p:cond delay="0"/>
+                            </p:stCondLst>
+                            <p:childTnLst>
+                              <p:par>
+                                <p:cTn id="5" presetID="3" presetClass="entr" presetSubtype="10" fill="hold" nodeType="clickEffect">
+                                  <p:stCondLst>
+                                    <p:cond delay="0"/>
+                                  </p:stCondLst>
+                                  <p:childTnLst>
+                                    <p:set>
+                                      <p:cBhvr>
+                                        <p:cTn id="6" dur="1" fill="hold">
+                                          <p:stCondLst>
+                                            <p:cond delay="0"/>
+                                          </p:stCondLst>
+                                        </p:cTn>
+                                        <p:tgtEl>
+                                          <p:spTgt spid="53251"/>
+                                        </p:tgtEl>
+                                        <p:attrNameLst>
+                                          <p:attrName>style.visibility</p:attrName>
+                                        </p:attrNameLst>
+                                      </p:cBhvr>
+                                      <p:to>
+                                        <p:strVal val="visible"/>
+                                      </p:to>
+                                    </p:set>
+                                    <p:animEffect transition="in" filter="blinds(horizontal)">
+                                      <p:cBhvr>
+                                        <p:cTn id="7" dur="500"/>
+                                        <p:tgtEl>
+                                          <p:spTgt spid="53251"/>
+                                        </p:tgtEl>
+                                      </p:cBhvr>
+                                    </p:animEffect>
+                                  </p:childTnLst>
+                                </p:cTn>
+                              </p:par>
+                            </p:childTnLst>
+                          </p:cTn>
+                        </p:par>
+                      </p:childTnLst>
+                    </p:cTn>
+                  </p:par>
+                  <p:par>
+                    <p:cTn id="8" fill="hold">
+                      <p:stCondLst>
+                        <p:cond delay="indefinite"/>
+                      </p:stCondLst>
+                      <p:childTnLst>
+                        <p:par>
+                          <p:cTn id="9" fill="hold">
+                            <p:stCondLst>
+                              <p:cond delay="0"/>
+                            </p:stCondLst>
+                            <p:childTnLst>
+                              <p:par>
+                                <p:cTn id="10" presetID="3" presetClass="entr" presetSubtype="10" fill="hold" nodeType="clickEffect">
+                                  <p:stCondLst>
+                                    <p:cond delay="0"/>
+                                  </p:stCondLst>
+                                  <p:childTnLst>
+                                    <p:set>
+                                      <p:cBhvr>
+                                        <p:cTn id="11" dur="1" fill="hold">
+                                          <p:stCondLst>
+                                            <p:cond delay="0"/>
+                                          </p:stCondLst>
+                                        </p:cTn>
+                                        <p:tgtEl>
+                                          <p:spTgt spid="53252"/>
+                                        </p:tgtEl>
+                                        <p:attrNameLst>
+                                          <p:attrName>style.visibility</p:attrName>
+                                        </p:attrNameLst>
+                                      </p:cBhvr>
+                                      <p:to>
+                                        <p:strVal val="visible"/>
+                                      </p:to>
+                                    </p:set>
+                                    <p:animEffect transition="in" filter="blinds(horizontal)">
+                                      <p:cBhvr>
+                                        <p:cTn id="12" dur="500"/>
+                                        <p:tgtEl>
+                                          <p:spTgt spid="53252"/>
+                                        </p:tgtEl>
+                                      </p:cBhvr>
+                                    </p:animEffect>
+                                  </p:childTnLst>
+                                </p:cTn>
+                              </p:par>
+                            </p:childTnLst>
+                          </p:cTn>
+                        </p:par>
+                      </p:childTnLst>
+                    </p:cTn>
+                  </p:par>
+                  <p:par>
+                    <p:cTn id="13" fill="hold">
+                      <p:stCondLst>
+                        <p:cond delay="indefinite"/>
+                      </p:stCondLst>
+                      <p:childTnLst>
+                        <p:par>
+                          <p:cTn id="14" fill="hold">
+                            <p:stCondLst>
+                              <p:cond delay="0"/>
+                            </p:stCondLst>
+                            <p:childTnLst>
+                              <p:par>
+                                <p:cTn id="15" presetID="3" presetClass="entr" presetSubtype="10" fill="hold" nodeType="clickEffect">
+                                  <p:stCondLst>
+                                    <p:cond delay="0"/>
+                                  </p:stCondLst>
+                                  <p:childTnLst>
+                                    <p:set>
+                                      <p:cBhvr>
+                                        <p:cTn id="16" dur="1" fill="hold">
+                                          <p:stCondLst>
+                                            <p:cond delay="0"/>
+                                          </p:stCondLst>
+                                        </p:cTn>
+                                        <p:tgtEl>
+                                          <p:spTgt spid="53253"/>
+                                        </p:tgtEl>
+                                        <p:attrNameLst>
+                                          <p:attrName>style.visibility</p:attrName>
+                                        </p:attrNameLst>
+                                      </p:cBhvr>
+                                      <p:to>
+                                        <p:strVal val="visible"/>
+                                      </p:to>
+                                    </p:set>
+                                    <p:animEffect transition="in" filter="blinds(horizontal)">
+                                      <p:cBhvr>
+                                        <p:cTn id="17" dur="500"/>
+                                        <p:tgtEl>
+                                          <p:spTgt spid="53253"/>
+                                        </p:tgtEl>
+                                      </p:cBhvr>
+                                    </p:animEffect>
+                                  </p:childTnLst>
+                                </p:cTn>
+                              </p:par>
+                            </p:childTnLst>
+                          </p:cTn>
+                        </p:par>
+                      </p:childTnLst>
+                    </p:cTn>
+                  </p:par>
+                  <p:par>
+                    <p:cTn id="18" fill="hold">
+                      <p:stCondLst>
+                        <p:cond delay="indefinite"/>
+                      </p:stCondLst>
+                      <p:childTnLst>
+                        <p:par>
+                          <p:cTn id="19" fill="hold">
+                            <p:stCondLst>
+                              <p:cond delay="0"/>
+                            </p:stCondLst>
+                            <p:childTnLst>
+                              <p:par>
+                                <p:cTn id="20" presetID="3" presetClass="entr" presetSubtype="10" fill="hold" nodeType="clickEffect">
+                                  <p:stCondLst>
+                                    <p:cond delay="0"/>
+                                  </p:stCondLst>
+                                  <p:childTnLst>
+                                    <p:set>
+                                      <p:cBhvr>
+                                        <p:cTn id="21" dur="1" fill="hold">
+                                          <p:stCondLst>
+                                            <p:cond delay="0"/>
+                                          </p:stCondLst>
+                                        </p:cTn>
+                                        <p:tgtEl>
+                                          <p:spTgt spid="53254"/>
+                                        </p:tgtEl>
+                                        <p:attrNameLst>
+                                          <p:attrName>style.visibility</p:attrName>
+                                        </p:attrNameLst>
+                                      </p:cBhvr>
+                                      <p:to>
+                                        <p:strVal val="visible"/>
+                                      </p:to>
+                                    </p:set>
+                                    <p:animEffect transition="in" filter="blinds(horizontal)">
+                                      <p:cBhvr>
+                                        <p:cTn id="22" dur="500"/>
+                                        <p:tgtEl>
+                                          <p:spTgt spid="53254"/>
+                                        </p:tgtEl>
+                                      </p:cBhvr>
+                                    </p:animEffect>
+                                  </p:childTnLst>
+                                </p:cTn>
+                              </p:par>
+                            </p:childTnLst>
+                          </p:cTn>
+                        </p:par>
+                      </p:childTnLst>
+                    </p:cTn>
+                  </p:par>
+                  <p:par>
+                    <p:cTn id="23" fill="hold">
+                      <p:stCondLst>
+                        <p:cond delay="indefinite"/>
+                      </p:stCondLst>
+                      <p:childTnLst>
+                        <p:par>
+                          <p:cTn id="24" fill="hold">
+                            <p:stCondLst>
+                              <p:cond delay="0"/>
+                            </p:stCondLst>
+                            <p:childTnLst>
+                              <p:par>
+                                <p:cTn id="25" presetID="3" presetClass="entr" presetSubtype="10" fill="hold" nodeType="clickEffect">
+                                  <p:stCondLst>
+                                    <p:cond delay="0"/>
+                                  </p:stCondLst>
+                                  <p:childTnLst>
+                                    <p:set>
+                                      <p:cBhvr>
+                                        <p:cTn id="26" dur="1" fill="hold">
+                                          <p:stCondLst>
+                                            <p:cond delay="0"/>
+                                          </p:stCondLst>
+                                        </p:cTn>
+                                        <p:tgtEl>
+                                          <p:spTgt spid="53255"/>
+                                        </p:tgtEl>
+                                        <p:attrNameLst>
+                                          <p:attrName>style.visibility</p:attrName>
+                                        </p:attrNameLst>
+                                      </p:cBhvr>
+                                      <p:to>
+                                        <p:strVal val="visible"/>
+                                      </p:to>
+                                    </p:set>
+                                    <p:animEffect transition="in" filter="blinds(horizontal)">
+                                      <p:cBhvr>
+                                        <p:cTn id="27" dur="500"/>
+                                        <p:tgtEl>
+                                          <p:spTgt spid="53255"/>
+                                        </p:tgtEl>
+                                      </p:cBhvr>
+                                    </p:animEffect>
+                                  </p:childTnLst>
+                                </p:cTn>
+                              </p:par>
+                            </p:childTnLst>
+                          </p:cTn>
+                        </p:par>
+                      </p:childTnLst>
+                    </p:cTn>
+                  </p:par>
+                </p:childTnLst>
+              </p:cTn>
+              <p:prevCondLst>
+                <p:cond evt="onPrev" delay="0">
+                  <p:tgtEl>
+                    <p:sldTgt/>
+                  </p:tgtEl>
+                </p:cond>
+              </p:prevCondLst>
+              <p:nextCondLst>
+                <p:cond evt="onNext" delay="0">
+                  <p:tgtEl>
+                    <p:sldTgt/>
+                  </p:tgtEl>
+                </p:cond>
+              </p:nextCondLst>
+            </p:seq>
+          </p:childTnLst>
+        </p:cTn>
+      </p:par>
+    </p:tnLst>
+  </p:timing>
+</p:sld>
+</file>
+
+<file path=ppt/slides/slide29.xml><?xml version="1.0" encoding="utf-8"?>
+<p:sld xmlns:a="http://schemas.openxmlformats.org/drawingml/2006/main" xmlns:r="http://schemas.openxmlformats.org/officeDocument/2006/relationships" xmlns:p="http://schemas.openxmlformats.org/presentationml/2006/main">
+  <p:cSld>
+    <p:bg>
+      <p:bgPr>
+        <a:blipFill>
+          <a:blip r:embed="rId3"/>
+          <a:tile tx="0" ty="0" sx="100000" sy="100000" flip="none" algn="tl"/>
+        </a:blipFill>
+        <a:effectLst/>
+      </p:bgPr>
+    </p:bg>
+    <p:spTree>
+      <p:nvGrpSpPr>
+        <p:cNvPr id="1" name=""/>
+        <p:cNvGrpSpPr/>
+        <p:nvPr/>
+      </p:nvGrpSpPr>
+      <p:grpSpPr>
+        <a:xfrm>
+          <a:off x="0" y="0"/>
+          <a:ext cx="0" cy="0"/>
+          <a:chOff x="0" y="0"/>
+          <a:chExt cx="0" cy="0"/>
+        </a:xfrm>
+      </p:grpSpPr>
+      <p:sp>
+        <p:nvSpPr>
+          <p:cNvPr id="2" name="标题 1"/>
+          <p:cNvSpPr>
+            <a:spLocks noGrp="1"/>
+          </p:cNvSpPr>
+          <p:nvPr>
+            <p:ph type="title"/>
+          </p:nvPr>
+        </p:nvSpPr>
+        <p:spPr/>
+        <p:txBody>
+          <a:bodyPr/>
+          <a:lstStyle/>
+          <a:p>
+            <a:r>
+              <a:rPr lang="zh-CN" altLang="en-US" dirty="0" smtClean="0"/>
+              <a:t>安装编译器</a:t>
+            </a:r>
+            <a:r>
+              <a:rPr lang="en-US" altLang="zh-CN" dirty="0" err="1" smtClean="0"/>
+              <a:t>babel</a:t>
+            </a:r>
+            <a:endParaRPr lang="zh-CN" altLang="en-US" dirty="0"/>
+          </a:p>
+        </p:txBody>
+      </p:sp>
+      <p:pic>
+        <p:nvPicPr>
+          <p:cNvPr id="54274" name="Picture 2"/>
+          <p:cNvPicPr>
+            <a:picLocks noGrp="1" noChangeAspect="1" noChangeArrowheads="1"/>
+          </p:cNvPicPr>
+          <p:nvPr>
+            <p:ph idx="1"/>
+          </p:nvPr>
+        </p:nvPicPr>
+        <p:blipFill>
+          <a:blip r:embed="rId4"/>
+          <a:srcRect/>
+          <a:stretch>
+            <a:fillRect/>
+          </a:stretch>
+        </p:blipFill>
+        <p:spPr bwMode="auto">
+          <a:xfrm>
+            <a:off x="1214414" y="1500174"/>
+            <a:ext cx="6085715" cy="400000"/>
+          </a:xfrm>
+          <a:prstGeom prst="rect">
+            <a:avLst/>
+          </a:prstGeom>
+          <a:noFill/>
+          <a:ln w="9525">
+            <a:noFill/>
+            <a:miter lim="800000"/>
+            <a:headEnd/>
+            <a:tailEnd/>
+          </a:ln>
+          <a:effectLst/>
+        </p:spPr>
+      </p:pic>
+      <p:sp>
+        <p:nvSpPr>
+          <p:cNvPr id="4" name="TextBox 3"/>
+          <p:cNvSpPr txBox="1"/>
+          <p:nvPr/>
+        </p:nvSpPr>
+        <p:spPr>
+          <a:xfrm>
+            <a:off x="1142976" y="6357958"/>
+            <a:ext cx="7858180" cy="369332"/>
+          </a:xfrm>
+          <a:prstGeom prst="rect">
+            <a:avLst/>
+          </a:prstGeom>
+          <a:noFill/>
+        </p:spPr>
+        <p:txBody>
+          <a:bodyPr wrap="square" rtlCol="0">
+            <a:spAutoFit/>
+          </a:bodyPr>
+          <a:lstStyle/>
+          <a:p>
+            <a:r>
+              <a:rPr lang="en-US" altLang="zh-CN" dirty="0" smtClean="0">
+                <a:hlinkClick r:id="rId5"/>
+              </a:rPr>
+              <a:t>http://www.ruanyifeng.com/blog/2016/01/babel.html</a:t>
+            </a:r>
+            <a:endParaRPr lang="zh-CN" altLang="en-US" dirty="0">
+              <a:hlinkClick r:id="rId6" action="ppaction://hlinkfile"/>
+            </a:endParaRPr>
+          </a:p>
+        </p:txBody>
+      </p:sp>
+      <p:pic>
+        <p:nvPicPr>
+          <p:cNvPr id="54275" name="Picture 3"/>
+          <p:cNvPicPr>
+            <a:picLocks noChangeAspect="1" noChangeArrowheads="1"/>
+          </p:cNvPicPr>
+          <p:nvPr/>
+        </p:nvPicPr>
+        <p:blipFill>
+          <a:blip r:embed="rId7"/>
+          <a:srcRect/>
+          <a:stretch>
+            <a:fillRect/>
+          </a:stretch>
+        </p:blipFill>
+        <p:spPr bwMode="auto">
+          <a:xfrm>
+            <a:off x="1714480" y="4786322"/>
+            <a:ext cx="6067425" cy="1790700"/>
+          </a:xfrm>
+          <a:prstGeom prst="rect">
+            <a:avLst/>
+          </a:prstGeom>
+          <a:noFill/>
+          <a:ln w="9525">
+            <a:noFill/>
+            <a:miter lim="800000"/>
+            <a:headEnd/>
+            <a:tailEnd/>
+          </a:ln>
+          <a:effectLst/>
+        </p:spPr>
+      </p:pic>
+      <p:pic>
+        <p:nvPicPr>
+          <p:cNvPr id="54278" name="Picture 6"/>
+          <p:cNvPicPr>
+            <a:picLocks noChangeAspect="1" noChangeArrowheads="1"/>
+          </p:cNvPicPr>
+          <p:nvPr/>
+        </p:nvPicPr>
+        <p:blipFill>
+          <a:blip r:embed="rId8"/>
+          <a:srcRect/>
+          <a:stretch>
+            <a:fillRect/>
+          </a:stretch>
+        </p:blipFill>
+        <p:spPr bwMode="auto">
+          <a:xfrm>
+            <a:off x="714348" y="2000240"/>
+            <a:ext cx="7046913" cy="2867025"/>
+          </a:xfrm>
+          <a:prstGeom prst="rect">
+            <a:avLst/>
+          </a:prstGeom>
+          <a:noFill/>
+          <a:ln w="9525">
+            <a:noFill/>
+            <a:miter lim="800000"/>
+            <a:headEnd/>
+            <a:tailEnd/>
+          </a:ln>
+          <a:effectLst/>
+        </p:spPr>
+      </p:pic>
+    </p:spTree>
+  </p:cSld>
+  <p:clrMapOvr>
+    <a:overrideClrMapping bg1="lt1" tx1="dk1" bg2="lt2" tx2="dk2" accent1="accent1" accent2="accent2" accent3="accent3" accent4="accent4" accent5="accent5" accent6="accent6" hlink="hlink" folHlink="folHlink"/>
+  </p:clrMapOvr>
+  <p:timing>
+    <p:tnLst>
+      <p:par>
+        <p:cTn id="1" dur="indefinite" restart="never" nodeType="tmRoot">
+          <p:childTnLst>
+            <p:seq concurrent="1" nextAc="seek">
+              <p:cTn id="2" dur="indefinite" nodeType="mainSeq">
+                <p:childTnLst>
+                  <p:par>
+                    <p:cTn id="3" fill="hold">
+                      <p:stCondLst>
+                        <p:cond delay="indefinite"/>
+                      </p:stCondLst>
+                      <p:childTnLst>
+                        <p:par>
+                          <p:cTn id="4" fill="hold">
+                            <p:stCondLst>
+                              <p:cond delay="0"/>
+                            </p:stCondLst>
+                            <p:childTnLst>
+                              <p:par>
+                                <p:cTn id="5" presetID="2" presetClass="entr" presetSubtype="4" fill="hold" grpId="0" nodeType="clickEffect">
+                                  <p:stCondLst>
+                                    <p:cond delay="0"/>
+                                  </p:stCondLst>
+                                  <p:childTnLst>
+                                    <p:set>
+                                      <p:cBhvr>
+                                        <p:cTn id="6" dur="1" fill="hold">
+                                          <p:stCondLst>
+                                            <p:cond delay="0"/>
+                                          </p:stCondLst>
+                                        </p:cTn>
+                                        <p:tgtEl>
+                                          <p:spTgt spid="4">
+                                            <p:txEl>
+                                              <p:pRg st="0" end="0"/>
+                                            </p:txEl>
+                                          </p:spTgt>
+                                        </p:tgtEl>
+                                        <p:attrNameLst>
+                                          <p:attrName>style.visibility</p:attrName>
+                                        </p:attrNameLst>
+                                      </p:cBhvr>
+                                      <p:to>
+                                        <p:strVal val="visible"/>
+                                      </p:to>
+                                    </p:set>
+                                    <p:anim calcmode="lin" valueType="num">
+                                      <p:cBhvr additive="base">
+                                        <p:cTn id="7" dur="500" fill="hold"/>
+                                        <p:tgtEl>
+                                          <p:spTgt spid="4">
+                                            <p:txEl>
+                                              <p:pRg st="0" end="0"/>
+                                            </p:txEl>
+                                          </p:spTgt>
+                                        </p:tgtEl>
+                                        <p:attrNameLst>
+                                          <p:attrName>ppt_x</p:attrName>
+                                        </p:attrNameLst>
+                                      </p:cBhvr>
+                                      <p:tavLst>
+                                        <p:tav tm="0">
+                                          <p:val>
+                                            <p:strVal val="#ppt_x"/>
+                                          </p:val>
+                                        </p:tav>
+                                        <p:tav tm="100000">
+                                          <p:val>
+                                            <p:strVal val="#ppt_x"/>
+                                          </p:val>
+                                        </p:tav>
+                                      </p:tavLst>
+                                    </p:anim>
+                                    <p:anim calcmode="lin" valueType="num">
+                                      <p:cBhvr additive="base">
+                                        <p:cTn id="8" dur="500" fill="hold"/>
+                                        <p:tgtEl>
+                                          <p:spTgt spid="4">
+                                            <p:txEl>
+                                              <p:pRg st="0" end="0"/>
+                                            </p:txEl>
+                                          </p:spTgt>
+                                        </p:tgtEl>
+                                        <p:attrNameLst>
+                                          <p:attrName>ppt_y</p:attrName>
+                                        </p:attrNameLst>
+                                      </p:cBhvr>
+                                      <p:tavLst>
+                                        <p:tav tm="0">
+                                          <p:val>
+                                            <p:strVal val="1+#ppt_h/2"/>
+                                          </p:val>
+                                        </p:tav>
+                                        <p:tav tm="100000">
+                                          <p:val>
+                                            <p:strVal val="#ppt_y"/>
+                                          </p:val>
+                                        </p:tav>
+                                      </p:tavLst>
+                                    </p:anim>
+                                  </p:childTnLst>
+                                </p:cTn>
+                              </p:par>
+                            </p:childTnLst>
+                          </p:cTn>
+                        </p:par>
+                      </p:childTnLst>
+                    </p:cTn>
+                  </p:par>
+                </p:childTnLst>
+              </p:cTn>
+              <p:prevCondLst>
+                <p:cond evt="onPrev" delay="0">
+                  <p:tgtEl>
+                    <p:sldTgt/>
+                  </p:tgtEl>
+                </p:cond>
+              </p:prevCondLst>
+              <p:nextCondLst>
+                <p:cond evt="onNext" delay="0">
+                  <p:tgtEl>
+                    <p:sldTgt/>
+                  </p:tgtEl>
+                </p:cond>
+              </p:nextCondLst>
+            </p:seq>
+          </p:childTnLst>
+        </p:cTn>
+      </p:par>
+    </p:tnLst>
+    <p:bldLst>
+      <p:bldP spid="4" grpId="0" build="allAtOnce"/>
+    </p:bldLst>
+  </p:timing>
+</p:sld>
+</file>
+
 <file path=ppt/slides/slide3.xml><?xml version="1.0" encoding="utf-8"?>
 <p:sld xmlns:a="http://schemas.openxmlformats.org/drawingml/2006/main" xmlns:r="http://schemas.openxmlformats.org/officeDocument/2006/relationships" xmlns:p="http://schemas.openxmlformats.org/presentationml/2006/main">
   <p:cSld>
@@ -8432,6 +11969,1839 @@
 </p:sld>
 </file>
 
+<file path=ppt/slides/slide30.xml><?xml version="1.0" encoding="utf-8"?>
+<p:sld xmlns:a="http://schemas.openxmlformats.org/drawingml/2006/main" xmlns:r="http://schemas.openxmlformats.org/officeDocument/2006/relationships" xmlns:p="http://schemas.openxmlformats.org/presentationml/2006/main">
+  <p:cSld>
+    <p:bg>
+      <p:bgPr>
+        <a:blipFill>
+          <a:blip r:embed="rId3"/>
+          <a:tile tx="0" ty="0" sx="100000" sy="100000" flip="none" algn="tl"/>
+        </a:blipFill>
+        <a:effectLst/>
+      </p:bgPr>
+    </p:bg>
+    <p:spTree>
+      <p:nvGrpSpPr>
+        <p:cNvPr id="1" name=""/>
+        <p:cNvGrpSpPr/>
+        <p:nvPr/>
+      </p:nvGrpSpPr>
+      <p:grpSpPr>
+        <a:xfrm>
+          <a:off x="0" y="0"/>
+          <a:ext cx="0" cy="0"/>
+          <a:chOff x="0" y="0"/>
+          <a:chExt cx="0" cy="0"/>
+        </a:xfrm>
+      </p:grpSpPr>
+      <p:sp>
+        <p:nvSpPr>
+          <p:cNvPr id="2" name="标题 1"/>
+          <p:cNvSpPr>
+            <a:spLocks noGrp="1"/>
+          </p:cNvSpPr>
+          <p:nvPr>
+            <p:ph type="title"/>
+          </p:nvPr>
+        </p:nvSpPr>
+        <p:spPr/>
+        <p:txBody>
+          <a:bodyPr/>
+          <a:lstStyle/>
+          <a:p>
+            <a:r>
+              <a:rPr lang="zh-CN" altLang="en-US" dirty="0" smtClean="0"/>
+              <a:t>安装目标转码</a:t>
+            </a:r>
+            <a:endParaRPr lang="zh-CN" altLang="en-US" dirty="0"/>
+          </a:p>
+        </p:txBody>
+      </p:sp>
+      <p:pic>
+        <p:nvPicPr>
+          <p:cNvPr id="56322" name="Picture 2"/>
+          <p:cNvPicPr>
+            <a:picLocks noGrp="1" noChangeAspect="1" noChangeArrowheads="1"/>
+          </p:cNvPicPr>
+          <p:nvPr>
+            <p:ph idx="1"/>
+          </p:nvPr>
+        </p:nvPicPr>
+        <p:blipFill>
+          <a:blip r:embed="rId4"/>
+          <a:srcRect/>
+          <a:stretch>
+            <a:fillRect/>
+          </a:stretch>
+        </p:blipFill>
+        <p:spPr bwMode="auto">
+          <a:xfrm>
+            <a:off x="1214414" y="1500174"/>
+            <a:ext cx="6285715" cy="1476191"/>
+          </a:xfrm>
+          <a:prstGeom prst="rect">
+            <a:avLst/>
+          </a:prstGeom>
+          <a:noFill/>
+          <a:ln w="9525">
+            <a:noFill/>
+            <a:miter lim="800000"/>
+            <a:headEnd/>
+            <a:tailEnd/>
+          </a:ln>
+          <a:effectLst/>
+        </p:spPr>
+      </p:pic>
+      <p:pic>
+        <p:nvPicPr>
+          <p:cNvPr id="56323" name="Picture 3"/>
+          <p:cNvPicPr>
+            <a:picLocks noChangeAspect="1" noChangeArrowheads="1"/>
+          </p:cNvPicPr>
+          <p:nvPr/>
+        </p:nvPicPr>
+        <p:blipFill>
+          <a:blip r:embed="rId5"/>
+          <a:srcRect/>
+          <a:stretch>
+            <a:fillRect/>
+          </a:stretch>
+        </p:blipFill>
+        <p:spPr bwMode="auto">
+          <a:xfrm>
+            <a:off x="1428728" y="3143248"/>
+            <a:ext cx="1704975" cy="304800"/>
+          </a:xfrm>
+          <a:prstGeom prst="rect">
+            <a:avLst/>
+          </a:prstGeom>
+          <a:noFill/>
+          <a:ln w="9525">
+            <a:noFill/>
+            <a:miter lim="800000"/>
+            <a:headEnd/>
+            <a:tailEnd/>
+          </a:ln>
+          <a:effectLst/>
+        </p:spPr>
+      </p:pic>
+      <p:pic>
+        <p:nvPicPr>
+          <p:cNvPr id="56324" name="Picture 4"/>
+          <p:cNvPicPr>
+            <a:picLocks noChangeAspect="1" noChangeArrowheads="1"/>
+          </p:cNvPicPr>
+          <p:nvPr/>
+        </p:nvPicPr>
+        <p:blipFill>
+          <a:blip r:embed="rId6"/>
+          <a:srcRect/>
+          <a:stretch>
+            <a:fillRect/>
+          </a:stretch>
+        </p:blipFill>
+        <p:spPr bwMode="auto">
+          <a:xfrm>
+            <a:off x="1357290" y="3857628"/>
+            <a:ext cx="1695450" cy="1104900"/>
+          </a:xfrm>
+          <a:prstGeom prst="rect">
+            <a:avLst/>
+          </a:prstGeom>
+          <a:noFill/>
+          <a:ln w="9525">
+            <a:noFill/>
+            <a:miter lim="800000"/>
+            <a:headEnd/>
+            <a:tailEnd/>
+          </a:ln>
+          <a:effectLst/>
+        </p:spPr>
+      </p:pic>
+    </p:spTree>
+  </p:cSld>
+  <p:clrMapOvr>
+    <a:overrideClrMapping bg1="lt1" tx1="dk1" bg2="lt2" tx2="dk2" accent1="accent1" accent2="accent2" accent3="accent3" accent4="accent4" accent5="accent5" accent6="accent6" hlink="hlink" folHlink="folHlink"/>
+  </p:clrMapOvr>
+  <p:timing>
+    <p:tnLst>
+      <p:par>
+        <p:cTn id="1" dur="indefinite" restart="never" nodeType="tmRoot"/>
+      </p:par>
+    </p:tnLst>
+  </p:timing>
+</p:sld>
+</file>
+
+<file path=ppt/slides/slide31.xml><?xml version="1.0" encoding="utf-8"?>
+<p:sld xmlns:a="http://schemas.openxmlformats.org/drawingml/2006/main" xmlns:r="http://schemas.openxmlformats.org/officeDocument/2006/relationships" xmlns:p="http://schemas.openxmlformats.org/presentationml/2006/main">
+  <p:cSld>
+    <p:bg>
+      <p:bgPr>
+        <a:blipFill>
+          <a:blip r:embed="rId3"/>
+          <a:tile tx="0" ty="0" sx="100000" sy="100000" flip="none" algn="tl"/>
+        </a:blipFill>
+        <a:effectLst/>
+      </p:bgPr>
+    </p:bg>
+    <p:spTree>
+      <p:nvGrpSpPr>
+        <p:cNvPr id="1" name=""/>
+        <p:cNvGrpSpPr/>
+        <p:nvPr/>
+      </p:nvGrpSpPr>
+      <p:grpSpPr>
+        <a:xfrm>
+          <a:off x="0" y="0"/>
+          <a:ext cx="0" cy="0"/>
+          <a:chOff x="0" y="0"/>
+          <a:chExt cx="0" cy="0"/>
+        </a:xfrm>
+      </p:grpSpPr>
+      <p:sp>
+        <p:nvSpPr>
+          <p:cNvPr id="2" name="标题 1"/>
+          <p:cNvSpPr>
+            <a:spLocks noGrp="1"/>
+          </p:cNvSpPr>
+          <p:nvPr>
+            <p:ph type="title"/>
+          </p:nvPr>
+        </p:nvSpPr>
+        <p:spPr/>
+        <p:txBody>
+          <a:bodyPr/>
+          <a:lstStyle/>
+          <a:p>
+            <a:r>
+              <a:rPr lang="zh-CN" altLang="en-US" dirty="0" smtClean="0"/>
+              <a:t>开始编译</a:t>
+            </a:r>
+            <a:r>
+              <a:rPr lang="en-US" altLang="zh-CN" dirty="0" smtClean="0"/>
+              <a:t>(es6 -&gt; es5)</a:t>
+            </a:r>
+            <a:endParaRPr lang="zh-CN" altLang="en-US" dirty="0"/>
+          </a:p>
+        </p:txBody>
+      </p:sp>
+      <p:pic>
+        <p:nvPicPr>
+          <p:cNvPr id="57347" name="Picture 3"/>
+          <p:cNvPicPr>
+            <a:picLocks noGrp="1" noChangeAspect="1" noChangeArrowheads="1"/>
+          </p:cNvPicPr>
+          <p:nvPr>
+            <p:ph idx="1"/>
+          </p:nvPr>
+        </p:nvPicPr>
+        <p:blipFill>
+          <a:blip r:embed="rId4"/>
+          <a:srcRect/>
+          <a:stretch>
+            <a:fillRect/>
+          </a:stretch>
+        </p:blipFill>
+        <p:spPr bwMode="auto">
+          <a:xfrm>
+            <a:off x="1214414" y="2357430"/>
+            <a:ext cx="5923810" cy="628571"/>
+          </a:xfrm>
+          <a:prstGeom prst="rect">
+            <a:avLst/>
+          </a:prstGeom>
+          <a:noFill/>
+          <a:ln w="9525">
+            <a:noFill/>
+            <a:miter lim="800000"/>
+            <a:headEnd/>
+            <a:tailEnd/>
+          </a:ln>
+          <a:effectLst/>
+        </p:spPr>
+      </p:pic>
+      <p:pic>
+        <p:nvPicPr>
+          <p:cNvPr id="57346" name="Picture 2"/>
+          <p:cNvPicPr>
+            <a:picLocks noChangeAspect="1" noChangeArrowheads="1"/>
+          </p:cNvPicPr>
+          <p:nvPr/>
+        </p:nvPicPr>
+        <p:blipFill>
+          <a:blip r:embed="rId5"/>
+          <a:srcRect/>
+          <a:stretch>
+            <a:fillRect/>
+          </a:stretch>
+        </p:blipFill>
+        <p:spPr bwMode="auto">
+          <a:xfrm>
+            <a:off x="1500166" y="1785926"/>
+            <a:ext cx="6000750" cy="323850"/>
+          </a:xfrm>
+          <a:prstGeom prst="rect">
+            <a:avLst/>
+          </a:prstGeom>
+          <a:noFill/>
+          <a:ln w="9525">
+            <a:noFill/>
+            <a:miter lim="800000"/>
+            <a:headEnd/>
+            <a:tailEnd/>
+          </a:ln>
+          <a:effectLst/>
+        </p:spPr>
+      </p:pic>
+      <p:pic>
+        <p:nvPicPr>
+          <p:cNvPr id="57348" name="Picture 4"/>
+          <p:cNvPicPr>
+            <a:picLocks noChangeAspect="1" noChangeArrowheads="1"/>
+          </p:cNvPicPr>
+          <p:nvPr/>
+        </p:nvPicPr>
+        <p:blipFill>
+          <a:blip r:embed="rId6"/>
+          <a:srcRect/>
+          <a:stretch>
+            <a:fillRect/>
+          </a:stretch>
+        </p:blipFill>
+        <p:spPr bwMode="auto">
+          <a:xfrm>
+            <a:off x="0" y="3214686"/>
+            <a:ext cx="6143668" cy="2872117"/>
+          </a:xfrm>
+          <a:prstGeom prst="rect">
+            <a:avLst/>
+          </a:prstGeom>
+          <a:noFill/>
+          <a:ln w="9525">
+            <a:noFill/>
+            <a:miter lim="800000"/>
+            <a:headEnd/>
+            <a:tailEnd/>
+          </a:ln>
+          <a:effectLst/>
+        </p:spPr>
+      </p:pic>
+      <p:pic>
+        <p:nvPicPr>
+          <p:cNvPr id="57349" name="Picture 5"/>
+          <p:cNvPicPr>
+            <a:picLocks noChangeAspect="1" noChangeArrowheads="1"/>
+          </p:cNvPicPr>
+          <p:nvPr/>
+        </p:nvPicPr>
+        <p:blipFill>
+          <a:blip r:embed="rId7"/>
+          <a:srcRect/>
+          <a:stretch>
+            <a:fillRect/>
+          </a:stretch>
+        </p:blipFill>
+        <p:spPr bwMode="auto">
+          <a:xfrm>
+            <a:off x="714348" y="3286124"/>
+            <a:ext cx="8027987" cy="2962275"/>
+          </a:xfrm>
+          <a:prstGeom prst="rect">
+            <a:avLst/>
+          </a:prstGeom>
+          <a:noFill/>
+          <a:ln w="9525">
+            <a:noFill/>
+            <a:miter lim="800000"/>
+            <a:headEnd/>
+            <a:tailEnd/>
+          </a:ln>
+          <a:effectLst/>
+        </p:spPr>
+      </p:pic>
+    </p:spTree>
+  </p:cSld>
+  <p:clrMapOvr>
+    <a:overrideClrMapping bg1="lt1" tx1="dk1" bg2="lt2" tx2="dk2" accent1="accent1" accent2="accent2" accent3="accent3" accent4="accent4" accent5="accent5" accent6="accent6" hlink="hlink" folHlink="folHlink"/>
+  </p:clrMapOvr>
+  <p:timing>
+    <p:tnLst>
+      <p:par>
+        <p:cTn id="1" dur="indefinite" restart="never" nodeType="tmRoot">
+          <p:childTnLst>
+            <p:seq concurrent="1" nextAc="seek">
+              <p:cTn id="2" dur="indefinite" nodeType="mainSeq">
+                <p:childTnLst>
+                  <p:par>
+                    <p:cTn id="3" fill="hold">
+                      <p:stCondLst>
+                        <p:cond delay="indefinite"/>
+                      </p:stCondLst>
+                      <p:childTnLst>
+                        <p:par>
+                          <p:cTn id="4" fill="hold">
+                            <p:stCondLst>
+                              <p:cond delay="0"/>
+                            </p:stCondLst>
+                            <p:childTnLst>
+                              <p:par>
+                                <p:cTn id="5" presetID="3" presetClass="entr" presetSubtype="10" fill="hold" nodeType="clickEffect">
+                                  <p:stCondLst>
+                                    <p:cond delay="0"/>
+                                  </p:stCondLst>
+                                  <p:childTnLst>
+                                    <p:set>
+                                      <p:cBhvr>
+                                        <p:cTn id="6" dur="1" fill="hold">
+                                          <p:stCondLst>
+                                            <p:cond delay="0"/>
+                                          </p:stCondLst>
+                                        </p:cTn>
+                                        <p:tgtEl>
+                                          <p:spTgt spid="57349"/>
+                                        </p:tgtEl>
+                                        <p:attrNameLst>
+                                          <p:attrName>style.visibility</p:attrName>
+                                        </p:attrNameLst>
+                                      </p:cBhvr>
+                                      <p:to>
+                                        <p:strVal val="visible"/>
+                                      </p:to>
+                                    </p:set>
+                                    <p:animEffect transition="in" filter="blinds(horizontal)">
+                                      <p:cBhvr>
+                                        <p:cTn id="7" dur="500"/>
+                                        <p:tgtEl>
+                                          <p:spTgt spid="57349"/>
+                                        </p:tgtEl>
+                                      </p:cBhvr>
+                                    </p:animEffect>
+                                  </p:childTnLst>
+                                </p:cTn>
+                              </p:par>
+                            </p:childTnLst>
+                          </p:cTn>
+                        </p:par>
+                      </p:childTnLst>
+                    </p:cTn>
+                  </p:par>
+                </p:childTnLst>
+              </p:cTn>
+              <p:prevCondLst>
+                <p:cond evt="onPrev" delay="0">
+                  <p:tgtEl>
+                    <p:sldTgt/>
+                  </p:tgtEl>
+                </p:cond>
+              </p:prevCondLst>
+              <p:nextCondLst>
+                <p:cond evt="onNext" delay="0">
+                  <p:tgtEl>
+                    <p:sldTgt/>
+                  </p:tgtEl>
+                </p:cond>
+              </p:nextCondLst>
+            </p:seq>
+          </p:childTnLst>
+        </p:cTn>
+      </p:par>
+    </p:tnLst>
+  </p:timing>
+</p:sld>
+</file>
+
+<file path=ppt/slides/slide32.xml><?xml version="1.0" encoding="utf-8"?>
+<p:sld xmlns:a="http://schemas.openxmlformats.org/drawingml/2006/main" xmlns:r="http://schemas.openxmlformats.org/officeDocument/2006/relationships" xmlns:p="http://schemas.openxmlformats.org/presentationml/2006/main">
+  <p:cSld>
+    <p:bg>
+      <p:bgPr>
+        <a:blipFill>
+          <a:blip r:embed="rId3"/>
+          <a:tile tx="0" ty="0" sx="100000" sy="100000" flip="none" algn="tl"/>
+        </a:blipFill>
+        <a:effectLst/>
+      </p:bgPr>
+    </p:bg>
+    <p:spTree>
+      <p:nvGrpSpPr>
+        <p:cNvPr id="1" name=""/>
+        <p:cNvGrpSpPr/>
+        <p:nvPr/>
+      </p:nvGrpSpPr>
+      <p:grpSpPr>
+        <a:xfrm>
+          <a:off x="0" y="0"/>
+          <a:ext cx="0" cy="0"/>
+          <a:chOff x="0" y="0"/>
+          <a:chExt cx="0" cy="0"/>
+        </a:xfrm>
+      </p:grpSpPr>
+      <p:sp>
+        <p:nvSpPr>
+          <p:cNvPr id="2" name="标题 1"/>
+          <p:cNvSpPr>
+            <a:spLocks noGrp="1"/>
+          </p:cNvSpPr>
+          <p:nvPr>
+            <p:ph type="title"/>
+          </p:nvPr>
+        </p:nvSpPr>
+        <p:spPr/>
+        <p:txBody>
+          <a:bodyPr/>
+          <a:lstStyle/>
+          <a:p>
+            <a:r>
+              <a:rPr lang="zh-CN" altLang="en-US" dirty="0" smtClean="0"/>
+              <a:t>完成公司项目前端需求</a:t>
+            </a:r>
+            <a:endParaRPr lang="zh-CN" altLang="en-US" dirty="0"/>
+          </a:p>
+        </p:txBody>
+      </p:sp>
+      <p:sp>
+        <p:nvSpPr>
+          <p:cNvPr id="3" name="内容占位符 2"/>
+          <p:cNvSpPr>
+            <a:spLocks noGrp="1"/>
+          </p:cNvSpPr>
+          <p:nvPr>
+            <p:ph idx="1"/>
+          </p:nvPr>
+        </p:nvSpPr>
+        <p:spPr/>
+        <p:txBody>
+          <a:bodyPr/>
+          <a:lstStyle/>
+          <a:p>
+            <a:r>
+              <a:rPr lang="zh-CN" altLang="en-US" dirty="0" smtClean="0">
+                <a:hlinkClick r:id="rId4"/>
+              </a:rPr>
+              <a:t>海外建课项目第三步章节小节</a:t>
+            </a:r>
+            <a:endParaRPr lang="en-US" altLang="zh-CN" dirty="0" smtClean="0"/>
+          </a:p>
+          <a:p>
+            <a:pPr lvl="1"/>
+            <a:r>
+              <a:rPr lang="en-US" altLang="zh-CN" dirty="0" smtClean="0"/>
+              <a:t>jiangli@able-elec.com</a:t>
+            </a:r>
+          </a:p>
+          <a:p>
+            <a:r>
+              <a:rPr lang="zh-CN" altLang="en-US" dirty="0" smtClean="0">
+                <a:hlinkClick r:id="rId5"/>
+              </a:rPr>
+              <a:t>海外建课</a:t>
+            </a:r>
+            <a:r>
+              <a:rPr lang="zh-CN" altLang="en-US" dirty="0" smtClean="0">
+                <a:hlinkClick r:id="rId5"/>
+              </a:rPr>
+              <a:t>项目课程资料</a:t>
+            </a:r>
+            <a:endParaRPr lang="en-US" altLang="zh-CN" dirty="0" smtClean="0"/>
+          </a:p>
+          <a:p>
+            <a:r>
+              <a:rPr lang="zh-CN" altLang="en-US" dirty="0" smtClean="0">
+                <a:hlinkClick r:id="rId6"/>
+              </a:rPr>
+              <a:t>智慧</a:t>
+            </a:r>
+            <a:r>
+              <a:rPr lang="zh-CN" altLang="en-US" dirty="0" smtClean="0">
+                <a:hlinkClick r:id="rId6"/>
+              </a:rPr>
+              <a:t>树平台建课项目知识点</a:t>
+            </a:r>
+            <a:endParaRPr lang="en-US" altLang="zh-CN" dirty="0" smtClean="0"/>
+          </a:p>
+        </p:txBody>
+      </p:sp>
+      <p:sp>
+        <p:nvSpPr>
+          <p:cNvPr id="4" name="TextBox 3"/>
+          <p:cNvSpPr txBox="1"/>
+          <p:nvPr/>
+        </p:nvSpPr>
+        <p:spPr>
+          <a:xfrm>
+            <a:off x="1142976" y="6143644"/>
+            <a:ext cx="6572296" cy="369332"/>
+          </a:xfrm>
+          <a:prstGeom prst="rect">
+            <a:avLst/>
+          </a:prstGeom>
+          <a:noFill/>
+        </p:spPr>
+        <p:txBody>
+          <a:bodyPr wrap="square" rtlCol="0">
+            <a:spAutoFit/>
+          </a:bodyPr>
+          <a:lstStyle/>
+          <a:p>
+            <a:r>
+              <a:rPr lang="en-US" altLang="zh-CN" dirty="0" smtClean="0">
+                <a:hlinkClick r:id="rId7"/>
+              </a:rPr>
+              <a:t>http://www.jq22.com/</a:t>
+            </a:r>
+            <a:endParaRPr lang="zh-CN" altLang="en-US" dirty="0"/>
+          </a:p>
+        </p:txBody>
+      </p:sp>
+    </p:spTree>
+  </p:cSld>
+  <p:clrMapOvr>
+    <a:overrideClrMapping bg1="lt1" tx1="dk1" bg2="lt2" tx2="dk2" accent1="accent1" accent2="accent2" accent3="accent3" accent4="accent4" accent5="accent5" accent6="accent6" hlink="hlink" folHlink="folHlink"/>
+  </p:clrMapOvr>
+  <p:timing>
+    <p:tnLst>
+      <p:par>
+        <p:cTn id="1" dur="indefinite" restart="never" nodeType="tmRoot">
+          <p:childTnLst>
+            <p:seq concurrent="1" nextAc="seek">
+              <p:cTn id="2" dur="indefinite" nodeType="mainSeq">
+                <p:childTnLst>
+                  <p:par>
+                    <p:cTn id="3" fill="hold">
+                      <p:stCondLst>
+                        <p:cond delay="indefinite"/>
+                      </p:stCondLst>
+                      <p:childTnLst>
+                        <p:par>
+                          <p:cTn id="4" fill="hold">
+                            <p:stCondLst>
+                              <p:cond delay="0"/>
+                            </p:stCondLst>
+                            <p:childTnLst>
+                              <p:par>
+                                <p:cTn id="5" presetID="2" presetClass="entr" presetSubtype="4" fill="hold" grpId="0" nodeType="clickEffect">
+                                  <p:stCondLst>
+                                    <p:cond delay="0"/>
+                                  </p:stCondLst>
+                                  <p:childTnLst>
+                                    <p:set>
+                                      <p:cBhvr>
+                                        <p:cTn id="6" dur="1" fill="hold">
+                                          <p:stCondLst>
+                                            <p:cond delay="0"/>
+                                          </p:stCondLst>
+                                        </p:cTn>
+                                        <p:tgtEl>
+                                          <p:spTgt spid="4"/>
+                                        </p:tgtEl>
+                                        <p:attrNameLst>
+                                          <p:attrName>style.visibility</p:attrName>
+                                        </p:attrNameLst>
+                                      </p:cBhvr>
+                                      <p:to>
+                                        <p:strVal val="visible"/>
+                                      </p:to>
+                                    </p:set>
+                                    <p:anim calcmode="lin" valueType="num">
+                                      <p:cBhvr additive="base">
+                                        <p:cTn id="7" dur="500" fill="hold"/>
+                                        <p:tgtEl>
+                                          <p:spTgt spid="4"/>
+                                        </p:tgtEl>
+                                        <p:attrNameLst>
+                                          <p:attrName>ppt_x</p:attrName>
+                                        </p:attrNameLst>
+                                      </p:cBhvr>
+                                      <p:tavLst>
+                                        <p:tav tm="0">
+                                          <p:val>
+                                            <p:strVal val="#ppt_x"/>
+                                          </p:val>
+                                        </p:tav>
+                                        <p:tav tm="100000">
+                                          <p:val>
+                                            <p:strVal val="#ppt_x"/>
+                                          </p:val>
+                                        </p:tav>
+                                      </p:tavLst>
+                                    </p:anim>
+                                    <p:anim calcmode="lin" valueType="num">
+                                      <p:cBhvr additive="base">
+                                        <p:cTn id="8" dur="500" fill="hold"/>
+                                        <p:tgtEl>
+                                          <p:spTgt spid="4"/>
+                                        </p:tgtEl>
+                                        <p:attrNameLst>
+                                          <p:attrName>ppt_y</p:attrName>
+                                        </p:attrNameLst>
+                                      </p:cBhvr>
+                                      <p:tavLst>
+                                        <p:tav tm="0">
+                                          <p:val>
+                                            <p:strVal val="1+#ppt_h/2"/>
+                                          </p:val>
+                                        </p:tav>
+                                        <p:tav tm="100000">
+                                          <p:val>
+                                            <p:strVal val="#ppt_y"/>
+                                          </p:val>
+                                        </p:tav>
+                                      </p:tavLst>
+                                    </p:anim>
+                                  </p:childTnLst>
+                                </p:cTn>
+                              </p:par>
+                            </p:childTnLst>
+                          </p:cTn>
+                        </p:par>
+                      </p:childTnLst>
+                    </p:cTn>
+                  </p:par>
+                </p:childTnLst>
+              </p:cTn>
+              <p:prevCondLst>
+                <p:cond evt="onPrev" delay="0">
+                  <p:tgtEl>
+                    <p:sldTgt/>
+                  </p:tgtEl>
+                </p:cond>
+              </p:prevCondLst>
+              <p:nextCondLst>
+                <p:cond evt="onNext" delay="0">
+                  <p:tgtEl>
+                    <p:sldTgt/>
+                  </p:tgtEl>
+                </p:cond>
+              </p:nextCondLst>
+            </p:seq>
+          </p:childTnLst>
+        </p:cTn>
+      </p:par>
+    </p:tnLst>
+    <p:bldLst>
+      <p:bldP spid="4" grpId="0"/>
+    </p:bldLst>
+  </p:timing>
+</p:sld>
+</file>
+
+<file path=ppt/slides/slide33.xml><?xml version="1.0" encoding="utf-8"?>
+<p:sld xmlns:a="http://schemas.openxmlformats.org/drawingml/2006/main" xmlns:r="http://schemas.openxmlformats.org/officeDocument/2006/relationships" xmlns:p="http://schemas.openxmlformats.org/presentationml/2006/main">
+  <p:cSld>
+    <p:bg>
+      <p:bgPr>
+        <a:blipFill>
+          <a:blip r:embed="rId4"/>
+          <a:tile tx="0" ty="0" sx="100000" sy="100000" flip="none" algn="tl"/>
+        </a:blipFill>
+        <a:effectLst/>
+      </p:bgPr>
+    </p:bg>
+    <p:spTree>
+      <p:nvGrpSpPr>
+        <p:cNvPr id="1" name=""/>
+        <p:cNvGrpSpPr/>
+        <p:nvPr/>
+      </p:nvGrpSpPr>
+      <p:grpSpPr>
+        <a:xfrm>
+          <a:off x="0" y="0"/>
+          <a:ext cx="0" cy="0"/>
+          <a:chOff x="0" y="0"/>
+          <a:chExt cx="0" cy="0"/>
+        </a:xfrm>
+      </p:grpSpPr>
+      <p:sp>
+        <p:nvSpPr>
+          <p:cNvPr id="2" name="标题 1"/>
+          <p:cNvSpPr>
+            <a:spLocks noGrp="1"/>
+          </p:cNvSpPr>
+          <p:nvPr>
+            <p:ph type="title"/>
+          </p:nvPr>
+        </p:nvSpPr>
+        <p:spPr/>
+        <p:txBody>
+          <a:bodyPr/>
+          <a:lstStyle/>
+          <a:p>
+            <a:r>
+              <a:rPr lang="zh-CN" altLang="en-US" dirty="0" smtClean="0"/>
+              <a:t>开始提高代码质量</a:t>
+            </a:r>
+            <a:endParaRPr lang="zh-CN" altLang="en-US" dirty="0"/>
+          </a:p>
+        </p:txBody>
+      </p:sp>
+      <p:sp>
+        <p:nvSpPr>
+          <p:cNvPr id="3" name="内容占位符 2"/>
+          <p:cNvSpPr>
+            <a:spLocks noGrp="1"/>
+          </p:cNvSpPr>
+          <p:nvPr>
+            <p:ph idx="1"/>
+          </p:nvPr>
+        </p:nvSpPr>
+        <p:spPr/>
+        <p:txBody>
+          <a:bodyPr/>
+          <a:lstStyle/>
+          <a:p>
+            <a:endParaRPr lang="zh-CN" altLang="en-US" dirty="0"/>
+          </a:p>
+        </p:txBody>
+      </p:sp>
+      <p:pic>
+        <p:nvPicPr>
+          <p:cNvPr id="7169" name="Picture 1"/>
+          <p:cNvPicPr>
+            <a:picLocks noChangeAspect="1" noChangeArrowheads="1"/>
+          </p:cNvPicPr>
+          <p:nvPr/>
+        </p:nvPicPr>
+        <p:blipFill>
+          <a:blip r:embed="rId5"/>
+          <a:srcRect/>
+          <a:stretch>
+            <a:fillRect/>
+          </a:stretch>
+        </p:blipFill>
+        <p:spPr bwMode="auto">
+          <a:xfrm>
+            <a:off x="1785918" y="1428736"/>
+            <a:ext cx="4714908" cy="4857408"/>
+          </a:xfrm>
+          <a:prstGeom prst="rect">
+            <a:avLst/>
+          </a:prstGeom>
+          <a:noFill/>
+          <a:ln w="9525">
+            <a:noFill/>
+            <a:miter lim="800000"/>
+            <a:headEnd/>
+            <a:tailEnd/>
+          </a:ln>
+          <a:effectLst/>
+        </p:spPr>
+      </p:pic>
+      <p:sp>
+        <p:nvSpPr>
+          <p:cNvPr id="8" name="TextBox 7"/>
+          <p:cNvSpPr txBox="1"/>
+          <p:nvPr/>
+        </p:nvSpPr>
+        <p:spPr>
+          <a:xfrm>
+            <a:off x="1071538" y="6286520"/>
+            <a:ext cx="7858180" cy="369332"/>
+          </a:xfrm>
+          <a:prstGeom prst="rect">
+            <a:avLst/>
+          </a:prstGeom>
+          <a:noFill/>
+        </p:spPr>
+        <p:txBody>
+          <a:bodyPr wrap="square" rtlCol="0">
+            <a:spAutoFit/>
+          </a:bodyPr>
+          <a:lstStyle/>
+          <a:p>
+            <a:r>
+              <a:rPr lang="en-US" altLang="zh-CN" dirty="0" smtClean="0">
+                <a:hlinkClick r:id="rId6"/>
+              </a:rPr>
+              <a:t>https://www.processon.com/view/link/59e9b61ae4b012b70ca0a1af</a:t>
+            </a:r>
+            <a:endParaRPr lang="zh-CN" altLang="en-US" dirty="0"/>
+          </a:p>
+        </p:txBody>
+      </p:sp>
+    </p:spTree>
+  </p:cSld>
+  <p:clrMapOvr>
+    <a:overrideClrMapping bg1="lt1" tx1="dk1" bg2="lt2" tx2="dk2" accent1="accent1" accent2="accent2" accent3="accent3" accent4="accent4" accent5="accent5" accent6="accent6" hlink="hlink" folHlink="folHlink"/>
+  </p:clrMapOvr>
+  <p:timing>
+    <p:tnLst>
+      <p:par>
+        <p:cTn id="1" dur="indefinite" restart="never" nodeType="tmRoot">
+          <p:childTnLst>
+            <p:seq concurrent="1" nextAc="seek">
+              <p:cTn id="2" dur="indefinite" nodeType="mainSeq">
+                <p:childTnLst>
+                  <p:par>
+                    <p:cTn id="3" fill="hold">
+                      <p:stCondLst>
+                        <p:cond delay="indefinite"/>
+                      </p:stCondLst>
+                      <p:childTnLst>
+                        <p:par>
+                          <p:cTn id="4" fill="hold">
+                            <p:stCondLst>
+                              <p:cond delay="0"/>
+                            </p:stCondLst>
+                            <p:childTnLst>
+                              <p:par>
+                                <p:cTn id="5" presetID="2" presetClass="entr" presetSubtype="4" fill="hold" grpId="0" nodeType="clickEffect">
+                                  <p:stCondLst>
+                                    <p:cond delay="0"/>
+                                  </p:stCondLst>
+                                  <p:childTnLst>
+                                    <p:set>
+                                      <p:cBhvr>
+                                        <p:cTn id="6" dur="1" fill="hold">
+                                          <p:stCondLst>
+                                            <p:cond delay="0"/>
+                                          </p:stCondLst>
+                                        </p:cTn>
+                                        <p:tgtEl>
+                                          <p:spTgt spid="8">
+                                            <p:txEl>
+                                              <p:pRg st="0" end="0"/>
+                                            </p:txEl>
+                                          </p:spTgt>
+                                        </p:tgtEl>
+                                        <p:attrNameLst>
+                                          <p:attrName>style.visibility</p:attrName>
+                                        </p:attrNameLst>
+                                      </p:cBhvr>
+                                      <p:to>
+                                        <p:strVal val="visible"/>
+                                      </p:to>
+                                    </p:set>
+                                    <p:anim calcmode="lin" valueType="num">
+                                      <p:cBhvr additive="base">
+                                        <p:cTn id="7" dur="500" fill="hold"/>
+                                        <p:tgtEl>
+                                          <p:spTgt spid="8">
+                                            <p:txEl>
+                                              <p:pRg st="0" end="0"/>
+                                            </p:txEl>
+                                          </p:spTgt>
+                                        </p:tgtEl>
+                                        <p:attrNameLst>
+                                          <p:attrName>ppt_x</p:attrName>
+                                        </p:attrNameLst>
+                                      </p:cBhvr>
+                                      <p:tavLst>
+                                        <p:tav tm="0">
+                                          <p:val>
+                                            <p:strVal val="#ppt_x"/>
+                                          </p:val>
+                                        </p:tav>
+                                        <p:tav tm="100000">
+                                          <p:val>
+                                            <p:strVal val="#ppt_x"/>
+                                          </p:val>
+                                        </p:tav>
+                                      </p:tavLst>
+                                    </p:anim>
+                                    <p:anim calcmode="lin" valueType="num">
+                                      <p:cBhvr additive="base">
+                                        <p:cTn id="8" dur="500" fill="hold"/>
+                                        <p:tgtEl>
+                                          <p:spTgt spid="8">
+                                            <p:txEl>
+                                              <p:pRg st="0" end="0"/>
+                                            </p:txEl>
+                                          </p:spTgt>
+                                        </p:tgtEl>
+                                        <p:attrNameLst>
+                                          <p:attrName>ppt_y</p:attrName>
+                                        </p:attrNameLst>
+                                      </p:cBhvr>
+                                      <p:tavLst>
+                                        <p:tav tm="0">
+                                          <p:val>
+                                            <p:strVal val="1+#ppt_h/2"/>
+                                          </p:val>
+                                        </p:tav>
+                                        <p:tav tm="100000">
+                                          <p:val>
+                                            <p:strVal val="#ppt_y"/>
+                                          </p:val>
+                                        </p:tav>
+                                      </p:tavLst>
+                                    </p:anim>
+                                  </p:childTnLst>
+                                </p:cTn>
+                              </p:par>
+                            </p:childTnLst>
+                          </p:cTn>
+                        </p:par>
+                      </p:childTnLst>
+                    </p:cTn>
+                  </p:par>
+                </p:childTnLst>
+              </p:cTn>
+              <p:prevCondLst>
+                <p:cond evt="onPrev" delay="0">
+                  <p:tgtEl>
+                    <p:sldTgt/>
+                  </p:tgtEl>
+                </p:cond>
+              </p:prevCondLst>
+              <p:nextCondLst>
+                <p:cond evt="onNext" delay="0">
+                  <p:tgtEl>
+                    <p:sldTgt/>
+                  </p:tgtEl>
+                </p:cond>
+              </p:nextCondLst>
+            </p:seq>
+          </p:childTnLst>
+        </p:cTn>
+      </p:par>
+    </p:tnLst>
+    <p:bldLst>
+      <p:bldP spid="8" grpId="0" build="allAtOnce"/>
+    </p:bldLst>
+  </p:timing>
+</p:sld>
+</file>
+
+<file path=ppt/slides/slide34.xml><?xml version="1.0" encoding="utf-8"?>
+<p:sld xmlns:a="http://schemas.openxmlformats.org/drawingml/2006/main" xmlns:r="http://schemas.openxmlformats.org/officeDocument/2006/relationships" xmlns:p="http://schemas.openxmlformats.org/presentationml/2006/main">
+  <p:cSld>
+    <p:spTree>
+      <p:nvGrpSpPr>
+        <p:cNvPr id="1" name=""/>
+        <p:cNvGrpSpPr/>
+        <p:nvPr/>
+      </p:nvGrpSpPr>
+      <p:grpSpPr>
+        <a:xfrm>
+          <a:off x="0" y="0"/>
+          <a:ext cx="0" cy="0"/>
+          <a:chOff x="0" y="0"/>
+          <a:chExt cx="0" cy="0"/>
+        </a:xfrm>
+      </p:grpSpPr>
+      <p:sp>
+        <p:nvSpPr>
+          <p:cNvPr id="2" name="标题 1"/>
+          <p:cNvSpPr>
+            <a:spLocks noGrp="1"/>
+          </p:cNvSpPr>
+          <p:nvPr>
+            <p:ph type="title"/>
+          </p:nvPr>
+        </p:nvSpPr>
+        <p:spPr/>
+        <p:txBody>
+          <a:bodyPr/>
+          <a:lstStyle/>
+          <a:p>
+            <a:r>
+              <a:rPr lang="zh-CN" altLang="en-US" dirty="0" smtClean="0"/>
+              <a:t>重构（一）</a:t>
+            </a:r>
+            <a:endParaRPr lang="zh-CN" altLang="en-US" dirty="0"/>
+          </a:p>
+        </p:txBody>
+      </p:sp>
+      <p:pic>
+        <p:nvPicPr>
+          <p:cNvPr id="58372" name="Picture 4"/>
+          <p:cNvPicPr>
+            <a:picLocks noChangeAspect="1" noChangeArrowheads="1"/>
+          </p:cNvPicPr>
+          <p:nvPr/>
+        </p:nvPicPr>
+        <p:blipFill>
+          <a:blip r:embed="rId3"/>
+          <a:srcRect/>
+          <a:stretch>
+            <a:fillRect/>
+          </a:stretch>
+        </p:blipFill>
+        <p:spPr bwMode="auto">
+          <a:xfrm>
+            <a:off x="857224" y="1285860"/>
+            <a:ext cx="4071966" cy="5401398"/>
+          </a:xfrm>
+          <a:prstGeom prst="rect">
+            <a:avLst/>
+          </a:prstGeom>
+          <a:noFill/>
+          <a:ln w="9525">
+            <a:noFill/>
+            <a:miter lim="800000"/>
+            <a:headEnd/>
+            <a:tailEnd/>
+          </a:ln>
+          <a:effectLst/>
+        </p:spPr>
+      </p:pic>
+      <p:sp>
+        <p:nvSpPr>
+          <p:cNvPr id="10" name="内容占位符 9"/>
+          <p:cNvSpPr>
+            <a:spLocks noGrp="1"/>
+          </p:cNvSpPr>
+          <p:nvPr>
+            <p:ph idx="1"/>
+          </p:nvPr>
+        </p:nvSpPr>
+        <p:spPr/>
+        <p:txBody>
+          <a:bodyPr/>
+          <a:lstStyle/>
+          <a:p>
+            <a:endParaRPr lang="zh-CN" altLang="en-US" dirty="0"/>
+          </a:p>
+        </p:txBody>
+      </p:sp>
+      <p:pic>
+        <p:nvPicPr>
+          <p:cNvPr id="58374" name="Picture 6"/>
+          <p:cNvPicPr>
+            <a:picLocks noChangeAspect="1" noChangeArrowheads="1"/>
+          </p:cNvPicPr>
+          <p:nvPr/>
+        </p:nvPicPr>
+        <p:blipFill>
+          <a:blip r:embed="rId4"/>
+          <a:srcRect/>
+          <a:stretch>
+            <a:fillRect/>
+          </a:stretch>
+        </p:blipFill>
+        <p:spPr bwMode="auto">
+          <a:xfrm>
+            <a:off x="5143504" y="1500174"/>
+            <a:ext cx="3857652" cy="5101522"/>
+          </a:xfrm>
+          <a:prstGeom prst="rect">
+            <a:avLst/>
+          </a:prstGeom>
+          <a:noFill/>
+          <a:ln w="9525">
+            <a:noFill/>
+            <a:miter lim="800000"/>
+            <a:headEnd/>
+            <a:tailEnd/>
+          </a:ln>
+          <a:effectLst/>
+        </p:spPr>
+      </p:pic>
+    </p:spTree>
+  </p:cSld>
+  <p:clrMapOvr>
+    <a:masterClrMapping/>
+  </p:clrMapOvr>
+  <p:timing>
+    <p:tnLst>
+      <p:par>
+        <p:cTn id="1" dur="indefinite" restart="never" nodeType="tmRoot"/>
+      </p:par>
+    </p:tnLst>
+  </p:timing>
+</p:sld>
+</file>
+
+<file path=ppt/slides/slide35.xml><?xml version="1.0" encoding="utf-8"?>
+<p:sld xmlns:a="http://schemas.openxmlformats.org/drawingml/2006/main" xmlns:r="http://schemas.openxmlformats.org/officeDocument/2006/relationships" xmlns:p="http://schemas.openxmlformats.org/presentationml/2006/main">
+  <p:cSld>
+    <p:spTree>
+      <p:nvGrpSpPr>
+        <p:cNvPr id="1" name=""/>
+        <p:cNvGrpSpPr/>
+        <p:nvPr/>
+      </p:nvGrpSpPr>
+      <p:grpSpPr>
+        <a:xfrm>
+          <a:off x="0" y="0"/>
+          <a:ext cx="0" cy="0"/>
+          <a:chOff x="0" y="0"/>
+          <a:chExt cx="0" cy="0"/>
+        </a:xfrm>
+      </p:grpSpPr>
+      <p:sp>
+        <p:nvSpPr>
+          <p:cNvPr id="2" name="标题 1"/>
+          <p:cNvSpPr>
+            <a:spLocks noGrp="1"/>
+          </p:cNvSpPr>
+          <p:nvPr>
+            <p:ph type="title"/>
+          </p:nvPr>
+        </p:nvSpPr>
+        <p:spPr/>
+        <p:txBody>
+          <a:bodyPr/>
+          <a:lstStyle/>
+          <a:p>
+            <a:r>
+              <a:rPr lang="zh-CN" altLang="en-US" dirty="0" smtClean="0"/>
+              <a:t>抽出方法</a:t>
+            </a:r>
+            <a:endParaRPr lang="zh-CN" altLang="en-US" dirty="0"/>
+          </a:p>
+        </p:txBody>
+      </p:sp>
+      <p:sp>
+        <p:nvSpPr>
+          <p:cNvPr id="3" name="内容占位符 2"/>
+          <p:cNvSpPr>
+            <a:spLocks noGrp="1"/>
+          </p:cNvSpPr>
+          <p:nvPr>
+            <p:ph idx="1"/>
+          </p:nvPr>
+        </p:nvSpPr>
+        <p:spPr/>
+        <p:txBody>
+          <a:bodyPr/>
+          <a:lstStyle/>
+          <a:p>
+            <a:endParaRPr lang="zh-CN" altLang="en-US" dirty="0"/>
+          </a:p>
+        </p:txBody>
+      </p:sp>
+      <p:pic>
+        <p:nvPicPr>
+          <p:cNvPr id="59394" name="Picture 2"/>
+          <p:cNvPicPr>
+            <a:picLocks noChangeAspect="1" noChangeArrowheads="1"/>
+          </p:cNvPicPr>
+          <p:nvPr/>
+        </p:nvPicPr>
+        <p:blipFill>
+          <a:blip r:embed="rId3"/>
+          <a:srcRect/>
+          <a:stretch>
+            <a:fillRect/>
+          </a:stretch>
+        </p:blipFill>
+        <p:spPr bwMode="auto">
+          <a:xfrm>
+            <a:off x="1357290" y="1285860"/>
+            <a:ext cx="5495925" cy="5286375"/>
+          </a:xfrm>
+          <a:prstGeom prst="rect">
+            <a:avLst/>
+          </a:prstGeom>
+          <a:noFill/>
+          <a:ln w="9525">
+            <a:noFill/>
+            <a:miter lim="800000"/>
+            <a:headEnd/>
+            <a:tailEnd/>
+          </a:ln>
+          <a:effectLst/>
+        </p:spPr>
+      </p:pic>
+    </p:spTree>
+  </p:cSld>
+  <p:clrMapOvr>
+    <a:masterClrMapping/>
+  </p:clrMapOvr>
+  <p:timing>
+    <p:tnLst>
+      <p:par>
+        <p:cTn id="1" dur="indefinite" restart="never" nodeType="tmRoot"/>
+      </p:par>
+    </p:tnLst>
+  </p:timing>
+</p:sld>
+</file>
+
+<file path=ppt/slides/slide36.xml><?xml version="1.0" encoding="utf-8"?>
+<p:sld xmlns:a="http://schemas.openxmlformats.org/drawingml/2006/main" xmlns:r="http://schemas.openxmlformats.org/officeDocument/2006/relationships" xmlns:p="http://schemas.openxmlformats.org/presentationml/2006/main">
+  <p:cSld>
+    <p:spTree>
+      <p:nvGrpSpPr>
+        <p:cNvPr id="1" name=""/>
+        <p:cNvGrpSpPr/>
+        <p:nvPr/>
+      </p:nvGrpSpPr>
+      <p:grpSpPr>
+        <a:xfrm>
+          <a:off x="0" y="0"/>
+          <a:ext cx="0" cy="0"/>
+          <a:chOff x="0" y="0"/>
+          <a:chExt cx="0" cy="0"/>
+        </a:xfrm>
+      </p:grpSpPr>
+      <p:sp>
+        <p:nvSpPr>
+          <p:cNvPr id="2" name="标题 1"/>
+          <p:cNvSpPr>
+            <a:spLocks noGrp="1"/>
+          </p:cNvSpPr>
+          <p:nvPr>
+            <p:ph type="title"/>
+          </p:nvPr>
+        </p:nvSpPr>
+        <p:spPr/>
+        <p:txBody>
+          <a:bodyPr/>
+          <a:lstStyle/>
+          <a:p>
+            <a:r>
+              <a:rPr lang="zh-CN" altLang="en-US" dirty="0" smtClean="0"/>
+              <a:t>结果</a:t>
+            </a:r>
+            <a:r>
+              <a:rPr lang="zh-CN" altLang="en-US" dirty="0" smtClean="0"/>
+              <a:t>（一）</a:t>
+            </a:r>
+            <a:endParaRPr lang="zh-CN" altLang="en-US" dirty="0"/>
+          </a:p>
+        </p:txBody>
+      </p:sp>
+      <p:pic>
+        <p:nvPicPr>
+          <p:cNvPr id="60418" name="Picture 2"/>
+          <p:cNvPicPr>
+            <a:picLocks noChangeAspect="1" noChangeArrowheads="1"/>
+          </p:cNvPicPr>
+          <p:nvPr/>
+        </p:nvPicPr>
+        <p:blipFill>
+          <a:blip r:embed="rId2"/>
+          <a:srcRect/>
+          <a:stretch>
+            <a:fillRect/>
+          </a:stretch>
+        </p:blipFill>
+        <p:spPr bwMode="auto">
+          <a:xfrm>
+            <a:off x="0" y="1785926"/>
+            <a:ext cx="4314825" cy="3276600"/>
+          </a:xfrm>
+          <a:prstGeom prst="rect">
+            <a:avLst/>
+          </a:prstGeom>
+          <a:noFill/>
+          <a:ln w="9525">
+            <a:noFill/>
+            <a:miter lim="800000"/>
+            <a:headEnd/>
+            <a:tailEnd/>
+          </a:ln>
+          <a:effectLst/>
+        </p:spPr>
+      </p:pic>
+      <p:pic>
+        <p:nvPicPr>
+          <p:cNvPr id="60419" name="Picture 3"/>
+          <p:cNvPicPr>
+            <a:picLocks noGrp="1" noChangeAspect="1" noChangeArrowheads="1"/>
+          </p:cNvPicPr>
+          <p:nvPr>
+            <p:ph idx="1"/>
+          </p:nvPr>
+        </p:nvPicPr>
+        <p:blipFill>
+          <a:blip r:embed="rId3"/>
+          <a:srcRect/>
+          <a:stretch>
+            <a:fillRect/>
+          </a:stretch>
+        </p:blipFill>
+        <p:spPr bwMode="auto">
+          <a:xfrm>
+            <a:off x="4500562" y="1785926"/>
+            <a:ext cx="4133334" cy="3314286"/>
+          </a:xfrm>
+          <a:prstGeom prst="rect">
+            <a:avLst/>
+          </a:prstGeom>
+          <a:noFill/>
+          <a:ln w="9525">
+            <a:noFill/>
+            <a:miter lim="800000"/>
+            <a:headEnd/>
+            <a:tailEnd/>
+          </a:ln>
+          <a:effectLst/>
+        </p:spPr>
+      </p:pic>
+    </p:spTree>
+  </p:cSld>
+  <p:clrMapOvr>
+    <a:masterClrMapping/>
+  </p:clrMapOvr>
+  <p:timing>
+    <p:tnLst>
+      <p:par>
+        <p:cTn id="1" dur="indefinite" restart="never" nodeType="tmRoot"/>
+      </p:par>
+    </p:tnLst>
+  </p:timing>
+</p:sld>
+</file>
+
+<file path=ppt/slides/slide37.xml><?xml version="1.0" encoding="utf-8"?>
+<p:sld xmlns:a="http://schemas.openxmlformats.org/drawingml/2006/main" xmlns:r="http://schemas.openxmlformats.org/officeDocument/2006/relationships" xmlns:p="http://schemas.openxmlformats.org/presentationml/2006/main">
+  <p:cSld>
+    <p:spTree>
+      <p:nvGrpSpPr>
+        <p:cNvPr id="1" name=""/>
+        <p:cNvGrpSpPr/>
+        <p:nvPr/>
+      </p:nvGrpSpPr>
+      <p:grpSpPr>
+        <a:xfrm>
+          <a:off x="0" y="0"/>
+          <a:ext cx="0" cy="0"/>
+          <a:chOff x="0" y="0"/>
+          <a:chExt cx="0" cy="0"/>
+        </a:xfrm>
+      </p:grpSpPr>
+      <p:sp>
+        <p:nvSpPr>
+          <p:cNvPr id="2" name="标题 1"/>
+          <p:cNvSpPr>
+            <a:spLocks noGrp="1"/>
+          </p:cNvSpPr>
+          <p:nvPr>
+            <p:ph type="title"/>
+          </p:nvPr>
+        </p:nvSpPr>
+        <p:spPr/>
+        <p:txBody>
+          <a:bodyPr/>
+          <a:lstStyle/>
+          <a:p>
+            <a:r>
+              <a:rPr lang="zh-CN" altLang="en-US" dirty="0" smtClean="0"/>
+              <a:t>重构</a:t>
+            </a:r>
+            <a:r>
+              <a:rPr lang="zh-CN" altLang="en-US" dirty="0" smtClean="0"/>
+              <a:t>（二）</a:t>
+            </a:r>
+            <a:endParaRPr lang="zh-CN" altLang="en-US" dirty="0"/>
+          </a:p>
+        </p:txBody>
+      </p:sp>
+      <p:sp>
+        <p:nvSpPr>
+          <p:cNvPr id="3" name="内容占位符 2"/>
+          <p:cNvSpPr>
+            <a:spLocks noGrp="1"/>
+          </p:cNvSpPr>
+          <p:nvPr>
+            <p:ph idx="1"/>
+          </p:nvPr>
+        </p:nvSpPr>
+        <p:spPr/>
+        <p:txBody>
+          <a:bodyPr/>
+          <a:lstStyle/>
+          <a:p>
+            <a:endParaRPr lang="zh-CN" altLang="en-US" dirty="0"/>
+          </a:p>
+        </p:txBody>
+      </p:sp>
+      <p:pic>
+        <p:nvPicPr>
+          <p:cNvPr id="4" name="Picture 2"/>
+          <p:cNvPicPr>
+            <a:picLocks noChangeAspect="1" noChangeArrowheads="1"/>
+          </p:cNvPicPr>
+          <p:nvPr/>
+        </p:nvPicPr>
+        <p:blipFill>
+          <a:blip r:embed="rId2"/>
+          <a:srcRect/>
+          <a:stretch>
+            <a:fillRect/>
+          </a:stretch>
+        </p:blipFill>
+        <p:spPr bwMode="auto">
+          <a:xfrm>
+            <a:off x="0" y="1285860"/>
+            <a:ext cx="5495925" cy="5286375"/>
+          </a:xfrm>
+          <a:prstGeom prst="rect">
+            <a:avLst/>
+          </a:prstGeom>
+          <a:noFill/>
+          <a:ln w="9525">
+            <a:noFill/>
+            <a:miter lim="800000"/>
+            <a:headEnd/>
+            <a:tailEnd/>
+          </a:ln>
+          <a:effectLst/>
+        </p:spPr>
+      </p:pic>
+      <p:pic>
+        <p:nvPicPr>
+          <p:cNvPr id="61442" name="Picture 2"/>
+          <p:cNvPicPr>
+            <a:picLocks noChangeAspect="1" noChangeArrowheads="1"/>
+          </p:cNvPicPr>
+          <p:nvPr/>
+        </p:nvPicPr>
+        <p:blipFill>
+          <a:blip r:embed="rId3"/>
+          <a:srcRect/>
+          <a:stretch>
+            <a:fillRect/>
+          </a:stretch>
+        </p:blipFill>
+        <p:spPr bwMode="auto">
+          <a:xfrm>
+            <a:off x="3814202" y="571480"/>
+            <a:ext cx="5329798" cy="6072206"/>
+          </a:xfrm>
+          <a:prstGeom prst="rect">
+            <a:avLst/>
+          </a:prstGeom>
+          <a:noFill/>
+          <a:ln w="9525">
+            <a:noFill/>
+            <a:miter lim="800000"/>
+            <a:headEnd/>
+            <a:tailEnd/>
+          </a:ln>
+          <a:effectLst/>
+        </p:spPr>
+      </p:pic>
+    </p:spTree>
+  </p:cSld>
+  <p:clrMapOvr>
+    <a:masterClrMapping/>
+  </p:clrMapOvr>
+  <p:timing>
+    <p:tnLst>
+      <p:par>
+        <p:cTn id="1" dur="indefinite" restart="never" nodeType="tmRoot"/>
+      </p:par>
+    </p:tnLst>
+  </p:timing>
+</p:sld>
+</file>
+
+<file path=ppt/slides/slide38.xml><?xml version="1.0" encoding="utf-8"?>
+<p:sld xmlns:a="http://schemas.openxmlformats.org/drawingml/2006/main" xmlns:r="http://schemas.openxmlformats.org/officeDocument/2006/relationships" xmlns:p="http://schemas.openxmlformats.org/presentationml/2006/main">
+  <p:cSld>
+    <p:spTree>
+      <p:nvGrpSpPr>
+        <p:cNvPr id="1" name=""/>
+        <p:cNvGrpSpPr/>
+        <p:nvPr/>
+      </p:nvGrpSpPr>
+      <p:grpSpPr>
+        <a:xfrm>
+          <a:off x="0" y="0"/>
+          <a:ext cx="0" cy="0"/>
+          <a:chOff x="0" y="0"/>
+          <a:chExt cx="0" cy="0"/>
+        </a:xfrm>
+      </p:grpSpPr>
+      <p:sp>
+        <p:nvSpPr>
+          <p:cNvPr id="2" name="标题 1"/>
+          <p:cNvSpPr>
+            <a:spLocks noGrp="1"/>
+          </p:cNvSpPr>
+          <p:nvPr>
+            <p:ph type="title"/>
+          </p:nvPr>
+        </p:nvSpPr>
+        <p:spPr/>
+        <p:txBody>
+          <a:bodyPr/>
+          <a:lstStyle/>
+          <a:p>
+            <a:r>
+              <a:rPr lang="zh-CN" altLang="en-US" dirty="0" smtClean="0"/>
+              <a:t>抽出方法</a:t>
+            </a:r>
+            <a:endParaRPr lang="zh-CN" altLang="en-US" dirty="0"/>
+          </a:p>
+        </p:txBody>
+      </p:sp>
+      <p:sp>
+        <p:nvSpPr>
+          <p:cNvPr id="3" name="内容占位符 2"/>
+          <p:cNvSpPr>
+            <a:spLocks noGrp="1"/>
+          </p:cNvSpPr>
+          <p:nvPr>
+            <p:ph idx="1"/>
+          </p:nvPr>
+        </p:nvSpPr>
+        <p:spPr/>
+        <p:txBody>
+          <a:bodyPr/>
+          <a:lstStyle/>
+          <a:p>
+            <a:endParaRPr lang="zh-CN" altLang="en-US"/>
+          </a:p>
+        </p:txBody>
+      </p:sp>
+      <p:pic>
+        <p:nvPicPr>
+          <p:cNvPr id="62466" name="Picture 2"/>
+          <p:cNvPicPr>
+            <a:picLocks noChangeAspect="1" noChangeArrowheads="1"/>
+          </p:cNvPicPr>
+          <p:nvPr/>
+        </p:nvPicPr>
+        <p:blipFill>
+          <a:blip r:embed="rId2"/>
+          <a:srcRect/>
+          <a:stretch>
+            <a:fillRect/>
+          </a:stretch>
+        </p:blipFill>
+        <p:spPr bwMode="auto">
+          <a:xfrm>
+            <a:off x="0" y="1285860"/>
+            <a:ext cx="5495925" cy="4010025"/>
+          </a:xfrm>
+          <a:prstGeom prst="rect">
+            <a:avLst/>
+          </a:prstGeom>
+          <a:noFill/>
+          <a:ln w="9525">
+            <a:noFill/>
+            <a:miter lim="800000"/>
+            <a:headEnd/>
+            <a:tailEnd/>
+          </a:ln>
+          <a:effectLst/>
+        </p:spPr>
+      </p:pic>
+      <p:pic>
+        <p:nvPicPr>
+          <p:cNvPr id="62467" name="Picture 3"/>
+          <p:cNvPicPr>
+            <a:picLocks noChangeAspect="1" noChangeArrowheads="1"/>
+          </p:cNvPicPr>
+          <p:nvPr/>
+        </p:nvPicPr>
+        <p:blipFill>
+          <a:blip r:embed="rId3"/>
+          <a:srcRect/>
+          <a:stretch>
+            <a:fillRect/>
+          </a:stretch>
+        </p:blipFill>
+        <p:spPr bwMode="auto">
+          <a:xfrm>
+            <a:off x="2611437" y="4105275"/>
+            <a:ext cx="6532563" cy="2752725"/>
+          </a:xfrm>
+          <a:prstGeom prst="rect">
+            <a:avLst/>
+          </a:prstGeom>
+          <a:noFill/>
+          <a:ln w="9525">
+            <a:noFill/>
+            <a:miter lim="800000"/>
+            <a:headEnd/>
+            <a:tailEnd/>
+          </a:ln>
+          <a:effectLst/>
+        </p:spPr>
+      </p:pic>
+    </p:spTree>
+  </p:cSld>
+  <p:clrMapOvr>
+    <a:masterClrMapping/>
+  </p:clrMapOvr>
+  <p:timing>
+    <p:tnLst>
+      <p:par>
+        <p:cTn id="1" dur="indefinite" restart="never" nodeType="tmRoot">
+          <p:childTnLst>
+            <p:seq concurrent="1" nextAc="seek">
+              <p:cTn id="2" dur="indefinite" nodeType="mainSeq">
+                <p:childTnLst>
+                  <p:par>
+                    <p:cTn id="3" fill="hold">
+                      <p:stCondLst>
+                        <p:cond delay="indefinite"/>
+                      </p:stCondLst>
+                      <p:childTnLst>
+                        <p:par>
+                          <p:cTn id="4" fill="hold">
+                            <p:stCondLst>
+                              <p:cond delay="0"/>
+                            </p:stCondLst>
+                            <p:childTnLst>
+                              <p:par>
+                                <p:cTn id="5" presetID="3" presetClass="entr" presetSubtype="10" fill="hold" nodeType="clickEffect">
+                                  <p:stCondLst>
+                                    <p:cond delay="0"/>
+                                  </p:stCondLst>
+                                  <p:childTnLst>
+                                    <p:set>
+                                      <p:cBhvr>
+                                        <p:cTn id="6" dur="1" fill="hold">
+                                          <p:stCondLst>
+                                            <p:cond delay="0"/>
+                                          </p:stCondLst>
+                                        </p:cTn>
+                                        <p:tgtEl>
+                                          <p:spTgt spid="62467"/>
+                                        </p:tgtEl>
+                                        <p:attrNameLst>
+                                          <p:attrName>style.visibility</p:attrName>
+                                        </p:attrNameLst>
+                                      </p:cBhvr>
+                                      <p:to>
+                                        <p:strVal val="visible"/>
+                                      </p:to>
+                                    </p:set>
+                                    <p:animEffect transition="in" filter="blinds(horizontal)">
+                                      <p:cBhvr>
+                                        <p:cTn id="7" dur="500"/>
+                                        <p:tgtEl>
+                                          <p:spTgt spid="62467"/>
+                                        </p:tgtEl>
+                                      </p:cBhvr>
+                                    </p:animEffect>
+                                  </p:childTnLst>
+                                </p:cTn>
+                              </p:par>
+                            </p:childTnLst>
+                          </p:cTn>
+                        </p:par>
+                      </p:childTnLst>
+                    </p:cTn>
+                  </p:par>
+                </p:childTnLst>
+              </p:cTn>
+              <p:prevCondLst>
+                <p:cond evt="onPrev" delay="0">
+                  <p:tgtEl>
+                    <p:sldTgt/>
+                  </p:tgtEl>
+                </p:cond>
+              </p:prevCondLst>
+              <p:nextCondLst>
+                <p:cond evt="onNext" delay="0">
+                  <p:tgtEl>
+                    <p:sldTgt/>
+                  </p:tgtEl>
+                </p:cond>
+              </p:nextCondLst>
+            </p:seq>
+          </p:childTnLst>
+        </p:cTn>
+      </p:par>
+    </p:tnLst>
+  </p:timing>
+</p:sld>
+</file>
+
+<file path=ppt/slides/slide39.xml><?xml version="1.0" encoding="utf-8"?>
+<p:sld xmlns:a="http://schemas.openxmlformats.org/drawingml/2006/main" xmlns:r="http://schemas.openxmlformats.org/officeDocument/2006/relationships" xmlns:p="http://schemas.openxmlformats.org/presentationml/2006/main">
+  <p:cSld>
+    <p:spTree>
+      <p:nvGrpSpPr>
+        <p:cNvPr id="1" name=""/>
+        <p:cNvGrpSpPr/>
+        <p:nvPr/>
+      </p:nvGrpSpPr>
+      <p:grpSpPr>
+        <a:xfrm>
+          <a:off x="0" y="0"/>
+          <a:ext cx="0" cy="0"/>
+          <a:chOff x="0" y="0"/>
+          <a:chExt cx="0" cy="0"/>
+        </a:xfrm>
+      </p:grpSpPr>
+      <p:sp>
+        <p:nvSpPr>
+          <p:cNvPr id="2" name="标题 1"/>
+          <p:cNvSpPr>
+            <a:spLocks noGrp="1"/>
+          </p:cNvSpPr>
+          <p:nvPr>
+            <p:ph type="title"/>
+          </p:nvPr>
+        </p:nvSpPr>
+        <p:spPr/>
+        <p:txBody>
+          <a:bodyPr/>
+          <a:lstStyle/>
+          <a:p>
+            <a:r>
+              <a:rPr lang="zh-CN" altLang="en-US" dirty="0" smtClean="0"/>
+              <a:t>结果</a:t>
+            </a:r>
+            <a:r>
+              <a:rPr lang="zh-CN" altLang="en-US" dirty="0" smtClean="0"/>
+              <a:t>（二）</a:t>
+            </a:r>
+            <a:endParaRPr lang="zh-CN" altLang="en-US" dirty="0"/>
+          </a:p>
+        </p:txBody>
+      </p:sp>
+      <p:sp>
+        <p:nvSpPr>
+          <p:cNvPr id="3" name="内容占位符 2"/>
+          <p:cNvSpPr>
+            <a:spLocks noGrp="1"/>
+          </p:cNvSpPr>
+          <p:nvPr>
+            <p:ph idx="1"/>
+          </p:nvPr>
+        </p:nvSpPr>
+        <p:spPr/>
+        <p:txBody>
+          <a:bodyPr/>
+          <a:lstStyle/>
+          <a:p>
+            <a:endParaRPr lang="zh-CN" altLang="en-US"/>
+          </a:p>
+        </p:txBody>
+      </p:sp>
+      <p:pic>
+        <p:nvPicPr>
+          <p:cNvPr id="63491" name="Picture 3"/>
+          <p:cNvPicPr>
+            <a:picLocks noChangeAspect="1" noChangeArrowheads="1"/>
+          </p:cNvPicPr>
+          <p:nvPr/>
+        </p:nvPicPr>
+        <p:blipFill>
+          <a:blip r:embed="rId2"/>
+          <a:srcRect/>
+          <a:stretch>
+            <a:fillRect/>
+          </a:stretch>
+        </p:blipFill>
+        <p:spPr bwMode="auto">
+          <a:xfrm>
+            <a:off x="0" y="1428736"/>
+            <a:ext cx="8866187" cy="5286375"/>
+          </a:xfrm>
+          <a:prstGeom prst="rect">
+            <a:avLst/>
+          </a:prstGeom>
+          <a:noFill/>
+          <a:ln w="9525">
+            <a:noFill/>
+            <a:miter lim="800000"/>
+            <a:headEnd/>
+            <a:tailEnd/>
+          </a:ln>
+          <a:effectLst/>
+        </p:spPr>
+      </p:pic>
+    </p:spTree>
+  </p:cSld>
+  <p:clrMapOvr>
+    <a:masterClrMapping/>
+  </p:clrMapOvr>
+</p:sld>
+</file>
+
 <file path=ppt/slides/slide4.xml><?xml version="1.0" encoding="utf-8"?>
 <p:sld xmlns:a="http://schemas.openxmlformats.org/drawingml/2006/main" xmlns:r="http://schemas.openxmlformats.org/officeDocument/2006/relationships" xmlns:p="http://schemas.openxmlformats.org/presentationml/2006/main">
   <p:cSld>
@@ -8569,6 +13939,516 @@
     <p:tnLst>
       <p:par>
         <p:cTn id="1" dur="indefinite" restart="never" nodeType="tmRoot"/>
+      </p:par>
+    </p:tnLst>
+  </p:timing>
+</p:sld>
+</file>
+
+<file path=ppt/slides/slide40.xml><?xml version="1.0" encoding="utf-8"?>
+<p:sld xmlns:a="http://schemas.openxmlformats.org/drawingml/2006/main" xmlns:r="http://schemas.openxmlformats.org/officeDocument/2006/relationships" xmlns:p="http://schemas.openxmlformats.org/presentationml/2006/main">
+  <p:cSld>
+    <p:bg>
+      <p:bgPr>
+        <a:blipFill>
+          <a:blip r:embed="rId3"/>
+          <a:tile tx="0" ty="0" sx="100000" sy="100000" flip="none" algn="tl"/>
+        </a:blipFill>
+        <a:effectLst/>
+      </p:bgPr>
+    </p:bg>
+    <p:spTree>
+      <p:nvGrpSpPr>
+        <p:cNvPr id="1" name=""/>
+        <p:cNvGrpSpPr/>
+        <p:nvPr/>
+      </p:nvGrpSpPr>
+      <p:grpSpPr>
+        <a:xfrm>
+          <a:off x="0" y="0"/>
+          <a:ext cx="0" cy="0"/>
+          <a:chOff x="0" y="0"/>
+          <a:chExt cx="0" cy="0"/>
+        </a:xfrm>
+      </p:grpSpPr>
+      <p:sp>
+        <p:nvSpPr>
+          <p:cNvPr id="9" name="标题 8"/>
+          <p:cNvSpPr>
+            <a:spLocks noGrp="1"/>
+          </p:cNvSpPr>
+          <p:nvPr>
+            <p:ph type="title"/>
+          </p:nvPr>
+        </p:nvSpPr>
+        <p:spPr/>
+        <p:txBody>
+          <a:bodyPr/>
+          <a:lstStyle/>
+          <a:p>
+            <a:endParaRPr lang="zh-CN" altLang="en-US" dirty="0"/>
+          </a:p>
+        </p:txBody>
+      </p:sp>
+      <p:sp>
+        <p:nvSpPr>
+          <p:cNvPr id="5" name="内容占位符 4"/>
+          <p:cNvSpPr>
+            <a:spLocks noGrp="1"/>
+          </p:cNvSpPr>
+          <p:nvPr>
+            <p:ph idx="1"/>
+          </p:nvPr>
+        </p:nvSpPr>
+        <p:spPr/>
+        <p:txBody>
+          <a:bodyPr>
+            <a:normAutofit/>
+          </a:bodyPr>
+          <a:lstStyle/>
+          <a:p>
+            <a:r>
+              <a:rPr lang="zh-CN" altLang="en-US" dirty="0" smtClean="0"/>
+              <a:t>计算机技术是有层次的。</a:t>
+            </a:r>
+            <a:br>
+              <a:rPr lang="zh-CN" altLang="en-US" dirty="0" smtClean="0"/>
+            </a:br>
+            <a:r>
+              <a:rPr lang="zh-CN" altLang="en-US" dirty="0" smtClean="0"/>
+              <a:t>举个例子：</a:t>
+            </a:r>
+            <a:br>
+              <a:rPr lang="zh-CN" altLang="en-US" dirty="0" smtClean="0"/>
+            </a:br>
+            <a:r>
+              <a:rPr lang="en-US" altLang="zh-CN" dirty="0" smtClean="0"/>
+              <a:t>bootstrap -&gt; </a:t>
+            </a:r>
+            <a:r>
+              <a:rPr lang="en-US" altLang="zh-CN" dirty="0" err="1" smtClean="0"/>
+              <a:t>jQuery</a:t>
+            </a:r>
+            <a:r>
+              <a:rPr lang="en-US" altLang="zh-CN" dirty="0" smtClean="0"/>
+              <a:t> -&gt; </a:t>
+            </a:r>
+            <a:r>
+              <a:rPr lang="en-US" altLang="zh-CN" dirty="0" err="1" smtClean="0"/>
+              <a:t>js</a:t>
+            </a:r>
+            <a:r>
+              <a:rPr lang="en-US" altLang="zh-CN" dirty="0" smtClean="0"/>
+              <a:t> -&gt; V8 -&gt; C++ -&gt; </a:t>
+            </a:r>
+            <a:r>
+              <a:rPr lang="zh-CN" altLang="en-US" dirty="0" smtClean="0"/>
+              <a:t>汇编 </a:t>
+            </a:r>
+            <a:r>
+              <a:rPr lang="en-US" altLang="zh-CN" dirty="0" smtClean="0"/>
+              <a:t>-&gt; </a:t>
+            </a:r>
+            <a:r>
+              <a:rPr lang="zh-CN" altLang="en-US" dirty="0" smtClean="0"/>
+              <a:t>处理器架构 </a:t>
+            </a:r>
+            <a:r>
+              <a:rPr lang="en-US" altLang="zh-CN" dirty="0" smtClean="0"/>
+              <a:t>-&gt; </a:t>
+            </a:r>
+            <a:r>
+              <a:rPr lang="zh-CN" altLang="en-US" dirty="0" smtClean="0"/>
+              <a:t>电路设计 </a:t>
+            </a:r>
+            <a:r>
+              <a:rPr lang="en-US" altLang="zh-CN" dirty="0" smtClean="0"/>
+              <a:t>-&gt; </a:t>
+            </a:r>
+            <a:r>
+              <a:rPr lang="zh-CN" altLang="en-US" dirty="0" smtClean="0"/>
+              <a:t>半导体材料</a:t>
+            </a:r>
+            <a:r>
+              <a:rPr lang="en-US" altLang="zh-CN" dirty="0" smtClean="0"/>
+              <a:t>-&gt; ...</a:t>
+            </a:r>
+          </a:p>
+          <a:p>
+            <a:r>
+              <a:rPr lang="zh-CN" altLang="en-US" dirty="0" smtClean="0"/>
+              <a:t>分层的好处就是让不同层次的开发者只需要关注与之相关的几个层次就可以高效地进行生产，而不需要过度了解底层和上层的细节。</a:t>
+            </a:r>
+          </a:p>
+          <a:p>
+            <a:pPr>
+              <a:buNone/>
+            </a:pPr>
+            <a:endParaRPr lang="zh-CN" altLang="en-US" dirty="0"/>
+          </a:p>
+        </p:txBody>
+      </p:sp>
+    </p:spTree>
+  </p:cSld>
+  <p:clrMapOvr>
+    <a:overrideClrMapping bg1="lt1" tx1="dk1" bg2="lt2" tx2="dk2" accent1="accent1" accent2="accent2" accent3="accent3" accent4="accent4" accent5="accent5" accent6="accent6" hlink="hlink" folHlink="folHlink"/>
+  </p:clrMapOvr>
+  <p:timing>
+    <p:tnLst>
+      <p:par>
+        <p:cTn id="1" dur="indefinite" restart="never" nodeType="tmRoot"/>
+      </p:par>
+    </p:tnLst>
+  </p:timing>
+</p:sld>
+</file>
+
+<file path=ppt/slides/slide41.xml><?xml version="1.0" encoding="utf-8"?>
+<p:sld xmlns:a="http://schemas.openxmlformats.org/drawingml/2006/main" xmlns:r="http://schemas.openxmlformats.org/officeDocument/2006/relationships" xmlns:p="http://schemas.openxmlformats.org/presentationml/2006/main">
+  <p:cSld>
+    <p:bg>
+      <p:bgPr>
+        <a:blipFill>
+          <a:blip r:embed="rId3"/>
+          <a:tile tx="0" ty="0" sx="100000" sy="100000" flip="none" algn="tl"/>
+        </a:blipFill>
+        <a:effectLst/>
+      </p:bgPr>
+    </p:bg>
+    <p:spTree>
+      <p:nvGrpSpPr>
+        <p:cNvPr id="1" name=""/>
+        <p:cNvGrpSpPr/>
+        <p:nvPr/>
+      </p:nvGrpSpPr>
+      <p:grpSpPr>
+        <a:xfrm>
+          <a:off x="0" y="0"/>
+          <a:ext cx="0" cy="0"/>
+          <a:chOff x="0" y="0"/>
+          <a:chExt cx="0" cy="0"/>
+        </a:xfrm>
+      </p:grpSpPr>
+      <p:sp>
+        <p:nvSpPr>
+          <p:cNvPr id="2" name="标题 1"/>
+          <p:cNvSpPr>
+            <a:spLocks noGrp="1"/>
+          </p:cNvSpPr>
+          <p:nvPr>
+            <p:ph type="title"/>
+          </p:nvPr>
+        </p:nvSpPr>
+        <p:spPr>
+          <a:xfrm>
+            <a:off x="1428728" y="274638"/>
+            <a:ext cx="7504960" cy="1143000"/>
+          </a:xfrm>
+        </p:spPr>
+        <p:txBody>
+          <a:bodyPr/>
+          <a:lstStyle/>
+          <a:p>
+            <a:r>
+              <a:rPr lang="zh-CN" altLang="en-US" dirty="0" smtClean="0"/>
+              <a:t>浏览器的解析渲染过程</a:t>
+            </a:r>
+            <a:endParaRPr lang="zh-CN" altLang="en-US" dirty="0"/>
+          </a:p>
+        </p:txBody>
+      </p:sp>
+      <p:sp>
+        <p:nvSpPr>
+          <p:cNvPr id="3" name="内容占位符 2"/>
+          <p:cNvSpPr>
+            <a:spLocks noGrp="1"/>
+          </p:cNvSpPr>
+          <p:nvPr>
+            <p:ph idx="1"/>
+          </p:nvPr>
+        </p:nvSpPr>
+        <p:spPr/>
+        <p:txBody>
+          <a:bodyPr/>
+          <a:lstStyle/>
+          <a:p>
+            <a:pPr marL="596646" indent="-514350">
+              <a:buFont typeface="+mj-lt"/>
+              <a:buAutoNum type="arabicPeriod"/>
+            </a:pPr>
+            <a:r>
+              <a:rPr lang="zh-CN" altLang="en-US" dirty="0" smtClean="0"/>
+              <a:t>解析</a:t>
+            </a:r>
+            <a:r>
+              <a:rPr lang="en-US" altLang="zh-CN" dirty="0" smtClean="0"/>
+              <a:t>HTML+</a:t>
+            </a:r>
+            <a:r>
+              <a:rPr lang="zh-CN" altLang="en-US" dirty="0" smtClean="0"/>
+              <a:t>构建</a:t>
+            </a:r>
+            <a:r>
+              <a:rPr lang="en-US" altLang="zh-CN" dirty="0" smtClean="0"/>
+              <a:t>DOM</a:t>
+            </a:r>
+            <a:r>
+              <a:rPr lang="zh-CN" altLang="en-US" dirty="0" smtClean="0"/>
+              <a:t>树</a:t>
+            </a:r>
+            <a:endParaRPr lang="en-US" altLang="zh-CN" dirty="0" smtClean="0"/>
+          </a:p>
+          <a:p>
+            <a:pPr marL="596646" indent="-514350">
+              <a:buFont typeface="+mj-lt"/>
+              <a:buAutoNum type="arabicPeriod"/>
+            </a:pPr>
+            <a:r>
+              <a:rPr lang="en-US" altLang="zh-CN" dirty="0" smtClean="0"/>
+              <a:t>DOM</a:t>
+            </a:r>
+            <a:r>
+              <a:rPr lang="zh-CN" altLang="en-US" dirty="0" smtClean="0"/>
+              <a:t>树与</a:t>
+            </a:r>
+            <a:r>
+              <a:rPr lang="en-US" altLang="zh-CN" dirty="0" smtClean="0"/>
+              <a:t>CSS</a:t>
+            </a:r>
+            <a:r>
+              <a:rPr lang="zh-CN" altLang="en-US" dirty="0" smtClean="0"/>
+              <a:t>样式进行附着构造</a:t>
+            </a:r>
+            <a:r>
+              <a:rPr lang="en-US" altLang="zh-CN" dirty="0" smtClean="0"/>
+              <a:t>=&gt;</a:t>
+            </a:r>
+            <a:r>
+              <a:rPr lang="zh-CN" altLang="en-US" dirty="0" smtClean="0"/>
+              <a:t>呈现树</a:t>
+            </a:r>
+            <a:r>
+              <a:rPr lang="en-US" dirty="0" err="1" smtClean="0"/>
+              <a:t>RenderTree</a:t>
+            </a:r>
+            <a:endParaRPr lang="zh-CN" altLang="en-US" dirty="0" smtClean="0"/>
+          </a:p>
+          <a:p>
+            <a:pPr marL="596646" indent="-514350">
+              <a:buFont typeface="+mj-lt"/>
+              <a:buAutoNum type="arabicPeriod"/>
+            </a:pPr>
+            <a:r>
+              <a:rPr lang="zh-CN" altLang="en-US" dirty="0" smtClean="0"/>
+              <a:t>布局</a:t>
+            </a:r>
+          </a:p>
+          <a:p>
+            <a:pPr marL="596646" indent="-514350">
+              <a:buFont typeface="+mj-lt"/>
+              <a:buAutoNum type="arabicPeriod"/>
+            </a:pPr>
+            <a:r>
+              <a:rPr lang="zh-CN" altLang="en-US" dirty="0" smtClean="0"/>
+              <a:t>绘制</a:t>
+            </a:r>
+          </a:p>
+          <a:p>
+            <a:pPr>
+              <a:buNone/>
+            </a:pPr>
+            <a:endParaRPr lang="zh-CN" altLang="en-US" dirty="0"/>
+          </a:p>
+        </p:txBody>
+      </p:sp>
+      <p:pic>
+        <p:nvPicPr>
+          <p:cNvPr id="4098" name="Picture 2"/>
+          <p:cNvPicPr>
+            <a:picLocks noChangeAspect="1" noChangeArrowheads="1"/>
+          </p:cNvPicPr>
+          <p:nvPr/>
+        </p:nvPicPr>
+        <p:blipFill>
+          <a:blip r:embed="rId4"/>
+          <a:srcRect/>
+          <a:stretch>
+            <a:fillRect/>
+          </a:stretch>
+        </p:blipFill>
+        <p:spPr bwMode="auto">
+          <a:xfrm>
+            <a:off x="1857356" y="2628900"/>
+            <a:ext cx="6732587" cy="4229100"/>
+          </a:xfrm>
+          <a:prstGeom prst="rect">
+            <a:avLst/>
+          </a:prstGeom>
+          <a:noFill/>
+          <a:ln w="9525">
+            <a:noFill/>
+            <a:miter lim="800000"/>
+            <a:headEnd/>
+            <a:tailEnd/>
+          </a:ln>
+          <a:effectLst/>
+        </p:spPr>
+      </p:pic>
+      <p:sp>
+        <p:nvSpPr>
+          <p:cNvPr id="5" name="TextBox 4"/>
+          <p:cNvSpPr txBox="1"/>
+          <p:nvPr/>
+        </p:nvSpPr>
+        <p:spPr>
+          <a:xfrm>
+            <a:off x="428564" y="6286520"/>
+            <a:ext cx="8715436" cy="369332"/>
+          </a:xfrm>
+          <a:prstGeom prst="rect">
+            <a:avLst/>
+          </a:prstGeom>
+          <a:noFill/>
+        </p:spPr>
+        <p:txBody>
+          <a:bodyPr wrap="square" rtlCol="0">
+            <a:spAutoFit/>
+          </a:bodyPr>
+          <a:lstStyle/>
+          <a:p>
+            <a:r>
+              <a:rPr lang="en-US" altLang="zh-CN" dirty="0" smtClean="0">
+                <a:hlinkClick r:id="rId5"/>
+              </a:rPr>
+              <a:t>http://www.cnblogs.com/dojo-lzz/p/3983335.html</a:t>
+            </a:r>
+            <a:endParaRPr lang="zh-CN" altLang="en-US" dirty="0"/>
+          </a:p>
+        </p:txBody>
+      </p:sp>
+    </p:spTree>
+  </p:cSld>
+  <p:clrMapOvr>
+    <a:overrideClrMapping bg1="lt1" tx1="dk1" bg2="lt2" tx2="dk2" accent1="accent1" accent2="accent2" accent3="accent3" accent4="accent4" accent5="accent5" accent6="accent6" hlink="hlink" folHlink="folHlink"/>
+  </p:clrMapOvr>
+  <p:timing>
+    <p:tnLst>
+      <p:par>
+        <p:cTn id="1" dur="indefinite" restart="never" nodeType="tmRoot">
+          <p:childTnLst>
+            <p:seq concurrent="1" nextAc="seek">
+              <p:cTn id="2" dur="indefinite" nodeType="mainSeq">
+                <p:childTnLst>
+                  <p:par>
+                    <p:cTn id="3" fill="hold">
+                      <p:stCondLst>
+                        <p:cond delay="indefinite"/>
+                      </p:stCondLst>
+                      <p:childTnLst>
+                        <p:par>
+                          <p:cTn id="4" fill="hold">
+                            <p:stCondLst>
+                              <p:cond delay="0"/>
+                            </p:stCondLst>
+                            <p:childTnLst>
+                              <p:par>
+                                <p:cTn id="5" presetID="2" presetClass="entr" presetSubtype="4" fill="hold" nodeType="clickEffect">
+                                  <p:stCondLst>
+                                    <p:cond delay="0"/>
+                                  </p:stCondLst>
+                                  <p:childTnLst>
+                                    <p:set>
+                                      <p:cBhvr>
+                                        <p:cTn id="6" dur="1" fill="hold">
+                                          <p:stCondLst>
+                                            <p:cond delay="0"/>
+                                          </p:stCondLst>
+                                        </p:cTn>
+                                        <p:tgtEl>
+                                          <p:spTgt spid="4098"/>
+                                        </p:tgtEl>
+                                        <p:attrNameLst>
+                                          <p:attrName>style.visibility</p:attrName>
+                                        </p:attrNameLst>
+                                      </p:cBhvr>
+                                      <p:to>
+                                        <p:strVal val="visible"/>
+                                      </p:to>
+                                    </p:set>
+                                    <p:anim calcmode="lin" valueType="num">
+                                      <p:cBhvr additive="base">
+                                        <p:cTn id="7" dur="500" fill="hold"/>
+                                        <p:tgtEl>
+                                          <p:spTgt spid="4098"/>
+                                        </p:tgtEl>
+                                        <p:attrNameLst>
+                                          <p:attrName>ppt_x</p:attrName>
+                                        </p:attrNameLst>
+                                      </p:cBhvr>
+                                      <p:tavLst>
+                                        <p:tav tm="0">
+                                          <p:val>
+                                            <p:strVal val="#ppt_x"/>
+                                          </p:val>
+                                        </p:tav>
+                                        <p:tav tm="100000">
+                                          <p:val>
+                                            <p:strVal val="#ppt_x"/>
+                                          </p:val>
+                                        </p:tav>
+                                      </p:tavLst>
+                                    </p:anim>
+                                    <p:anim calcmode="lin" valueType="num">
+                                      <p:cBhvr additive="base">
+                                        <p:cTn id="8" dur="500" fill="hold"/>
+                                        <p:tgtEl>
+                                          <p:spTgt spid="4098"/>
+                                        </p:tgtEl>
+                                        <p:attrNameLst>
+                                          <p:attrName>ppt_y</p:attrName>
+                                        </p:attrNameLst>
+                                      </p:cBhvr>
+                                      <p:tavLst>
+                                        <p:tav tm="0">
+                                          <p:val>
+                                            <p:strVal val="1+#ppt_h/2"/>
+                                          </p:val>
+                                        </p:tav>
+                                        <p:tav tm="100000">
+                                          <p:val>
+                                            <p:strVal val="#ppt_y"/>
+                                          </p:val>
+                                        </p:tav>
+                                      </p:tavLst>
+                                    </p:anim>
+                                  </p:childTnLst>
+                                </p:cTn>
+                              </p:par>
+                            </p:childTnLst>
+                          </p:cTn>
+                        </p:par>
+                      </p:childTnLst>
+                    </p:cTn>
+                  </p:par>
+                </p:childTnLst>
+              </p:cTn>
+              <p:prevCondLst>
+                <p:cond evt="onPrev" delay="0">
+                  <p:tgtEl>
+                    <p:sldTgt/>
+                  </p:tgtEl>
+                </p:cond>
+              </p:prevCondLst>
+              <p:nextCondLst>
+                <p:cond evt="onNext" delay="0">
+                  <p:tgtEl>
+                    <p:sldTgt/>
+                  </p:tgtEl>
+                </p:cond>
+              </p:nextCondLst>
+            </p:seq>
+          </p:childTnLst>
+        </p:cTn>
       </p:par>
     </p:tnLst>
   </p:timing>
@@ -9933,7 +15813,566 @@
 </a:themeOverride>
 </file>
 
+<file path=ppt/theme/themeOverride10.xml><?xml version="1.0" encoding="utf-8"?>
+<a:themeOverride xmlns:a="http://schemas.openxmlformats.org/drawingml/2006/main">
+  <a:clrScheme name="夏至">
+    <a:dk1>
+      <a:sysClr val="windowText" lastClr="000000"/>
+    </a:dk1>
+    <a:lt1>
+      <a:sysClr val="window" lastClr="FFFFFF"/>
+    </a:lt1>
+    <a:dk2>
+      <a:srgbClr val="4F271C"/>
+    </a:dk2>
+    <a:lt2>
+      <a:srgbClr val="E7DEC9"/>
+    </a:lt2>
+    <a:accent1>
+      <a:srgbClr val="3891A7"/>
+    </a:accent1>
+    <a:accent2>
+      <a:srgbClr val="FEB80A"/>
+    </a:accent2>
+    <a:accent3>
+      <a:srgbClr val="C32D2E"/>
+    </a:accent3>
+    <a:accent4>
+      <a:srgbClr val="84AA33"/>
+    </a:accent4>
+    <a:accent5>
+      <a:srgbClr val="964305"/>
+    </a:accent5>
+    <a:accent6>
+      <a:srgbClr val="475A8D"/>
+    </a:accent6>
+    <a:hlink>
+      <a:srgbClr val="8DC765"/>
+    </a:hlink>
+    <a:folHlink>
+      <a:srgbClr val="AA8A14"/>
+    </a:folHlink>
+  </a:clrScheme>
+</a:themeOverride>
+</file>
+
+<file path=ppt/theme/themeOverride11.xml><?xml version="1.0" encoding="utf-8"?>
+<a:themeOverride xmlns:a="http://schemas.openxmlformats.org/drawingml/2006/main">
+  <a:clrScheme name="夏至">
+    <a:dk1>
+      <a:sysClr val="windowText" lastClr="000000"/>
+    </a:dk1>
+    <a:lt1>
+      <a:sysClr val="window" lastClr="FFFFFF"/>
+    </a:lt1>
+    <a:dk2>
+      <a:srgbClr val="4F271C"/>
+    </a:dk2>
+    <a:lt2>
+      <a:srgbClr val="E7DEC9"/>
+    </a:lt2>
+    <a:accent1>
+      <a:srgbClr val="3891A7"/>
+    </a:accent1>
+    <a:accent2>
+      <a:srgbClr val="FEB80A"/>
+    </a:accent2>
+    <a:accent3>
+      <a:srgbClr val="C32D2E"/>
+    </a:accent3>
+    <a:accent4>
+      <a:srgbClr val="84AA33"/>
+    </a:accent4>
+    <a:accent5>
+      <a:srgbClr val="964305"/>
+    </a:accent5>
+    <a:accent6>
+      <a:srgbClr val="475A8D"/>
+    </a:accent6>
+    <a:hlink>
+      <a:srgbClr val="8DC765"/>
+    </a:hlink>
+    <a:folHlink>
+      <a:srgbClr val="AA8A14"/>
+    </a:folHlink>
+  </a:clrScheme>
+</a:themeOverride>
+</file>
+
+<file path=ppt/theme/themeOverride12.xml><?xml version="1.0" encoding="utf-8"?>
+<a:themeOverride xmlns:a="http://schemas.openxmlformats.org/drawingml/2006/main">
+  <a:clrScheme name="夏至">
+    <a:dk1>
+      <a:sysClr val="windowText" lastClr="000000"/>
+    </a:dk1>
+    <a:lt1>
+      <a:sysClr val="window" lastClr="FFFFFF"/>
+    </a:lt1>
+    <a:dk2>
+      <a:srgbClr val="4F271C"/>
+    </a:dk2>
+    <a:lt2>
+      <a:srgbClr val="E7DEC9"/>
+    </a:lt2>
+    <a:accent1>
+      <a:srgbClr val="3891A7"/>
+    </a:accent1>
+    <a:accent2>
+      <a:srgbClr val="FEB80A"/>
+    </a:accent2>
+    <a:accent3>
+      <a:srgbClr val="C32D2E"/>
+    </a:accent3>
+    <a:accent4>
+      <a:srgbClr val="84AA33"/>
+    </a:accent4>
+    <a:accent5>
+      <a:srgbClr val="964305"/>
+    </a:accent5>
+    <a:accent6>
+      <a:srgbClr val="475A8D"/>
+    </a:accent6>
+    <a:hlink>
+      <a:srgbClr val="8DC765"/>
+    </a:hlink>
+    <a:folHlink>
+      <a:srgbClr val="AA8A14"/>
+    </a:folHlink>
+  </a:clrScheme>
+</a:themeOverride>
+</file>
+
+<file path=ppt/theme/themeOverride13.xml><?xml version="1.0" encoding="utf-8"?>
+<a:themeOverride xmlns:a="http://schemas.openxmlformats.org/drawingml/2006/main">
+  <a:clrScheme name="夏至">
+    <a:dk1>
+      <a:sysClr val="windowText" lastClr="000000"/>
+    </a:dk1>
+    <a:lt1>
+      <a:sysClr val="window" lastClr="FFFFFF"/>
+    </a:lt1>
+    <a:dk2>
+      <a:srgbClr val="4F271C"/>
+    </a:dk2>
+    <a:lt2>
+      <a:srgbClr val="E7DEC9"/>
+    </a:lt2>
+    <a:accent1>
+      <a:srgbClr val="3891A7"/>
+    </a:accent1>
+    <a:accent2>
+      <a:srgbClr val="FEB80A"/>
+    </a:accent2>
+    <a:accent3>
+      <a:srgbClr val="C32D2E"/>
+    </a:accent3>
+    <a:accent4>
+      <a:srgbClr val="84AA33"/>
+    </a:accent4>
+    <a:accent5>
+      <a:srgbClr val="964305"/>
+    </a:accent5>
+    <a:accent6>
+      <a:srgbClr val="475A8D"/>
+    </a:accent6>
+    <a:hlink>
+      <a:srgbClr val="8DC765"/>
+    </a:hlink>
+    <a:folHlink>
+      <a:srgbClr val="AA8A14"/>
+    </a:folHlink>
+  </a:clrScheme>
+</a:themeOverride>
+</file>
+
+<file path=ppt/theme/themeOverride14.xml><?xml version="1.0" encoding="utf-8"?>
+<a:themeOverride xmlns:a="http://schemas.openxmlformats.org/drawingml/2006/main">
+  <a:clrScheme name="夏至">
+    <a:dk1>
+      <a:sysClr val="windowText" lastClr="000000"/>
+    </a:dk1>
+    <a:lt1>
+      <a:sysClr val="window" lastClr="FFFFFF"/>
+    </a:lt1>
+    <a:dk2>
+      <a:srgbClr val="4F271C"/>
+    </a:dk2>
+    <a:lt2>
+      <a:srgbClr val="E7DEC9"/>
+    </a:lt2>
+    <a:accent1>
+      <a:srgbClr val="3891A7"/>
+    </a:accent1>
+    <a:accent2>
+      <a:srgbClr val="FEB80A"/>
+    </a:accent2>
+    <a:accent3>
+      <a:srgbClr val="C32D2E"/>
+    </a:accent3>
+    <a:accent4>
+      <a:srgbClr val="84AA33"/>
+    </a:accent4>
+    <a:accent5>
+      <a:srgbClr val="964305"/>
+    </a:accent5>
+    <a:accent6>
+      <a:srgbClr val="475A8D"/>
+    </a:accent6>
+    <a:hlink>
+      <a:srgbClr val="8DC765"/>
+    </a:hlink>
+    <a:folHlink>
+      <a:srgbClr val="AA8A14"/>
+    </a:folHlink>
+  </a:clrScheme>
+</a:themeOverride>
+</file>
+
+<file path=ppt/theme/themeOverride15.xml><?xml version="1.0" encoding="utf-8"?>
+<a:themeOverride xmlns:a="http://schemas.openxmlformats.org/drawingml/2006/main">
+  <a:clrScheme name="夏至">
+    <a:dk1>
+      <a:sysClr val="windowText" lastClr="000000"/>
+    </a:dk1>
+    <a:lt1>
+      <a:sysClr val="window" lastClr="FFFFFF"/>
+    </a:lt1>
+    <a:dk2>
+      <a:srgbClr val="4F271C"/>
+    </a:dk2>
+    <a:lt2>
+      <a:srgbClr val="E7DEC9"/>
+    </a:lt2>
+    <a:accent1>
+      <a:srgbClr val="3891A7"/>
+    </a:accent1>
+    <a:accent2>
+      <a:srgbClr val="FEB80A"/>
+    </a:accent2>
+    <a:accent3>
+      <a:srgbClr val="C32D2E"/>
+    </a:accent3>
+    <a:accent4>
+      <a:srgbClr val="84AA33"/>
+    </a:accent4>
+    <a:accent5>
+      <a:srgbClr val="964305"/>
+    </a:accent5>
+    <a:accent6>
+      <a:srgbClr val="475A8D"/>
+    </a:accent6>
+    <a:hlink>
+      <a:srgbClr val="8DC765"/>
+    </a:hlink>
+    <a:folHlink>
+      <a:srgbClr val="AA8A14"/>
+    </a:folHlink>
+  </a:clrScheme>
+</a:themeOverride>
+</file>
+
+<file path=ppt/theme/themeOverride16.xml><?xml version="1.0" encoding="utf-8"?>
+<a:themeOverride xmlns:a="http://schemas.openxmlformats.org/drawingml/2006/main">
+  <a:clrScheme name="夏至">
+    <a:dk1>
+      <a:sysClr val="windowText" lastClr="000000"/>
+    </a:dk1>
+    <a:lt1>
+      <a:sysClr val="window" lastClr="FFFFFF"/>
+    </a:lt1>
+    <a:dk2>
+      <a:srgbClr val="4F271C"/>
+    </a:dk2>
+    <a:lt2>
+      <a:srgbClr val="E7DEC9"/>
+    </a:lt2>
+    <a:accent1>
+      <a:srgbClr val="3891A7"/>
+    </a:accent1>
+    <a:accent2>
+      <a:srgbClr val="FEB80A"/>
+    </a:accent2>
+    <a:accent3>
+      <a:srgbClr val="C32D2E"/>
+    </a:accent3>
+    <a:accent4>
+      <a:srgbClr val="84AA33"/>
+    </a:accent4>
+    <a:accent5>
+      <a:srgbClr val="964305"/>
+    </a:accent5>
+    <a:accent6>
+      <a:srgbClr val="475A8D"/>
+    </a:accent6>
+    <a:hlink>
+      <a:srgbClr val="8DC765"/>
+    </a:hlink>
+    <a:folHlink>
+      <a:srgbClr val="AA8A14"/>
+    </a:folHlink>
+  </a:clrScheme>
+</a:themeOverride>
+</file>
+
+<file path=ppt/theme/themeOverride17.xml><?xml version="1.0" encoding="utf-8"?>
+<a:themeOverride xmlns:a="http://schemas.openxmlformats.org/drawingml/2006/main">
+  <a:clrScheme name="夏至">
+    <a:dk1>
+      <a:sysClr val="windowText" lastClr="000000"/>
+    </a:dk1>
+    <a:lt1>
+      <a:sysClr val="window" lastClr="FFFFFF"/>
+    </a:lt1>
+    <a:dk2>
+      <a:srgbClr val="4F271C"/>
+    </a:dk2>
+    <a:lt2>
+      <a:srgbClr val="E7DEC9"/>
+    </a:lt2>
+    <a:accent1>
+      <a:srgbClr val="3891A7"/>
+    </a:accent1>
+    <a:accent2>
+      <a:srgbClr val="FEB80A"/>
+    </a:accent2>
+    <a:accent3>
+      <a:srgbClr val="C32D2E"/>
+    </a:accent3>
+    <a:accent4>
+      <a:srgbClr val="84AA33"/>
+    </a:accent4>
+    <a:accent5>
+      <a:srgbClr val="964305"/>
+    </a:accent5>
+    <a:accent6>
+      <a:srgbClr val="475A8D"/>
+    </a:accent6>
+    <a:hlink>
+      <a:srgbClr val="8DC765"/>
+    </a:hlink>
+    <a:folHlink>
+      <a:srgbClr val="AA8A14"/>
+    </a:folHlink>
+  </a:clrScheme>
+</a:themeOverride>
+</file>
+
+<file path=ppt/theme/themeOverride18.xml><?xml version="1.0" encoding="utf-8"?>
+<a:themeOverride xmlns:a="http://schemas.openxmlformats.org/drawingml/2006/main">
+  <a:clrScheme name="夏至">
+    <a:dk1>
+      <a:sysClr val="windowText" lastClr="000000"/>
+    </a:dk1>
+    <a:lt1>
+      <a:sysClr val="window" lastClr="FFFFFF"/>
+    </a:lt1>
+    <a:dk2>
+      <a:srgbClr val="4F271C"/>
+    </a:dk2>
+    <a:lt2>
+      <a:srgbClr val="E7DEC9"/>
+    </a:lt2>
+    <a:accent1>
+      <a:srgbClr val="3891A7"/>
+    </a:accent1>
+    <a:accent2>
+      <a:srgbClr val="FEB80A"/>
+    </a:accent2>
+    <a:accent3>
+      <a:srgbClr val="C32D2E"/>
+    </a:accent3>
+    <a:accent4>
+      <a:srgbClr val="84AA33"/>
+    </a:accent4>
+    <a:accent5>
+      <a:srgbClr val="964305"/>
+    </a:accent5>
+    <a:accent6>
+      <a:srgbClr val="475A8D"/>
+    </a:accent6>
+    <a:hlink>
+      <a:srgbClr val="8DC765"/>
+    </a:hlink>
+    <a:folHlink>
+      <a:srgbClr val="AA8A14"/>
+    </a:folHlink>
+  </a:clrScheme>
+</a:themeOverride>
+</file>
+
+<file path=ppt/theme/themeOverride19.xml><?xml version="1.0" encoding="utf-8"?>
+<a:themeOverride xmlns:a="http://schemas.openxmlformats.org/drawingml/2006/main">
+  <a:clrScheme name="夏至">
+    <a:dk1>
+      <a:sysClr val="windowText" lastClr="000000"/>
+    </a:dk1>
+    <a:lt1>
+      <a:sysClr val="window" lastClr="FFFFFF"/>
+    </a:lt1>
+    <a:dk2>
+      <a:srgbClr val="4F271C"/>
+    </a:dk2>
+    <a:lt2>
+      <a:srgbClr val="E7DEC9"/>
+    </a:lt2>
+    <a:accent1>
+      <a:srgbClr val="3891A7"/>
+    </a:accent1>
+    <a:accent2>
+      <a:srgbClr val="FEB80A"/>
+    </a:accent2>
+    <a:accent3>
+      <a:srgbClr val="C32D2E"/>
+    </a:accent3>
+    <a:accent4>
+      <a:srgbClr val="84AA33"/>
+    </a:accent4>
+    <a:accent5>
+      <a:srgbClr val="964305"/>
+    </a:accent5>
+    <a:accent6>
+      <a:srgbClr val="475A8D"/>
+    </a:accent6>
+    <a:hlink>
+      <a:srgbClr val="8DC765"/>
+    </a:hlink>
+    <a:folHlink>
+      <a:srgbClr val="AA8A14"/>
+    </a:folHlink>
+  </a:clrScheme>
+</a:themeOverride>
+</file>
+
 <file path=ppt/theme/themeOverride2.xml><?xml version="1.0" encoding="utf-8"?>
+<a:themeOverride xmlns:a="http://schemas.openxmlformats.org/drawingml/2006/main">
+  <a:clrScheme name="夏至">
+    <a:dk1>
+      <a:sysClr val="windowText" lastClr="000000"/>
+    </a:dk1>
+    <a:lt1>
+      <a:sysClr val="window" lastClr="FFFFFF"/>
+    </a:lt1>
+    <a:dk2>
+      <a:srgbClr val="4F271C"/>
+    </a:dk2>
+    <a:lt2>
+      <a:srgbClr val="E7DEC9"/>
+    </a:lt2>
+    <a:accent1>
+      <a:srgbClr val="3891A7"/>
+    </a:accent1>
+    <a:accent2>
+      <a:srgbClr val="FEB80A"/>
+    </a:accent2>
+    <a:accent3>
+      <a:srgbClr val="C32D2E"/>
+    </a:accent3>
+    <a:accent4>
+      <a:srgbClr val="84AA33"/>
+    </a:accent4>
+    <a:accent5>
+      <a:srgbClr val="964305"/>
+    </a:accent5>
+    <a:accent6>
+      <a:srgbClr val="475A8D"/>
+    </a:accent6>
+    <a:hlink>
+      <a:srgbClr val="8DC765"/>
+    </a:hlink>
+    <a:folHlink>
+      <a:srgbClr val="AA8A14"/>
+    </a:folHlink>
+  </a:clrScheme>
+</a:themeOverride>
+</file>
+
+<file path=ppt/theme/themeOverride20.xml><?xml version="1.0" encoding="utf-8"?>
+<a:themeOverride xmlns:a="http://schemas.openxmlformats.org/drawingml/2006/main">
+  <a:clrScheme name="夏至">
+    <a:dk1>
+      <a:sysClr val="windowText" lastClr="000000"/>
+    </a:dk1>
+    <a:lt1>
+      <a:sysClr val="window" lastClr="FFFFFF"/>
+    </a:lt1>
+    <a:dk2>
+      <a:srgbClr val="4F271C"/>
+    </a:dk2>
+    <a:lt2>
+      <a:srgbClr val="E7DEC9"/>
+    </a:lt2>
+    <a:accent1>
+      <a:srgbClr val="3891A7"/>
+    </a:accent1>
+    <a:accent2>
+      <a:srgbClr val="FEB80A"/>
+    </a:accent2>
+    <a:accent3>
+      <a:srgbClr val="C32D2E"/>
+    </a:accent3>
+    <a:accent4>
+      <a:srgbClr val="84AA33"/>
+    </a:accent4>
+    <a:accent5>
+      <a:srgbClr val="964305"/>
+    </a:accent5>
+    <a:accent6>
+      <a:srgbClr val="475A8D"/>
+    </a:accent6>
+    <a:hlink>
+      <a:srgbClr val="8DC765"/>
+    </a:hlink>
+    <a:folHlink>
+      <a:srgbClr val="AA8A14"/>
+    </a:folHlink>
+  </a:clrScheme>
+</a:themeOverride>
+</file>
+
+<file path=ppt/theme/themeOverride21.xml><?xml version="1.0" encoding="utf-8"?>
+<a:themeOverride xmlns:a="http://schemas.openxmlformats.org/drawingml/2006/main">
+  <a:clrScheme name="夏至">
+    <a:dk1>
+      <a:sysClr val="windowText" lastClr="000000"/>
+    </a:dk1>
+    <a:lt1>
+      <a:sysClr val="window" lastClr="FFFFFF"/>
+    </a:lt1>
+    <a:dk2>
+      <a:srgbClr val="4F271C"/>
+    </a:dk2>
+    <a:lt2>
+      <a:srgbClr val="E7DEC9"/>
+    </a:lt2>
+    <a:accent1>
+      <a:srgbClr val="3891A7"/>
+    </a:accent1>
+    <a:accent2>
+      <a:srgbClr val="FEB80A"/>
+    </a:accent2>
+    <a:accent3>
+      <a:srgbClr val="C32D2E"/>
+    </a:accent3>
+    <a:accent4>
+      <a:srgbClr val="84AA33"/>
+    </a:accent4>
+    <a:accent5>
+      <a:srgbClr val="964305"/>
+    </a:accent5>
+    <a:accent6>
+      <a:srgbClr val="475A8D"/>
+    </a:accent6>
+    <a:hlink>
+      <a:srgbClr val="8DC765"/>
+    </a:hlink>
+    <a:folHlink>
+      <a:srgbClr val="AA8A14"/>
+    </a:folHlink>
+  </a:clrScheme>
+</a:themeOverride>
+</file>
+
+<file path=ppt/theme/themeOverride22.xml><?xml version="1.0" encoding="utf-8"?>
 <a:themeOverride xmlns:a="http://schemas.openxmlformats.org/drawingml/2006/main">
   <a:clrScheme name="夏至">
     <a:dk1>
@@ -10060,4 +16499,219 @@
     </a:folHlink>
   </a:clrScheme>
 </a:themeOverride>
+</file>
+
+<file path=ppt/theme/themeOverride5.xml><?xml version="1.0" encoding="utf-8"?>
+<a:themeOverride xmlns:a="http://schemas.openxmlformats.org/drawingml/2006/main">
+  <a:clrScheme name="夏至">
+    <a:dk1>
+      <a:sysClr val="windowText" lastClr="000000"/>
+    </a:dk1>
+    <a:lt1>
+      <a:sysClr val="window" lastClr="FFFFFF"/>
+    </a:lt1>
+    <a:dk2>
+      <a:srgbClr val="4F271C"/>
+    </a:dk2>
+    <a:lt2>
+      <a:srgbClr val="E7DEC9"/>
+    </a:lt2>
+    <a:accent1>
+      <a:srgbClr val="3891A7"/>
+    </a:accent1>
+    <a:accent2>
+      <a:srgbClr val="FEB80A"/>
+    </a:accent2>
+    <a:accent3>
+      <a:srgbClr val="C32D2E"/>
+    </a:accent3>
+    <a:accent4>
+      <a:srgbClr val="84AA33"/>
+    </a:accent4>
+    <a:accent5>
+      <a:srgbClr val="964305"/>
+    </a:accent5>
+    <a:accent6>
+      <a:srgbClr val="475A8D"/>
+    </a:accent6>
+    <a:hlink>
+      <a:srgbClr val="8DC765"/>
+    </a:hlink>
+    <a:folHlink>
+      <a:srgbClr val="AA8A14"/>
+    </a:folHlink>
+  </a:clrScheme>
+</a:themeOverride>
+</file>
+
+<file path=ppt/theme/themeOverride6.xml><?xml version="1.0" encoding="utf-8"?>
+<a:themeOverride xmlns:a="http://schemas.openxmlformats.org/drawingml/2006/main">
+  <a:clrScheme name="夏至">
+    <a:dk1>
+      <a:sysClr val="windowText" lastClr="000000"/>
+    </a:dk1>
+    <a:lt1>
+      <a:sysClr val="window" lastClr="FFFFFF"/>
+    </a:lt1>
+    <a:dk2>
+      <a:srgbClr val="4F271C"/>
+    </a:dk2>
+    <a:lt2>
+      <a:srgbClr val="E7DEC9"/>
+    </a:lt2>
+    <a:accent1>
+      <a:srgbClr val="3891A7"/>
+    </a:accent1>
+    <a:accent2>
+      <a:srgbClr val="FEB80A"/>
+    </a:accent2>
+    <a:accent3>
+      <a:srgbClr val="C32D2E"/>
+    </a:accent3>
+    <a:accent4>
+      <a:srgbClr val="84AA33"/>
+    </a:accent4>
+    <a:accent5>
+      <a:srgbClr val="964305"/>
+    </a:accent5>
+    <a:accent6>
+      <a:srgbClr val="475A8D"/>
+    </a:accent6>
+    <a:hlink>
+      <a:srgbClr val="8DC765"/>
+    </a:hlink>
+    <a:folHlink>
+      <a:srgbClr val="AA8A14"/>
+    </a:folHlink>
+  </a:clrScheme>
+</a:themeOverride>
+</file>
+
+<file path=ppt/theme/themeOverride7.xml><?xml version="1.0" encoding="utf-8"?>
+<a:themeOverride xmlns:a="http://schemas.openxmlformats.org/drawingml/2006/main">
+  <a:clrScheme name="夏至">
+    <a:dk1>
+      <a:sysClr val="windowText" lastClr="000000"/>
+    </a:dk1>
+    <a:lt1>
+      <a:sysClr val="window" lastClr="FFFFFF"/>
+    </a:lt1>
+    <a:dk2>
+      <a:srgbClr val="4F271C"/>
+    </a:dk2>
+    <a:lt2>
+      <a:srgbClr val="E7DEC9"/>
+    </a:lt2>
+    <a:accent1>
+      <a:srgbClr val="3891A7"/>
+    </a:accent1>
+    <a:accent2>
+      <a:srgbClr val="FEB80A"/>
+    </a:accent2>
+    <a:accent3>
+      <a:srgbClr val="C32D2E"/>
+    </a:accent3>
+    <a:accent4>
+      <a:srgbClr val="84AA33"/>
+    </a:accent4>
+    <a:accent5>
+      <a:srgbClr val="964305"/>
+    </a:accent5>
+    <a:accent6>
+      <a:srgbClr val="475A8D"/>
+    </a:accent6>
+    <a:hlink>
+      <a:srgbClr val="8DC765"/>
+    </a:hlink>
+    <a:folHlink>
+      <a:srgbClr val="AA8A14"/>
+    </a:folHlink>
+  </a:clrScheme>
+</a:themeOverride>
+</file>
+
+<file path=ppt/theme/themeOverride8.xml><?xml version="1.0" encoding="utf-8"?>
+<a:themeOverride xmlns:a="http://schemas.openxmlformats.org/drawingml/2006/main">
+  <a:clrScheme name="夏至">
+    <a:dk1>
+      <a:sysClr val="windowText" lastClr="000000"/>
+    </a:dk1>
+    <a:lt1>
+      <a:sysClr val="window" lastClr="FFFFFF"/>
+    </a:lt1>
+    <a:dk2>
+      <a:srgbClr val="4F271C"/>
+    </a:dk2>
+    <a:lt2>
+      <a:srgbClr val="E7DEC9"/>
+    </a:lt2>
+    <a:accent1>
+      <a:srgbClr val="3891A7"/>
+    </a:accent1>
+    <a:accent2>
+      <a:srgbClr val="FEB80A"/>
+    </a:accent2>
+    <a:accent3>
+      <a:srgbClr val="C32D2E"/>
+    </a:accent3>
+    <a:accent4>
+      <a:srgbClr val="84AA33"/>
+    </a:accent4>
+    <a:accent5>
+      <a:srgbClr val="964305"/>
+    </a:accent5>
+    <a:accent6>
+      <a:srgbClr val="475A8D"/>
+    </a:accent6>
+    <a:hlink>
+      <a:srgbClr val="8DC765"/>
+    </a:hlink>
+    <a:folHlink>
+      <a:srgbClr val="AA8A14"/>
+    </a:folHlink>
+  </a:clrScheme>
+</a:themeOverride>
+</file>
+
+<file path=ppt/theme/themeOverride9.xml><?xml version="1.0" encoding="utf-8"?>
+<a:themeOverride xmlns:a="http://schemas.openxmlformats.org/drawingml/2006/main">
+  <a:clrScheme name="夏至">
+    <a:dk1>
+      <a:sysClr val="windowText" lastClr="000000"/>
+    </a:dk1>
+    <a:lt1>
+      <a:sysClr val="window" lastClr="FFFFFF"/>
+    </a:lt1>
+    <a:dk2>
+      <a:srgbClr val="4F271C"/>
+    </a:dk2>
+    <a:lt2>
+      <a:srgbClr val="E7DEC9"/>
+    </a:lt2>
+    <a:accent1>
+      <a:srgbClr val="3891A7"/>
+    </a:accent1>
+    <a:accent2>
+      <a:srgbClr val="FEB80A"/>
+    </a:accent2>
+    <a:accent3>
+      <a:srgbClr val="C32D2E"/>
+    </a:accent3>
+    <a:accent4>
+      <a:srgbClr val="84AA33"/>
+    </a:accent4>
+    <a:accent5>
+      <a:srgbClr val="964305"/>
+    </a:accent5>
+    <a:accent6>
+      <a:srgbClr val="475A8D"/>
+    </a:accent6>
+    <a:hlink>
+      <a:srgbClr val="8DC765"/>
+    </a:hlink>
+    <a:folHlink>
+      <a:srgbClr val="AA8A14"/>
+    </a:folHlink>
+  </a:clrScheme>
+</a:themeOverride>
 </file>
--- a/ps/js/演示文稿.pptx
+++ b/ps/js/演示文稿.pptx
@@ -5,7 +5,7 @@
     <p:sldMasterId id="2147483972" r:id="rId1"/>
   </p:sldMasterIdLst>
   <p:notesMasterIdLst>
-    <p:notesMasterId r:id="rId43"/>
+    <p:notesMasterId r:id="rId53"/>
   </p:notesMasterIdLst>
   <p:sldIdLst>
     <p:sldId id="256" r:id="rId2"/>
@@ -30,25 +30,35 @@
     <p:sldId id="279" r:id="rId21"/>
     <p:sldId id="280" r:id="rId22"/>
     <p:sldId id="281" r:id="rId23"/>
-    <p:sldId id="282" r:id="rId24"/>
-    <p:sldId id="283" r:id="rId25"/>
-    <p:sldId id="284" r:id="rId26"/>
-    <p:sldId id="285" r:id="rId27"/>
-    <p:sldId id="286" r:id="rId28"/>
-    <p:sldId id="287" r:id="rId29"/>
-    <p:sldId id="288" r:id="rId30"/>
-    <p:sldId id="289" r:id="rId31"/>
-    <p:sldId id="290" r:id="rId32"/>
-    <p:sldId id="276" r:id="rId33"/>
-    <p:sldId id="274" r:id="rId34"/>
-    <p:sldId id="291" r:id="rId35"/>
-    <p:sldId id="292" r:id="rId36"/>
-    <p:sldId id="293" r:id="rId37"/>
-    <p:sldId id="294" r:id="rId38"/>
-    <p:sldId id="295" r:id="rId39"/>
-    <p:sldId id="296" r:id="rId40"/>
-    <p:sldId id="268" r:id="rId41"/>
-    <p:sldId id="259" r:id="rId42"/>
+    <p:sldId id="304" r:id="rId24"/>
+    <p:sldId id="282" r:id="rId25"/>
+    <p:sldId id="283" r:id="rId26"/>
+    <p:sldId id="284" r:id="rId27"/>
+    <p:sldId id="285" r:id="rId28"/>
+    <p:sldId id="286" r:id="rId29"/>
+    <p:sldId id="287" r:id="rId30"/>
+    <p:sldId id="288" r:id="rId31"/>
+    <p:sldId id="289" r:id="rId32"/>
+    <p:sldId id="290" r:id="rId33"/>
+    <p:sldId id="276" r:id="rId34"/>
+    <p:sldId id="274" r:id="rId35"/>
+    <p:sldId id="291" r:id="rId36"/>
+    <p:sldId id="292" r:id="rId37"/>
+    <p:sldId id="293" r:id="rId38"/>
+    <p:sldId id="294" r:id="rId39"/>
+    <p:sldId id="295" r:id="rId40"/>
+    <p:sldId id="296" r:id="rId41"/>
+    <p:sldId id="268" r:id="rId42"/>
+    <p:sldId id="303" r:id="rId43"/>
+    <p:sldId id="259" r:id="rId44"/>
+    <p:sldId id="305" r:id="rId45"/>
+    <p:sldId id="306" r:id="rId46"/>
+    <p:sldId id="297" r:id="rId47"/>
+    <p:sldId id="298" r:id="rId48"/>
+    <p:sldId id="299" r:id="rId49"/>
+    <p:sldId id="300" r:id="rId50"/>
+    <p:sldId id="301" r:id="rId51"/>
+    <p:sldId id="302" r:id="rId52"/>
   </p:sldIdLst>
   <p:sldSz cx="9144000" cy="6858000" type="screen4x3"/>
   <p:notesSz cx="6858000" cy="9144000"/>
@@ -233,7 +243,7 @@
             <a:fld id="{BB18017A-EF27-4333-8CBA-7208022D9565}" type="datetimeFigureOut">
               <a:rPr lang="zh-CN" altLang="en-US" smtClean="0"/>
               <a:pPr/>
-              <a:t>2017/10/20</a:t>
+              <a:t>2017/10/23</a:t>
             </a:fld>
             <a:endParaRPr lang="zh-CN" altLang="en-US"/>
           </a:p>
@@ -649,7 +659,7 @@
             <a:fld id="{F36645F3-DF14-4580-88C0-61136AC25E0B}" type="slidenum">
               <a:rPr lang="zh-CN" altLang="en-US" smtClean="0"/>
               <a:pPr/>
-              <a:t>34</a:t>
+              <a:t>35</a:t>
             </a:fld>
             <a:endParaRPr lang="zh-CN" altLang="en-US"/>
           </a:p>
@@ -731,7 +741,89 @@
             <a:fld id="{F36645F3-DF14-4580-88C0-61136AC25E0B}" type="slidenum">
               <a:rPr lang="zh-CN" altLang="en-US" smtClean="0"/>
               <a:pPr/>
-              <a:t>35</a:t>
+              <a:t>36</a:t>
+            </a:fld>
+            <a:endParaRPr lang="zh-CN" altLang="en-US"/>
+          </a:p>
+        </p:txBody>
+      </p:sp>
+    </p:spTree>
+  </p:cSld>
+  <p:clrMapOvr>
+    <a:masterClrMapping/>
+  </p:clrMapOvr>
+</p:notes>
+</file>
+
+<file path=ppt/notesSlides/notesSlide12.xml><?xml version="1.0" encoding="utf-8"?>
+<p:notes xmlns:a="http://schemas.openxmlformats.org/drawingml/2006/main" xmlns:r="http://schemas.openxmlformats.org/officeDocument/2006/relationships" xmlns:p="http://schemas.openxmlformats.org/presentationml/2006/main">
+  <p:cSld>
+    <p:spTree>
+      <p:nvGrpSpPr>
+        <p:cNvPr id="1" name=""/>
+        <p:cNvGrpSpPr/>
+        <p:nvPr/>
+      </p:nvGrpSpPr>
+      <p:grpSpPr>
+        <a:xfrm>
+          <a:off x="0" y="0"/>
+          <a:ext cx="0" cy="0"/>
+          <a:chOff x="0" y="0"/>
+          <a:chExt cx="0" cy="0"/>
+        </a:xfrm>
+      </p:grpSpPr>
+      <p:sp>
+        <p:nvSpPr>
+          <p:cNvPr id="2" name="幻灯片图像占位符 1"/>
+          <p:cNvSpPr>
+            <a:spLocks noGrp="1" noRot="1" noChangeAspect="1"/>
+          </p:cNvSpPr>
+          <p:nvPr>
+            <p:ph type="sldImg"/>
+          </p:nvPr>
+        </p:nvSpPr>
+        <p:spPr/>
+      </p:sp>
+      <p:sp>
+        <p:nvSpPr>
+          <p:cNvPr id="3" name="备注占位符 2"/>
+          <p:cNvSpPr>
+            <a:spLocks noGrp="1"/>
+          </p:cNvSpPr>
+          <p:nvPr>
+            <p:ph type="body" idx="1"/>
+          </p:nvPr>
+        </p:nvSpPr>
+        <p:spPr/>
+        <p:txBody>
+          <a:bodyPr>
+            <a:normAutofit/>
+          </a:bodyPr>
+          <a:lstStyle/>
+          <a:p>
+            <a:endParaRPr lang="zh-CN" altLang="en-US" dirty="0"/>
+          </a:p>
+        </p:txBody>
+      </p:sp>
+      <p:sp>
+        <p:nvSpPr>
+          <p:cNvPr id="4" name="灯片编号占位符 3"/>
+          <p:cNvSpPr>
+            <a:spLocks noGrp="1"/>
+          </p:cNvSpPr>
+          <p:nvPr>
+            <p:ph type="sldNum" sz="quarter" idx="10"/>
+          </p:nvPr>
+        </p:nvSpPr>
+        <p:spPr/>
+        <p:txBody>
+          <a:bodyPr/>
+          <a:lstStyle/>
+          <a:p>
+            <a:fld id="{F36645F3-DF14-4580-88C0-61136AC25E0B}" type="slidenum">
+              <a:rPr lang="zh-CN" altLang="en-US" smtClean="0"/>
+              <a:pPr/>
+              <a:t>39</a:t>
             </a:fld>
             <a:endParaRPr lang="zh-CN" altLang="en-US"/>
           </a:p>
@@ -1387,7 +1479,7 @@
             <a:fld id="{F36645F3-DF14-4580-88C0-61136AC25E0B}" type="slidenum">
               <a:rPr lang="zh-CN" altLang="en-US" smtClean="0"/>
               <a:pPr/>
-              <a:t>33</a:t>
+              <a:t>34</a:t>
             </a:fld>
             <a:endParaRPr lang="zh-CN" altLang="en-US"/>
           </a:p>
@@ -1536,7 +1628,7 @@
             <a:fld id="{530820CF-B880-4189-942D-D702A7CBA730}" type="datetimeFigureOut">
               <a:rPr lang="zh-CN" altLang="en-US" smtClean="0"/>
               <a:pPr/>
-              <a:t>2017/10/20</a:t>
+              <a:t>2017/10/23</a:t>
             </a:fld>
             <a:endParaRPr lang="zh-CN" altLang="en-US"/>
           </a:p>
@@ -1851,7 +1943,7 @@
             <a:fld id="{530820CF-B880-4189-942D-D702A7CBA730}" type="datetimeFigureOut">
               <a:rPr lang="zh-CN" altLang="en-US" smtClean="0"/>
               <a:pPr/>
-              <a:t>2017/10/20</a:t>
+              <a:t>2017/10/23</a:t>
             </a:fld>
             <a:endParaRPr lang="zh-CN" altLang="en-US"/>
           </a:p>
@@ -2038,7 +2130,7 @@
             <a:fld id="{530820CF-B880-4189-942D-D702A7CBA730}" type="datetimeFigureOut">
               <a:rPr lang="zh-CN" altLang="en-US" smtClean="0"/>
               <a:pPr/>
-              <a:t>2017/10/20</a:t>
+              <a:t>2017/10/23</a:t>
             </a:fld>
             <a:endParaRPr lang="zh-CN" altLang="en-US"/>
           </a:p>
@@ -2215,7 +2307,7 @@
             <a:fld id="{530820CF-B880-4189-942D-D702A7CBA730}" type="datetimeFigureOut">
               <a:rPr lang="zh-CN" altLang="en-US" smtClean="0"/>
               <a:pPr/>
-              <a:t>2017/10/20</a:t>
+              <a:t>2017/10/23</a:t>
             </a:fld>
             <a:endParaRPr lang="zh-CN" altLang="en-US"/>
           </a:p>
@@ -2485,7 +2577,7 @@
             <a:fld id="{530820CF-B880-4189-942D-D702A7CBA730}" type="datetimeFigureOut">
               <a:rPr lang="zh-CN" altLang="en-US" smtClean="0"/>
               <a:pPr/>
-              <a:t>2017/10/20</a:t>
+              <a:t>2017/10/23</a:t>
             </a:fld>
             <a:endParaRPr lang="zh-CN" altLang="en-US"/>
           </a:p>
@@ -2955,7 +3047,7 @@
             <a:fld id="{530820CF-B880-4189-942D-D702A7CBA730}" type="datetimeFigureOut">
               <a:rPr lang="zh-CN" altLang="en-US" smtClean="0"/>
               <a:pPr/>
-              <a:t>2017/10/20</a:t>
+              <a:t>2017/10/23</a:t>
             </a:fld>
             <a:endParaRPr lang="zh-CN" altLang="en-US"/>
           </a:p>
@@ -3446,7 +3538,7 @@
             <a:fld id="{530820CF-B880-4189-942D-D702A7CBA730}" type="datetimeFigureOut">
               <a:rPr lang="zh-CN" altLang="en-US" smtClean="0"/>
               <a:pPr/>
-              <a:t>2017/10/20</a:t>
+              <a:t>2017/10/23</a:t>
             </a:fld>
             <a:endParaRPr lang="zh-CN" altLang="en-US"/>
           </a:p>
@@ -3574,7 +3666,7 @@
             <a:fld id="{530820CF-B880-4189-942D-D702A7CBA730}" type="datetimeFigureOut">
               <a:rPr lang="zh-CN" altLang="en-US" smtClean="0"/>
               <a:pPr/>
-              <a:t>2017/10/20</a:t>
+              <a:t>2017/10/23</a:t>
             </a:fld>
             <a:endParaRPr lang="zh-CN" altLang="en-US"/>
           </a:p>
@@ -3720,7 +3812,7 @@
             <a:fld id="{530820CF-B880-4189-942D-D702A7CBA730}" type="datetimeFigureOut">
               <a:rPr lang="zh-CN" altLang="en-US" smtClean="0"/>
               <a:pPr/>
-              <a:t>2017/10/20</a:t>
+              <a:t>2017/10/23</a:t>
             </a:fld>
             <a:endParaRPr lang="zh-CN" altLang="en-US"/>
           </a:p>
@@ -4044,7 +4136,7 @@
             <a:fld id="{530820CF-B880-4189-942D-D702A7CBA730}" type="datetimeFigureOut">
               <a:rPr lang="zh-CN" altLang="en-US" smtClean="0"/>
               <a:pPr/>
-              <a:t>2017/10/20</a:t>
+              <a:t>2017/10/23</a:t>
             </a:fld>
             <a:endParaRPr lang="zh-CN" altLang="en-US"/>
           </a:p>
@@ -4180,7 +4272,7 @@
             <a:fld id="{530820CF-B880-4189-942D-D702A7CBA730}" type="datetimeFigureOut">
               <a:rPr lang="zh-CN" altLang="en-US" smtClean="0"/>
               <a:pPr/>
-              <a:t>2017/10/20</a:t>
+              <a:t>2017/10/23</a:t>
             </a:fld>
             <a:endParaRPr lang="zh-CN" altLang="en-US"/>
           </a:p>
@@ -4963,7 +5055,7 @@
             <a:fld id="{530820CF-B880-4189-942D-D702A7CBA730}" type="datetimeFigureOut">
               <a:rPr lang="zh-CN" altLang="en-US" smtClean="0"/>
               <a:pPr/>
-              <a:t>2017/10/20</a:t>
+              <a:t>2017/10/23</a:t>
             </a:fld>
             <a:endParaRPr lang="zh-CN" altLang="en-US"/>
           </a:p>
@@ -6779,11 +6871,7 @@
           <a:p>
             <a:r>
               <a:rPr lang="zh-CN" altLang="en-US" dirty="0" smtClean="0"/>
-              <a:t>“项目”</a:t>
-            </a:r>
-            <a:r>
-              <a:rPr lang="zh-CN" altLang="en-US" dirty="0" smtClean="0"/>
-              <a:t>升级</a:t>
+              <a:t>“项目”升级</a:t>
             </a:r>
             <a:endParaRPr lang="zh-CN" altLang="en-US" dirty="0"/>
           </a:p>
@@ -7846,9 +7934,13 @@
           <a:p>
             <a:r>
               <a:rPr lang="zh-CN" altLang="en-US" dirty="0" smtClean="0"/>
-              <a:t>穷人的孩子早当家</a:t>
-            </a:r>
-            <a:endParaRPr lang="zh-CN" altLang="en-US" dirty="0"/>
+              <a:t>穷人的孩子早</a:t>
+            </a:r>
+            <a:r>
+              <a:rPr lang="zh-CN" altLang="en-US" dirty="0" smtClean="0"/>
+              <a:t>当家</a:t>
+            </a:r>
+            <a:endParaRPr lang="en-US" altLang="zh-CN" dirty="0" smtClean="0"/>
           </a:p>
         </p:txBody>
       </p:sp>
@@ -9417,7 +9509,138 @@
           <a:p>
             <a:r>
               <a:rPr lang="zh-CN" altLang="en-US" dirty="0" smtClean="0"/>
-              <a:t>再探</a:t>
+              <a:t>设定目标</a:t>
+            </a:r>
+            <a:endParaRPr lang="zh-CN" altLang="en-US" dirty="0"/>
+          </a:p>
+        </p:txBody>
+      </p:sp>
+      <p:sp>
+        <p:nvSpPr>
+          <p:cNvPr id="3" name="内容占位符 2"/>
+          <p:cNvSpPr>
+            <a:spLocks noGrp="1"/>
+          </p:cNvSpPr>
+          <p:nvPr>
+            <p:ph idx="1"/>
+          </p:nvPr>
+        </p:nvSpPr>
+        <p:spPr/>
+        <p:txBody>
+          <a:bodyPr/>
+          <a:lstStyle/>
+          <a:p>
+            <a:r>
+              <a:rPr lang="zh-CN" altLang="en-US" dirty="0" smtClean="0"/>
+              <a:t>用后端的高级语法</a:t>
+            </a:r>
+            <a:r>
+              <a:rPr lang="en-US" altLang="zh-CN" dirty="0" smtClean="0"/>
+              <a:t>(es6)</a:t>
+            </a:r>
+            <a:r>
+              <a:rPr lang="zh-CN" altLang="en-US" dirty="0" smtClean="0"/>
+              <a:t>写一段</a:t>
+            </a:r>
+            <a:r>
+              <a:rPr lang="en-US" altLang="zh-CN" dirty="0" err="1" smtClean="0"/>
+              <a:t>js</a:t>
+            </a:r>
+            <a:r>
+              <a:rPr lang="zh-CN" altLang="en-US" dirty="0" smtClean="0"/>
+              <a:t>代码，并编译成浏览器可执行的</a:t>
+            </a:r>
+            <a:r>
+              <a:rPr lang="en-US" altLang="zh-CN" dirty="0" err="1" smtClean="0"/>
+              <a:t>js</a:t>
+            </a:r>
+            <a:r>
+              <a:rPr lang="zh-CN" altLang="en-US" dirty="0" smtClean="0"/>
+              <a:t>代码</a:t>
+            </a:r>
+            <a:r>
+              <a:rPr lang="en-US" altLang="zh-CN" dirty="0" smtClean="0"/>
+              <a:t>(</a:t>
+            </a:r>
+            <a:r>
+              <a:rPr lang="en-US" altLang="zh-CN" dirty="0" smtClean="0"/>
+              <a:t>es5)</a:t>
+            </a:r>
+            <a:endParaRPr lang="zh-CN" altLang="en-US" dirty="0"/>
+          </a:p>
+        </p:txBody>
+      </p:sp>
+    </p:spTree>
+  </p:cSld>
+  <p:clrMapOvr>
+    <a:overrideClrMapping bg1="lt1" tx1="dk1" bg2="lt2" tx2="dk2" accent1="accent1" accent2="accent2" accent3="accent3" accent4="accent4" accent5="accent5" accent6="accent6" hlink="hlink" folHlink="folHlink"/>
+  </p:clrMapOvr>
+  <p:timing>
+    <p:tnLst>
+      <p:par>
+        <p:cTn id="1" dur="indefinite" restart="never" nodeType="tmRoot"/>
+      </p:par>
+    </p:tnLst>
+  </p:timing>
+</p:sld>
+</file>
+
+<file path=ppt/slides/slide24.xml><?xml version="1.0" encoding="utf-8"?>
+<p:sld xmlns:a="http://schemas.openxmlformats.org/drawingml/2006/main" xmlns:r="http://schemas.openxmlformats.org/officeDocument/2006/relationships" xmlns:p="http://schemas.openxmlformats.org/presentationml/2006/main">
+  <p:cSld>
+    <p:bg>
+      <p:bgPr>
+        <a:blipFill>
+          <a:blip r:embed="rId3"/>
+          <a:tile tx="0" ty="0" sx="100000" sy="100000" flip="none" algn="tl"/>
+        </a:blipFill>
+        <a:effectLst/>
+      </p:bgPr>
+    </p:bg>
+    <p:spTree>
+      <p:nvGrpSpPr>
+        <p:cNvPr id="1" name=""/>
+        <p:cNvGrpSpPr/>
+        <p:nvPr/>
+      </p:nvGrpSpPr>
+      <p:grpSpPr>
+        <a:xfrm>
+          <a:off x="0" y="0"/>
+          <a:ext cx="0" cy="0"/>
+          <a:chOff x="0" y="0"/>
+          <a:chExt cx="0" cy="0"/>
+        </a:xfrm>
+      </p:grpSpPr>
+      <p:sp>
+        <p:nvSpPr>
+          <p:cNvPr id="2" name="标题 1"/>
+          <p:cNvSpPr>
+            <a:spLocks noGrp="1"/>
+          </p:cNvSpPr>
+          <p:nvPr>
+            <p:ph type="title"/>
+          </p:nvPr>
+        </p:nvSpPr>
+        <p:spPr/>
+        <p:txBody>
+          <a:bodyPr/>
+          <a:lstStyle/>
+          <a:p>
+            <a:r>
+              <a:rPr lang="zh-CN" altLang="en-US" dirty="0" smtClean="0"/>
+              <a:t>搭建开发环境</a:t>
+            </a:r>
+            <a:r>
+              <a:rPr lang="en-US" altLang="zh-CN" dirty="0" smtClean="0"/>
+              <a:t>——</a:t>
+            </a:r>
+            <a:r>
+              <a:rPr lang="zh-CN" altLang="en-US" dirty="0" smtClean="0"/>
+              <a:t>再</a:t>
+            </a:r>
+            <a:r>
+              <a:rPr lang="zh-CN" altLang="en-US" dirty="0" smtClean="0"/>
+              <a:t>探</a:t>
             </a:r>
             <a:r>
               <a:rPr lang="en-US" altLang="zh-CN" dirty="0" smtClean="0"/>
@@ -9624,7 +9847,7 @@
 </p:sld>
 </file>
 
-<file path=ppt/slides/slide24.xml><?xml version="1.0" encoding="utf-8"?>
+<file path=ppt/slides/slide25.xml><?xml version="1.0" encoding="utf-8"?>
 <p:sld xmlns:a="http://schemas.openxmlformats.org/drawingml/2006/main" xmlns:r="http://schemas.openxmlformats.org/officeDocument/2006/relationships" xmlns:p="http://schemas.openxmlformats.org/presentationml/2006/main">
   <p:cSld>
     <p:bg>
@@ -9741,7 +9964,7 @@
 </p:sld>
 </file>
 
-<file path=ppt/slides/slide25.xml><?xml version="1.0" encoding="utf-8"?>
+<file path=ppt/slides/slide26.xml><?xml version="1.0" encoding="utf-8"?>
 <p:sld xmlns:a="http://schemas.openxmlformats.org/drawingml/2006/main" xmlns:r="http://schemas.openxmlformats.org/officeDocument/2006/relationships" xmlns:p="http://schemas.openxmlformats.org/presentationml/2006/main">
   <p:cSld>
     <p:bg>
@@ -9783,8 +10006,16 @@
           <a:lstStyle/>
           <a:p>
             <a:r>
+              <a:rPr lang="zh-CN" altLang="en-US" dirty="0" smtClean="0"/>
+              <a:t>使用</a:t>
+            </a:r>
+            <a:r>
               <a:rPr lang="en-US" altLang="zh-CN" dirty="0" smtClean="0"/>
-              <a:t>ES6 ——</a:t>
+              <a:t>ES6 </a:t>
+            </a:r>
+            <a:r>
+              <a:rPr lang="en-US" altLang="zh-CN" dirty="0" smtClean="0"/>
+              <a:t>——</a:t>
             </a:r>
             <a:r>
               <a:rPr lang="zh-CN" altLang="en-US" dirty="0" smtClean="0"/>
@@ -9986,7 +10217,7 @@
 </p:sld>
 </file>
 
-<file path=ppt/slides/slide26.xml><?xml version="1.0" encoding="utf-8"?>
+<file path=ppt/slides/slide27.xml><?xml version="1.0" encoding="utf-8"?>
 <p:sld xmlns:a="http://schemas.openxmlformats.org/drawingml/2006/main" xmlns:r="http://schemas.openxmlformats.org/officeDocument/2006/relationships" xmlns:p="http://schemas.openxmlformats.org/presentationml/2006/main">
   <p:cSld>
     <p:bg>
@@ -10027,6 +10258,10 @@
           <a:bodyPr/>
           <a:lstStyle/>
           <a:p>
+            <a:r>
+              <a:rPr lang="zh-CN" altLang="en-US" dirty="0" smtClean="0"/>
+              <a:t>使用</a:t>
+            </a:r>
             <a:r>
               <a:rPr lang="en-US" altLang="zh-CN" dirty="0" smtClean="0"/>
               <a:t>ES6 </a:t>
@@ -10718,7 +10953,7 @@
 </p:sld>
 </file>
 
-<file path=ppt/slides/slide27.xml><?xml version="1.0" encoding="utf-8"?>
+<file path=ppt/slides/slide28.xml><?xml version="1.0" encoding="utf-8"?>
 <p:sld xmlns:a="http://schemas.openxmlformats.org/drawingml/2006/main" xmlns:r="http://schemas.openxmlformats.org/officeDocument/2006/relationships" xmlns:p="http://schemas.openxmlformats.org/presentationml/2006/main">
   <p:cSld>
     <p:bg>
@@ -10759,6 +10994,14 @@
           <a:bodyPr/>
           <a:lstStyle/>
           <a:p>
+            <a:r>
+              <a:rPr lang="zh-CN" altLang="en-US" dirty="0" smtClean="0"/>
+              <a:t>使用</a:t>
+            </a:r>
+            <a:r>
+              <a:rPr lang="zh-CN" altLang="en-US" dirty="0" smtClean="0"/>
+              <a:t>使用</a:t>
+            </a:r>
             <a:r>
               <a:rPr lang="en-US" altLang="zh-CN" dirty="0" smtClean="0"/>
               <a:t>ES6 </a:t>
@@ -10934,7 +11177,7 @@
 </p:sld>
 </file>
 
-<file path=ppt/slides/slide28.xml><?xml version="1.0" encoding="utf-8"?>
+<file path=ppt/slides/slide29.xml><?xml version="1.0" encoding="utf-8"?>
 <p:sld xmlns:a="http://schemas.openxmlformats.org/drawingml/2006/main" xmlns:r="http://schemas.openxmlformats.org/officeDocument/2006/relationships" xmlns:p="http://schemas.openxmlformats.org/presentationml/2006/main">
   <p:cSld>
     <p:bg>
@@ -10976,6 +11219,10 @@
           <a:lstStyle/>
           <a:p>
             <a:r>
+              <a:rPr lang="zh-CN" altLang="en-US" dirty="0" smtClean="0"/>
+              <a:t>使用</a:t>
+            </a:r>
+            <a:r>
               <a:rPr lang="en-US" altLang="zh-CN" dirty="0" smtClean="0"/>
               <a:t>ES6 </a:t>
             </a:r>
@@ -10985,11 +11232,7 @@
             </a:r>
             <a:r>
               <a:rPr lang="zh-CN" altLang="en-US" dirty="0" smtClean="0"/>
-              <a:t>默认</a:t>
-            </a:r>
-            <a:r>
-              <a:rPr lang="zh-CN" altLang="en-US" dirty="0" smtClean="0"/>
-              <a:t>值</a:t>
+              <a:t>默认值</a:t>
             </a:r>
             <a:endParaRPr lang="zh-CN" altLang="en-US" dirty="0"/>
           </a:p>
@@ -11498,7 +11741,146 @@
 </p:sld>
 </file>
 
-<file path=ppt/slides/slide29.xml><?xml version="1.0" encoding="utf-8"?>
+<file path=ppt/slides/slide3.xml><?xml version="1.0" encoding="utf-8"?>
+<p:sld xmlns:a="http://schemas.openxmlformats.org/drawingml/2006/main" xmlns:r="http://schemas.openxmlformats.org/officeDocument/2006/relationships" xmlns:p="http://schemas.openxmlformats.org/presentationml/2006/main">
+  <p:cSld>
+    <p:spTree>
+      <p:nvGrpSpPr>
+        <p:cNvPr id="1" name=""/>
+        <p:cNvGrpSpPr/>
+        <p:nvPr/>
+      </p:nvGrpSpPr>
+      <p:grpSpPr>
+        <a:xfrm>
+          <a:off x="0" y="0"/>
+          <a:ext cx="0" cy="0"/>
+          <a:chOff x="0" y="0"/>
+          <a:chExt cx="0" cy="0"/>
+        </a:xfrm>
+      </p:grpSpPr>
+      <p:sp>
+        <p:nvSpPr>
+          <p:cNvPr id="2" name="标题 1"/>
+          <p:cNvSpPr>
+            <a:spLocks noGrp="1"/>
+          </p:cNvSpPr>
+          <p:nvPr>
+            <p:ph type="title"/>
+          </p:nvPr>
+        </p:nvSpPr>
+        <p:spPr/>
+        <p:txBody>
+          <a:bodyPr/>
+          <a:lstStyle/>
+          <a:p>
+            <a:r>
+              <a:rPr lang="zh-CN" altLang="en-US" dirty="0" smtClean="0"/>
+              <a:t>总技术架构</a:t>
+            </a:r>
+            <a:endParaRPr lang="zh-CN" altLang="en-US" dirty="0"/>
+          </a:p>
+        </p:txBody>
+      </p:sp>
+      <p:sp>
+        <p:nvSpPr>
+          <p:cNvPr id="3" name="内容占位符 2"/>
+          <p:cNvSpPr>
+            <a:spLocks noGrp="1"/>
+          </p:cNvSpPr>
+          <p:nvPr>
+            <p:ph idx="1"/>
+          </p:nvPr>
+        </p:nvSpPr>
+        <p:spPr/>
+        <p:txBody>
+          <a:bodyPr/>
+          <a:lstStyle/>
+          <a:p>
+            <a:endParaRPr lang="zh-CN" altLang="en-US" dirty="0"/>
+          </a:p>
+        </p:txBody>
+      </p:sp>
+      <p:sp>
+        <p:nvSpPr>
+          <p:cNvPr id="5" name="TextBox 4"/>
+          <p:cNvSpPr txBox="1"/>
+          <p:nvPr/>
+        </p:nvSpPr>
+        <p:spPr>
+          <a:xfrm>
+            <a:off x="428564" y="6286520"/>
+            <a:ext cx="8715436" cy="369332"/>
+          </a:xfrm>
+          <a:prstGeom prst="rect">
+            <a:avLst/>
+          </a:prstGeom>
+          <a:noFill/>
+        </p:spPr>
+        <p:txBody>
+          <a:bodyPr wrap="square" rtlCol="0">
+            <a:spAutoFit/>
+          </a:bodyPr>
+          <a:lstStyle/>
+          <a:p>
+            <a:r>
+              <a:rPr lang="en-US" altLang="zh-CN" dirty="0" smtClean="0">
+                <a:hlinkClick r:id="rId3"/>
+              </a:rPr>
+              <a:t>https://www.processon.com/view/link/59e407e3e4b06e04d962234d</a:t>
+            </a:r>
+            <a:endParaRPr lang="zh-CN" altLang="en-US" dirty="0"/>
+          </a:p>
+        </p:txBody>
+      </p:sp>
+      <p:pic>
+        <p:nvPicPr>
+          <p:cNvPr id="1027" name="Picture 3"/>
+          <p:cNvPicPr>
+            <a:picLocks noChangeAspect="1" noChangeArrowheads="1"/>
+          </p:cNvPicPr>
+          <p:nvPr/>
+        </p:nvPicPr>
+        <p:blipFill>
+          <a:blip r:embed="rId4"/>
+          <a:srcRect/>
+          <a:stretch>
+            <a:fillRect/>
+          </a:stretch>
+        </p:blipFill>
+        <p:spPr bwMode="auto">
+          <a:xfrm>
+            <a:off x="-285784" y="1357298"/>
+            <a:ext cx="9787006" cy="4708919"/>
+          </a:xfrm>
+          <a:prstGeom prst="rect">
+            <a:avLst/>
+          </a:prstGeom>
+          <a:noFill/>
+          <a:ln w="9525">
+            <a:noFill/>
+            <a:miter lim="800000"/>
+            <a:headEnd/>
+            <a:tailEnd/>
+          </a:ln>
+          <a:effectLst/>
+        </p:spPr>
+      </p:pic>
+    </p:spTree>
+  </p:cSld>
+  <p:clrMapOvr>
+    <a:masterClrMapping/>
+  </p:clrMapOvr>
+  <p:timing>
+    <p:tnLst>
+      <p:par>
+        <p:cTn id="1" dur="indefinite" restart="never" nodeType="tmRoot"/>
+      </p:par>
+    </p:tnLst>
+  </p:timing>
+</p:sld>
+</file>
+
+<file path=ppt/slides/slide30.xml><?xml version="1.0" encoding="utf-8"?>
 <p:sld xmlns:a="http://schemas.openxmlformats.org/drawingml/2006/main" xmlns:r="http://schemas.openxmlformats.org/officeDocument/2006/relationships" xmlns:p="http://schemas.openxmlformats.org/presentationml/2006/main">
   <p:cSld>
     <p:bg>
@@ -11830,146 +12212,7 @@
 </p:sld>
 </file>
 
-<file path=ppt/slides/slide3.xml><?xml version="1.0" encoding="utf-8"?>
-<p:sld xmlns:a="http://schemas.openxmlformats.org/drawingml/2006/main" xmlns:r="http://schemas.openxmlformats.org/officeDocument/2006/relationships" xmlns:p="http://schemas.openxmlformats.org/presentationml/2006/main">
-  <p:cSld>
-    <p:spTree>
-      <p:nvGrpSpPr>
-        <p:cNvPr id="1" name=""/>
-        <p:cNvGrpSpPr/>
-        <p:nvPr/>
-      </p:nvGrpSpPr>
-      <p:grpSpPr>
-        <a:xfrm>
-          <a:off x="0" y="0"/>
-          <a:ext cx="0" cy="0"/>
-          <a:chOff x="0" y="0"/>
-          <a:chExt cx="0" cy="0"/>
-        </a:xfrm>
-      </p:grpSpPr>
-      <p:sp>
-        <p:nvSpPr>
-          <p:cNvPr id="2" name="标题 1"/>
-          <p:cNvSpPr>
-            <a:spLocks noGrp="1"/>
-          </p:cNvSpPr>
-          <p:nvPr>
-            <p:ph type="title"/>
-          </p:nvPr>
-        </p:nvSpPr>
-        <p:spPr/>
-        <p:txBody>
-          <a:bodyPr/>
-          <a:lstStyle/>
-          <a:p>
-            <a:r>
-              <a:rPr lang="zh-CN" altLang="en-US" dirty="0" smtClean="0"/>
-              <a:t>总技术架构</a:t>
-            </a:r>
-            <a:endParaRPr lang="zh-CN" altLang="en-US" dirty="0"/>
-          </a:p>
-        </p:txBody>
-      </p:sp>
-      <p:sp>
-        <p:nvSpPr>
-          <p:cNvPr id="3" name="内容占位符 2"/>
-          <p:cNvSpPr>
-            <a:spLocks noGrp="1"/>
-          </p:cNvSpPr>
-          <p:nvPr>
-            <p:ph idx="1"/>
-          </p:nvPr>
-        </p:nvSpPr>
-        <p:spPr/>
-        <p:txBody>
-          <a:bodyPr/>
-          <a:lstStyle/>
-          <a:p>
-            <a:endParaRPr lang="zh-CN" altLang="en-US" dirty="0"/>
-          </a:p>
-        </p:txBody>
-      </p:sp>
-      <p:sp>
-        <p:nvSpPr>
-          <p:cNvPr id="5" name="TextBox 4"/>
-          <p:cNvSpPr txBox="1"/>
-          <p:nvPr/>
-        </p:nvSpPr>
-        <p:spPr>
-          <a:xfrm>
-            <a:off x="428564" y="6286520"/>
-            <a:ext cx="8715436" cy="369332"/>
-          </a:xfrm>
-          <a:prstGeom prst="rect">
-            <a:avLst/>
-          </a:prstGeom>
-          <a:noFill/>
-        </p:spPr>
-        <p:txBody>
-          <a:bodyPr wrap="square" rtlCol="0">
-            <a:spAutoFit/>
-          </a:bodyPr>
-          <a:lstStyle/>
-          <a:p>
-            <a:r>
-              <a:rPr lang="en-US" altLang="zh-CN" dirty="0" smtClean="0">
-                <a:hlinkClick r:id="rId3"/>
-              </a:rPr>
-              <a:t>https://www.processon.com/view/link/59e407e3e4b06e04d962234d</a:t>
-            </a:r>
-            <a:endParaRPr lang="zh-CN" altLang="en-US" dirty="0"/>
-          </a:p>
-        </p:txBody>
-      </p:sp>
-      <p:pic>
-        <p:nvPicPr>
-          <p:cNvPr id="1027" name="Picture 3"/>
-          <p:cNvPicPr>
-            <a:picLocks noChangeAspect="1" noChangeArrowheads="1"/>
-          </p:cNvPicPr>
-          <p:nvPr/>
-        </p:nvPicPr>
-        <p:blipFill>
-          <a:blip r:embed="rId4"/>
-          <a:srcRect/>
-          <a:stretch>
-            <a:fillRect/>
-          </a:stretch>
-        </p:blipFill>
-        <p:spPr bwMode="auto">
-          <a:xfrm>
-            <a:off x="-285784" y="1357298"/>
-            <a:ext cx="9787006" cy="4708919"/>
-          </a:xfrm>
-          <a:prstGeom prst="rect">
-            <a:avLst/>
-          </a:prstGeom>
-          <a:noFill/>
-          <a:ln w="9525">
-            <a:noFill/>
-            <a:miter lim="800000"/>
-            <a:headEnd/>
-            <a:tailEnd/>
-          </a:ln>
-          <a:effectLst/>
-        </p:spPr>
-      </p:pic>
-    </p:spTree>
-  </p:cSld>
-  <p:clrMapOvr>
-    <a:masterClrMapping/>
-  </p:clrMapOvr>
-  <p:timing>
-    <p:tnLst>
-      <p:par>
-        <p:cTn id="1" dur="indefinite" restart="never" nodeType="tmRoot"/>
-      </p:par>
-    </p:tnLst>
-  </p:timing>
-</p:sld>
-</file>
-
-<file path=ppt/slides/slide30.xml><?xml version="1.0" encoding="utf-8"?>
+<file path=ppt/slides/slide31.xml><?xml version="1.0" encoding="utf-8"?>
 <p:sld xmlns:a="http://schemas.openxmlformats.org/drawingml/2006/main" xmlns:r="http://schemas.openxmlformats.org/officeDocument/2006/relationships" xmlns:p="http://schemas.openxmlformats.org/presentationml/2006/main">
   <p:cSld>
     <p:bg>
@@ -12134,7 +12377,7 @@
 </p:sld>
 </file>
 
-<file path=ppt/slides/slide31.xml><?xml version="1.0" encoding="utf-8"?>
+<file path=ppt/slides/slide32.xml><?xml version="1.0" encoding="utf-8"?>
 <p:sld xmlns:a="http://schemas.openxmlformats.org/drawingml/2006/main" xmlns:r="http://schemas.openxmlformats.org/officeDocument/2006/relationships" xmlns:p="http://schemas.openxmlformats.org/presentationml/2006/main">
   <p:cSld>
     <p:bg>
@@ -12412,7 +12655,7 @@
 </p:sld>
 </file>
 
-<file path=ppt/slides/slide32.xml><?xml version="1.0" encoding="utf-8"?>
+<file path=ppt/slides/slide33.xml><?xml version="1.0" encoding="utf-8"?>
 <p:sld xmlns:a="http://schemas.openxmlformats.org/drawingml/2006/main" xmlns:r="http://schemas.openxmlformats.org/officeDocument/2006/relationships" xmlns:p="http://schemas.openxmlformats.org/presentationml/2006/main">
   <p:cSld>
     <p:bg>
@@ -12496,13 +12739,7 @@
               <a:rPr lang="zh-CN" altLang="en-US" dirty="0" smtClean="0">
                 <a:hlinkClick r:id="rId5"/>
               </a:rPr>
-              <a:t>海外建课</a:t>
-            </a:r>
-            <a:r>
-              <a:rPr lang="zh-CN" altLang="en-US" dirty="0" smtClean="0">
-                <a:hlinkClick r:id="rId5"/>
-              </a:rPr>
-              <a:t>项目课程资料</a:t>
+              <a:t>海外建课项目课程资料</a:t>
             </a:r>
             <a:endParaRPr lang="en-US" altLang="zh-CN" dirty="0" smtClean="0"/>
           </a:p>
@@ -12511,13 +12748,7 @@
               <a:rPr lang="zh-CN" altLang="en-US" dirty="0" smtClean="0">
                 <a:hlinkClick r:id="rId6"/>
               </a:rPr>
-              <a:t>智慧</a:t>
-            </a:r>
-            <a:r>
-              <a:rPr lang="zh-CN" altLang="en-US" dirty="0" smtClean="0">
-                <a:hlinkClick r:id="rId6"/>
-              </a:rPr>
-              <a:t>树平台建课项目知识点</a:t>
+              <a:t>智慧树平台建课项目知识点</a:t>
             </a:r>
             <a:endParaRPr lang="en-US" altLang="zh-CN" dirty="0" smtClean="0"/>
           </a:p>
@@ -12687,7 +12918,7 @@
 </p:sld>
 </file>
 
-<file path=ppt/slides/slide33.xml><?xml version="1.0" encoding="utf-8"?>
+<file path=ppt/slides/slide34.xml><?xml version="1.0" encoding="utf-8"?>
 <p:sld xmlns:a="http://schemas.openxmlformats.org/drawingml/2006/main" xmlns:r="http://schemas.openxmlformats.org/officeDocument/2006/relationships" xmlns:p="http://schemas.openxmlformats.org/presentationml/2006/main">
   <p:cSld>
     <p:bg>
@@ -12964,9 +13195,18 @@
 </p:sld>
 </file>
 
-<file path=ppt/slides/slide34.xml><?xml version="1.0" encoding="utf-8"?>
+<file path=ppt/slides/slide35.xml><?xml version="1.0" encoding="utf-8"?>
 <p:sld xmlns:a="http://schemas.openxmlformats.org/drawingml/2006/main" xmlns:r="http://schemas.openxmlformats.org/officeDocument/2006/relationships" xmlns:p="http://schemas.openxmlformats.org/presentationml/2006/main">
   <p:cSld>
+    <p:bg>
+      <p:bgPr>
+        <a:blipFill>
+          <a:blip r:embed="rId4"/>
+          <a:tile tx="0" ty="0" sx="100000" sy="100000" flip="none" algn="tl"/>
+        </a:blipFill>
+        <a:effectLst/>
+      </p:bgPr>
+    </p:bg>
     <p:spTree>
       <p:nvGrpSpPr>
         <p:cNvPr id="1" name=""/>
@@ -13004,6 +13244,25 @@
           </a:p>
         </p:txBody>
       </p:sp>
+      <p:sp>
+        <p:nvSpPr>
+          <p:cNvPr id="10" name="内容占位符 9"/>
+          <p:cNvSpPr>
+            <a:spLocks noGrp="1"/>
+          </p:cNvSpPr>
+          <p:nvPr>
+            <p:ph idx="1"/>
+          </p:nvPr>
+        </p:nvSpPr>
+        <p:spPr/>
+        <p:txBody>
+          <a:bodyPr/>
+          <a:lstStyle/>
+          <a:p>
+            <a:endParaRPr lang="zh-CN" altLang="en-US" dirty="0"/>
+          </a:p>
+        </p:txBody>
+      </p:sp>
       <p:pic>
         <p:nvPicPr>
           <p:cNvPr id="58372" name="Picture 4"/>
@@ -13013,7 +13272,7 @@
           <p:nvPr/>
         </p:nvPicPr>
         <p:blipFill>
-          <a:blip r:embed="rId3"/>
+          <a:blip r:embed="rId5"/>
           <a:srcRect/>
           <a:stretch>
             <a:fillRect/>
@@ -13037,25 +13296,6 @@
           <a:effectLst/>
         </p:spPr>
       </p:pic>
-      <p:sp>
-        <p:nvSpPr>
-          <p:cNvPr id="10" name="内容占位符 9"/>
-          <p:cNvSpPr>
-            <a:spLocks noGrp="1"/>
-          </p:cNvSpPr>
-          <p:nvPr>
-            <p:ph idx="1"/>
-          </p:nvPr>
-        </p:nvSpPr>
-        <p:spPr/>
-        <p:txBody>
-          <a:bodyPr/>
-          <a:lstStyle/>
-          <a:p>
-            <a:endParaRPr lang="zh-CN" altLang="en-US" dirty="0"/>
-          </a:p>
-        </p:txBody>
-      </p:sp>
       <p:pic>
         <p:nvPicPr>
           <p:cNvPr id="58374" name="Picture 6"/>
@@ -13065,7 +13305,7 @@
           <p:nvPr/>
         </p:nvPicPr>
         <p:blipFill>
-          <a:blip r:embed="rId4"/>
+          <a:blip r:embed="rId6"/>
           <a:srcRect/>
           <a:stretch>
             <a:fillRect/>
@@ -13092,7 +13332,7 @@
     </p:spTree>
   </p:cSld>
   <p:clrMapOvr>
-    <a:masterClrMapping/>
+    <a:overrideClrMapping bg1="lt1" tx1="dk1" bg2="lt2" tx2="dk2" accent1="accent1" accent2="accent2" accent3="accent3" accent4="accent4" accent5="accent5" accent6="accent6" hlink="hlink" folHlink="folHlink"/>
   </p:clrMapOvr>
   <p:timing>
     <p:tnLst>
@@ -13104,9 +13344,18 @@
 </p:sld>
 </file>
 
-<file path=ppt/slides/slide35.xml><?xml version="1.0" encoding="utf-8"?>
+<file path=ppt/slides/slide36.xml><?xml version="1.0" encoding="utf-8"?>
 <p:sld xmlns:a="http://schemas.openxmlformats.org/drawingml/2006/main" xmlns:r="http://schemas.openxmlformats.org/officeDocument/2006/relationships" xmlns:p="http://schemas.openxmlformats.org/presentationml/2006/main">
   <p:cSld>
+    <p:bg>
+      <p:bgPr>
+        <a:blipFill>
+          <a:blip r:embed="rId4"/>
+          <a:tile tx="0" ty="0" sx="100000" sy="100000" flip="none" algn="tl"/>
+        </a:blipFill>
+        <a:effectLst/>
+      </p:bgPr>
+    </p:bg>
     <p:spTree>
       <p:nvGrpSpPr>
         <p:cNvPr id="1" name=""/>
@@ -13172,7 +13421,7 @@
           <p:nvPr/>
         </p:nvPicPr>
         <p:blipFill>
-          <a:blip r:embed="rId3"/>
+          <a:blip r:embed="rId5"/>
           <a:srcRect/>
           <a:stretch>
             <a:fillRect/>
@@ -13199,7 +13448,7 @@
     </p:spTree>
   </p:cSld>
   <p:clrMapOvr>
-    <a:masterClrMapping/>
+    <a:overrideClrMapping bg1="lt1" tx1="dk1" bg2="lt2" tx2="dk2" accent1="accent1" accent2="accent2" accent3="accent3" accent4="accent4" accent5="accent5" accent6="accent6" hlink="hlink" folHlink="folHlink"/>
   </p:clrMapOvr>
   <p:timing>
     <p:tnLst>
@@ -13211,9 +13460,18 @@
 </p:sld>
 </file>
 
-<file path=ppt/slides/slide36.xml><?xml version="1.0" encoding="utf-8"?>
+<file path=ppt/slides/slide37.xml><?xml version="1.0" encoding="utf-8"?>
 <p:sld xmlns:a="http://schemas.openxmlformats.org/drawingml/2006/main" xmlns:r="http://schemas.openxmlformats.org/officeDocument/2006/relationships" xmlns:p="http://schemas.openxmlformats.org/presentationml/2006/main">
   <p:cSld>
+    <p:bg>
+      <p:bgPr>
+        <a:blipFill>
+          <a:blip r:embed="rId3"/>
+          <a:tile tx="0" ty="0" sx="100000" sy="100000" flip="none" algn="tl"/>
+        </a:blipFill>
+        <a:effectLst/>
+      </p:bgPr>
+    </p:bg>
     <p:spTree>
       <p:nvGrpSpPr>
         <p:cNvPr id="1" name=""/>
@@ -13245,16 +13503,47 @@
           <a:p>
             <a:r>
               <a:rPr lang="zh-CN" altLang="en-US" dirty="0" smtClean="0"/>
-              <a:t>结果</a:t>
-            </a:r>
-            <a:r>
-              <a:rPr lang="zh-CN" altLang="en-US" dirty="0" smtClean="0"/>
-              <a:t>（一）</a:t>
+              <a:t>结果（一）</a:t>
             </a:r>
             <a:endParaRPr lang="zh-CN" altLang="en-US" dirty="0"/>
           </a:p>
         </p:txBody>
       </p:sp>
+      <p:pic>
+        <p:nvPicPr>
+          <p:cNvPr id="60419" name="Picture 3"/>
+          <p:cNvPicPr>
+            <a:picLocks noGrp="1" noChangeAspect="1" noChangeArrowheads="1"/>
+          </p:cNvPicPr>
+          <p:nvPr>
+            <p:ph idx="1"/>
+          </p:nvPr>
+        </p:nvPicPr>
+        <p:blipFill>
+          <a:blip r:embed="rId4"/>
+          <a:srcRect/>
+          <a:stretch>
+            <a:fillRect/>
+          </a:stretch>
+        </p:blipFill>
+        <p:spPr bwMode="auto">
+          <a:xfrm>
+            <a:off x="4500562" y="1785926"/>
+            <a:ext cx="4133334" cy="3314286"/>
+          </a:xfrm>
+          <a:prstGeom prst="rect">
+            <a:avLst/>
+          </a:prstGeom>
+          <a:noFill/>
+          <a:ln w="9525">
+            <a:noFill/>
+            <a:miter lim="800000"/>
+            <a:headEnd/>
+            <a:tailEnd/>
+          </a:ln>
+          <a:effectLst/>
+        </p:spPr>
+      </p:pic>
       <p:pic>
         <p:nvPicPr>
           <p:cNvPr id="60418" name="Picture 2"/>
@@ -13264,7 +13553,7 @@
           <p:nvPr/>
         </p:nvPicPr>
         <p:blipFill>
-          <a:blip r:embed="rId2"/>
+          <a:blip r:embed="rId5"/>
           <a:srcRect/>
           <a:stretch>
             <a:fillRect/>
@@ -13288,45 +13577,10 @@
           <a:effectLst/>
         </p:spPr>
       </p:pic>
-      <p:pic>
-        <p:nvPicPr>
-          <p:cNvPr id="60419" name="Picture 3"/>
-          <p:cNvPicPr>
-            <a:picLocks noGrp="1" noChangeAspect="1" noChangeArrowheads="1"/>
-          </p:cNvPicPr>
-          <p:nvPr>
-            <p:ph idx="1"/>
-          </p:nvPr>
-        </p:nvPicPr>
-        <p:blipFill>
-          <a:blip r:embed="rId3"/>
-          <a:srcRect/>
-          <a:stretch>
-            <a:fillRect/>
-          </a:stretch>
-        </p:blipFill>
-        <p:spPr bwMode="auto">
-          <a:xfrm>
-            <a:off x="4500562" y="1785926"/>
-            <a:ext cx="4133334" cy="3314286"/>
-          </a:xfrm>
-          <a:prstGeom prst="rect">
-            <a:avLst/>
-          </a:prstGeom>
-          <a:noFill/>
-          <a:ln w="9525">
-            <a:noFill/>
-            <a:miter lim="800000"/>
-            <a:headEnd/>
-            <a:tailEnd/>
-          </a:ln>
-          <a:effectLst/>
-        </p:spPr>
-      </p:pic>
     </p:spTree>
   </p:cSld>
   <p:clrMapOvr>
-    <a:masterClrMapping/>
+    <a:overrideClrMapping bg1="lt1" tx1="dk1" bg2="lt2" tx2="dk2" accent1="accent1" accent2="accent2" accent3="accent3" accent4="accent4" accent5="accent5" accent6="accent6" hlink="hlink" folHlink="folHlink"/>
   </p:clrMapOvr>
   <p:timing>
     <p:tnLst>
@@ -13338,9 +13592,18 @@
 </p:sld>
 </file>
 
-<file path=ppt/slides/slide37.xml><?xml version="1.0" encoding="utf-8"?>
+<file path=ppt/slides/slide38.xml><?xml version="1.0" encoding="utf-8"?>
 <p:sld xmlns:a="http://schemas.openxmlformats.org/drawingml/2006/main" xmlns:r="http://schemas.openxmlformats.org/officeDocument/2006/relationships" xmlns:p="http://schemas.openxmlformats.org/presentationml/2006/main">
   <p:cSld>
+    <p:bg>
+      <p:bgPr>
+        <a:blipFill>
+          <a:blip r:embed="rId3"/>
+          <a:tile tx="0" ty="0" sx="100000" sy="100000" flip="none" algn="tl"/>
+        </a:blipFill>
+        <a:effectLst/>
+      </p:bgPr>
+    </p:bg>
     <p:spTree>
       <p:nvGrpSpPr>
         <p:cNvPr id="1" name=""/>
@@ -13372,11 +13635,7 @@
           <a:p>
             <a:r>
               <a:rPr lang="zh-CN" altLang="en-US" dirty="0" smtClean="0"/>
-              <a:t>重构</a:t>
-            </a:r>
-            <a:r>
-              <a:rPr lang="zh-CN" altLang="en-US" dirty="0" smtClean="0"/>
-              <a:t>（二）</a:t>
+              <a:t>重构（二）</a:t>
             </a:r>
             <a:endParaRPr lang="zh-CN" altLang="en-US" dirty="0"/>
           </a:p>
@@ -13410,7 +13669,7 @@
           <p:nvPr/>
         </p:nvPicPr>
         <p:blipFill>
-          <a:blip r:embed="rId2"/>
+          <a:blip r:embed="rId4"/>
           <a:srcRect/>
           <a:stretch>
             <a:fillRect/>
@@ -13443,7 +13702,7 @@
           <p:nvPr/>
         </p:nvPicPr>
         <p:blipFill>
-          <a:blip r:embed="rId3"/>
+          <a:blip r:embed="rId5"/>
           <a:srcRect/>
           <a:stretch>
             <a:fillRect/>
@@ -13470,7 +13729,7 @@
     </p:spTree>
   </p:cSld>
   <p:clrMapOvr>
-    <a:masterClrMapping/>
+    <a:overrideClrMapping bg1="lt1" tx1="dk1" bg2="lt2" tx2="dk2" accent1="accent1" accent2="accent2" accent3="accent3" accent4="accent4" accent5="accent5" accent6="accent6" hlink="hlink" folHlink="folHlink"/>
   </p:clrMapOvr>
   <p:timing>
     <p:tnLst>
@@ -13482,9 +13741,18 @@
 </p:sld>
 </file>
 
-<file path=ppt/slides/slide38.xml><?xml version="1.0" encoding="utf-8"?>
+<file path=ppt/slides/slide39.xml><?xml version="1.0" encoding="utf-8"?>
 <p:sld xmlns:a="http://schemas.openxmlformats.org/drawingml/2006/main" xmlns:r="http://schemas.openxmlformats.org/officeDocument/2006/relationships" xmlns:p="http://schemas.openxmlformats.org/presentationml/2006/main">
   <p:cSld>
+    <p:bg>
+      <p:bgPr>
+        <a:blipFill>
+          <a:blip r:embed="rId4"/>
+          <a:tile tx="0" ty="0" sx="100000" sy="100000" flip="none" algn="tl"/>
+        </a:blipFill>
+        <a:effectLst/>
+      </p:bgPr>
+    </p:bg>
     <p:spTree>
       <p:nvGrpSpPr>
         <p:cNvPr id="1" name=""/>
@@ -13550,7 +13818,7 @@
           <p:nvPr/>
         </p:nvPicPr>
         <p:blipFill>
-          <a:blip r:embed="rId2"/>
+          <a:blip r:embed="rId5"/>
           <a:srcRect/>
           <a:stretch>
             <a:fillRect/>
@@ -13583,7 +13851,7 @@
           <p:nvPr/>
         </p:nvPicPr>
         <p:blipFill>
-          <a:blip r:embed="rId3"/>
+          <a:blip r:embed="rId6"/>
           <a:srcRect/>
           <a:stretch>
             <a:fillRect/>
@@ -13610,7 +13878,7 @@
     </p:spTree>
   </p:cSld>
   <p:clrMapOvr>
-    <a:masterClrMapping/>
+    <a:overrideClrMapping bg1="lt1" tx1="dk1" bg2="lt2" tx2="dk2" accent1="accent1" accent2="accent2" accent3="accent3" accent4="accent4" accent5="accent5" accent6="accent6" hlink="hlink" folHlink="folHlink"/>
   </p:clrMapOvr>
   <p:timing>
     <p:tnLst>
@@ -13698,110 +13966,6 @@
 </p:sld>
 </file>
 
-<file path=ppt/slides/slide39.xml><?xml version="1.0" encoding="utf-8"?>
-<p:sld xmlns:a="http://schemas.openxmlformats.org/drawingml/2006/main" xmlns:r="http://schemas.openxmlformats.org/officeDocument/2006/relationships" xmlns:p="http://schemas.openxmlformats.org/presentationml/2006/main">
-  <p:cSld>
-    <p:spTree>
-      <p:nvGrpSpPr>
-        <p:cNvPr id="1" name=""/>
-        <p:cNvGrpSpPr/>
-        <p:nvPr/>
-      </p:nvGrpSpPr>
-      <p:grpSpPr>
-        <a:xfrm>
-          <a:off x="0" y="0"/>
-          <a:ext cx="0" cy="0"/>
-          <a:chOff x="0" y="0"/>
-          <a:chExt cx="0" cy="0"/>
-        </a:xfrm>
-      </p:grpSpPr>
-      <p:sp>
-        <p:nvSpPr>
-          <p:cNvPr id="2" name="标题 1"/>
-          <p:cNvSpPr>
-            <a:spLocks noGrp="1"/>
-          </p:cNvSpPr>
-          <p:nvPr>
-            <p:ph type="title"/>
-          </p:nvPr>
-        </p:nvSpPr>
-        <p:spPr/>
-        <p:txBody>
-          <a:bodyPr/>
-          <a:lstStyle/>
-          <a:p>
-            <a:r>
-              <a:rPr lang="zh-CN" altLang="en-US" dirty="0" smtClean="0"/>
-              <a:t>结果</a:t>
-            </a:r>
-            <a:r>
-              <a:rPr lang="zh-CN" altLang="en-US" dirty="0" smtClean="0"/>
-              <a:t>（二）</a:t>
-            </a:r>
-            <a:endParaRPr lang="zh-CN" altLang="en-US" dirty="0"/>
-          </a:p>
-        </p:txBody>
-      </p:sp>
-      <p:sp>
-        <p:nvSpPr>
-          <p:cNvPr id="3" name="内容占位符 2"/>
-          <p:cNvSpPr>
-            <a:spLocks noGrp="1"/>
-          </p:cNvSpPr>
-          <p:nvPr>
-            <p:ph idx="1"/>
-          </p:nvPr>
-        </p:nvSpPr>
-        <p:spPr/>
-        <p:txBody>
-          <a:bodyPr/>
-          <a:lstStyle/>
-          <a:p>
-            <a:endParaRPr lang="zh-CN" altLang="en-US"/>
-          </a:p>
-        </p:txBody>
-      </p:sp>
-      <p:pic>
-        <p:nvPicPr>
-          <p:cNvPr id="63491" name="Picture 3"/>
-          <p:cNvPicPr>
-            <a:picLocks noChangeAspect="1" noChangeArrowheads="1"/>
-          </p:cNvPicPr>
-          <p:nvPr/>
-        </p:nvPicPr>
-        <p:blipFill>
-          <a:blip r:embed="rId2"/>
-          <a:srcRect/>
-          <a:stretch>
-            <a:fillRect/>
-          </a:stretch>
-        </p:blipFill>
-        <p:spPr bwMode="auto">
-          <a:xfrm>
-            <a:off x="0" y="1428736"/>
-            <a:ext cx="8866187" cy="5286375"/>
-          </a:xfrm>
-          <a:prstGeom prst="rect">
-            <a:avLst/>
-          </a:prstGeom>
-          <a:noFill/>
-          <a:ln w="9525">
-            <a:noFill/>
-            <a:miter lim="800000"/>
-            <a:headEnd/>
-            <a:tailEnd/>
-          </a:ln>
-          <a:effectLst/>
-        </p:spPr>
-      </p:pic>
-    </p:spTree>
-  </p:cSld>
-  <p:clrMapOvr>
-    <a:masterClrMapping/>
-  </p:clrMapOvr>
-</p:sld>
-</file>
-
 <file path=ppt/slides/slide4.xml><?xml version="1.0" encoding="utf-8"?>
 <p:sld xmlns:a="http://schemas.openxmlformats.org/drawingml/2006/main" xmlns:r="http://schemas.openxmlformats.org/officeDocument/2006/relationships" xmlns:p="http://schemas.openxmlformats.org/presentationml/2006/main">
   <p:cSld>
@@ -13973,7 +14137,7 @@
       </p:grpSpPr>
       <p:sp>
         <p:nvSpPr>
-          <p:cNvPr id="9" name="标题 8"/>
+          <p:cNvPr id="2" name="标题 1"/>
           <p:cNvSpPr>
             <a:spLocks noGrp="1"/>
           </p:cNvSpPr>
@@ -13986,13 +14150,17 @@
           <a:bodyPr/>
           <a:lstStyle/>
           <a:p>
+            <a:r>
+              <a:rPr lang="zh-CN" altLang="en-US" dirty="0" smtClean="0"/>
+              <a:t>结果（二）</a:t>
+            </a:r>
             <a:endParaRPr lang="zh-CN" altLang="en-US" dirty="0"/>
           </a:p>
         </p:txBody>
       </p:sp>
       <p:sp>
         <p:nvSpPr>
-          <p:cNvPr id="5" name="内容占位符 4"/>
+          <p:cNvPr id="3" name="内容占位符 2"/>
           <p:cNvSpPr>
             <a:spLocks noGrp="1"/>
           </p:cNvSpPr>
@@ -14002,92 +14170,46 @@
         </p:nvSpPr>
         <p:spPr/>
         <p:txBody>
-          <a:bodyPr>
-            <a:normAutofit/>
-          </a:bodyPr>
+          <a:bodyPr/>
           <a:lstStyle/>
           <a:p>
-            <a:r>
-              <a:rPr lang="zh-CN" altLang="en-US" dirty="0" smtClean="0"/>
-              <a:t>计算机技术是有层次的。</a:t>
-            </a:r>
-            <a:br>
-              <a:rPr lang="zh-CN" altLang="en-US" dirty="0" smtClean="0"/>
-            </a:br>
-            <a:r>
-              <a:rPr lang="zh-CN" altLang="en-US" dirty="0" smtClean="0"/>
-              <a:t>举个例子：</a:t>
-            </a:r>
-            <a:br>
-              <a:rPr lang="zh-CN" altLang="en-US" dirty="0" smtClean="0"/>
-            </a:br>
-            <a:r>
-              <a:rPr lang="en-US" altLang="zh-CN" dirty="0" smtClean="0"/>
-              <a:t>bootstrap -&gt; </a:t>
-            </a:r>
-            <a:r>
-              <a:rPr lang="en-US" altLang="zh-CN" dirty="0" err="1" smtClean="0"/>
-              <a:t>jQuery</a:t>
-            </a:r>
-            <a:r>
-              <a:rPr lang="en-US" altLang="zh-CN" dirty="0" smtClean="0"/>
-              <a:t> -&gt; </a:t>
-            </a:r>
-            <a:r>
-              <a:rPr lang="en-US" altLang="zh-CN" dirty="0" err="1" smtClean="0"/>
-              <a:t>js</a:t>
-            </a:r>
-            <a:r>
-              <a:rPr lang="en-US" altLang="zh-CN" dirty="0" smtClean="0"/>
-              <a:t> -&gt; V8 -&gt; C++ -&gt; </a:t>
-            </a:r>
-            <a:r>
-              <a:rPr lang="zh-CN" altLang="en-US" dirty="0" smtClean="0"/>
-              <a:t>汇编 </a:t>
-            </a:r>
-            <a:r>
-              <a:rPr lang="en-US" altLang="zh-CN" dirty="0" smtClean="0"/>
-              <a:t>-&gt; </a:t>
-            </a:r>
-            <a:r>
-              <a:rPr lang="zh-CN" altLang="en-US" dirty="0" smtClean="0"/>
-              <a:t>处理器架构 </a:t>
-            </a:r>
-            <a:r>
-              <a:rPr lang="en-US" altLang="zh-CN" dirty="0" smtClean="0"/>
-              <a:t>-&gt; </a:t>
-            </a:r>
-            <a:r>
-              <a:rPr lang="zh-CN" altLang="en-US" dirty="0" smtClean="0"/>
-              <a:t>电路设计 </a:t>
-            </a:r>
-            <a:r>
-              <a:rPr lang="en-US" altLang="zh-CN" dirty="0" smtClean="0"/>
-              <a:t>-&gt; </a:t>
-            </a:r>
-            <a:r>
-              <a:rPr lang="zh-CN" altLang="en-US" dirty="0" smtClean="0"/>
-              <a:t>半导体材料</a:t>
-            </a:r>
-            <a:r>
-              <a:rPr lang="en-US" altLang="zh-CN" dirty="0" smtClean="0"/>
-              <a:t>-&gt; ...</a:t>
-            </a:r>
-          </a:p>
-          <a:p>
-            <a:r>
-              <a:rPr lang="zh-CN" altLang="en-US" dirty="0" smtClean="0"/>
-              <a:t>分层的好处就是让不同层次的开发者只需要关注与之相关的几个层次就可以高效地进行生产，而不需要过度了解底层和上层的细节。</a:t>
-            </a:r>
-          </a:p>
-          <a:p>
-            <a:pPr>
-              <a:buNone/>
-            </a:pPr>
-            <a:endParaRPr lang="zh-CN" altLang="en-US" dirty="0"/>
-          </a:p>
-        </p:txBody>
-      </p:sp>
+            <a:endParaRPr lang="zh-CN" altLang="en-US"/>
+          </a:p>
+        </p:txBody>
+      </p:sp>
+      <p:pic>
+        <p:nvPicPr>
+          <p:cNvPr id="63491" name="Picture 3"/>
+          <p:cNvPicPr>
+            <a:picLocks noChangeAspect="1" noChangeArrowheads="1"/>
+          </p:cNvPicPr>
+          <p:nvPr/>
+        </p:nvPicPr>
+        <p:blipFill>
+          <a:blip r:embed="rId4"/>
+          <a:srcRect/>
+          <a:stretch>
+            <a:fillRect/>
+          </a:stretch>
+        </p:blipFill>
+        <p:spPr bwMode="auto">
+          <a:xfrm>
+            <a:off x="0" y="1428736"/>
+            <a:ext cx="8866187" cy="5286375"/>
+          </a:xfrm>
+          <a:prstGeom prst="rect">
+            <a:avLst/>
+          </a:prstGeom>
+          <a:noFill/>
+          <a:ln w="9525">
+            <a:noFill/>
+            <a:miter lim="800000"/>
+            <a:headEnd/>
+            <a:tailEnd/>
+          </a:ln>
+          <a:effectLst/>
+        </p:spPr>
+      </p:pic>
     </p:spTree>
   </p:cSld>
   <p:clrMapOvr>
@@ -14131,7 +14253,7 @@
       </p:grpSpPr>
       <p:sp>
         <p:nvSpPr>
-          <p:cNvPr id="2" name="标题 1"/>
+          <p:cNvPr id="9" name="标题 8"/>
           <p:cNvSpPr>
             <a:spLocks noGrp="1"/>
           </p:cNvSpPr>
@@ -14139,19 +14261,14 @@
             <p:ph type="title"/>
           </p:nvPr>
         </p:nvSpPr>
-        <p:spPr>
-          <a:xfrm>
-            <a:off x="1428728" y="274638"/>
-            <a:ext cx="7504960" cy="1143000"/>
-          </a:xfrm>
-        </p:spPr>
+        <p:spPr/>
         <p:txBody>
           <a:bodyPr/>
           <a:lstStyle/>
           <a:p>
             <a:r>
               <a:rPr lang="zh-CN" altLang="en-US" dirty="0" smtClean="0"/>
-              <a:t>浏览器的解析渲染过程</a:t>
+              <a:t>层次</a:t>
             </a:r>
             <a:endParaRPr lang="zh-CN" altLang="en-US" dirty="0"/>
           </a:p>
@@ -14159,7 +14276,7 @@
       </p:sp>
       <p:sp>
         <p:nvSpPr>
-          <p:cNvPr id="3" name="内容占位符 2"/>
+          <p:cNvPr id="5" name="内容占位符 4"/>
           <p:cNvSpPr>
             <a:spLocks noGrp="1"/>
           </p:cNvSpPr>
@@ -14169,90 +14286,10 @@
         </p:nvSpPr>
         <p:spPr/>
         <p:txBody>
-          <a:bodyPr/>
+          <a:bodyPr>
+            <a:normAutofit/>
+          </a:bodyPr>
           <a:lstStyle/>
-          <a:p>
-            <a:pPr marL="596646" indent="-514350">
-              <a:buFont typeface="+mj-lt"/>
-              <a:buAutoNum type="arabicPeriod"/>
-            </a:pPr>
-            <a:r>
-              <a:rPr lang="zh-CN" altLang="en-US" dirty="0" smtClean="0"/>
-              <a:t>解析</a:t>
-            </a:r>
-            <a:r>
-              <a:rPr lang="en-US" altLang="zh-CN" dirty="0" smtClean="0"/>
-              <a:t>HTML+</a:t>
-            </a:r>
-            <a:r>
-              <a:rPr lang="zh-CN" altLang="en-US" dirty="0" smtClean="0"/>
-              <a:t>构建</a:t>
-            </a:r>
-            <a:r>
-              <a:rPr lang="en-US" altLang="zh-CN" dirty="0" smtClean="0"/>
-              <a:t>DOM</a:t>
-            </a:r>
-            <a:r>
-              <a:rPr lang="zh-CN" altLang="en-US" dirty="0" smtClean="0"/>
-              <a:t>树</a:t>
-            </a:r>
-            <a:endParaRPr lang="en-US" altLang="zh-CN" dirty="0" smtClean="0"/>
-          </a:p>
-          <a:p>
-            <a:pPr marL="596646" indent="-514350">
-              <a:buFont typeface="+mj-lt"/>
-              <a:buAutoNum type="arabicPeriod"/>
-            </a:pPr>
-            <a:r>
-              <a:rPr lang="en-US" altLang="zh-CN" dirty="0" smtClean="0"/>
-              <a:t>DOM</a:t>
-            </a:r>
-            <a:r>
-              <a:rPr lang="zh-CN" altLang="en-US" dirty="0" smtClean="0"/>
-              <a:t>树与</a:t>
-            </a:r>
-            <a:r>
-              <a:rPr lang="en-US" altLang="zh-CN" dirty="0" smtClean="0"/>
-              <a:t>CSS</a:t>
-            </a:r>
-            <a:r>
-              <a:rPr lang="zh-CN" altLang="en-US" dirty="0" smtClean="0"/>
-              <a:t>样式进行附着构造</a:t>
-            </a:r>
-            <a:r>
-              <a:rPr lang="en-US" altLang="zh-CN" dirty="0" smtClean="0"/>
-              <a:t>=&gt;</a:t>
-            </a:r>
-            <a:r>
-              <a:rPr lang="zh-CN" altLang="en-US" dirty="0" smtClean="0"/>
-              <a:t>呈现树</a:t>
-            </a:r>
-            <a:r>
-              <a:rPr lang="en-US" dirty="0" err="1" smtClean="0"/>
-              <a:t>RenderTree</a:t>
-            </a:r>
-            <a:endParaRPr lang="zh-CN" altLang="en-US" dirty="0" smtClean="0"/>
-          </a:p>
-          <a:p>
-            <a:pPr marL="596646" indent="-514350">
-              <a:buFont typeface="+mj-lt"/>
-              <a:buAutoNum type="arabicPeriod"/>
-            </a:pPr>
-            <a:r>
-              <a:rPr lang="zh-CN" altLang="en-US" dirty="0" smtClean="0"/>
-              <a:t>布局</a:t>
-            </a:r>
-          </a:p>
-          <a:p>
-            <a:pPr marL="596646" indent="-514350">
-              <a:buFont typeface="+mj-lt"/>
-              <a:buAutoNum type="arabicPeriod"/>
-            </a:pPr>
-            <a:r>
-              <a:rPr lang="zh-CN" altLang="en-US" dirty="0" smtClean="0"/>
-              <a:t>绘制</a:t>
-            </a:r>
-          </a:p>
           <a:p>
             <a:pPr>
               <a:buNone/>
@@ -14263,7 +14300,7 @@
       </p:sp>
       <p:pic>
         <p:nvPicPr>
-          <p:cNvPr id="4098" name="Picture 2"/>
+          <p:cNvPr id="6146" name="Picture 2"/>
           <p:cNvPicPr>
             <a:picLocks noChangeAspect="1" noChangeArrowheads="1"/>
           </p:cNvPicPr>
@@ -14278,8 +14315,8 @@
         </p:blipFill>
         <p:spPr bwMode="auto">
           <a:xfrm>
-            <a:off x="1857356" y="2628900"/>
-            <a:ext cx="6732587" cy="4229100"/>
+            <a:off x="3428992" y="49213"/>
+            <a:ext cx="4676775" cy="6808787"/>
           </a:xfrm>
           <a:prstGeom prst="rect">
             <a:avLst/>
@@ -14294,6 +14331,316 @@
           <a:effectLst/>
         </p:spPr>
       </p:pic>
+    </p:spTree>
+  </p:cSld>
+  <p:clrMapOvr>
+    <a:overrideClrMapping bg1="lt1" tx1="dk1" bg2="lt2" tx2="dk2" accent1="accent1" accent2="accent2" accent3="accent3" accent4="accent4" accent5="accent5" accent6="accent6" hlink="hlink" folHlink="folHlink"/>
+  </p:clrMapOvr>
+  <p:timing>
+    <p:tnLst>
+      <p:par>
+        <p:cTn id="1" dur="indefinite" restart="never" nodeType="tmRoot"/>
+      </p:par>
+    </p:tnLst>
+  </p:timing>
+</p:sld>
+</file>
+
+<file path=ppt/slides/slide42.xml><?xml version="1.0" encoding="utf-8"?>
+<p:sld xmlns:a="http://schemas.openxmlformats.org/drawingml/2006/main" xmlns:r="http://schemas.openxmlformats.org/officeDocument/2006/relationships" xmlns:p="http://schemas.openxmlformats.org/presentationml/2006/main">
+  <p:cSld>
+    <p:bg>
+      <p:bgPr>
+        <a:blipFill>
+          <a:blip r:embed="rId3"/>
+          <a:tile tx="0" ty="0" sx="100000" sy="100000" flip="none" algn="tl"/>
+        </a:blipFill>
+        <a:effectLst/>
+      </p:bgPr>
+    </p:bg>
+    <p:spTree>
+      <p:nvGrpSpPr>
+        <p:cNvPr id="1" name=""/>
+        <p:cNvGrpSpPr/>
+        <p:nvPr/>
+      </p:nvGrpSpPr>
+      <p:grpSpPr>
+        <a:xfrm>
+          <a:off x="0" y="0"/>
+          <a:ext cx="0" cy="0"/>
+          <a:chOff x="0" y="0"/>
+          <a:chExt cx="0" cy="0"/>
+        </a:xfrm>
+      </p:grpSpPr>
+      <p:sp>
+        <p:nvSpPr>
+          <p:cNvPr id="2" name="标题 1"/>
+          <p:cNvSpPr>
+            <a:spLocks noGrp="1"/>
+          </p:cNvSpPr>
+          <p:nvPr>
+            <p:ph type="title"/>
+          </p:nvPr>
+        </p:nvSpPr>
+        <p:spPr/>
+        <p:txBody>
+          <a:bodyPr/>
+          <a:lstStyle/>
+          <a:p>
+            <a:r>
+              <a:rPr lang="zh-CN" altLang="en-US" dirty="0" smtClean="0"/>
+              <a:t>浏览器渲染引擎</a:t>
+            </a:r>
+            <a:r>
+              <a:rPr lang="en-US" altLang="zh-CN" dirty="0" smtClean="0"/>
+              <a:t>——</a:t>
+            </a:r>
+            <a:r>
+              <a:rPr lang="zh-CN" altLang="en-US" dirty="0" smtClean="0"/>
+              <a:t>内核</a:t>
+            </a:r>
+            <a:endParaRPr lang="zh-CN" altLang="en-US" dirty="0"/>
+          </a:p>
+        </p:txBody>
+      </p:sp>
+      <p:sp>
+        <p:nvSpPr>
+          <p:cNvPr id="3" name="内容占位符 2"/>
+          <p:cNvSpPr>
+            <a:spLocks noGrp="1"/>
+          </p:cNvSpPr>
+          <p:nvPr>
+            <p:ph idx="1"/>
+          </p:nvPr>
+        </p:nvSpPr>
+        <p:spPr/>
+        <p:txBody>
+          <a:bodyPr/>
+          <a:lstStyle/>
+          <a:p>
+            <a:r>
+              <a:rPr lang="zh-CN" altLang="en-US" dirty="0" smtClean="0">
+                <a:hlinkClick r:id="rId4"/>
+              </a:rPr>
+              <a:t>各引擎一览</a:t>
+            </a:r>
+            <a:endParaRPr lang="en-US" altLang="zh-CN" dirty="0" smtClean="0"/>
+          </a:p>
+          <a:p>
+            <a:r>
+              <a:rPr lang="zh-CN" altLang="en-US" dirty="0" smtClean="0">
+                <a:hlinkClick r:id="rId5"/>
+              </a:rPr>
+              <a:t>博客</a:t>
+            </a:r>
+            <a:endParaRPr lang="zh-CN" altLang="en-US" dirty="0"/>
+          </a:p>
+        </p:txBody>
+      </p:sp>
+    </p:spTree>
+  </p:cSld>
+  <p:clrMapOvr>
+    <a:overrideClrMapping bg1="lt1" tx1="dk1" bg2="lt2" tx2="dk2" accent1="accent1" accent2="accent2" accent3="accent3" accent4="accent4" accent5="accent5" accent6="accent6" hlink="hlink" folHlink="folHlink"/>
+  </p:clrMapOvr>
+  <p:timing>
+    <p:tnLst>
+      <p:par>
+        <p:cTn id="1" dur="indefinite" restart="never" nodeType="tmRoot"/>
+      </p:par>
+    </p:tnLst>
+  </p:timing>
+</p:sld>
+</file>
+
+<file path=ppt/slides/slide43.xml><?xml version="1.0" encoding="utf-8"?>
+<p:sld xmlns:a="http://schemas.openxmlformats.org/drawingml/2006/main" xmlns:r="http://schemas.openxmlformats.org/officeDocument/2006/relationships" xmlns:p="http://schemas.openxmlformats.org/presentationml/2006/main">
+  <p:cSld>
+    <p:bg>
+      <p:bgPr>
+        <a:blipFill>
+          <a:blip r:embed="rId3"/>
+          <a:tile tx="0" ty="0" sx="100000" sy="100000" flip="none" algn="tl"/>
+        </a:blipFill>
+        <a:effectLst/>
+      </p:bgPr>
+    </p:bg>
+    <p:spTree>
+      <p:nvGrpSpPr>
+        <p:cNvPr id="1" name=""/>
+        <p:cNvGrpSpPr/>
+        <p:nvPr/>
+      </p:nvGrpSpPr>
+      <p:grpSpPr>
+        <a:xfrm>
+          <a:off x="0" y="0"/>
+          <a:ext cx="0" cy="0"/>
+          <a:chOff x="0" y="0"/>
+          <a:chExt cx="0" cy="0"/>
+        </a:xfrm>
+      </p:grpSpPr>
+      <p:sp>
+        <p:nvSpPr>
+          <p:cNvPr id="2" name="标题 1"/>
+          <p:cNvSpPr>
+            <a:spLocks noGrp="1"/>
+          </p:cNvSpPr>
+          <p:nvPr>
+            <p:ph type="title"/>
+          </p:nvPr>
+        </p:nvSpPr>
+        <p:spPr>
+          <a:xfrm>
+            <a:off x="1428728" y="274638"/>
+            <a:ext cx="7504960" cy="1143000"/>
+          </a:xfrm>
+        </p:spPr>
+        <p:txBody>
+          <a:bodyPr/>
+          <a:lstStyle/>
+          <a:p>
+            <a:r>
+              <a:rPr lang="zh-CN" altLang="en-US" dirty="0" smtClean="0"/>
+              <a:t>浏览器的解析渲染过程</a:t>
+            </a:r>
+            <a:endParaRPr lang="zh-CN" altLang="en-US" dirty="0"/>
+          </a:p>
+        </p:txBody>
+      </p:sp>
+      <p:sp>
+        <p:nvSpPr>
+          <p:cNvPr id="3" name="内容占位符 2"/>
+          <p:cNvSpPr>
+            <a:spLocks noGrp="1"/>
+          </p:cNvSpPr>
+          <p:nvPr>
+            <p:ph idx="1"/>
+          </p:nvPr>
+        </p:nvSpPr>
+        <p:spPr>
+          <a:xfrm>
+            <a:off x="1435608" y="1447800"/>
+            <a:ext cx="6922606" cy="3838588"/>
+          </a:xfrm>
+        </p:spPr>
+        <p:txBody>
+          <a:bodyPr>
+            <a:normAutofit/>
+          </a:bodyPr>
+          <a:lstStyle/>
+          <a:p>
+            <a:pPr marL="596646" indent="-514350">
+              <a:buFont typeface="+mj-lt"/>
+              <a:buAutoNum type="arabicPeriod"/>
+            </a:pPr>
+            <a:r>
+              <a:rPr lang="zh-CN" altLang="en-US" dirty="0" smtClean="0"/>
+              <a:t>解析</a:t>
+            </a:r>
+            <a:r>
+              <a:rPr lang="en-US" altLang="zh-CN" dirty="0" smtClean="0"/>
+              <a:t>HTML+</a:t>
+            </a:r>
+            <a:r>
+              <a:rPr lang="zh-CN" altLang="en-US" dirty="0" smtClean="0"/>
+              <a:t>构建</a:t>
+            </a:r>
+            <a:r>
+              <a:rPr lang="en-US" altLang="zh-CN" dirty="0" smtClean="0"/>
+              <a:t>DOM</a:t>
+            </a:r>
+            <a:r>
+              <a:rPr lang="zh-CN" altLang="en-US" dirty="0" smtClean="0"/>
+              <a:t>树（</a:t>
+            </a:r>
+            <a:r>
+              <a:rPr lang="zh-CN" altLang="en-US" dirty="0" smtClean="0"/>
+              <a:t>生成树</a:t>
+            </a:r>
+            <a:r>
+              <a:rPr lang="zh-CN" altLang="en-US" dirty="0" smtClean="0"/>
+              <a:t>）</a:t>
+            </a:r>
+            <a:endParaRPr lang="en-US" altLang="zh-CN" dirty="0" smtClean="0"/>
+          </a:p>
+          <a:p>
+            <a:pPr marL="596646" indent="-514350">
+              <a:buFont typeface="+mj-lt"/>
+              <a:buAutoNum type="arabicPeriod"/>
+            </a:pPr>
+            <a:r>
+              <a:rPr lang="en-US" altLang="zh-CN" dirty="0" smtClean="0"/>
+              <a:t>DOM</a:t>
+            </a:r>
+            <a:r>
+              <a:rPr lang="zh-CN" altLang="en-US" dirty="0" smtClean="0"/>
+              <a:t>树与</a:t>
+            </a:r>
+            <a:r>
+              <a:rPr lang="en-US" altLang="zh-CN" dirty="0" smtClean="0"/>
+              <a:t>CSS</a:t>
+            </a:r>
+            <a:r>
+              <a:rPr lang="zh-CN" altLang="en-US" dirty="0" smtClean="0"/>
+              <a:t>样式进行附着构造</a:t>
+            </a:r>
+            <a:r>
+              <a:rPr lang="en-US" altLang="zh-CN" dirty="0" smtClean="0"/>
+              <a:t>=&gt;</a:t>
+            </a:r>
+            <a:r>
+              <a:rPr lang="zh-CN" altLang="en-US" dirty="0" smtClean="0"/>
+              <a:t>呈现树</a:t>
+            </a:r>
+            <a:r>
+              <a:rPr lang="en-US" dirty="0" err="1" smtClean="0"/>
+              <a:t>RenderTree</a:t>
+            </a:r>
+            <a:r>
+              <a:rPr lang="zh-CN" altLang="en-US" dirty="0" smtClean="0"/>
+              <a:t> （生成树）</a:t>
+            </a:r>
+            <a:endParaRPr lang="zh-CN" altLang="en-US" dirty="0" smtClean="0"/>
+          </a:p>
+          <a:p>
+            <a:pPr marL="596646" indent="-514350">
+              <a:buFont typeface="+mj-lt"/>
+              <a:buAutoNum type="arabicPeriod"/>
+            </a:pPr>
+            <a:r>
+              <a:rPr lang="zh-CN" altLang="en-US" dirty="0" smtClean="0"/>
+              <a:t>布局</a:t>
+            </a:r>
+            <a:r>
+              <a:rPr lang="en-US" altLang="zh-CN" dirty="0" smtClean="0"/>
+              <a:t>render</a:t>
+            </a:r>
+            <a:r>
+              <a:rPr lang="zh-CN" altLang="en-US" dirty="0" smtClean="0"/>
+              <a:t>树（确认坐标）</a:t>
+            </a:r>
+            <a:endParaRPr lang="zh-CN" altLang="en-US" dirty="0" smtClean="0"/>
+          </a:p>
+          <a:p>
+            <a:pPr marL="596646" indent="-514350">
+              <a:buFont typeface="+mj-lt"/>
+              <a:buAutoNum type="arabicPeriod"/>
+            </a:pPr>
+            <a:r>
+              <a:rPr lang="zh-CN" altLang="en-US" dirty="0" smtClean="0"/>
+              <a:t>绘制</a:t>
+            </a:r>
+            <a:r>
+              <a:rPr lang="en-US" altLang="zh-CN" dirty="0" smtClean="0"/>
+              <a:t>render</a:t>
+            </a:r>
+            <a:r>
+              <a:rPr lang="zh-CN" altLang="en-US" dirty="0" smtClean="0"/>
+              <a:t>树（产生画面）</a:t>
+            </a:r>
+            <a:endParaRPr lang="en-US" altLang="zh-CN" dirty="0" smtClean="0"/>
+          </a:p>
+        </p:txBody>
+      </p:sp>
       <p:sp>
         <p:nvSpPr>
           <p:cNvPr id="5" name="TextBox 4"/>
@@ -14318,14 +14665,165 @@
           <a:p>
             <a:r>
               <a:rPr lang="en-US" altLang="zh-CN" dirty="0" smtClean="0">
-                <a:hlinkClick r:id="rId5"/>
+                <a:hlinkClick r:id="rId4"/>
               </a:rPr>
-              <a:t>http://www.cnblogs.com/dojo-lzz/p/3983335.html</a:t>
+              <a:t>http://blog.csdn.net/l8o8n8g/article/details/40048029</a:t>
             </a:r>
             <a:endParaRPr lang="zh-CN" altLang="en-US" dirty="0"/>
           </a:p>
         </p:txBody>
       </p:sp>
+      <p:sp>
+        <p:nvSpPr>
+          <p:cNvPr id="6" name="TextBox 5"/>
+          <p:cNvSpPr txBox="1"/>
+          <p:nvPr/>
+        </p:nvSpPr>
+        <p:spPr>
+          <a:xfrm>
+            <a:off x="2000232" y="4429132"/>
+            <a:ext cx="5786478" cy="1754326"/>
+          </a:xfrm>
+          <a:prstGeom prst="rect">
+            <a:avLst/>
+          </a:prstGeom>
+          <a:noFill/>
+        </p:spPr>
+        <p:txBody>
+          <a:bodyPr wrap="square" rtlCol="0">
+            <a:spAutoFit/>
+          </a:bodyPr>
+          <a:lstStyle/>
+          <a:p>
+            <a:pPr marL="596646" indent="-514350">
+              <a:buNone/>
+            </a:pPr>
+            <a:r>
+              <a:rPr lang="zh-CN" altLang="en-US" dirty="0" smtClean="0"/>
+              <a:t>　值得注意的是</a:t>
+            </a:r>
+            <a:r>
+              <a:rPr lang="zh-CN" altLang="en-US" dirty="0" smtClean="0"/>
+              <a:t>，整个过程</a:t>
+            </a:r>
+            <a:r>
+              <a:rPr lang="zh-CN" altLang="en-US" dirty="0" smtClean="0"/>
+              <a:t>是逐步完成的，为了更好的用户体验，渲染引擎将会尽可能早的将内容呈现到屏幕上，并不会等到所有的</a:t>
+            </a:r>
+            <a:r>
+              <a:rPr lang="en-US" altLang="zh-CN" dirty="0" smtClean="0"/>
+              <a:t>html</a:t>
+            </a:r>
+            <a:r>
+              <a:rPr lang="zh-CN" altLang="en-US" dirty="0" smtClean="0"/>
+              <a:t>都解析完成之后再去构建和布局</a:t>
+            </a:r>
+            <a:r>
+              <a:rPr lang="en-US" altLang="zh-CN" dirty="0" smtClean="0"/>
+              <a:t>render</a:t>
+            </a:r>
+            <a:r>
+              <a:rPr lang="zh-CN" altLang="en-US" dirty="0" smtClean="0"/>
+              <a:t>树。它是解析完一部分内容就显示一部分内容，同时，可能还在通过网络下载其余内容。</a:t>
+            </a:r>
+          </a:p>
+        </p:txBody>
+      </p:sp>
+    </p:spTree>
+  </p:cSld>
+  <p:clrMapOvr>
+    <a:overrideClrMapping bg1="lt1" tx1="dk1" bg2="lt2" tx2="dk2" accent1="accent1" accent2="accent2" accent3="accent3" accent4="accent4" accent5="accent5" accent6="accent6" hlink="hlink" folHlink="folHlink"/>
+  </p:clrMapOvr>
+  <p:timing>
+    <p:tnLst>
+      <p:par>
+        <p:cTn id="1" dur="indefinite" restart="never" nodeType="tmRoot"/>
+      </p:par>
+    </p:tnLst>
+  </p:timing>
+</p:sld>
+</file>
+
+<file path=ppt/slides/slide44.xml><?xml version="1.0" encoding="utf-8"?>
+<p:sld xmlns:a="http://schemas.openxmlformats.org/drawingml/2006/main" xmlns:r="http://schemas.openxmlformats.org/officeDocument/2006/relationships" xmlns:p="http://schemas.openxmlformats.org/presentationml/2006/main">
+  <p:cSld>
+    <p:bg>
+      <p:bgPr>
+        <a:blipFill>
+          <a:blip r:embed="rId3"/>
+          <a:tile tx="0" ty="0" sx="100000" sy="100000" flip="none" algn="tl"/>
+        </a:blipFill>
+        <a:effectLst/>
+      </p:bgPr>
+    </p:bg>
+    <p:spTree>
+      <p:nvGrpSpPr>
+        <p:cNvPr id="1" name=""/>
+        <p:cNvGrpSpPr/>
+        <p:nvPr/>
+      </p:nvGrpSpPr>
+      <p:grpSpPr>
+        <a:xfrm>
+          <a:off x="0" y="0"/>
+          <a:ext cx="0" cy="0"/>
+          <a:chOff x="0" y="0"/>
+          <a:chExt cx="0" cy="0"/>
+        </a:xfrm>
+      </p:grpSpPr>
+      <p:sp>
+        <p:nvSpPr>
+          <p:cNvPr id="2" name="标题 1"/>
+          <p:cNvSpPr>
+            <a:spLocks noGrp="1"/>
+          </p:cNvSpPr>
+          <p:nvPr>
+            <p:ph type="title"/>
+          </p:nvPr>
+        </p:nvSpPr>
+        <p:spPr/>
+        <p:txBody>
+          <a:bodyPr/>
+          <a:lstStyle/>
+          <a:p>
+            <a:endParaRPr lang="zh-CN" altLang="en-US"/>
+          </a:p>
+        </p:txBody>
+      </p:sp>
+      <p:pic>
+        <p:nvPicPr>
+          <p:cNvPr id="4" name="Picture 2"/>
+          <p:cNvPicPr>
+            <a:picLocks noGrp="1" noChangeAspect="1" noChangeArrowheads="1"/>
+          </p:cNvPicPr>
+          <p:nvPr>
+            <p:ph idx="1"/>
+          </p:nvPr>
+        </p:nvPicPr>
+        <p:blipFill>
+          <a:blip r:embed="rId4"/>
+          <a:srcRect/>
+          <a:stretch>
+            <a:fillRect/>
+          </a:stretch>
+        </p:blipFill>
+        <p:spPr bwMode="auto">
+          <a:xfrm>
+            <a:off x="1357290" y="1142984"/>
+            <a:ext cx="6733334" cy="4228572"/>
+          </a:xfrm>
+          <a:prstGeom prst="rect">
+            <a:avLst/>
+          </a:prstGeom>
+          <a:noFill/>
+          <a:ln w="9525">
+            <a:noFill/>
+            <a:miter lim="800000"/>
+            <a:headEnd/>
+            <a:tailEnd/>
+          </a:ln>
+          <a:effectLst/>
+        </p:spPr>
+      </p:pic>
     </p:spTree>
   </p:cSld>
   <p:clrMapOvr>
@@ -14365,7 +14863,7 @@
                                           </p:stCondLst>
                                         </p:cTn>
                                         <p:tgtEl>
-                                          <p:spTgt spid="4098"/>
+                                          <p:spTgt spid="4"/>
                                         </p:tgtEl>
                                         <p:attrNameLst>
                                           <p:attrName>style.visibility</p:attrName>
@@ -14379,7 +14877,7 @@
                                       <p:cBhvr additive="base">
                                         <p:cTn id="7" dur="500" fill="hold"/>
                                         <p:tgtEl>
-                                          <p:spTgt spid="4098"/>
+                                          <p:spTgt spid="4"/>
                                         </p:tgtEl>
                                         <p:attrNameLst>
                                           <p:attrName>ppt_x</p:attrName>
@@ -14402,7 +14900,7 @@
                                       <p:cBhvr additive="base">
                                         <p:cTn id="8" dur="500" fill="hold"/>
                                         <p:tgtEl>
-                                          <p:spTgt spid="4098"/>
+                                          <p:spTgt spid="4"/>
                                         </p:tgtEl>
                                         <p:attrNameLst>
                                           <p:attrName>ppt_y</p:attrName>
@@ -14455,6 +14953,835 @@
 </p:sld>
 </file>
 
+<file path=ppt/slides/slide45.xml><?xml version="1.0" encoding="utf-8"?>
+<p:sld xmlns:a="http://schemas.openxmlformats.org/drawingml/2006/main" xmlns:r="http://schemas.openxmlformats.org/officeDocument/2006/relationships" xmlns:p="http://schemas.openxmlformats.org/presentationml/2006/main">
+  <p:cSld>
+    <p:bg>
+      <p:bgPr>
+        <a:blipFill>
+          <a:blip r:embed="rId3"/>
+          <a:tile tx="0" ty="0" sx="100000" sy="100000" flip="none" algn="tl"/>
+        </a:blipFill>
+        <a:effectLst/>
+      </p:bgPr>
+    </p:bg>
+    <p:spTree>
+      <p:nvGrpSpPr>
+        <p:cNvPr id="1" name=""/>
+        <p:cNvGrpSpPr/>
+        <p:nvPr/>
+      </p:nvGrpSpPr>
+      <p:grpSpPr>
+        <a:xfrm>
+          <a:off x="0" y="0"/>
+          <a:ext cx="0" cy="0"/>
+          <a:chOff x="0" y="0"/>
+          <a:chExt cx="0" cy="0"/>
+        </a:xfrm>
+      </p:grpSpPr>
+      <p:sp>
+        <p:nvSpPr>
+          <p:cNvPr id="2" name="标题 1"/>
+          <p:cNvSpPr>
+            <a:spLocks noGrp="1"/>
+          </p:cNvSpPr>
+          <p:nvPr>
+            <p:ph type="title"/>
+          </p:nvPr>
+        </p:nvSpPr>
+        <p:spPr/>
+        <p:txBody>
+          <a:bodyPr/>
+          <a:lstStyle/>
+          <a:p>
+            <a:endParaRPr lang="zh-CN" altLang="en-US"/>
+          </a:p>
+        </p:txBody>
+      </p:sp>
+      <p:sp>
+        <p:nvSpPr>
+          <p:cNvPr id="3" name="内容占位符 2"/>
+          <p:cNvSpPr>
+            <a:spLocks noGrp="1"/>
+          </p:cNvSpPr>
+          <p:nvPr>
+            <p:ph idx="1"/>
+          </p:nvPr>
+        </p:nvSpPr>
+        <p:spPr/>
+        <p:txBody>
+          <a:bodyPr/>
+          <a:lstStyle/>
+          <a:p>
+            <a:endParaRPr lang="zh-CN" altLang="en-US"/>
+          </a:p>
+        </p:txBody>
+      </p:sp>
+    </p:spTree>
+  </p:cSld>
+  <p:clrMapOvr>
+    <a:overrideClrMapping bg1="lt1" tx1="dk1" bg2="lt2" tx2="dk2" accent1="accent1" accent2="accent2" accent3="accent3" accent4="accent4" accent5="accent5" accent6="accent6" hlink="hlink" folHlink="folHlink"/>
+  </p:clrMapOvr>
+  <p:timing>
+    <p:tnLst>
+      <p:par>
+        <p:cTn id="1" dur="indefinite" restart="never" nodeType="tmRoot"/>
+      </p:par>
+    </p:tnLst>
+  </p:timing>
+</p:sld>
+</file>
+
+<file path=ppt/slides/slide46.xml><?xml version="1.0" encoding="utf-8"?>
+<p:sld xmlns:a="http://schemas.openxmlformats.org/drawingml/2006/main" xmlns:r="http://schemas.openxmlformats.org/officeDocument/2006/relationships" xmlns:p="http://schemas.openxmlformats.org/presentationml/2006/main">
+  <p:cSld>
+    <p:bg>
+      <p:bgPr>
+        <a:blipFill>
+          <a:blip r:embed="rId3"/>
+          <a:tile tx="0" ty="0" sx="100000" sy="100000" flip="none" algn="tl"/>
+        </a:blipFill>
+        <a:effectLst/>
+      </p:bgPr>
+    </p:bg>
+    <p:spTree>
+      <p:nvGrpSpPr>
+        <p:cNvPr id="1" name=""/>
+        <p:cNvGrpSpPr/>
+        <p:nvPr/>
+      </p:nvGrpSpPr>
+      <p:grpSpPr>
+        <a:xfrm>
+          <a:off x="0" y="0"/>
+          <a:ext cx="0" cy="0"/>
+          <a:chOff x="0" y="0"/>
+          <a:chExt cx="0" cy="0"/>
+        </a:xfrm>
+      </p:grpSpPr>
+      <p:sp>
+        <p:nvSpPr>
+          <p:cNvPr id="2" name="标题 1"/>
+          <p:cNvSpPr>
+            <a:spLocks noGrp="1"/>
+          </p:cNvSpPr>
+          <p:nvPr>
+            <p:ph type="title"/>
+          </p:nvPr>
+        </p:nvSpPr>
+        <p:spPr/>
+        <p:txBody>
+          <a:bodyPr/>
+          <a:lstStyle/>
+          <a:p>
+            <a:r>
+              <a:rPr lang="zh-CN" altLang="en-US" dirty="0" smtClean="0"/>
+              <a:t>禁忌</a:t>
+            </a:r>
+            <a:r>
+              <a:rPr lang="en-US" altLang="zh-CN" dirty="0" smtClean="0"/>
+              <a:t>——</a:t>
+            </a:r>
+            <a:r>
+              <a:rPr lang="zh-CN" altLang="en-US" dirty="0" smtClean="0"/>
+              <a:t>逛百度贴吧</a:t>
+            </a:r>
+            <a:endParaRPr lang="zh-CN" altLang="en-US" dirty="0"/>
+          </a:p>
+        </p:txBody>
+      </p:sp>
+      <p:sp>
+        <p:nvSpPr>
+          <p:cNvPr id="3" name="内容占位符 2"/>
+          <p:cNvSpPr>
+            <a:spLocks noGrp="1"/>
+          </p:cNvSpPr>
+          <p:nvPr>
+            <p:ph idx="1"/>
+          </p:nvPr>
+        </p:nvSpPr>
+        <p:spPr/>
+        <p:txBody>
+          <a:bodyPr/>
+          <a:lstStyle/>
+          <a:p>
+            <a:endParaRPr lang="zh-CN" altLang="en-US" dirty="0"/>
+          </a:p>
+        </p:txBody>
+      </p:sp>
+      <p:pic>
+        <p:nvPicPr>
+          <p:cNvPr id="1026" name="Picture 2"/>
+          <p:cNvPicPr>
+            <a:picLocks noChangeAspect="1" noChangeArrowheads="1"/>
+          </p:cNvPicPr>
+          <p:nvPr/>
+        </p:nvPicPr>
+        <p:blipFill>
+          <a:blip r:embed="rId4"/>
+          <a:srcRect/>
+          <a:stretch>
+            <a:fillRect/>
+          </a:stretch>
+        </p:blipFill>
+        <p:spPr bwMode="auto">
+          <a:xfrm>
+            <a:off x="1285852" y="-370664"/>
+            <a:ext cx="7000892" cy="7228664"/>
+          </a:xfrm>
+          <a:prstGeom prst="rect">
+            <a:avLst/>
+          </a:prstGeom>
+          <a:noFill/>
+          <a:ln w="9525">
+            <a:noFill/>
+            <a:miter lim="800000"/>
+            <a:headEnd/>
+            <a:tailEnd/>
+          </a:ln>
+          <a:effectLst/>
+        </p:spPr>
+      </p:pic>
+    </p:spTree>
+  </p:cSld>
+  <p:clrMapOvr>
+    <a:overrideClrMapping bg1="lt1" tx1="dk1" bg2="lt2" tx2="dk2" accent1="accent1" accent2="accent2" accent3="accent3" accent4="accent4" accent5="accent5" accent6="accent6" hlink="hlink" folHlink="folHlink"/>
+  </p:clrMapOvr>
+  <p:timing>
+    <p:tnLst>
+      <p:par>
+        <p:cTn id="1" dur="indefinite" restart="never" nodeType="tmRoot">
+          <p:childTnLst>
+            <p:seq concurrent="1" nextAc="seek">
+              <p:cTn id="2" dur="indefinite" nodeType="mainSeq">
+                <p:childTnLst>
+                  <p:par>
+                    <p:cTn id="3" fill="hold">
+                      <p:stCondLst>
+                        <p:cond delay="indefinite"/>
+                      </p:stCondLst>
+                      <p:childTnLst>
+                        <p:par>
+                          <p:cTn id="4" fill="hold">
+                            <p:stCondLst>
+                              <p:cond delay="0"/>
+                            </p:stCondLst>
+                            <p:childTnLst>
+                              <p:par>
+                                <p:cTn id="5" presetID="22" presetClass="entr" presetSubtype="4" fill="hold" nodeType="clickEffect">
+                                  <p:stCondLst>
+                                    <p:cond delay="0"/>
+                                  </p:stCondLst>
+                                  <p:childTnLst>
+                                    <p:set>
+                                      <p:cBhvr>
+                                        <p:cTn id="6" dur="1" fill="hold">
+                                          <p:stCondLst>
+                                            <p:cond delay="0"/>
+                                          </p:stCondLst>
+                                        </p:cTn>
+                                        <p:tgtEl>
+                                          <p:spTgt spid="1026"/>
+                                        </p:tgtEl>
+                                        <p:attrNameLst>
+                                          <p:attrName>style.visibility</p:attrName>
+                                        </p:attrNameLst>
+                                      </p:cBhvr>
+                                      <p:to>
+                                        <p:strVal val="visible"/>
+                                      </p:to>
+                                    </p:set>
+                                    <p:animEffect transition="in" filter="wipe(down)">
+                                      <p:cBhvr>
+                                        <p:cTn id="7" dur="500"/>
+                                        <p:tgtEl>
+                                          <p:spTgt spid="1026"/>
+                                        </p:tgtEl>
+                                      </p:cBhvr>
+                                    </p:animEffect>
+                                  </p:childTnLst>
+                                </p:cTn>
+                              </p:par>
+                            </p:childTnLst>
+                          </p:cTn>
+                        </p:par>
+                      </p:childTnLst>
+                    </p:cTn>
+                  </p:par>
+                </p:childTnLst>
+              </p:cTn>
+              <p:prevCondLst>
+                <p:cond evt="onPrev" delay="0">
+                  <p:tgtEl>
+                    <p:sldTgt/>
+                  </p:tgtEl>
+                </p:cond>
+              </p:prevCondLst>
+              <p:nextCondLst>
+                <p:cond evt="onNext" delay="0">
+                  <p:tgtEl>
+                    <p:sldTgt/>
+                  </p:tgtEl>
+                </p:cond>
+              </p:nextCondLst>
+            </p:seq>
+          </p:childTnLst>
+        </p:cTn>
+      </p:par>
+    </p:tnLst>
+  </p:timing>
+</p:sld>
+</file>
+
+<file path=ppt/slides/slide47.xml><?xml version="1.0" encoding="utf-8"?>
+<p:sld xmlns:a="http://schemas.openxmlformats.org/drawingml/2006/main" xmlns:r="http://schemas.openxmlformats.org/officeDocument/2006/relationships" xmlns:p="http://schemas.openxmlformats.org/presentationml/2006/main">
+  <p:cSld>
+    <p:bg>
+      <p:bgPr>
+        <a:blipFill>
+          <a:blip r:embed="rId3"/>
+          <a:tile tx="0" ty="0" sx="100000" sy="100000" flip="none" algn="tl"/>
+        </a:blipFill>
+        <a:effectLst/>
+      </p:bgPr>
+    </p:bg>
+    <p:spTree>
+      <p:nvGrpSpPr>
+        <p:cNvPr id="1" name=""/>
+        <p:cNvGrpSpPr/>
+        <p:nvPr/>
+      </p:nvGrpSpPr>
+      <p:grpSpPr>
+        <a:xfrm>
+          <a:off x="0" y="0"/>
+          <a:ext cx="0" cy="0"/>
+          <a:chOff x="0" y="0"/>
+          <a:chExt cx="0" cy="0"/>
+        </a:xfrm>
+      </p:grpSpPr>
+      <p:sp>
+        <p:nvSpPr>
+          <p:cNvPr id="2" name="标题 1"/>
+          <p:cNvSpPr>
+            <a:spLocks noGrp="1"/>
+          </p:cNvSpPr>
+          <p:nvPr>
+            <p:ph type="title"/>
+          </p:nvPr>
+        </p:nvSpPr>
+        <p:spPr/>
+        <p:txBody>
+          <a:bodyPr/>
+          <a:lstStyle/>
+          <a:p>
+            <a:endParaRPr lang="zh-CN" altLang="en-US"/>
+          </a:p>
+        </p:txBody>
+      </p:sp>
+      <p:sp>
+        <p:nvSpPr>
+          <p:cNvPr id="5" name="内容占位符 4"/>
+          <p:cNvSpPr>
+            <a:spLocks noGrp="1"/>
+          </p:cNvSpPr>
+          <p:nvPr>
+            <p:ph idx="1"/>
+          </p:nvPr>
+        </p:nvSpPr>
+        <p:spPr/>
+        <p:txBody>
+          <a:bodyPr/>
+          <a:lstStyle/>
+          <a:p>
+            <a:endParaRPr lang="zh-CN" altLang="en-US" dirty="0"/>
+          </a:p>
+        </p:txBody>
+      </p:sp>
+      <p:pic>
+        <p:nvPicPr>
+          <p:cNvPr id="2051" name="Picture 3"/>
+          <p:cNvPicPr>
+            <a:picLocks noChangeAspect="1" noChangeArrowheads="1"/>
+          </p:cNvPicPr>
+          <p:nvPr/>
+        </p:nvPicPr>
+        <p:blipFill>
+          <a:blip r:embed="rId4"/>
+          <a:srcRect/>
+          <a:stretch>
+            <a:fillRect/>
+          </a:stretch>
+        </p:blipFill>
+        <p:spPr bwMode="auto">
+          <a:xfrm>
+            <a:off x="1500166" y="142852"/>
+            <a:ext cx="5214974" cy="7242528"/>
+          </a:xfrm>
+          <a:prstGeom prst="rect">
+            <a:avLst/>
+          </a:prstGeom>
+          <a:noFill/>
+          <a:ln w="9525">
+            <a:noFill/>
+            <a:miter lim="800000"/>
+            <a:headEnd/>
+            <a:tailEnd/>
+          </a:ln>
+          <a:effectLst/>
+        </p:spPr>
+      </p:pic>
+    </p:spTree>
+  </p:cSld>
+  <p:clrMapOvr>
+    <a:overrideClrMapping bg1="lt1" tx1="dk1" bg2="lt2" tx2="dk2" accent1="accent1" accent2="accent2" accent3="accent3" accent4="accent4" accent5="accent5" accent6="accent6" hlink="hlink" folHlink="folHlink"/>
+  </p:clrMapOvr>
+  <p:timing>
+    <p:tnLst>
+      <p:par>
+        <p:cTn id="1" dur="indefinite" restart="never" nodeType="tmRoot"/>
+      </p:par>
+    </p:tnLst>
+  </p:timing>
+</p:sld>
+</file>
+
+<file path=ppt/slides/slide48.xml><?xml version="1.0" encoding="utf-8"?>
+<p:sld xmlns:a="http://schemas.openxmlformats.org/drawingml/2006/main" xmlns:r="http://schemas.openxmlformats.org/officeDocument/2006/relationships" xmlns:p="http://schemas.openxmlformats.org/presentationml/2006/main">
+  <p:cSld>
+    <p:bg>
+      <p:bgPr>
+        <a:blipFill>
+          <a:blip r:embed="rId3"/>
+          <a:tile tx="0" ty="0" sx="100000" sy="100000" flip="none" algn="tl"/>
+        </a:blipFill>
+        <a:effectLst/>
+      </p:bgPr>
+    </p:bg>
+    <p:spTree>
+      <p:nvGrpSpPr>
+        <p:cNvPr id="1" name=""/>
+        <p:cNvGrpSpPr/>
+        <p:nvPr/>
+      </p:nvGrpSpPr>
+      <p:grpSpPr>
+        <a:xfrm>
+          <a:off x="0" y="0"/>
+          <a:ext cx="0" cy="0"/>
+          <a:chOff x="0" y="0"/>
+          <a:chExt cx="0" cy="0"/>
+        </a:xfrm>
+      </p:grpSpPr>
+      <p:sp>
+        <p:nvSpPr>
+          <p:cNvPr id="2" name="标题 1"/>
+          <p:cNvSpPr>
+            <a:spLocks noGrp="1"/>
+          </p:cNvSpPr>
+          <p:nvPr>
+            <p:ph type="title"/>
+          </p:nvPr>
+        </p:nvSpPr>
+        <p:spPr/>
+        <p:txBody>
+          <a:bodyPr/>
+          <a:lstStyle/>
+          <a:p>
+            <a:r>
+              <a:rPr lang="zh-CN" altLang="en-US" dirty="0" smtClean="0"/>
+              <a:t>正确操作</a:t>
+            </a:r>
+            <a:r>
+              <a:rPr lang="en-US" altLang="zh-CN" dirty="0" smtClean="0"/>
+              <a:t>——</a:t>
+            </a:r>
+            <a:r>
+              <a:rPr lang="zh-CN" altLang="en-US" dirty="0" smtClean="0"/>
+              <a:t>知名门户</a:t>
+            </a:r>
+            <a:endParaRPr lang="zh-CN" altLang="en-US" dirty="0"/>
+          </a:p>
+        </p:txBody>
+      </p:sp>
+      <p:sp>
+        <p:nvSpPr>
+          <p:cNvPr id="3" name="内容占位符 2"/>
+          <p:cNvSpPr>
+            <a:spLocks noGrp="1"/>
+          </p:cNvSpPr>
+          <p:nvPr>
+            <p:ph idx="1"/>
+          </p:nvPr>
+        </p:nvSpPr>
+        <p:spPr/>
+        <p:txBody>
+          <a:bodyPr/>
+          <a:lstStyle/>
+          <a:p>
+            <a:endParaRPr lang="zh-CN" altLang="en-US" dirty="0"/>
+          </a:p>
+        </p:txBody>
+      </p:sp>
+      <p:sp>
+        <p:nvSpPr>
+          <p:cNvPr id="5" name="TextBox 4"/>
+          <p:cNvSpPr txBox="1"/>
+          <p:nvPr/>
+        </p:nvSpPr>
+        <p:spPr>
+          <a:xfrm>
+            <a:off x="1071538" y="6286520"/>
+            <a:ext cx="7858180" cy="369332"/>
+          </a:xfrm>
+          <a:prstGeom prst="rect">
+            <a:avLst/>
+          </a:prstGeom>
+          <a:noFill/>
+        </p:spPr>
+        <p:txBody>
+          <a:bodyPr wrap="square" rtlCol="0">
+            <a:spAutoFit/>
+          </a:bodyPr>
+          <a:lstStyle/>
+          <a:p>
+            <a:r>
+              <a:rPr lang="en-US" altLang="zh-CN" dirty="0" smtClean="0">
+                <a:hlinkClick r:id="rId4"/>
+              </a:rPr>
+              <a:t>Stack Overflow</a:t>
+            </a:r>
+            <a:endParaRPr lang="zh-CN" altLang="en-US" dirty="0"/>
+          </a:p>
+        </p:txBody>
+      </p:sp>
+      <p:pic>
+        <p:nvPicPr>
+          <p:cNvPr id="3074" name="Picture 2"/>
+          <p:cNvPicPr>
+            <a:picLocks noChangeAspect="1" noChangeArrowheads="1"/>
+          </p:cNvPicPr>
+          <p:nvPr/>
+        </p:nvPicPr>
+        <p:blipFill>
+          <a:blip r:embed="rId5"/>
+          <a:srcRect/>
+          <a:stretch>
+            <a:fillRect/>
+          </a:stretch>
+        </p:blipFill>
+        <p:spPr bwMode="auto">
+          <a:xfrm>
+            <a:off x="1500166" y="500042"/>
+            <a:ext cx="6215106" cy="5625621"/>
+          </a:xfrm>
+          <a:prstGeom prst="rect">
+            <a:avLst/>
+          </a:prstGeom>
+          <a:noFill/>
+          <a:ln w="9525">
+            <a:noFill/>
+            <a:miter lim="800000"/>
+            <a:headEnd/>
+            <a:tailEnd/>
+          </a:ln>
+          <a:effectLst/>
+        </p:spPr>
+      </p:pic>
+    </p:spTree>
+  </p:cSld>
+  <p:clrMapOvr>
+    <a:overrideClrMapping bg1="lt1" tx1="dk1" bg2="lt2" tx2="dk2" accent1="accent1" accent2="accent2" accent3="accent3" accent4="accent4" accent5="accent5" accent6="accent6" hlink="hlink" folHlink="folHlink"/>
+  </p:clrMapOvr>
+  <p:timing>
+    <p:tnLst>
+      <p:par>
+        <p:cTn id="1" dur="indefinite" restart="never" nodeType="tmRoot">
+          <p:childTnLst>
+            <p:seq concurrent="1" nextAc="seek">
+              <p:cTn id="2" dur="indefinite" nodeType="mainSeq">
+                <p:childTnLst>
+                  <p:par>
+                    <p:cTn id="3" fill="hold">
+                      <p:stCondLst>
+                        <p:cond delay="indefinite"/>
+                      </p:stCondLst>
+                      <p:childTnLst>
+                        <p:par>
+                          <p:cTn id="4" fill="hold">
+                            <p:stCondLst>
+                              <p:cond delay="0"/>
+                            </p:stCondLst>
+                            <p:childTnLst>
+                              <p:par>
+                                <p:cTn id="5" presetID="22" presetClass="entr" presetSubtype="4" fill="hold" nodeType="clickEffect">
+                                  <p:stCondLst>
+                                    <p:cond delay="0"/>
+                                  </p:stCondLst>
+                                  <p:childTnLst>
+                                    <p:set>
+                                      <p:cBhvr>
+                                        <p:cTn id="6" dur="1" fill="hold">
+                                          <p:stCondLst>
+                                            <p:cond delay="0"/>
+                                          </p:stCondLst>
+                                        </p:cTn>
+                                        <p:tgtEl>
+                                          <p:spTgt spid="3074"/>
+                                        </p:tgtEl>
+                                        <p:attrNameLst>
+                                          <p:attrName>style.visibility</p:attrName>
+                                        </p:attrNameLst>
+                                      </p:cBhvr>
+                                      <p:to>
+                                        <p:strVal val="visible"/>
+                                      </p:to>
+                                    </p:set>
+                                    <p:animEffect transition="in" filter="wipe(down)">
+                                      <p:cBhvr>
+                                        <p:cTn id="7" dur="500"/>
+                                        <p:tgtEl>
+                                          <p:spTgt spid="3074"/>
+                                        </p:tgtEl>
+                                      </p:cBhvr>
+                                    </p:animEffect>
+                                  </p:childTnLst>
+                                </p:cTn>
+                              </p:par>
+                            </p:childTnLst>
+                          </p:cTn>
+                        </p:par>
+                      </p:childTnLst>
+                    </p:cTn>
+                  </p:par>
+                </p:childTnLst>
+              </p:cTn>
+              <p:prevCondLst>
+                <p:cond evt="onPrev" delay="0">
+                  <p:tgtEl>
+                    <p:sldTgt/>
+                  </p:tgtEl>
+                </p:cond>
+              </p:prevCondLst>
+              <p:nextCondLst>
+                <p:cond evt="onNext" delay="0">
+                  <p:tgtEl>
+                    <p:sldTgt/>
+                  </p:tgtEl>
+                </p:cond>
+              </p:nextCondLst>
+            </p:seq>
+          </p:childTnLst>
+        </p:cTn>
+      </p:par>
+    </p:tnLst>
+  </p:timing>
+</p:sld>
+</file>
+
+<file path=ppt/slides/slide49.xml><?xml version="1.0" encoding="utf-8"?>
+<p:sld xmlns:a="http://schemas.openxmlformats.org/drawingml/2006/main" xmlns:r="http://schemas.openxmlformats.org/officeDocument/2006/relationships" xmlns:p="http://schemas.openxmlformats.org/presentationml/2006/main">
+  <p:cSld>
+    <p:bg>
+      <p:bgPr>
+        <a:blipFill>
+          <a:blip r:embed="rId3"/>
+          <a:tile tx="0" ty="0" sx="100000" sy="100000" flip="none" algn="tl"/>
+        </a:blipFill>
+        <a:effectLst/>
+      </p:bgPr>
+    </p:bg>
+    <p:spTree>
+      <p:nvGrpSpPr>
+        <p:cNvPr id="1" name=""/>
+        <p:cNvGrpSpPr/>
+        <p:nvPr/>
+      </p:nvGrpSpPr>
+      <p:grpSpPr>
+        <a:xfrm>
+          <a:off x="0" y="0"/>
+          <a:ext cx="0" cy="0"/>
+          <a:chOff x="0" y="0"/>
+          <a:chExt cx="0" cy="0"/>
+        </a:xfrm>
+      </p:grpSpPr>
+      <p:sp>
+        <p:nvSpPr>
+          <p:cNvPr id="2" name="标题 1"/>
+          <p:cNvSpPr>
+            <a:spLocks noGrp="1"/>
+          </p:cNvSpPr>
+          <p:nvPr>
+            <p:ph type="title"/>
+          </p:nvPr>
+        </p:nvSpPr>
+        <p:spPr/>
+        <p:txBody>
+          <a:bodyPr/>
+          <a:lstStyle/>
+          <a:p>
+            <a:r>
+              <a:rPr lang="zh-CN" altLang="en-US" dirty="0" smtClean="0"/>
+              <a:t>英语不好怎么办</a:t>
+            </a:r>
+            <a:endParaRPr lang="zh-CN" altLang="en-US" dirty="0"/>
+          </a:p>
+        </p:txBody>
+      </p:sp>
+      <p:pic>
+        <p:nvPicPr>
+          <p:cNvPr id="4098" name="Picture 2"/>
+          <p:cNvPicPr>
+            <a:picLocks noGrp="1" noChangeAspect="1" noChangeArrowheads="1"/>
+          </p:cNvPicPr>
+          <p:nvPr>
+            <p:ph idx="1"/>
+          </p:nvPr>
+        </p:nvPicPr>
+        <p:blipFill>
+          <a:blip r:embed="rId4"/>
+          <a:stretch>
+            <a:fillRect/>
+          </a:stretch>
+        </p:blipFill>
+        <p:spPr bwMode="auto">
+          <a:xfrm>
+            <a:off x="2761615" y="1447800"/>
+            <a:ext cx="4846320" cy="4800600"/>
+          </a:xfrm>
+          <a:prstGeom prst="rect">
+            <a:avLst/>
+          </a:prstGeom>
+          <a:noFill/>
+          <a:ln w="9525">
+            <a:noFill/>
+            <a:miter lim="800000"/>
+            <a:headEnd/>
+            <a:tailEnd/>
+          </a:ln>
+          <a:effectLst/>
+        </p:spPr>
+      </p:pic>
+      <p:sp>
+        <p:nvSpPr>
+          <p:cNvPr id="4" name="TextBox 3"/>
+          <p:cNvSpPr txBox="1"/>
+          <p:nvPr/>
+        </p:nvSpPr>
+        <p:spPr>
+          <a:xfrm>
+            <a:off x="1071538" y="6286520"/>
+            <a:ext cx="7858180" cy="369332"/>
+          </a:xfrm>
+          <a:prstGeom prst="rect">
+            <a:avLst/>
+          </a:prstGeom>
+          <a:noFill/>
+        </p:spPr>
+        <p:txBody>
+          <a:bodyPr wrap="square" rtlCol="0">
+            <a:spAutoFit/>
+          </a:bodyPr>
+          <a:lstStyle/>
+          <a:p>
+            <a:r>
+              <a:rPr lang="zh-CN" altLang="en-US" dirty="0" smtClean="0">
+                <a:hlinkClick r:id="rId5"/>
+              </a:rPr>
+              <a:t>开源中国</a:t>
+            </a:r>
+            <a:endParaRPr lang="zh-CN" altLang="en-US" dirty="0"/>
+          </a:p>
+        </p:txBody>
+      </p:sp>
+    </p:spTree>
+  </p:cSld>
+  <p:clrMapOvr>
+    <a:overrideClrMapping bg1="lt1" tx1="dk1" bg2="lt2" tx2="dk2" accent1="accent1" accent2="accent2" accent3="accent3" accent4="accent4" accent5="accent5" accent6="accent6" hlink="hlink" folHlink="folHlink"/>
+  </p:clrMapOvr>
+  <p:timing>
+    <p:tnLst>
+      <p:par>
+        <p:cTn id="1" dur="indefinite" restart="never" nodeType="tmRoot">
+          <p:childTnLst>
+            <p:seq concurrent="1" nextAc="seek">
+              <p:cTn id="2" dur="indefinite" nodeType="mainSeq">
+                <p:childTnLst>
+                  <p:par>
+                    <p:cTn id="3" fill="hold">
+                      <p:stCondLst>
+                        <p:cond delay="indefinite"/>
+                      </p:stCondLst>
+                      <p:childTnLst>
+                        <p:par>
+                          <p:cTn id="4" fill="hold">
+                            <p:stCondLst>
+                              <p:cond delay="0"/>
+                            </p:stCondLst>
+                            <p:childTnLst>
+                              <p:par>
+                                <p:cTn id="5" presetID="22" presetClass="entr" presetSubtype="4" fill="hold" nodeType="clickEffect">
+                                  <p:stCondLst>
+                                    <p:cond delay="0"/>
+                                  </p:stCondLst>
+                                  <p:childTnLst>
+                                    <p:set>
+                                      <p:cBhvr>
+                                        <p:cTn id="6" dur="1" fill="hold">
+                                          <p:stCondLst>
+                                            <p:cond delay="0"/>
+                                          </p:stCondLst>
+                                        </p:cTn>
+                                        <p:tgtEl>
+                                          <p:spTgt spid="4098"/>
+                                        </p:tgtEl>
+                                        <p:attrNameLst>
+                                          <p:attrName>style.visibility</p:attrName>
+                                        </p:attrNameLst>
+                                      </p:cBhvr>
+                                      <p:to>
+                                        <p:strVal val="visible"/>
+                                      </p:to>
+                                    </p:set>
+                                    <p:animEffect transition="in" filter="wipe(down)">
+                                      <p:cBhvr>
+                                        <p:cTn id="7" dur="500"/>
+                                        <p:tgtEl>
+                                          <p:spTgt spid="4098"/>
+                                        </p:tgtEl>
+                                      </p:cBhvr>
+                                    </p:animEffect>
+                                  </p:childTnLst>
+                                </p:cTn>
+                              </p:par>
+                            </p:childTnLst>
+                          </p:cTn>
+                        </p:par>
+                      </p:childTnLst>
+                    </p:cTn>
+                  </p:par>
+                </p:childTnLst>
+              </p:cTn>
+              <p:prevCondLst>
+                <p:cond evt="onPrev" delay="0">
+                  <p:tgtEl>
+                    <p:sldTgt/>
+                  </p:tgtEl>
+                </p:cond>
+              </p:prevCondLst>
+              <p:nextCondLst>
+                <p:cond evt="onNext" delay="0">
+                  <p:tgtEl>
+                    <p:sldTgt/>
+                  </p:tgtEl>
+                </p:cond>
+              </p:nextCondLst>
+            </p:seq>
+          </p:childTnLst>
+        </p:cTn>
+      </p:par>
+    </p:tnLst>
+  </p:timing>
+</p:sld>
+</file>
+
 <file path=ppt/slides/slide5.xml><?xml version="1.0" encoding="utf-8"?>
 <p:sld xmlns:a="http://schemas.openxmlformats.org/drawingml/2006/main" xmlns:r="http://schemas.openxmlformats.org/officeDocument/2006/relationships" xmlns:p="http://schemas.openxmlformats.org/presentationml/2006/main">
   <p:cSld>
@@ -14547,6 +15874,333 @@
   </p:cSld>
   <p:clrMapOvr>
     <a:masterClrMapping/>
+  </p:clrMapOvr>
+  <p:timing>
+    <p:tnLst>
+      <p:par>
+        <p:cTn id="1" dur="indefinite" restart="never" nodeType="tmRoot"/>
+      </p:par>
+    </p:tnLst>
+  </p:timing>
+</p:sld>
+</file>
+
+<file path=ppt/slides/slide50.xml><?xml version="1.0" encoding="utf-8"?>
+<p:sld xmlns:a="http://schemas.openxmlformats.org/drawingml/2006/main" xmlns:r="http://schemas.openxmlformats.org/officeDocument/2006/relationships" xmlns:p="http://schemas.openxmlformats.org/presentationml/2006/main">
+  <p:cSld>
+    <p:bg>
+      <p:bgPr>
+        <a:blipFill>
+          <a:blip r:embed="rId3"/>
+          <a:tile tx="0" ty="0" sx="100000" sy="100000" flip="none" algn="tl"/>
+        </a:blipFill>
+        <a:effectLst/>
+      </p:bgPr>
+    </p:bg>
+    <p:spTree>
+      <p:nvGrpSpPr>
+        <p:cNvPr id="1" name=""/>
+        <p:cNvGrpSpPr/>
+        <p:nvPr/>
+      </p:nvGrpSpPr>
+      <p:grpSpPr>
+        <a:xfrm>
+          <a:off x="0" y="0"/>
+          <a:ext cx="0" cy="0"/>
+          <a:chOff x="0" y="0"/>
+          <a:chExt cx="0" cy="0"/>
+        </a:xfrm>
+      </p:grpSpPr>
+      <p:sp>
+        <p:nvSpPr>
+          <p:cNvPr id="2" name="标题 1"/>
+          <p:cNvSpPr>
+            <a:spLocks noGrp="1"/>
+          </p:cNvSpPr>
+          <p:nvPr>
+            <p:ph type="title"/>
+          </p:nvPr>
+        </p:nvSpPr>
+        <p:spPr/>
+        <p:txBody>
+          <a:bodyPr/>
+          <a:lstStyle/>
+          <a:p>
+            <a:r>
+              <a:rPr lang="zh-CN" altLang="en-US" dirty="0" smtClean="0"/>
+              <a:t>跟随大牛的足迹</a:t>
+            </a:r>
+            <a:r>
+              <a:rPr lang="en-US" altLang="zh-CN" dirty="0" smtClean="0"/>
+              <a:t>——</a:t>
+            </a:r>
+            <a:r>
+              <a:rPr lang="zh-CN" altLang="en-US" dirty="0" smtClean="0"/>
+              <a:t>博客</a:t>
+            </a:r>
+            <a:endParaRPr lang="zh-CN" altLang="en-US" dirty="0"/>
+          </a:p>
+        </p:txBody>
+      </p:sp>
+      <p:sp>
+        <p:nvSpPr>
+          <p:cNvPr id="3" name="内容占位符 2"/>
+          <p:cNvSpPr>
+            <a:spLocks noGrp="1"/>
+          </p:cNvSpPr>
+          <p:nvPr>
+            <p:ph idx="1"/>
+          </p:nvPr>
+        </p:nvSpPr>
+        <p:spPr/>
+        <p:txBody>
+          <a:bodyPr/>
+          <a:lstStyle/>
+          <a:p>
+            <a:endParaRPr lang="zh-CN" altLang="en-US" dirty="0"/>
+          </a:p>
+        </p:txBody>
+      </p:sp>
+      <p:sp>
+        <p:nvSpPr>
+          <p:cNvPr id="4" name="TextBox 3"/>
+          <p:cNvSpPr txBox="1"/>
+          <p:nvPr/>
+        </p:nvSpPr>
+        <p:spPr>
+          <a:xfrm>
+            <a:off x="1071538" y="6286520"/>
+            <a:ext cx="7858180" cy="369332"/>
+          </a:xfrm>
+          <a:prstGeom prst="rect">
+            <a:avLst/>
+          </a:prstGeom>
+          <a:noFill/>
+        </p:spPr>
+        <p:txBody>
+          <a:bodyPr wrap="square" rtlCol="0">
+            <a:spAutoFit/>
+          </a:bodyPr>
+          <a:lstStyle/>
+          <a:p>
+            <a:r>
+              <a:rPr lang="zh-CN" altLang="en-US" dirty="0" smtClean="0">
+                <a:hlinkClick r:id="rId4"/>
+              </a:rPr>
+              <a:t>博客</a:t>
+            </a:r>
+            <a:endParaRPr lang="zh-CN" altLang="en-US" dirty="0"/>
+          </a:p>
+        </p:txBody>
+      </p:sp>
+      <p:pic>
+        <p:nvPicPr>
+          <p:cNvPr id="5122" name="Picture 2"/>
+          <p:cNvPicPr>
+            <a:picLocks noChangeAspect="1" noChangeArrowheads="1"/>
+          </p:cNvPicPr>
+          <p:nvPr/>
+        </p:nvPicPr>
+        <p:blipFill>
+          <a:blip r:embed="rId5"/>
+          <a:srcRect/>
+          <a:stretch>
+            <a:fillRect/>
+          </a:stretch>
+        </p:blipFill>
+        <p:spPr bwMode="auto">
+          <a:xfrm>
+            <a:off x="785786" y="1214422"/>
+            <a:ext cx="8215338" cy="5461033"/>
+          </a:xfrm>
+          <a:prstGeom prst="rect">
+            <a:avLst/>
+          </a:prstGeom>
+          <a:noFill/>
+          <a:ln w="9525">
+            <a:noFill/>
+            <a:miter lim="800000"/>
+            <a:headEnd/>
+            <a:tailEnd/>
+          </a:ln>
+          <a:effectLst/>
+        </p:spPr>
+      </p:pic>
+    </p:spTree>
+  </p:cSld>
+  <p:clrMapOvr>
+    <a:overrideClrMapping bg1="lt1" tx1="dk1" bg2="lt2" tx2="dk2" accent1="accent1" accent2="accent2" accent3="accent3" accent4="accent4" accent5="accent5" accent6="accent6" hlink="hlink" folHlink="folHlink"/>
+  </p:clrMapOvr>
+  <p:timing>
+    <p:tnLst>
+      <p:par>
+        <p:cTn id="1" dur="indefinite" restart="never" nodeType="tmRoot">
+          <p:childTnLst>
+            <p:seq concurrent="1" nextAc="seek">
+              <p:cTn id="2" dur="indefinite" nodeType="mainSeq">
+                <p:childTnLst>
+                  <p:par>
+                    <p:cTn id="3" fill="hold">
+                      <p:stCondLst>
+                        <p:cond delay="indefinite"/>
+                      </p:stCondLst>
+                      <p:childTnLst>
+                        <p:par>
+                          <p:cTn id="4" fill="hold">
+                            <p:stCondLst>
+                              <p:cond delay="0"/>
+                            </p:stCondLst>
+                            <p:childTnLst>
+                              <p:par>
+                                <p:cTn id="5" presetID="22" presetClass="entr" presetSubtype="4" fill="hold" nodeType="clickEffect">
+                                  <p:stCondLst>
+                                    <p:cond delay="0"/>
+                                  </p:stCondLst>
+                                  <p:childTnLst>
+                                    <p:set>
+                                      <p:cBhvr>
+                                        <p:cTn id="6" dur="1" fill="hold">
+                                          <p:stCondLst>
+                                            <p:cond delay="0"/>
+                                          </p:stCondLst>
+                                        </p:cTn>
+                                        <p:tgtEl>
+                                          <p:spTgt spid="5122"/>
+                                        </p:tgtEl>
+                                        <p:attrNameLst>
+                                          <p:attrName>style.visibility</p:attrName>
+                                        </p:attrNameLst>
+                                      </p:cBhvr>
+                                      <p:to>
+                                        <p:strVal val="visible"/>
+                                      </p:to>
+                                    </p:set>
+                                    <p:animEffect transition="in" filter="wipe(down)">
+                                      <p:cBhvr>
+                                        <p:cTn id="7" dur="500"/>
+                                        <p:tgtEl>
+                                          <p:spTgt spid="5122"/>
+                                        </p:tgtEl>
+                                      </p:cBhvr>
+                                    </p:animEffect>
+                                  </p:childTnLst>
+                                </p:cTn>
+                              </p:par>
+                            </p:childTnLst>
+                          </p:cTn>
+                        </p:par>
+                      </p:childTnLst>
+                    </p:cTn>
+                  </p:par>
+                </p:childTnLst>
+              </p:cTn>
+              <p:prevCondLst>
+                <p:cond evt="onPrev" delay="0">
+                  <p:tgtEl>
+                    <p:sldTgt/>
+                  </p:tgtEl>
+                </p:cond>
+              </p:prevCondLst>
+              <p:nextCondLst>
+                <p:cond evt="onNext" delay="0">
+                  <p:tgtEl>
+                    <p:sldTgt/>
+                  </p:tgtEl>
+                </p:cond>
+              </p:nextCondLst>
+            </p:seq>
+          </p:childTnLst>
+        </p:cTn>
+      </p:par>
+    </p:tnLst>
+  </p:timing>
+</p:sld>
+</file>
+
+<file path=ppt/slides/slide51.xml><?xml version="1.0" encoding="utf-8"?>
+<p:sld xmlns:a="http://schemas.openxmlformats.org/drawingml/2006/main" xmlns:r="http://schemas.openxmlformats.org/officeDocument/2006/relationships" xmlns:p="http://schemas.openxmlformats.org/presentationml/2006/main">
+  <p:cSld>
+    <p:bg>
+      <p:bgPr>
+        <a:blipFill>
+          <a:blip r:embed="rId3"/>
+          <a:tile tx="0" ty="0" sx="100000" sy="100000" flip="none" algn="tl"/>
+        </a:blipFill>
+        <a:effectLst/>
+      </p:bgPr>
+    </p:bg>
+    <p:spTree>
+      <p:nvGrpSpPr>
+        <p:cNvPr id="1" name=""/>
+        <p:cNvGrpSpPr/>
+        <p:nvPr/>
+      </p:nvGrpSpPr>
+      <p:grpSpPr>
+        <a:xfrm>
+          <a:off x="0" y="0"/>
+          <a:ext cx="0" cy="0"/>
+          <a:chOff x="0" y="0"/>
+          <a:chExt cx="0" cy="0"/>
+        </a:xfrm>
+      </p:grpSpPr>
+      <p:sp>
+        <p:nvSpPr>
+          <p:cNvPr id="2" name="标题 1"/>
+          <p:cNvSpPr>
+            <a:spLocks noGrp="1"/>
+          </p:cNvSpPr>
+          <p:nvPr>
+            <p:ph type="title"/>
+          </p:nvPr>
+        </p:nvSpPr>
+        <p:spPr/>
+        <p:txBody>
+          <a:bodyPr/>
+          <a:lstStyle/>
+          <a:p>
+            <a:endParaRPr lang="zh-CN" altLang="en-US" dirty="0"/>
+          </a:p>
+        </p:txBody>
+      </p:sp>
+      <p:pic>
+        <p:nvPicPr>
+          <p:cNvPr id="7170" name="Picture 2"/>
+          <p:cNvPicPr>
+            <a:picLocks noGrp="1" noChangeAspect="1" noChangeArrowheads="1"/>
+          </p:cNvPicPr>
+          <p:nvPr>
+            <p:ph idx="1"/>
+          </p:nvPr>
+        </p:nvPicPr>
+        <p:blipFill>
+          <a:blip r:embed="rId4"/>
+          <a:srcRect/>
+          <a:stretch>
+            <a:fillRect/>
+          </a:stretch>
+        </p:blipFill>
+        <p:spPr bwMode="auto">
+          <a:xfrm>
+            <a:off x="1000100" y="214290"/>
+            <a:ext cx="6394577" cy="6500858"/>
+          </a:xfrm>
+          <a:prstGeom prst="rect">
+            <a:avLst/>
+          </a:prstGeom>
+          <a:noFill/>
+          <a:ln w="9525">
+            <a:noFill/>
+            <a:miter lim="800000"/>
+            <a:headEnd/>
+            <a:tailEnd/>
+          </a:ln>
+          <a:effectLst/>
+        </p:spPr>
+      </p:pic>
+    </p:spTree>
+  </p:cSld>
+  <p:clrMapOvr>
+    <a:overrideClrMapping bg1="lt1" tx1="dk1" bg2="lt2" tx2="dk2" accent1="accent1" accent2="accent2" accent3="accent3" accent4="accent4" accent5="accent5" accent6="accent6" hlink="hlink" folHlink="folHlink"/>
   </p:clrMapOvr>
   <p:timing>
     <p:tnLst>
@@ -16415,7 +18069,695 @@
 </a:themeOverride>
 </file>
 
+<file path=ppt/theme/themeOverride23.xml><?xml version="1.0" encoding="utf-8"?>
+<a:themeOverride xmlns:a="http://schemas.openxmlformats.org/drawingml/2006/main">
+  <a:clrScheme name="夏至">
+    <a:dk1>
+      <a:sysClr val="windowText" lastClr="000000"/>
+    </a:dk1>
+    <a:lt1>
+      <a:sysClr val="window" lastClr="FFFFFF"/>
+    </a:lt1>
+    <a:dk2>
+      <a:srgbClr val="4F271C"/>
+    </a:dk2>
+    <a:lt2>
+      <a:srgbClr val="E7DEC9"/>
+    </a:lt2>
+    <a:accent1>
+      <a:srgbClr val="3891A7"/>
+    </a:accent1>
+    <a:accent2>
+      <a:srgbClr val="FEB80A"/>
+    </a:accent2>
+    <a:accent3>
+      <a:srgbClr val="C32D2E"/>
+    </a:accent3>
+    <a:accent4>
+      <a:srgbClr val="84AA33"/>
+    </a:accent4>
+    <a:accent5>
+      <a:srgbClr val="964305"/>
+    </a:accent5>
+    <a:accent6>
+      <a:srgbClr val="475A8D"/>
+    </a:accent6>
+    <a:hlink>
+      <a:srgbClr val="8DC765"/>
+    </a:hlink>
+    <a:folHlink>
+      <a:srgbClr val="AA8A14"/>
+    </a:folHlink>
+  </a:clrScheme>
+</a:themeOverride>
+</file>
+
+<file path=ppt/theme/themeOverride24.xml><?xml version="1.0" encoding="utf-8"?>
+<a:themeOverride xmlns:a="http://schemas.openxmlformats.org/drawingml/2006/main">
+  <a:clrScheme name="夏至">
+    <a:dk1>
+      <a:sysClr val="windowText" lastClr="000000"/>
+    </a:dk1>
+    <a:lt1>
+      <a:sysClr val="window" lastClr="FFFFFF"/>
+    </a:lt1>
+    <a:dk2>
+      <a:srgbClr val="4F271C"/>
+    </a:dk2>
+    <a:lt2>
+      <a:srgbClr val="E7DEC9"/>
+    </a:lt2>
+    <a:accent1>
+      <a:srgbClr val="3891A7"/>
+    </a:accent1>
+    <a:accent2>
+      <a:srgbClr val="FEB80A"/>
+    </a:accent2>
+    <a:accent3>
+      <a:srgbClr val="C32D2E"/>
+    </a:accent3>
+    <a:accent4>
+      <a:srgbClr val="84AA33"/>
+    </a:accent4>
+    <a:accent5>
+      <a:srgbClr val="964305"/>
+    </a:accent5>
+    <a:accent6>
+      <a:srgbClr val="475A8D"/>
+    </a:accent6>
+    <a:hlink>
+      <a:srgbClr val="8DC765"/>
+    </a:hlink>
+    <a:folHlink>
+      <a:srgbClr val="AA8A14"/>
+    </a:folHlink>
+  </a:clrScheme>
+</a:themeOverride>
+</file>
+
+<file path=ppt/theme/themeOverride25.xml><?xml version="1.0" encoding="utf-8"?>
+<a:themeOverride xmlns:a="http://schemas.openxmlformats.org/drawingml/2006/main">
+  <a:clrScheme name="夏至">
+    <a:dk1>
+      <a:sysClr val="windowText" lastClr="000000"/>
+    </a:dk1>
+    <a:lt1>
+      <a:sysClr val="window" lastClr="FFFFFF"/>
+    </a:lt1>
+    <a:dk2>
+      <a:srgbClr val="4F271C"/>
+    </a:dk2>
+    <a:lt2>
+      <a:srgbClr val="E7DEC9"/>
+    </a:lt2>
+    <a:accent1>
+      <a:srgbClr val="3891A7"/>
+    </a:accent1>
+    <a:accent2>
+      <a:srgbClr val="FEB80A"/>
+    </a:accent2>
+    <a:accent3>
+      <a:srgbClr val="C32D2E"/>
+    </a:accent3>
+    <a:accent4>
+      <a:srgbClr val="84AA33"/>
+    </a:accent4>
+    <a:accent5>
+      <a:srgbClr val="964305"/>
+    </a:accent5>
+    <a:accent6>
+      <a:srgbClr val="475A8D"/>
+    </a:accent6>
+    <a:hlink>
+      <a:srgbClr val="8DC765"/>
+    </a:hlink>
+    <a:folHlink>
+      <a:srgbClr val="AA8A14"/>
+    </a:folHlink>
+  </a:clrScheme>
+</a:themeOverride>
+</file>
+
+<file path=ppt/theme/themeOverride26.xml><?xml version="1.0" encoding="utf-8"?>
+<a:themeOverride xmlns:a="http://schemas.openxmlformats.org/drawingml/2006/main">
+  <a:clrScheme name="夏至">
+    <a:dk1>
+      <a:sysClr val="windowText" lastClr="000000"/>
+    </a:dk1>
+    <a:lt1>
+      <a:sysClr val="window" lastClr="FFFFFF"/>
+    </a:lt1>
+    <a:dk2>
+      <a:srgbClr val="4F271C"/>
+    </a:dk2>
+    <a:lt2>
+      <a:srgbClr val="E7DEC9"/>
+    </a:lt2>
+    <a:accent1>
+      <a:srgbClr val="3891A7"/>
+    </a:accent1>
+    <a:accent2>
+      <a:srgbClr val="FEB80A"/>
+    </a:accent2>
+    <a:accent3>
+      <a:srgbClr val="C32D2E"/>
+    </a:accent3>
+    <a:accent4>
+      <a:srgbClr val="84AA33"/>
+    </a:accent4>
+    <a:accent5>
+      <a:srgbClr val="964305"/>
+    </a:accent5>
+    <a:accent6>
+      <a:srgbClr val="475A8D"/>
+    </a:accent6>
+    <a:hlink>
+      <a:srgbClr val="8DC765"/>
+    </a:hlink>
+    <a:folHlink>
+      <a:srgbClr val="AA8A14"/>
+    </a:folHlink>
+  </a:clrScheme>
+</a:themeOverride>
+</file>
+
+<file path=ppt/theme/themeOverride27.xml><?xml version="1.0" encoding="utf-8"?>
+<a:themeOverride xmlns:a="http://schemas.openxmlformats.org/drawingml/2006/main">
+  <a:clrScheme name="夏至">
+    <a:dk1>
+      <a:sysClr val="windowText" lastClr="000000"/>
+    </a:dk1>
+    <a:lt1>
+      <a:sysClr val="window" lastClr="FFFFFF"/>
+    </a:lt1>
+    <a:dk2>
+      <a:srgbClr val="4F271C"/>
+    </a:dk2>
+    <a:lt2>
+      <a:srgbClr val="E7DEC9"/>
+    </a:lt2>
+    <a:accent1>
+      <a:srgbClr val="3891A7"/>
+    </a:accent1>
+    <a:accent2>
+      <a:srgbClr val="FEB80A"/>
+    </a:accent2>
+    <a:accent3>
+      <a:srgbClr val="C32D2E"/>
+    </a:accent3>
+    <a:accent4>
+      <a:srgbClr val="84AA33"/>
+    </a:accent4>
+    <a:accent5>
+      <a:srgbClr val="964305"/>
+    </a:accent5>
+    <a:accent6>
+      <a:srgbClr val="475A8D"/>
+    </a:accent6>
+    <a:hlink>
+      <a:srgbClr val="8DC765"/>
+    </a:hlink>
+    <a:folHlink>
+      <a:srgbClr val="AA8A14"/>
+    </a:folHlink>
+  </a:clrScheme>
+</a:themeOverride>
+</file>
+
+<file path=ppt/theme/themeOverride28.xml><?xml version="1.0" encoding="utf-8"?>
+<a:themeOverride xmlns:a="http://schemas.openxmlformats.org/drawingml/2006/main">
+  <a:clrScheme name="夏至">
+    <a:dk1>
+      <a:sysClr val="windowText" lastClr="000000"/>
+    </a:dk1>
+    <a:lt1>
+      <a:sysClr val="window" lastClr="FFFFFF"/>
+    </a:lt1>
+    <a:dk2>
+      <a:srgbClr val="4F271C"/>
+    </a:dk2>
+    <a:lt2>
+      <a:srgbClr val="E7DEC9"/>
+    </a:lt2>
+    <a:accent1>
+      <a:srgbClr val="3891A7"/>
+    </a:accent1>
+    <a:accent2>
+      <a:srgbClr val="FEB80A"/>
+    </a:accent2>
+    <a:accent3>
+      <a:srgbClr val="C32D2E"/>
+    </a:accent3>
+    <a:accent4>
+      <a:srgbClr val="84AA33"/>
+    </a:accent4>
+    <a:accent5>
+      <a:srgbClr val="964305"/>
+    </a:accent5>
+    <a:accent6>
+      <a:srgbClr val="475A8D"/>
+    </a:accent6>
+    <a:hlink>
+      <a:srgbClr val="8DC765"/>
+    </a:hlink>
+    <a:folHlink>
+      <a:srgbClr val="AA8A14"/>
+    </a:folHlink>
+  </a:clrScheme>
+</a:themeOverride>
+</file>
+
+<file path=ppt/theme/themeOverride29.xml><?xml version="1.0" encoding="utf-8"?>
+<a:themeOverride xmlns:a="http://schemas.openxmlformats.org/drawingml/2006/main">
+  <a:clrScheme name="夏至">
+    <a:dk1>
+      <a:sysClr val="windowText" lastClr="000000"/>
+    </a:dk1>
+    <a:lt1>
+      <a:sysClr val="window" lastClr="FFFFFF"/>
+    </a:lt1>
+    <a:dk2>
+      <a:srgbClr val="4F271C"/>
+    </a:dk2>
+    <a:lt2>
+      <a:srgbClr val="E7DEC9"/>
+    </a:lt2>
+    <a:accent1>
+      <a:srgbClr val="3891A7"/>
+    </a:accent1>
+    <a:accent2>
+      <a:srgbClr val="FEB80A"/>
+    </a:accent2>
+    <a:accent3>
+      <a:srgbClr val="C32D2E"/>
+    </a:accent3>
+    <a:accent4>
+      <a:srgbClr val="84AA33"/>
+    </a:accent4>
+    <a:accent5>
+      <a:srgbClr val="964305"/>
+    </a:accent5>
+    <a:accent6>
+      <a:srgbClr val="475A8D"/>
+    </a:accent6>
+    <a:hlink>
+      <a:srgbClr val="8DC765"/>
+    </a:hlink>
+    <a:folHlink>
+      <a:srgbClr val="AA8A14"/>
+    </a:folHlink>
+  </a:clrScheme>
+</a:themeOverride>
+</file>
+
 <file path=ppt/theme/themeOverride3.xml><?xml version="1.0" encoding="utf-8"?>
+<a:themeOverride xmlns:a="http://schemas.openxmlformats.org/drawingml/2006/main">
+  <a:clrScheme name="夏至">
+    <a:dk1>
+      <a:sysClr val="windowText" lastClr="000000"/>
+    </a:dk1>
+    <a:lt1>
+      <a:sysClr val="window" lastClr="FFFFFF"/>
+    </a:lt1>
+    <a:dk2>
+      <a:srgbClr val="4F271C"/>
+    </a:dk2>
+    <a:lt2>
+      <a:srgbClr val="E7DEC9"/>
+    </a:lt2>
+    <a:accent1>
+      <a:srgbClr val="3891A7"/>
+    </a:accent1>
+    <a:accent2>
+      <a:srgbClr val="FEB80A"/>
+    </a:accent2>
+    <a:accent3>
+      <a:srgbClr val="C32D2E"/>
+    </a:accent3>
+    <a:accent4>
+      <a:srgbClr val="84AA33"/>
+    </a:accent4>
+    <a:accent5>
+      <a:srgbClr val="964305"/>
+    </a:accent5>
+    <a:accent6>
+      <a:srgbClr val="475A8D"/>
+    </a:accent6>
+    <a:hlink>
+      <a:srgbClr val="8DC765"/>
+    </a:hlink>
+    <a:folHlink>
+      <a:srgbClr val="AA8A14"/>
+    </a:folHlink>
+  </a:clrScheme>
+</a:themeOverride>
+</file>
+
+<file path=ppt/theme/themeOverride30.xml><?xml version="1.0" encoding="utf-8"?>
+<a:themeOverride xmlns:a="http://schemas.openxmlformats.org/drawingml/2006/main">
+  <a:clrScheme name="夏至">
+    <a:dk1>
+      <a:sysClr val="windowText" lastClr="000000"/>
+    </a:dk1>
+    <a:lt1>
+      <a:sysClr val="window" lastClr="FFFFFF"/>
+    </a:lt1>
+    <a:dk2>
+      <a:srgbClr val="4F271C"/>
+    </a:dk2>
+    <a:lt2>
+      <a:srgbClr val="E7DEC9"/>
+    </a:lt2>
+    <a:accent1>
+      <a:srgbClr val="3891A7"/>
+    </a:accent1>
+    <a:accent2>
+      <a:srgbClr val="FEB80A"/>
+    </a:accent2>
+    <a:accent3>
+      <a:srgbClr val="C32D2E"/>
+    </a:accent3>
+    <a:accent4>
+      <a:srgbClr val="84AA33"/>
+    </a:accent4>
+    <a:accent5>
+      <a:srgbClr val="964305"/>
+    </a:accent5>
+    <a:accent6>
+      <a:srgbClr val="475A8D"/>
+    </a:accent6>
+    <a:hlink>
+      <a:srgbClr val="8DC765"/>
+    </a:hlink>
+    <a:folHlink>
+      <a:srgbClr val="AA8A14"/>
+    </a:folHlink>
+  </a:clrScheme>
+</a:themeOverride>
+</file>
+
+<file path=ppt/theme/themeOverride31.xml><?xml version="1.0" encoding="utf-8"?>
+<a:themeOverride xmlns:a="http://schemas.openxmlformats.org/drawingml/2006/main">
+  <a:clrScheme name="夏至">
+    <a:dk1>
+      <a:sysClr val="windowText" lastClr="000000"/>
+    </a:dk1>
+    <a:lt1>
+      <a:sysClr val="window" lastClr="FFFFFF"/>
+    </a:lt1>
+    <a:dk2>
+      <a:srgbClr val="4F271C"/>
+    </a:dk2>
+    <a:lt2>
+      <a:srgbClr val="E7DEC9"/>
+    </a:lt2>
+    <a:accent1>
+      <a:srgbClr val="3891A7"/>
+    </a:accent1>
+    <a:accent2>
+      <a:srgbClr val="FEB80A"/>
+    </a:accent2>
+    <a:accent3>
+      <a:srgbClr val="C32D2E"/>
+    </a:accent3>
+    <a:accent4>
+      <a:srgbClr val="84AA33"/>
+    </a:accent4>
+    <a:accent5>
+      <a:srgbClr val="964305"/>
+    </a:accent5>
+    <a:accent6>
+      <a:srgbClr val="475A8D"/>
+    </a:accent6>
+    <a:hlink>
+      <a:srgbClr val="8DC765"/>
+    </a:hlink>
+    <a:folHlink>
+      <a:srgbClr val="AA8A14"/>
+    </a:folHlink>
+  </a:clrScheme>
+</a:themeOverride>
+</file>
+
+<file path=ppt/theme/themeOverride32.xml><?xml version="1.0" encoding="utf-8"?>
+<a:themeOverride xmlns:a="http://schemas.openxmlformats.org/drawingml/2006/main">
+  <a:clrScheme name="夏至">
+    <a:dk1>
+      <a:sysClr val="windowText" lastClr="000000"/>
+    </a:dk1>
+    <a:lt1>
+      <a:sysClr val="window" lastClr="FFFFFF"/>
+    </a:lt1>
+    <a:dk2>
+      <a:srgbClr val="4F271C"/>
+    </a:dk2>
+    <a:lt2>
+      <a:srgbClr val="E7DEC9"/>
+    </a:lt2>
+    <a:accent1>
+      <a:srgbClr val="3891A7"/>
+    </a:accent1>
+    <a:accent2>
+      <a:srgbClr val="FEB80A"/>
+    </a:accent2>
+    <a:accent3>
+      <a:srgbClr val="C32D2E"/>
+    </a:accent3>
+    <a:accent4>
+      <a:srgbClr val="84AA33"/>
+    </a:accent4>
+    <a:accent5>
+      <a:srgbClr val="964305"/>
+    </a:accent5>
+    <a:accent6>
+      <a:srgbClr val="475A8D"/>
+    </a:accent6>
+    <a:hlink>
+      <a:srgbClr val="8DC765"/>
+    </a:hlink>
+    <a:folHlink>
+      <a:srgbClr val="AA8A14"/>
+    </a:folHlink>
+  </a:clrScheme>
+</a:themeOverride>
+</file>
+
+<file path=ppt/theme/themeOverride33.xml><?xml version="1.0" encoding="utf-8"?>
+<a:themeOverride xmlns:a="http://schemas.openxmlformats.org/drawingml/2006/main">
+  <a:clrScheme name="夏至">
+    <a:dk1>
+      <a:sysClr val="windowText" lastClr="000000"/>
+    </a:dk1>
+    <a:lt1>
+      <a:sysClr val="window" lastClr="FFFFFF"/>
+    </a:lt1>
+    <a:dk2>
+      <a:srgbClr val="4F271C"/>
+    </a:dk2>
+    <a:lt2>
+      <a:srgbClr val="E7DEC9"/>
+    </a:lt2>
+    <a:accent1>
+      <a:srgbClr val="3891A7"/>
+    </a:accent1>
+    <a:accent2>
+      <a:srgbClr val="FEB80A"/>
+    </a:accent2>
+    <a:accent3>
+      <a:srgbClr val="C32D2E"/>
+    </a:accent3>
+    <a:accent4>
+      <a:srgbClr val="84AA33"/>
+    </a:accent4>
+    <a:accent5>
+      <a:srgbClr val="964305"/>
+    </a:accent5>
+    <a:accent6>
+      <a:srgbClr val="475A8D"/>
+    </a:accent6>
+    <a:hlink>
+      <a:srgbClr val="8DC765"/>
+    </a:hlink>
+    <a:folHlink>
+      <a:srgbClr val="AA8A14"/>
+    </a:folHlink>
+  </a:clrScheme>
+</a:themeOverride>
+</file>
+
+<file path=ppt/theme/themeOverride34.xml><?xml version="1.0" encoding="utf-8"?>
+<a:themeOverride xmlns:a="http://schemas.openxmlformats.org/drawingml/2006/main">
+  <a:clrScheme name="夏至">
+    <a:dk1>
+      <a:sysClr val="windowText" lastClr="000000"/>
+    </a:dk1>
+    <a:lt1>
+      <a:sysClr val="window" lastClr="FFFFFF"/>
+    </a:lt1>
+    <a:dk2>
+      <a:srgbClr val="4F271C"/>
+    </a:dk2>
+    <a:lt2>
+      <a:srgbClr val="E7DEC9"/>
+    </a:lt2>
+    <a:accent1>
+      <a:srgbClr val="3891A7"/>
+    </a:accent1>
+    <a:accent2>
+      <a:srgbClr val="FEB80A"/>
+    </a:accent2>
+    <a:accent3>
+      <a:srgbClr val="C32D2E"/>
+    </a:accent3>
+    <a:accent4>
+      <a:srgbClr val="84AA33"/>
+    </a:accent4>
+    <a:accent5>
+      <a:srgbClr val="964305"/>
+    </a:accent5>
+    <a:accent6>
+      <a:srgbClr val="475A8D"/>
+    </a:accent6>
+    <a:hlink>
+      <a:srgbClr val="8DC765"/>
+    </a:hlink>
+    <a:folHlink>
+      <a:srgbClr val="AA8A14"/>
+    </a:folHlink>
+  </a:clrScheme>
+</a:themeOverride>
+</file>
+
+<file path=ppt/theme/themeOverride35.xml><?xml version="1.0" encoding="utf-8"?>
+<a:themeOverride xmlns:a="http://schemas.openxmlformats.org/drawingml/2006/main">
+  <a:clrScheme name="夏至">
+    <a:dk1>
+      <a:sysClr val="windowText" lastClr="000000"/>
+    </a:dk1>
+    <a:lt1>
+      <a:sysClr val="window" lastClr="FFFFFF"/>
+    </a:lt1>
+    <a:dk2>
+      <a:srgbClr val="4F271C"/>
+    </a:dk2>
+    <a:lt2>
+      <a:srgbClr val="E7DEC9"/>
+    </a:lt2>
+    <a:accent1>
+      <a:srgbClr val="3891A7"/>
+    </a:accent1>
+    <a:accent2>
+      <a:srgbClr val="FEB80A"/>
+    </a:accent2>
+    <a:accent3>
+      <a:srgbClr val="C32D2E"/>
+    </a:accent3>
+    <a:accent4>
+      <a:srgbClr val="84AA33"/>
+    </a:accent4>
+    <a:accent5>
+      <a:srgbClr val="964305"/>
+    </a:accent5>
+    <a:accent6>
+      <a:srgbClr val="475A8D"/>
+    </a:accent6>
+    <a:hlink>
+      <a:srgbClr val="8DC765"/>
+    </a:hlink>
+    <a:folHlink>
+      <a:srgbClr val="AA8A14"/>
+    </a:folHlink>
+  </a:clrScheme>
+</a:themeOverride>
+</file>
+
+<file path=ppt/theme/themeOverride36.xml><?xml version="1.0" encoding="utf-8"?>
+<a:themeOverride xmlns:a="http://schemas.openxmlformats.org/drawingml/2006/main">
+  <a:clrScheme name="夏至">
+    <a:dk1>
+      <a:sysClr val="windowText" lastClr="000000"/>
+    </a:dk1>
+    <a:lt1>
+      <a:sysClr val="window" lastClr="FFFFFF"/>
+    </a:lt1>
+    <a:dk2>
+      <a:srgbClr val="4F271C"/>
+    </a:dk2>
+    <a:lt2>
+      <a:srgbClr val="E7DEC9"/>
+    </a:lt2>
+    <a:accent1>
+      <a:srgbClr val="3891A7"/>
+    </a:accent1>
+    <a:accent2>
+      <a:srgbClr val="FEB80A"/>
+    </a:accent2>
+    <a:accent3>
+      <a:srgbClr val="C32D2E"/>
+    </a:accent3>
+    <a:accent4>
+      <a:srgbClr val="84AA33"/>
+    </a:accent4>
+    <a:accent5>
+      <a:srgbClr val="964305"/>
+    </a:accent5>
+    <a:accent6>
+      <a:srgbClr val="475A8D"/>
+    </a:accent6>
+    <a:hlink>
+      <a:srgbClr val="8DC765"/>
+    </a:hlink>
+    <a:folHlink>
+      <a:srgbClr val="AA8A14"/>
+    </a:folHlink>
+  </a:clrScheme>
+</a:themeOverride>
+</file>
+
+<file path=ppt/theme/themeOverride37.xml><?xml version="1.0" encoding="utf-8"?>
+<a:themeOverride xmlns:a="http://schemas.openxmlformats.org/drawingml/2006/main">
+  <a:clrScheme name="夏至">
+    <a:dk1>
+      <a:sysClr val="windowText" lastClr="000000"/>
+    </a:dk1>
+    <a:lt1>
+      <a:sysClr val="window" lastClr="FFFFFF"/>
+    </a:lt1>
+    <a:dk2>
+      <a:srgbClr val="4F271C"/>
+    </a:dk2>
+    <a:lt2>
+      <a:srgbClr val="E7DEC9"/>
+    </a:lt2>
+    <a:accent1>
+      <a:srgbClr val="3891A7"/>
+    </a:accent1>
+    <a:accent2>
+      <a:srgbClr val="FEB80A"/>
+    </a:accent2>
+    <a:accent3>
+      <a:srgbClr val="C32D2E"/>
+    </a:accent3>
+    <a:accent4>
+      <a:srgbClr val="84AA33"/>
+    </a:accent4>
+    <a:accent5>
+      <a:srgbClr val="964305"/>
+    </a:accent5>
+    <a:accent6>
+      <a:srgbClr val="475A8D"/>
+    </a:accent6>
+    <a:hlink>
+      <a:srgbClr val="8DC765"/>
+    </a:hlink>
+    <a:folHlink>
+      <a:srgbClr val="AA8A14"/>
+    </a:folHlink>
+  </a:clrScheme>
+</a:themeOverride>
+</file>
+
+<file path=ppt/theme/themeOverride38.xml><?xml version="1.0" encoding="utf-8"?>
 <a:themeOverride xmlns:a="http://schemas.openxmlformats.org/drawingml/2006/main">
   <a:clrScheme name="夏至">
     <a:dk1>

--- a/ps/js/演示文稿.pptx
+++ b/ps/js/演示文稿.pptx
@@ -243,7 +243,7 @@
             <a:fld id="{BB18017A-EF27-4333-8CBA-7208022D9565}" type="datetimeFigureOut">
               <a:rPr lang="zh-CN" altLang="en-US" smtClean="0"/>
               <a:pPr/>
-              <a:t>2017/10/23</a:t>
+              <a:t>2017/10/24</a:t>
             </a:fld>
             <a:endParaRPr lang="zh-CN" altLang="en-US"/>
           </a:p>
@@ -1628,7 +1628,7 @@
             <a:fld id="{530820CF-B880-4189-942D-D702A7CBA730}" type="datetimeFigureOut">
               <a:rPr lang="zh-CN" altLang="en-US" smtClean="0"/>
               <a:pPr/>
-              <a:t>2017/10/23</a:t>
+              <a:t>2017/10/24</a:t>
             </a:fld>
             <a:endParaRPr lang="zh-CN" altLang="en-US"/>
           </a:p>
@@ -1943,7 +1943,7 @@
             <a:fld id="{530820CF-B880-4189-942D-D702A7CBA730}" type="datetimeFigureOut">
               <a:rPr lang="zh-CN" altLang="en-US" smtClean="0"/>
               <a:pPr/>
-              <a:t>2017/10/23</a:t>
+              <a:t>2017/10/24</a:t>
             </a:fld>
             <a:endParaRPr lang="zh-CN" altLang="en-US"/>
           </a:p>
@@ -2130,7 +2130,7 @@
             <a:fld id="{530820CF-B880-4189-942D-D702A7CBA730}" type="datetimeFigureOut">
               <a:rPr lang="zh-CN" altLang="en-US" smtClean="0"/>
               <a:pPr/>
-              <a:t>2017/10/23</a:t>
+              <a:t>2017/10/24</a:t>
             </a:fld>
             <a:endParaRPr lang="zh-CN" altLang="en-US"/>
           </a:p>
@@ -2307,7 +2307,7 @@
             <a:fld id="{530820CF-B880-4189-942D-D702A7CBA730}" type="datetimeFigureOut">
               <a:rPr lang="zh-CN" altLang="en-US" smtClean="0"/>
               <a:pPr/>
-              <a:t>2017/10/23</a:t>
+              <a:t>2017/10/24</a:t>
             </a:fld>
             <a:endParaRPr lang="zh-CN" altLang="en-US"/>
           </a:p>
@@ -2577,7 +2577,7 @@
             <a:fld id="{530820CF-B880-4189-942D-D702A7CBA730}" type="datetimeFigureOut">
               <a:rPr lang="zh-CN" altLang="en-US" smtClean="0"/>
               <a:pPr/>
-              <a:t>2017/10/23</a:t>
+              <a:t>2017/10/24</a:t>
             </a:fld>
             <a:endParaRPr lang="zh-CN" altLang="en-US"/>
           </a:p>
@@ -3047,7 +3047,7 @@
             <a:fld id="{530820CF-B880-4189-942D-D702A7CBA730}" type="datetimeFigureOut">
               <a:rPr lang="zh-CN" altLang="en-US" smtClean="0"/>
               <a:pPr/>
-              <a:t>2017/10/23</a:t>
+              <a:t>2017/10/24</a:t>
             </a:fld>
             <a:endParaRPr lang="zh-CN" altLang="en-US"/>
           </a:p>
@@ -3538,7 +3538,7 @@
             <a:fld id="{530820CF-B880-4189-942D-D702A7CBA730}" type="datetimeFigureOut">
               <a:rPr lang="zh-CN" altLang="en-US" smtClean="0"/>
               <a:pPr/>
-              <a:t>2017/10/23</a:t>
+              <a:t>2017/10/24</a:t>
             </a:fld>
             <a:endParaRPr lang="zh-CN" altLang="en-US"/>
           </a:p>
@@ -3666,7 +3666,7 @@
             <a:fld id="{530820CF-B880-4189-942D-D702A7CBA730}" type="datetimeFigureOut">
               <a:rPr lang="zh-CN" altLang="en-US" smtClean="0"/>
               <a:pPr/>
-              <a:t>2017/10/23</a:t>
+              <a:t>2017/10/24</a:t>
             </a:fld>
             <a:endParaRPr lang="zh-CN" altLang="en-US"/>
           </a:p>
@@ -3812,7 +3812,7 @@
             <a:fld id="{530820CF-B880-4189-942D-D702A7CBA730}" type="datetimeFigureOut">
               <a:rPr lang="zh-CN" altLang="en-US" smtClean="0"/>
               <a:pPr/>
-              <a:t>2017/10/23</a:t>
+              <a:t>2017/10/24</a:t>
             </a:fld>
             <a:endParaRPr lang="zh-CN" altLang="en-US"/>
           </a:p>
@@ -4136,7 +4136,7 @@
             <a:fld id="{530820CF-B880-4189-942D-D702A7CBA730}" type="datetimeFigureOut">
               <a:rPr lang="zh-CN" altLang="en-US" smtClean="0"/>
               <a:pPr/>
-              <a:t>2017/10/23</a:t>
+              <a:t>2017/10/24</a:t>
             </a:fld>
             <a:endParaRPr lang="zh-CN" altLang="en-US"/>
           </a:p>
@@ -4272,7 +4272,7 @@
             <a:fld id="{530820CF-B880-4189-942D-D702A7CBA730}" type="datetimeFigureOut">
               <a:rPr lang="zh-CN" altLang="en-US" smtClean="0"/>
               <a:pPr/>
-              <a:t>2017/10/23</a:t>
+              <a:t>2017/10/24</a:t>
             </a:fld>
             <a:endParaRPr lang="zh-CN" altLang="en-US"/>
           </a:p>
@@ -5055,7 +5055,7 @@
             <a:fld id="{530820CF-B880-4189-942D-D702A7CBA730}" type="datetimeFigureOut">
               <a:rPr lang="zh-CN" altLang="en-US" smtClean="0"/>
               <a:pPr/>
-              <a:t>2017/10/23</a:t>
+              <a:t>2017/10/24</a:t>
             </a:fld>
             <a:endParaRPr lang="zh-CN" altLang="en-US"/>
           </a:p>
@@ -7920,7 +7920,23 @@
           <a:p>
             <a:r>
               <a:rPr lang="zh-CN" altLang="en-US" dirty="0" smtClean="0"/>
-              <a:t>游戏和工作里任务</a:t>
+              <a:t>游戏和工作里</a:t>
+            </a:r>
+            <a:r>
+              <a:rPr lang="zh-CN" altLang="en-US" dirty="0" smtClean="0"/>
+              <a:t>任务，</a:t>
+            </a:r>
+            <a:r>
+              <a:rPr lang="en-US" altLang="zh-CN" dirty="0" smtClean="0"/>
+              <a:t>《</a:t>
+            </a:r>
+            <a:r>
+              <a:rPr lang="zh-CN" altLang="en-US" dirty="0" smtClean="0"/>
+              <a:t>王者荣耀</a:t>
+            </a:r>
+            <a:r>
+              <a:rPr lang="en-US" altLang="zh-CN" dirty="0" smtClean="0"/>
+              <a:t>》</a:t>
             </a:r>
             <a:endParaRPr lang="en-US" altLang="zh-CN" dirty="0" smtClean="0"/>
           </a:p>
@@ -7940,6 +7956,34 @@
               <a:rPr lang="zh-CN" altLang="en-US" dirty="0" smtClean="0"/>
               <a:t>当家</a:t>
             </a:r>
+            <a:endParaRPr lang="en-US" altLang="zh-CN" dirty="0" smtClean="0"/>
+          </a:p>
+          <a:p>
+            <a:r>
+              <a:rPr lang="en-US" altLang="zh-CN" dirty="0" smtClean="0"/>
+              <a:t>《</a:t>
+            </a:r>
+            <a:r>
+              <a:rPr lang="zh-CN" altLang="en-US" dirty="0" smtClean="0"/>
+              <a:t>火影忍者</a:t>
+            </a:r>
+            <a:r>
+              <a:rPr lang="en-US" altLang="zh-CN" dirty="0" smtClean="0"/>
+              <a:t>》《</a:t>
+            </a:r>
+            <a:r>
+              <a:rPr lang="zh-CN" altLang="en-US" dirty="0" smtClean="0"/>
+              <a:t>海贼王</a:t>
+            </a:r>
+            <a:r>
+              <a:rPr lang="en-US" altLang="zh-CN" dirty="0" smtClean="0"/>
+              <a:t>》</a:t>
+            </a:r>
+          </a:p>
+          <a:p>
+            <a:pPr>
+              <a:buNone/>
+            </a:pPr>
             <a:endParaRPr lang="en-US" altLang="zh-CN" dirty="0" smtClean="0"/>
           </a:p>
         </p:txBody>
@@ -8575,6 +8619,109 @@
                       </p:childTnLst>
                     </p:cTn>
                   </p:par>
+                  <p:par>
+                    <p:cTn id="39" fill="hold">
+                      <p:stCondLst>
+                        <p:cond delay="indefinite"/>
+                      </p:stCondLst>
+                      <p:childTnLst>
+                        <p:par>
+                          <p:cTn id="40" fill="hold">
+                            <p:stCondLst>
+                              <p:cond delay="0"/>
+                            </p:stCondLst>
+                            <p:childTnLst>
+                              <p:par>
+                                <p:cTn id="41" presetID="2" presetClass="entr" presetSubtype="4" fill="hold" grpId="0" nodeType="clickEffect">
+                                  <p:stCondLst>
+                                    <p:cond delay="0"/>
+                                  </p:stCondLst>
+                                  <p:childTnLst>
+                                    <p:set>
+                                      <p:cBhvr>
+                                        <p:cTn id="42" dur="1" fill="hold">
+                                          <p:stCondLst>
+                                            <p:cond delay="0"/>
+                                          </p:stCondLst>
+                                        </p:cTn>
+                                        <p:tgtEl>
+                                          <p:spTgt spid="3">
+                                            <p:txEl>
+                                              <p:pRg st="6" end="6"/>
+                                            </p:txEl>
+                                          </p:spTgt>
+                                        </p:tgtEl>
+                                        <p:attrNameLst>
+                                          <p:attrName>style.visibility</p:attrName>
+                                        </p:attrNameLst>
+                                      </p:cBhvr>
+                                      <p:to>
+                                        <p:strVal val="visible"/>
+                                      </p:to>
+                                    </p:set>
+                                    <p:anim calcmode="lin" valueType="num">
+                                      <p:cBhvr additive="base">
+                                        <p:cTn id="43" dur="500" fill="hold"/>
+                                        <p:tgtEl>
+                                          <p:spTgt spid="3">
+                                            <p:txEl>
+                                              <p:pRg st="6" end="6"/>
+                                            </p:txEl>
+                                          </p:spTgt>
+                                        </p:tgtEl>
+                                        <p:attrNameLst>
+                                          <p:attrName>ppt_x</p:attrName>
+                                        </p:attrNameLst>
+                                      </p:cBhvr>
+                                      <p:tavLst>
+                                        <p:tav tm="0">
+                                          <p:val>
+                                            <p:strVal val="#ppt_x"/>
+                                          </p:val>
+                                        </p:tav>
+                                        <p:tav tm="100000">
+                                          <p:val>
+                                            <p:strVal val="#ppt_x"/>
+                                          </p:val>
+                                        </p:tav>
+                                      </p:tavLst>
+                                    </p:anim>
+                                    <p:anim calcmode="lin" valueType="num">
+                                      <p:cBhvr additive="base">
+                                        <p:cTn id="44" dur="500" fill="hold"/>
+                                        <p:tgtEl>
+                                          <p:spTgt spid="3">
+                                            <p:txEl>
+                                              <p:pRg st="6" end="6"/>
+                                            </p:txEl>
+                                          </p:spTgt>
+                                        </p:tgtEl>
+                                        <p:attrNameLst>
+                                          <p:attrName>ppt_y</p:attrName>
+                                        </p:attrNameLst>
+                                      </p:cBhvr>
+                                      <p:tavLst>
+                                        <p:tav tm="0">
+                                          <p:val>
+                                            <p:strVal val="1+#ppt_h/2"/>
+                                          </p:val>
+                                        </p:tav>
+                                        <p:tav tm="100000">
+                                          <p:val>
+                                            <p:strVal val="#ppt_y"/>
+                                          </p:val>
+                                        </p:tav>
+                                      </p:tavLst>
+                                    </p:anim>
+                                  </p:childTnLst>
+                                </p:cTn>
+                              </p:par>
+                            </p:childTnLst>
+                          </p:cTn>
+                        </p:par>
+                      </p:childTnLst>
+                    </p:cTn>
+                  </p:par>
                 </p:childTnLst>
               </p:cTn>
               <p:prevCondLst>
@@ -9560,11 +9707,7 @@
             </a:r>
             <a:r>
               <a:rPr lang="en-US" altLang="zh-CN" dirty="0" smtClean="0"/>
-              <a:t>(</a:t>
-            </a:r>
-            <a:r>
-              <a:rPr lang="en-US" altLang="zh-CN" dirty="0" smtClean="0"/>
-              <a:t>es5)</a:t>
+              <a:t>(es5)</a:t>
             </a:r>
             <a:endParaRPr lang="zh-CN" altLang="en-US" dirty="0"/>
           </a:p>
@@ -9636,11 +9779,7 @@
             </a:r>
             <a:r>
               <a:rPr lang="zh-CN" altLang="en-US" dirty="0" smtClean="0"/>
-              <a:t>再</a:t>
-            </a:r>
-            <a:r>
-              <a:rPr lang="zh-CN" altLang="en-US" dirty="0" smtClean="0"/>
-              <a:t>探</a:t>
+              <a:t>再探</a:t>
             </a:r>
             <a:r>
               <a:rPr lang="en-US" altLang="zh-CN" dirty="0" smtClean="0"/>
@@ -10011,11 +10150,7 @@
             </a:r>
             <a:r>
               <a:rPr lang="en-US" altLang="zh-CN" dirty="0" smtClean="0"/>
-              <a:t>ES6 </a:t>
-            </a:r>
-            <a:r>
-              <a:rPr lang="en-US" altLang="zh-CN" dirty="0" smtClean="0"/>
-              <a:t>——</a:t>
+              <a:t>ES6 ——</a:t>
             </a:r>
             <a:r>
               <a:rPr lang="zh-CN" altLang="en-US" dirty="0" smtClean="0"/>
@@ -10264,11 +10399,7 @@
             </a:r>
             <a:r>
               <a:rPr lang="en-US" altLang="zh-CN" dirty="0" smtClean="0"/>
-              <a:t>ES6 </a:t>
-            </a:r>
-            <a:r>
-              <a:rPr lang="en-US" altLang="zh-CN" dirty="0" smtClean="0"/>
-              <a:t>——</a:t>
+              <a:t>ES6 ——</a:t>
             </a:r>
             <a:r>
               <a:rPr lang="zh-CN" altLang="en-US" dirty="0" smtClean="0"/>
@@ -10996,19 +11127,11 @@
           <a:p>
             <a:r>
               <a:rPr lang="zh-CN" altLang="en-US" dirty="0" smtClean="0"/>
-              <a:t>使用</a:t>
-            </a:r>
-            <a:r>
-              <a:rPr lang="zh-CN" altLang="en-US" dirty="0" smtClean="0"/>
-              <a:t>使用</a:t>
+              <a:t>使用使用</a:t>
             </a:r>
             <a:r>
               <a:rPr lang="en-US" altLang="zh-CN" dirty="0" smtClean="0"/>
-              <a:t>ES6 </a:t>
-            </a:r>
-            <a:r>
-              <a:rPr lang="en-US" altLang="zh-CN" dirty="0" smtClean="0"/>
-              <a:t>——</a:t>
+              <a:t>ES6 ——</a:t>
             </a:r>
             <a:r>
               <a:rPr lang="zh-CN" altLang="en-US" dirty="0" smtClean="0"/>
@@ -11224,11 +11347,7 @@
             </a:r>
             <a:r>
               <a:rPr lang="en-US" altLang="zh-CN" dirty="0" smtClean="0"/>
-              <a:t>ES6 </a:t>
-            </a:r>
-            <a:r>
-              <a:rPr lang="en-US" altLang="zh-CN" dirty="0" smtClean="0"/>
-              <a:t>——</a:t>
+              <a:t>ES6 ——</a:t>
             </a:r>
             <a:r>
               <a:rPr lang="zh-CN" altLang="en-US" dirty="0" smtClean="0"/>
@@ -14550,15 +14669,7 @@
             </a:r>
             <a:r>
               <a:rPr lang="zh-CN" altLang="en-US" dirty="0" smtClean="0"/>
-              <a:t>树（</a:t>
-            </a:r>
-            <a:r>
-              <a:rPr lang="zh-CN" altLang="en-US" dirty="0" smtClean="0"/>
-              <a:t>生成树</a:t>
-            </a:r>
-            <a:r>
-              <a:rPr lang="zh-CN" altLang="en-US" dirty="0" smtClean="0"/>
-              <a:t>）</a:t>
+              <a:t>树（生成树）</a:t>
             </a:r>
             <a:endParaRPr lang="en-US" altLang="zh-CN" dirty="0" smtClean="0"/>
           </a:p>
@@ -14599,7 +14710,6 @@
               <a:rPr lang="zh-CN" altLang="en-US" dirty="0" smtClean="0"/>
               <a:t> （生成树）</a:t>
             </a:r>
-            <a:endParaRPr lang="zh-CN" altLang="en-US" dirty="0" smtClean="0"/>
           </a:p>
           <a:p>
             <a:pPr marL="596646" indent="-514350">
@@ -14618,7 +14728,6 @@
               <a:rPr lang="zh-CN" altLang="en-US" dirty="0" smtClean="0"/>
               <a:t>树（确认坐标）</a:t>
             </a:r>
-            <a:endParaRPr lang="zh-CN" altLang="en-US" dirty="0" smtClean="0"/>
           </a:p>
           <a:p>
             <a:pPr marL="596646" indent="-514350">
@@ -14700,15 +14809,7 @@
             </a:pPr>
             <a:r>
               <a:rPr lang="zh-CN" altLang="en-US" dirty="0" smtClean="0"/>
-              <a:t>　值得注意的是</a:t>
-            </a:r>
-            <a:r>
-              <a:rPr lang="zh-CN" altLang="en-US" dirty="0" smtClean="0"/>
-              <a:t>，整个过程</a:t>
-            </a:r>
-            <a:r>
-              <a:rPr lang="zh-CN" altLang="en-US" dirty="0" smtClean="0"/>
-              <a:t>是逐步完成的，为了更好的用户体验，渲染引擎将会尽可能早的将内容呈现到屏幕上，并不会等到所有的</a:t>
+              <a:t>　值得注意的是，整个过程是逐步完成的，为了更好的用户体验，渲染引擎将会尽可能早的将内容呈现到屏幕上，并不会等到所有的</a:t>
             </a:r>
             <a:r>
               <a:rPr lang="en-US" altLang="zh-CN" dirty="0" smtClean="0"/>

--- a/ps/js/演示文稿.pptx
+++ b/ps/js/演示文稿.pptx
@@ -243,7 +243,7 @@
             <a:fld id="{BB18017A-EF27-4333-8CBA-7208022D9565}" type="datetimeFigureOut">
               <a:rPr lang="zh-CN" altLang="en-US" smtClean="0"/>
               <a:pPr/>
-              <a:t>2017/10/24</a:t>
+              <a:t>2017/10/25</a:t>
             </a:fld>
             <a:endParaRPr lang="zh-CN" altLang="en-US"/>
           </a:p>
@@ -1625,10 +1625,9 @@
             <a:extLst/>
           </a:lstStyle>
           <a:p>
-            <a:fld id="{530820CF-B880-4189-942D-D702A7CBA730}" type="datetimeFigureOut">
+            <a:fld id="{EDE332D8-EDB4-4619-BA61-C17AF4F62E48}" type="datetime1">
               <a:rPr lang="zh-CN" altLang="en-US" smtClean="0"/>
-              <a:pPr/>
-              <a:t>2017/10/24</a:t>
+              <a:t>2017/10/25</a:t>
             </a:fld>
             <a:endParaRPr lang="zh-CN" altLang="en-US"/>
           </a:p>
@@ -1940,10 +1939,9 @@
             <a:extLst/>
           </a:lstStyle>
           <a:p>
-            <a:fld id="{530820CF-B880-4189-942D-D702A7CBA730}" type="datetimeFigureOut">
+            <a:fld id="{3695F82A-D361-4B8C-8486-ED1B73F746D5}" type="datetime1">
               <a:rPr lang="zh-CN" altLang="en-US" smtClean="0"/>
-              <a:pPr/>
-              <a:t>2017/10/24</a:t>
+              <a:t>2017/10/25</a:t>
             </a:fld>
             <a:endParaRPr lang="zh-CN" altLang="en-US"/>
           </a:p>
@@ -2127,10 +2125,9 @@
             <a:extLst/>
           </a:lstStyle>
           <a:p>
-            <a:fld id="{530820CF-B880-4189-942D-D702A7CBA730}" type="datetimeFigureOut">
+            <a:fld id="{8F0CD8AC-C2FB-42B7-B5C2-708887C4F30E}" type="datetime1">
               <a:rPr lang="zh-CN" altLang="en-US" smtClean="0"/>
-              <a:pPr/>
-              <a:t>2017/10/24</a:t>
+              <a:t>2017/10/25</a:t>
             </a:fld>
             <a:endParaRPr lang="zh-CN" altLang="en-US"/>
           </a:p>
@@ -2304,10 +2301,9 @@
             <a:extLst/>
           </a:lstStyle>
           <a:p>
-            <a:fld id="{530820CF-B880-4189-942D-D702A7CBA730}" type="datetimeFigureOut">
+            <a:fld id="{CD46175A-2099-46F1-B33B-E395CF390A28}" type="datetime1">
               <a:rPr lang="zh-CN" altLang="en-US" smtClean="0"/>
-              <a:pPr/>
-              <a:t>2017/10/24</a:t>
+              <a:t>2017/10/25</a:t>
             </a:fld>
             <a:endParaRPr lang="zh-CN" altLang="en-US"/>
           </a:p>
@@ -2574,10 +2570,9 @@
             <a:extLst/>
           </a:lstStyle>
           <a:p>
-            <a:fld id="{530820CF-B880-4189-942D-D702A7CBA730}" type="datetimeFigureOut">
+            <a:fld id="{319D0442-9312-459C-95CD-EFCE57B9E1A2}" type="datetime1">
               <a:rPr lang="zh-CN" altLang="en-US" smtClean="0"/>
-              <a:pPr/>
-              <a:t>2017/10/24</a:t>
+              <a:t>2017/10/25</a:t>
             </a:fld>
             <a:endParaRPr lang="zh-CN" altLang="en-US"/>
           </a:p>
@@ -3044,10 +3039,9 @@
             <a:extLst/>
           </a:lstStyle>
           <a:p>
-            <a:fld id="{530820CF-B880-4189-942D-D702A7CBA730}" type="datetimeFigureOut">
+            <a:fld id="{EDD64A75-A661-45AD-9624-7C141B5CF7CD}" type="datetime1">
               <a:rPr lang="zh-CN" altLang="en-US" smtClean="0"/>
-              <a:pPr/>
-              <a:t>2017/10/24</a:t>
+              <a:t>2017/10/25</a:t>
             </a:fld>
             <a:endParaRPr lang="zh-CN" altLang="en-US"/>
           </a:p>
@@ -3535,10 +3529,9 @@
             <a:extLst/>
           </a:lstStyle>
           <a:p>
-            <a:fld id="{530820CF-B880-4189-942D-D702A7CBA730}" type="datetimeFigureOut">
+            <a:fld id="{D704EBB7-9499-4AA1-AC0D-CDF2C4BF2686}" type="datetime1">
               <a:rPr lang="zh-CN" altLang="en-US" smtClean="0"/>
-              <a:pPr/>
-              <a:t>2017/10/24</a:t>
+              <a:t>2017/10/25</a:t>
             </a:fld>
             <a:endParaRPr lang="zh-CN" altLang="en-US"/>
           </a:p>
@@ -3663,10 +3656,9 @@
             <a:extLst/>
           </a:lstStyle>
           <a:p>
-            <a:fld id="{530820CF-B880-4189-942D-D702A7CBA730}" type="datetimeFigureOut">
+            <a:fld id="{01911F21-DBD7-4A6F-A50C-3B1C4584605F}" type="datetime1">
               <a:rPr lang="zh-CN" altLang="en-US" smtClean="0"/>
-              <a:pPr/>
-              <a:t>2017/10/24</a:t>
+              <a:t>2017/10/25</a:t>
             </a:fld>
             <a:endParaRPr lang="zh-CN" altLang="en-US"/>
           </a:p>
@@ -3809,10 +3801,9 @@
             <a:extLst/>
           </a:lstStyle>
           <a:p>
-            <a:fld id="{530820CF-B880-4189-942D-D702A7CBA730}" type="datetimeFigureOut">
+            <a:fld id="{FD571359-7E51-48B6-8E67-4DC9B99410E7}" type="datetime1">
               <a:rPr lang="zh-CN" altLang="en-US" smtClean="0"/>
-              <a:pPr/>
-              <a:t>2017/10/24</a:t>
+              <a:t>2017/10/25</a:t>
             </a:fld>
             <a:endParaRPr lang="zh-CN" altLang="en-US"/>
           </a:p>
@@ -4133,10 +4124,9 @@
             <a:extLst/>
           </a:lstStyle>
           <a:p>
-            <a:fld id="{530820CF-B880-4189-942D-D702A7CBA730}" type="datetimeFigureOut">
+            <a:fld id="{DFD1B8D1-7304-4F58-A8A4-463C59E9BC29}" type="datetime1">
               <a:rPr lang="zh-CN" altLang="en-US" smtClean="0"/>
-              <a:pPr/>
-              <a:t>2017/10/24</a:t>
+              <a:t>2017/10/25</a:t>
             </a:fld>
             <a:endParaRPr lang="zh-CN" altLang="en-US"/>
           </a:p>
@@ -4269,10 +4259,9 @@
             <a:extLst/>
           </a:lstStyle>
           <a:p>
-            <a:fld id="{530820CF-B880-4189-942D-D702A7CBA730}" type="datetimeFigureOut">
+            <a:fld id="{15B4A080-BD2B-4D34-BACF-AE48D517189C}" type="datetime1">
               <a:rPr lang="zh-CN" altLang="en-US" smtClean="0"/>
-              <a:pPr/>
-              <a:t>2017/10/24</a:t>
+              <a:t>2017/10/25</a:t>
             </a:fld>
             <a:endParaRPr lang="zh-CN" altLang="en-US"/>
           </a:p>
@@ -5052,10 +5041,9 @@
             <a:extLst/>
           </a:lstStyle>
           <a:p>
-            <a:fld id="{530820CF-B880-4189-942D-D702A7CBA730}" type="datetimeFigureOut">
+            <a:fld id="{076C6948-8A13-4AEE-80DA-B8BE58C87592}" type="datetime1">
               <a:rPr lang="zh-CN" altLang="en-US" smtClean="0"/>
-              <a:pPr/>
-              <a:t>2017/10/24</a:t>
+              <a:t>2017/10/25</a:t>
             </a:fld>
             <a:endParaRPr lang="zh-CN" altLang="en-US"/>
           </a:p>
@@ -5218,6 +5206,7 @@
     <p:sldLayoutId id="2147483982" r:id="rId10"/>
     <p:sldLayoutId id="2147483983" r:id="rId11"/>
   </p:sldLayoutIdLst>
+  <p:hf hdr="0" ftr="0" dt="0"/>
   <p:txStyles>
     <p:titleStyle>
       <a:lvl1pPr algn="l" rtl="0" eaLnBrk="1" latinLnBrk="0" hangingPunct="1">
@@ -5590,6 +5579,30 @@
           </a:p>
         </p:txBody>
       </p:sp>
+      <p:sp>
+        <p:nvSpPr>
+          <p:cNvPr id="4" name="灯片编号占位符 3"/>
+          <p:cNvSpPr>
+            <a:spLocks noGrp="1"/>
+          </p:cNvSpPr>
+          <p:nvPr>
+            <p:ph type="sldNum" sz="quarter" idx="12"/>
+          </p:nvPr>
+        </p:nvSpPr>
+        <p:spPr/>
+        <p:txBody>
+          <a:bodyPr/>
+          <a:lstStyle/>
+          <a:p>
+            <a:fld id="{0C913308-F349-4B6D-A68A-DD1791B4A57B}" type="slidenum">
+              <a:rPr lang="zh-CN" altLang="en-US" smtClean="0"/>
+              <a:pPr/>
+              <a:t>1</a:t>
+            </a:fld>
+            <a:endParaRPr lang="zh-CN" altLang="en-US"/>
+          </a:p>
+        </p:txBody>
+      </p:sp>
     </p:spTree>
   </p:cSld>
   <p:clrMapOvr>
@@ -5700,6 +5713,30 @@
           </a:p>
         </p:txBody>
       </p:sp>
+      <p:sp>
+        <p:nvSpPr>
+          <p:cNvPr id="5" name="灯片编号占位符 4"/>
+          <p:cNvSpPr>
+            <a:spLocks noGrp="1"/>
+          </p:cNvSpPr>
+          <p:nvPr>
+            <p:ph type="sldNum" sz="quarter" idx="12"/>
+          </p:nvPr>
+        </p:nvSpPr>
+        <p:spPr/>
+        <p:txBody>
+          <a:bodyPr/>
+          <a:lstStyle/>
+          <a:p>
+            <a:fld id="{0C913308-F349-4B6D-A68A-DD1791B4A57B}" type="slidenum">
+              <a:rPr lang="zh-CN" altLang="en-US" smtClean="0"/>
+              <a:pPr/>
+              <a:t>10</a:t>
+            </a:fld>
+            <a:endParaRPr lang="zh-CN" altLang="en-US"/>
+          </a:p>
+        </p:txBody>
+      </p:sp>
     </p:spTree>
   </p:cSld>
   <p:clrMapOvr>
@@ -5968,6 +6005,30 @@
               <a:buChar char="•"/>
             </a:pPr>
             <a:endParaRPr lang="zh-CN" altLang="en-US" dirty="0"/>
+          </a:p>
+        </p:txBody>
+      </p:sp>
+      <p:sp>
+        <p:nvSpPr>
+          <p:cNvPr id="8" name="灯片编号占位符 7"/>
+          <p:cNvSpPr>
+            <a:spLocks noGrp="1"/>
+          </p:cNvSpPr>
+          <p:nvPr>
+            <p:ph type="sldNum" sz="quarter" idx="12"/>
+          </p:nvPr>
+        </p:nvSpPr>
+        <p:spPr/>
+        <p:txBody>
+          <a:bodyPr/>
+          <a:lstStyle/>
+          <a:p>
+            <a:fld id="{0C913308-F349-4B6D-A68A-DD1791B4A57B}" type="slidenum">
+              <a:rPr lang="zh-CN" altLang="en-US" smtClean="0"/>
+              <a:pPr/>
+              <a:t>11</a:t>
+            </a:fld>
+            <a:endParaRPr lang="zh-CN" altLang="en-US"/>
           </a:p>
         </p:txBody>
       </p:sp>
@@ -6625,6 +6686,30 @@
           <a:effectLst/>
         </p:spPr>
       </p:pic>
+      <p:sp>
+        <p:nvSpPr>
+          <p:cNvPr id="5" name="灯片编号占位符 4"/>
+          <p:cNvSpPr>
+            <a:spLocks noGrp="1"/>
+          </p:cNvSpPr>
+          <p:nvPr>
+            <p:ph type="sldNum" sz="quarter" idx="12"/>
+          </p:nvPr>
+        </p:nvSpPr>
+        <p:spPr/>
+        <p:txBody>
+          <a:bodyPr/>
+          <a:lstStyle/>
+          <a:p>
+            <a:fld id="{0C913308-F349-4B6D-A68A-DD1791B4A57B}" type="slidenum">
+              <a:rPr lang="zh-CN" altLang="en-US" smtClean="0"/>
+              <a:pPr/>
+              <a:t>12</a:t>
+            </a:fld>
+            <a:endParaRPr lang="zh-CN" altLang="en-US"/>
+          </a:p>
+        </p:txBody>
+      </p:sp>
     </p:spTree>
   </p:cSld>
   <p:clrMapOvr>
@@ -6810,6 +6895,30 @@
               <a:t>http://www.w3school.com.cn/jquery/</a:t>
             </a:r>
             <a:endParaRPr lang="zh-CN" altLang="en-US" dirty="0"/>
+          </a:p>
+        </p:txBody>
+      </p:sp>
+      <p:sp>
+        <p:nvSpPr>
+          <p:cNvPr id="5" name="灯片编号占位符 4"/>
+          <p:cNvSpPr>
+            <a:spLocks noGrp="1"/>
+          </p:cNvSpPr>
+          <p:nvPr>
+            <p:ph type="sldNum" sz="quarter" idx="12"/>
+          </p:nvPr>
+        </p:nvSpPr>
+        <p:spPr/>
+        <p:txBody>
+          <a:bodyPr/>
+          <a:lstStyle/>
+          <a:p>
+            <a:fld id="{0C913308-F349-4B6D-A68A-DD1791B4A57B}" type="slidenum">
+              <a:rPr lang="zh-CN" altLang="en-US" smtClean="0"/>
+              <a:pPr/>
+              <a:t>13</a:t>
+            </a:fld>
+            <a:endParaRPr lang="zh-CN" altLang="en-US"/>
           </a:p>
         </p:txBody>
       </p:sp>
@@ -7038,6 +7147,30 @@
               <a:t>少，稳定，速度快）</a:t>
             </a:r>
             <a:endParaRPr lang="en-US" altLang="zh-CN" dirty="0" smtClean="0"/>
+          </a:p>
+        </p:txBody>
+      </p:sp>
+      <p:sp>
+        <p:nvSpPr>
+          <p:cNvPr id="7" name="灯片编号占位符 6"/>
+          <p:cNvSpPr>
+            <a:spLocks noGrp="1"/>
+          </p:cNvSpPr>
+          <p:nvPr>
+            <p:ph type="sldNum" sz="quarter" idx="12"/>
+          </p:nvPr>
+        </p:nvSpPr>
+        <p:spPr/>
+        <p:txBody>
+          <a:bodyPr/>
+          <a:lstStyle/>
+          <a:p>
+            <a:fld id="{0C913308-F349-4B6D-A68A-DD1791B4A57B}" type="slidenum">
+              <a:rPr lang="zh-CN" altLang="en-US" smtClean="0"/>
+              <a:pPr/>
+              <a:t>14</a:t>
+            </a:fld>
+            <a:endParaRPr lang="zh-CN" altLang="en-US"/>
           </a:p>
         </p:txBody>
       </p:sp>
@@ -7274,6 +7407,30 @@
           <a:effectLst/>
         </p:spPr>
       </p:pic>
+      <p:sp>
+        <p:nvSpPr>
+          <p:cNvPr id="5" name="灯片编号占位符 4"/>
+          <p:cNvSpPr>
+            <a:spLocks noGrp="1"/>
+          </p:cNvSpPr>
+          <p:nvPr>
+            <p:ph type="sldNum" sz="quarter" idx="12"/>
+          </p:nvPr>
+        </p:nvSpPr>
+        <p:spPr/>
+        <p:txBody>
+          <a:bodyPr/>
+          <a:lstStyle/>
+          <a:p>
+            <a:fld id="{0C913308-F349-4B6D-A68A-DD1791B4A57B}" type="slidenum">
+              <a:rPr lang="zh-CN" altLang="en-US" smtClean="0"/>
+              <a:pPr/>
+              <a:t>15</a:t>
+            </a:fld>
+            <a:endParaRPr lang="zh-CN" altLang="en-US"/>
+          </a:p>
+        </p:txBody>
+      </p:sp>
     </p:spTree>
   </p:cSld>
   <p:clrMapOvr>
@@ -7403,6 +7560,30 @@
           <a:effectLst/>
         </p:spPr>
       </p:pic>
+      <p:sp>
+        <p:nvSpPr>
+          <p:cNvPr id="5" name="灯片编号占位符 4"/>
+          <p:cNvSpPr>
+            <a:spLocks noGrp="1"/>
+          </p:cNvSpPr>
+          <p:nvPr>
+            <p:ph type="sldNum" sz="quarter" idx="12"/>
+          </p:nvPr>
+        </p:nvSpPr>
+        <p:spPr/>
+        <p:txBody>
+          <a:bodyPr/>
+          <a:lstStyle/>
+          <a:p>
+            <a:fld id="{0C913308-F349-4B6D-A68A-DD1791B4A57B}" type="slidenum">
+              <a:rPr lang="zh-CN" altLang="en-US" smtClean="0"/>
+              <a:pPr/>
+              <a:t>16</a:t>
+            </a:fld>
+            <a:endParaRPr lang="zh-CN" altLang="en-US"/>
+          </a:p>
+        </p:txBody>
+      </p:sp>
     </p:spTree>
   </p:cSld>
   <p:clrMapOvr>
@@ -7591,6 +7772,30 @@
           <a:effectLst/>
         </p:spPr>
       </p:pic>
+      <p:sp>
+        <p:nvSpPr>
+          <p:cNvPr id="5" name="灯片编号占位符 4"/>
+          <p:cNvSpPr>
+            <a:spLocks noGrp="1"/>
+          </p:cNvSpPr>
+          <p:nvPr>
+            <p:ph type="sldNum" sz="quarter" idx="12"/>
+          </p:nvPr>
+        </p:nvSpPr>
+        <p:spPr/>
+        <p:txBody>
+          <a:bodyPr/>
+          <a:lstStyle/>
+          <a:p>
+            <a:fld id="{0C913308-F349-4B6D-A68A-DD1791B4A57B}" type="slidenum">
+              <a:rPr lang="zh-CN" altLang="en-US" smtClean="0"/>
+              <a:pPr/>
+              <a:t>17</a:t>
+            </a:fld>
+            <a:endParaRPr lang="zh-CN" altLang="en-US"/>
+          </a:p>
+        </p:txBody>
+      </p:sp>
     </p:spTree>
   </p:cSld>
   <p:clrMapOvr>
@@ -7703,6 +7908,30 @@
           <a:effectLst/>
         </p:spPr>
       </p:pic>
+      <p:sp>
+        <p:nvSpPr>
+          <p:cNvPr id="5" name="灯片编号占位符 4"/>
+          <p:cNvSpPr>
+            <a:spLocks noGrp="1"/>
+          </p:cNvSpPr>
+          <p:nvPr>
+            <p:ph type="sldNum" sz="quarter" idx="12"/>
+          </p:nvPr>
+        </p:nvSpPr>
+        <p:spPr/>
+        <p:txBody>
+          <a:bodyPr/>
+          <a:lstStyle/>
+          <a:p>
+            <a:fld id="{0C913308-F349-4B6D-A68A-DD1791B4A57B}" type="slidenum">
+              <a:rPr lang="zh-CN" altLang="en-US" smtClean="0"/>
+              <a:pPr/>
+              <a:t>18</a:t>
+            </a:fld>
+            <a:endParaRPr lang="zh-CN" altLang="en-US"/>
+          </a:p>
+        </p:txBody>
+      </p:sp>
     </p:spTree>
   </p:cSld>
   <p:clrMapOvr>
@@ -7831,6 +8060,30 @@
           <a:effectLst/>
         </p:spPr>
       </p:pic>
+      <p:sp>
+        <p:nvSpPr>
+          <p:cNvPr id="5" name="灯片编号占位符 4"/>
+          <p:cNvSpPr>
+            <a:spLocks noGrp="1"/>
+          </p:cNvSpPr>
+          <p:nvPr>
+            <p:ph type="sldNum" sz="quarter" idx="12"/>
+          </p:nvPr>
+        </p:nvSpPr>
+        <p:spPr/>
+        <p:txBody>
+          <a:bodyPr/>
+          <a:lstStyle/>
+          <a:p>
+            <a:fld id="{0C913308-F349-4B6D-A68A-DD1791B4A57B}" type="slidenum">
+              <a:rPr lang="zh-CN" altLang="en-US" smtClean="0"/>
+              <a:pPr/>
+              <a:t>19</a:t>
+            </a:fld>
+            <a:endParaRPr lang="zh-CN" altLang="en-US"/>
+          </a:p>
+        </p:txBody>
+      </p:sp>
     </p:spTree>
   </p:cSld>
   <p:clrMapOvr>
@@ -7920,11 +8173,7 @@
           <a:p>
             <a:r>
               <a:rPr lang="zh-CN" altLang="en-US" dirty="0" smtClean="0"/>
-              <a:t>游戏和工作里</a:t>
-            </a:r>
-            <a:r>
-              <a:rPr lang="zh-CN" altLang="en-US" dirty="0" smtClean="0"/>
-              <a:t>任务，</a:t>
+              <a:t>游戏和工作里任务，</a:t>
             </a:r>
             <a:r>
               <a:rPr lang="en-US" altLang="zh-CN" dirty="0" smtClean="0"/>
@@ -7938,7 +8187,6 @@
               <a:rPr lang="en-US" altLang="zh-CN" dirty="0" smtClean="0"/>
               <a:t>》</a:t>
             </a:r>
-            <a:endParaRPr lang="en-US" altLang="zh-CN" dirty="0" smtClean="0"/>
           </a:p>
           <a:p>
             <a:r>
@@ -7950,11 +8198,7 @@
           <a:p>
             <a:r>
               <a:rPr lang="zh-CN" altLang="en-US" dirty="0" smtClean="0"/>
-              <a:t>穷人的孩子早</a:t>
-            </a:r>
-            <a:r>
-              <a:rPr lang="zh-CN" altLang="en-US" dirty="0" smtClean="0"/>
-              <a:t>当家</a:t>
+              <a:t>穷人的孩子早当家</a:t>
             </a:r>
             <a:endParaRPr lang="en-US" altLang="zh-CN" dirty="0" smtClean="0"/>
           </a:p>
@@ -7985,6 +8229,30 @@
               <a:buNone/>
             </a:pPr>
             <a:endParaRPr lang="en-US" altLang="zh-CN" dirty="0" smtClean="0"/>
+          </a:p>
+        </p:txBody>
+      </p:sp>
+      <p:sp>
+        <p:nvSpPr>
+          <p:cNvPr id="4" name="灯片编号占位符 3"/>
+          <p:cNvSpPr>
+            <a:spLocks noGrp="1"/>
+          </p:cNvSpPr>
+          <p:nvPr>
+            <p:ph type="sldNum" sz="quarter" idx="12"/>
+          </p:nvPr>
+        </p:nvSpPr>
+        <p:spPr/>
+        <p:txBody>
+          <a:bodyPr/>
+          <a:lstStyle/>
+          <a:p>
+            <a:fld id="{0C913308-F349-4B6D-A68A-DD1791B4A57B}" type="slidenum">
+              <a:rPr lang="zh-CN" altLang="en-US" smtClean="0"/>
+              <a:pPr/>
+              <a:t>2</a:t>
+            </a:fld>
+            <a:endParaRPr lang="zh-CN" altLang="en-US"/>
           </a:p>
         </p:txBody>
       </p:sp>
@@ -8887,6 +9155,30 @@
           </a:p>
         </p:txBody>
       </p:sp>
+      <p:sp>
+        <p:nvSpPr>
+          <p:cNvPr id="6" name="灯片编号占位符 5"/>
+          <p:cNvSpPr>
+            <a:spLocks noGrp="1"/>
+          </p:cNvSpPr>
+          <p:nvPr>
+            <p:ph type="sldNum" sz="quarter" idx="12"/>
+          </p:nvPr>
+        </p:nvSpPr>
+        <p:spPr/>
+        <p:txBody>
+          <a:bodyPr/>
+          <a:lstStyle/>
+          <a:p>
+            <a:fld id="{0C913308-F349-4B6D-A68A-DD1791B4A57B}" type="slidenum">
+              <a:rPr lang="zh-CN" altLang="en-US" smtClean="0"/>
+              <a:pPr/>
+              <a:t>20</a:t>
+            </a:fld>
+            <a:endParaRPr lang="zh-CN" altLang="en-US"/>
+          </a:p>
+        </p:txBody>
+      </p:sp>
     </p:spTree>
   </p:cSld>
   <p:clrMapOvr>
@@ -9071,6 +9363,30 @@
             <a:endParaRPr lang="zh-CN" altLang="en-US" dirty="0">
               <a:hlinkClick r:id="rId7" action="ppaction://hlinkfile"/>
             </a:endParaRPr>
+          </a:p>
+        </p:txBody>
+      </p:sp>
+      <p:sp>
+        <p:nvSpPr>
+          <p:cNvPr id="7" name="灯片编号占位符 6"/>
+          <p:cNvSpPr>
+            <a:spLocks noGrp="1"/>
+          </p:cNvSpPr>
+          <p:nvPr>
+            <p:ph type="sldNum" sz="quarter" idx="12"/>
+          </p:nvPr>
+        </p:nvSpPr>
+        <p:spPr/>
+        <p:txBody>
+          <a:bodyPr/>
+          <a:lstStyle/>
+          <a:p>
+            <a:fld id="{0C913308-F349-4B6D-A68A-DD1791B4A57B}" type="slidenum">
+              <a:rPr lang="zh-CN" altLang="en-US" smtClean="0"/>
+              <a:pPr/>
+              <a:t>21</a:t>
+            </a:fld>
+            <a:endParaRPr lang="zh-CN" altLang="en-US"/>
           </a:p>
         </p:txBody>
       </p:sp>
@@ -9469,6 +9785,30 @@
           <a:effectLst/>
         </p:spPr>
       </p:pic>
+      <p:sp>
+        <p:nvSpPr>
+          <p:cNvPr id="6" name="灯片编号占位符 5"/>
+          <p:cNvSpPr>
+            <a:spLocks noGrp="1"/>
+          </p:cNvSpPr>
+          <p:nvPr>
+            <p:ph type="sldNum" sz="quarter" idx="12"/>
+          </p:nvPr>
+        </p:nvSpPr>
+        <p:spPr/>
+        <p:txBody>
+          <a:bodyPr/>
+          <a:lstStyle/>
+          <a:p>
+            <a:fld id="{0C913308-F349-4B6D-A68A-DD1791B4A57B}" type="slidenum">
+              <a:rPr lang="zh-CN" altLang="en-US" smtClean="0"/>
+              <a:pPr/>
+              <a:t>22</a:t>
+            </a:fld>
+            <a:endParaRPr lang="zh-CN" altLang="en-US"/>
+          </a:p>
+        </p:txBody>
+      </p:sp>
     </p:spTree>
   </p:cSld>
   <p:clrMapOvr>
@@ -9713,6 +10053,30 @@
           </a:p>
         </p:txBody>
       </p:sp>
+      <p:sp>
+        <p:nvSpPr>
+          <p:cNvPr id="4" name="灯片编号占位符 3"/>
+          <p:cNvSpPr>
+            <a:spLocks noGrp="1"/>
+          </p:cNvSpPr>
+          <p:nvPr>
+            <p:ph type="sldNum" sz="quarter" idx="12"/>
+          </p:nvPr>
+        </p:nvSpPr>
+        <p:spPr/>
+        <p:txBody>
+          <a:bodyPr/>
+          <a:lstStyle/>
+          <a:p>
+            <a:fld id="{0C913308-F349-4B6D-A68A-DD1791B4A57B}" type="slidenum">
+              <a:rPr lang="zh-CN" altLang="en-US" smtClean="0"/>
+              <a:pPr/>
+              <a:t>23</a:t>
+            </a:fld>
+            <a:endParaRPr lang="zh-CN" altLang="en-US"/>
+          </a:p>
+        </p:txBody>
+      </p:sp>
     </p:spTree>
   </p:cSld>
   <p:clrMapOvr>
@@ -9857,6 +10221,30 @@
           <a:effectLst/>
         </p:spPr>
       </p:pic>
+      <p:sp>
+        <p:nvSpPr>
+          <p:cNvPr id="5" name="灯片编号占位符 4"/>
+          <p:cNvSpPr>
+            <a:spLocks noGrp="1"/>
+          </p:cNvSpPr>
+          <p:nvPr>
+            <p:ph type="sldNum" sz="quarter" idx="12"/>
+          </p:nvPr>
+        </p:nvSpPr>
+        <p:spPr/>
+        <p:txBody>
+          <a:bodyPr/>
+          <a:lstStyle/>
+          <a:p>
+            <a:fld id="{0C913308-F349-4B6D-A68A-DD1791B4A57B}" type="slidenum">
+              <a:rPr lang="zh-CN" altLang="en-US" smtClean="0"/>
+              <a:pPr/>
+              <a:t>24</a:t>
+            </a:fld>
+            <a:endParaRPr lang="zh-CN" altLang="en-US"/>
+          </a:p>
+        </p:txBody>
+      </p:sp>
     </p:spTree>
   </p:cSld>
   <p:clrMapOvr>
@@ -10088,6 +10476,30 @@
           <a:effectLst/>
         </p:spPr>
       </p:pic>
+      <p:sp>
+        <p:nvSpPr>
+          <p:cNvPr id="5" name="灯片编号占位符 4"/>
+          <p:cNvSpPr>
+            <a:spLocks noGrp="1"/>
+          </p:cNvSpPr>
+          <p:nvPr>
+            <p:ph type="sldNum" sz="quarter" idx="12"/>
+          </p:nvPr>
+        </p:nvSpPr>
+        <p:spPr/>
+        <p:txBody>
+          <a:bodyPr/>
+          <a:lstStyle/>
+          <a:p>
+            <a:fld id="{0C913308-F349-4B6D-A68A-DD1791B4A57B}" type="slidenum">
+              <a:rPr lang="zh-CN" altLang="en-US" smtClean="0"/>
+              <a:pPr/>
+              <a:t>25</a:t>
+            </a:fld>
+            <a:endParaRPr lang="zh-CN" altLang="en-US"/>
+          </a:p>
+        </p:txBody>
+      </p:sp>
     </p:spTree>
   </p:cSld>
   <p:clrMapOvr>
@@ -10261,6 +10673,30 @@
           <a:effectLst/>
         </p:spPr>
       </p:pic>
+      <p:sp>
+        <p:nvSpPr>
+          <p:cNvPr id="6" name="灯片编号占位符 5"/>
+          <p:cNvSpPr>
+            <a:spLocks noGrp="1"/>
+          </p:cNvSpPr>
+          <p:nvPr>
+            <p:ph type="sldNum" sz="quarter" idx="12"/>
+          </p:nvPr>
+        </p:nvSpPr>
+        <p:spPr/>
+        <p:txBody>
+          <a:bodyPr/>
+          <a:lstStyle/>
+          <a:p>
+            <a:fld id="{0C913308-F349-4B6D-A68A-DD1791B4A57B}" type="slidenum">
+              <a:rPr lang="zh-CN" altLang="en-US" smtClean="0"/>
+              <a:pPr/>
+              <a:t>26</a:t>
+            </a:fld>
+            <a:endParaRPr lang="zh-CN" altLang="en-US"/>
+          </a:p>
+        </p:txBody>
+      </p:sp>
     </p:spTree>
   </p:cSld>
   <p:clrMapOvr>
@@ -10675,6 +11111,30 @@
           <a:effectLst/>
         </p:spPr>
       </p:pic>
+      <p:sp>
+        <p:nvSpPr>
+          <p:cNvPr id="11" name="灯片编号占位符 10"/>
+          <p:cNvSpPr>
+            <a:spLocks noGrp="1"/>
+          </p:cNvSpPr>
+          <p:nvPr>
+            <p:ph type="sldNum" sz="quarter" idx="12"/>
+          </p:nvPr>
+        </p:nvSpPr>
+        <p:spPr/>
+        <p:txBody>
+          <a:bodyPr/>
+          <a:lstStyle/>
+          <a:p>
+            <a:fld id="{0C913308-F349-4B6D-A68A-DD1791B4A57B}" type="slidenum">
+              <a:rPr lang="zh-CN" altLang="en-US" smtClean="0"/>
+              <a:pPr/>
+              <a:t>27</a:t>
+            </a:fld>
+            <a:endParaRPr lang="zh-CN" altLang="en-US"/>
+          </a:p>
+        </p:txBody>
+      </p:sp>
     </p:spTree>
   </p:cSld>
   <p:clrMapOvr>
@@ -11209,6 +11669,30 @@
           <a:effectLst/>
         </p:spPr>
       </p:pic>
+      <p:sp>
+        <p:nvSpPr>
+          <p:cNvPr id="5" name="灯片编号占位符 4"/>
+          <p:cNvSpPr>
+            <a:spLocks noGrp="1"/>
+          </p:cNvSpPr>
+          <p:nvPr>
+            <p:ph type="sldNum" sz="quarter" idx="12"/>
+          </p:nvPr>
+        </p:nvSpPr>
+        <p:spPr/>
+        <p:txBody>
+          <a:bodyPr/>
+          <a:lstStyle/>
+          <a:p>
+            <a:fld id="{0C913308-F349-4B6D-A68A-DD1791B4A57B}" type="slidenum">
+              <a:rPr lang="zh-CN" altLang="en-US" smtClean="0"/>
+              <a:pPr/>
+              <a:t>28</a:t>
+            </a:fld>
+            <a:endParaRPr lang="zh-CN" altLang="en-US"/>
+          </a:p>
+        </p:txBody>
+      </p:sp>
     </p:spTree>
   </p:cSld>
   <p:clrMapOvr>
@@ -11557,6 +12041,30 @@
           <a:effectLst/>
         </p:spPr>
       </p:pic>
+      <p:sp>
+        <p:nvSpPr>
+          <p:cNvPr id="9" name="灯片编号占位符 8"/>
+          <p:cNvSpPr>
+            <a:spLocks noGrp="1"/>
+          </p:cNvSpPr>
+          <p:nvPr>
+            <p:ph type="sldNum" sz="quarter" idx="12"/>
+          </p:nvPr>
+        </p:nvSpPr>
+        <p:spPr/>
+        <p:txBody>
+          <a:bodyPr/>
+          <a:lstStyle/>
+          <a:p>
+            <a:fld id="{0C913308-F349-4B6D-A68A-DD1791B4A57B}" type="slidenum">
+              <a:rPr lang="zh-CN" altLang="en-US" smtClean="0"/>
+              <a:pPr/>
+              <a:t>29</a:t>
+            </a:fld>
+            <a:endParaRPr lang="zh-CN" altLang="en-US"/>
+          </a:p>
+        </p:txBody>
+      </p:sp>
     </p:spTree>
   </p:cSld>
   <p:clrMapOvr>
@@ -11984,6 +12492,30 @@
           <a:effectLst/>
         </p:spPr>
       </p:pic>
+      <p:sp>
+        <p:nvSpPr>
+          <p:cNvPr id="6" name="灯片编号占位符 5"/>
+          <p:cNvSpPr>
+            <a:spLocks noGrp="1"/>
+          </p:cNvSpPr>
+          <p:nvPr>
+            <p:ph type="sldNum" sz="quarter" idx="12"/>
+          </p:nvPr>
+        </p:nvSpPr>
+        <p:spPr/>
+        <p:txBody>
+          <a:bodyPr/>
+          <a:lstStyle/>
+          <a:p>
+            <a:fld id="{0C913308-F349-4B6D-A68A-DD1791B4A57B}" type="slidenum">
+              <a:rPr lang="zh-CN" altLang="en-US" smtClean="0"/>
+              <a:pPr/>
+              <a:t>3</a:t>
+            </a:fld>
+            <a:endParaRPr lang="zh-CN" altLang="en-US"/>
+          </a:p>
+        </p:txBody>
+      </p:sp>
     </p:spTree>
   </p:cSld>
   <p:clrMapOvr>
@@ -11992,7 +12524,83 @@
   <p:timing>
     <p:tnLst>
       <p:par>
-        <p:cTn id="1" dur="indefinite" restart="never" nodeType="tmRoot"/>
+        <p:cTn id="1" dur="indefinite" restart="never" nodeType="tmRoot">
+          <p:childTnLst>
+            <p:seq concurrent="1" nextAc="seek">
+              <p:cTn id="2" dur="indefinite" nodeType="mainSeq">
+                <p:childTnLst>
+                  <p:par>
+                    <p:cTn id="3" fill="hold">
+                      <p:stCondLst>
+                        <p:cond delay="indefinite"/>
+                      </p:stCondLst>
+                      <p:childTnLst>
+                        <p:par>
+                          <p:cTn id="4" fill="hold">
+                            <p:stCondLst>
+                              <p:cond delay="0"/>
+                            </p:stCondLst>
+                            <p:childTnLst>
+                              <p:par>
+                                <p:cTn id="5" presetID="22" presetClass="entr" presetSubtype="4" fill="hold" nodeType="clickEffect">
+                                  <p:stCondLst>
+                                    <p:cond delay="0"/>
+                                  </p:stCondLst>
+                                  <p:childTnLst>
+                                    <p:set>
+                                      <p:cBhvr>
+                                        <p:cTn id="6" dur="1" fill="hold">
+                                          <p:stCondLst>
+                                            <p:cond delay="0"/>
+                                          </p:stCondLst>
+                                        </p:cTn>
+                                        <p:tgtEl>
+                                          <p:spTgt spid="1027"/>
+                                        </p:tgtEl>
+                                        <p:attrNameLst>
+                                          <p:attrName>style.visibility</p:attrName>
+                                        </p:attrNameLst>
+                                      </p:cBhvr>
+                                      <p:to>
+                                        <p:strVal val="visible"/>
+                                      </p:to>
+                                    </p:set>
+                                    <p:animEffect transition="in" filter="wipe(down)">
+                                      <p:cBhvr>
+                                        <p:cTn id="7" dur="500"/>
+                                        <p:tgtEl>
+                                          <p:spTgt spid="1027"/>
+                                        </p:tgtEl>
+                                      </p:cBhvr>
+                                    </p:animEffect>
+                                  </p:childTnLst>
+                                </p:cTn>
+                              </p:par>
+                            </p:childTnLst>
+                          </p:cTn>
+                        </p:par>
+                      </p:childTnLst>
+                    </p:cTn>
+                  </p:par>
+                </p:childTnLst>
+              </p:cTn>
+              <p:prevCondLst>
+                <p:cond evt="onPrev" delay="0">
+                  <p:tgtEl>
+                    <p:sldTgt/>
+                  </p:tgtEl>
+                </p:cond>
+              </p:prevCondLst>
+              <p:nextCondLst>
+                <p:cond evt="onNext" delay="0">
+                  <p:tgtEl>
+                    <p:sldTgt/>
+                  </p:tgtEl>
+                </p:cond>
+              </p:nextCondLst>
+            </p:seq>
+          </p:childTnLst>
+        </p:cTn>
       </p:par>
     </p:tnLst>
   </p:timing>
@@ -12187,6 +12795,30 @@
           <a:effectLst/>
         </p:spPr>
       </p:pic>
+      <p:sp>
+        <p:nvSpPr>
+          <p:cNvPr id="7" name="灯片编号占位符 6"/>
+          <p:cNvSpPr>
+            <a:spLocks noGrp="1"/>
+          </p:cNvSpPr>
+          <p:nvPr>
+            <p:ph type="sldNum" sz="quarter" idx="12"/>
+          </p:nvPr>
+        </p:nvSpPr>
+        <p:spPr/>
+        <p:txBody>
+          <a:bodyPr/>
+          <a:lstStyle/>
+          <a:p>
+            <a:fld id="{0C913308-F349-4B6D-A68A-DD1791B4A57B}" type="slidenum">
+              <a:rPr lang="zh-CN" altLang="en-US" smtClean="0"/>
+              <a:pPr/>
+              <a:t>30</a:t>
+            </a:fld>
+            <a:endParaRPr lang="zh-CN" altLang="en-US"/>
+          </a:p>
+        </p:txBody>
+      </p:sp>
     </p:spTree>
   </p:cSld>
   <p:clrMapOvr>
@@ -12481,6 +13113,30 @@
           <a:effectLst/>
         </p:spPr>
       </p:pic>
+      <p:sp>
+        <p:nvSpPr>
+          <p:cNvPr id="6" name="灯片编号占位符 5"/>
+          <p:cNvSpPr>
+            <a:spLocks noGrp="1"/>
+          </p:cNvSpPr>
+          <p:nvPr>
+            <p:ph type="sldNum" sz="quarter" idx="12"/>
+          </p:nvPr>
+        </p:nvSpPr>
+        <p:spPr/>
+        <p:txBody>
+          <a:bodyPr/>
+          <a:lstStyle/>
+          <a:p>
+            <a:fld id="{0C913308-F349-4B6D-A68A-DD1791B4A57B}" type="slidenum">
+              <a:rPr lang="zh-CN" altLang="en-US" smtClean="0"/>
+              <a:pPr/>
+              <a:t>31</a:t>
+            </a:fld>
+            <a:endParaRPr lang="zh-CN" altLang="en-US"/>
+          </a:p>
+        </p:txBody>
+      </p:sp>
     </p:spTree>
   </p:cSld>
   <p:clrMapOvr>
@@ -12683,6 +13339,30 @@
           <a:effectLst/>
         </p:spPr>
       </p:pic>
+      <p:sp>
+        <p:nvSpPr>
+          <p:cNvPr id="7" name="灯片编号占位符 6"/>
+          <p:cNvSpPr>
+            <a:spLocks noGrp="1"/>
+          </p:cNvSpPr>
+          <p:nvPr>
+            <p:ph type="sldNum" sz="quarter" idx="12"/>
+          </p:nvPr>
+        </p:nvSpPr>
+        <p:spPr/>
+        <p:txBody>
+          <a:bodyPr/>
+          <a:lstStyle/>
+          <a:p>
+            <a:fld id="{0C913308-F349-4B6D-A68A-DD1791B4A57B}" type="slidenum">
+              <a:rPr lang="zh-CN" altLang="en-US" smtClean="0"/>
+              <a:pPr/>
+              <a:t>32</a:t>
+            </a:fld>
+            <a:endParaRPr lang="zh-CN" altLang="en-US"/>
+          </a:p>
+        </p:txBody>
+      </p:sp>
     </p:spTree>
   </p:cSld>
   <p:clrMapOvr>
@@ -12902,6 +13582,30 @@
               <a:t>http://www.jq22.com/</a:t>
             </a:r>
             <a:endParaRPr lang="zh-CN" altLang="en-US" dirty="0"/>
+          </a:p>
+        </p:txBody>
+      </p:sp>
+      <p:sp>
+        <p:nvSpPr>
+          <p:cNvPr id="5" name="灯片编号占位符 4"/>
+          <p:cNvSpPr>
+            <a:spLocks noGrp="1"/>
+          </p:cNvSpPr>
+          <p:nvPr>
+            <p:ph type="sldNum" sz="quarter" idx="12"/>
+          </p:nvPr>
+        </p:nvSpPr>
+        <p:spPr/>
+        <p:txBody>
+          <a:bodyPr/>
+          <a:lstStyle/>
+          <a:p>
+            <a:fld id="{0C913308-F349-4B6D-A68A-DD1791B4A57B}" type="slidenum">
+              <a:rPr lang="zh-CN" altLang="en-US" smtClean="0"/>
+              <a:pPr/>
+              <a:t>33</a:t>
+            </a:fld>
+            <a:endParaRPr lang="zh-CN" altLang="en-US"/>
           </a:p>
         </p:txBody>
       </p:sp>
@@ -13167,6 +13871,30 @@
               <a:t>https://www.processon.com/view/link/59e9b61ae4b012b70ca0a1af</a:t>
             </a:r>
             <a:endParaRPr lang="zh-CN" altLang="en-US" dirty="0"/>
+          </a:p>
+        </p:txBody>
+      </p:sp>
+      <p:sp>
+        <p:nvSpPr>
+          <p:cNvPr id="6" name="灯片编号占位符 5"/>
+          <p:cNvSpPr>
+            <a:spLocks noGrp="1"/>
+          </p:cNvSpPr>
+          <p:nvPr>
+            <p:ph type="sldNum" sz="quarter" idx="12"/>
+          </p:nvPr>
+        </p:nvSpPr>
+        <p:spPr/>
+        <p:txBody>
+          <a:bodyPr/>
+          <a:lstStyle/>
+          <a:p>
+            <a:fld id="{0C913308-F349-4B6D-A68A-DD1791B4A57B}" type="slidenum">
+              <a:rPr lang="zh-CN" altLang="en-US" smtClean="0"/>
+              <a:pPr/>
+              <a:t>34</a:t>
+            </a:fld>
+            <a:endParaRPr lang="zh-CN" altLang="en-US"/>
           </a:p>
         </p:txBody>
       </p:sp>
@@ -13448,6 +14176,30 @@
           <a:effectLst/>
         </p:spPr>
       </p:pic>
+      <p:sp>
+        <p:nvSpPr>
+          <p:cNvPr id="6" name="灯片编号占位符 5"/>
+          <p:cNvSpPr>
+            <a:spLocks noGrp="1"/>
+          </p:cNvSpPr>
+          <p:nvPr>
+            <p:ph type="sldNum" sz="quarter" idx="12"/>
+          </p:nvPr>
+        </p:nvSpPr>
+        <p:spPr/>
+        <p:txBody>
+          <a:bodyPr/>
+          <a:lstStyle/>
+          <a:p>
+            <a:fld id="{0C913308-F349-4B6D-A68A-DD1791B4A57B}" type="slidenum">
+              <a:rPr lang="zh-CN" altLang="en-US" smtClean="0"/>
+              <a:pPr/>
+              <a:t>35</a:t>
+            </a:fld>
+            <a:endParaRPr lang="zh-CN" altLang="en-US"/>
+          </a:p>
+        </p:txBody>
+      </p:sp>
     </p:spTree>
   </p:cSld>
   <p:clrMapOvr>
@@ -13564,6 +14316,30 @@
           <a:effectLst/>
         </p:spPr>
       </p:pic>
+      <p:sp>
+        <p:nvSpPr>
+          <p:cNvPr id="5" name="灯片编号占位符 4"/>
+          <p:cNvSpPr>
+            <a:spLocks noGrp="1"/>
+          </p:cNvSpPr>
+          <p:nvPr>
+            <p:ph type="sldNum" sz="quarter" idx="12"/>
+          </p:nvPr>
+        </p:nvSpPr>
+        <p:spPr/>
+        <p:txBody>
+          <a:bodyPr/>
+          <a:lstStyle/>
+          <a:p>
+            <a:fld id="{0C913308-F349-4B6D-A68A-DD1791B4A57B}" type="slidenum">
+              <a:rPr lang="zh-CN" altLang="en-US" smtClean="0"/>
+              <a:pPr/>
+              <a:t>36</a:t>
+            </a:fld>
+            <a:endParaRPr lang="zh-CN" altLang="en-US"/>
+          </a:p>
+        </p:txBody>
+      </p:sp>
     </p:spTree>
   </p:cSld>
   <p:clrMapOvr>
@@ -13696,6 +14472,30 @@
           <a:effectLst/>
         </p:spPr>
       </p:pic>
+      <p:sp>
+        <p:nvSpPr>
+          <p:cNvPr id="5" name="灯片编号占位符 4"/>
+          <p:cNvSpPr>
+            <a:spLocks noGrp="1"/>
+          </p:cNvSpPr>
+          <p:nvPr>
+            <p:ph type="sldNum" sz="quarter" idx="12"/>
+          </p:nvPr>
+        </p:nvSpPr>
+        <p:spPr/>
+        <p:txBody>
+          <a:bodyPr/>
+          <a:lstStyle/>
+          <a:p>
+            <a:fld id="{0C913308-F349-4B6D-A68A-DD1791B4A57B}" type="slidenum">
+              <a:rPr lang="zh-CN" altLang="en-US" smtClean="0"/>
+              <a:pPr/>
+              <a:t>37</a:t>
+            </a:fld>
+            <a:endParaRPr lang="zh-CN" altLang="en-US"/>
+          </a:p>
+        </p:txBody>
+      </p:sp>
     </p:spTree>
   </p:cSld>
   <p:clrMapOvr>
@@ -13845,6 +14645,30 @@
           <a:effectLst/>
         </p:spPr>
       </p:pic>
+      <p:sp>
+        <p:nvSpPr>
+          <p:cNvPr id="6" name="灯片编号占位符 5"/>
+          <p:cNvSpPr>
+            <a:spLocks noGrp="1"/>
+          </p:cNvSpPr>
+          <p:nvPr>
+            <p:ph type="sldNum" sz="quarter" idx="12"/>
+          </p:nvPr>
+        </p:nvSpPr>
+        <p:spPr/>
+        <p:txBody>
+          <a:bodyPr/>
+          <a:lstStyle/>
+          <a:p>
+            <a:fld id="{0C913308-F349-4B6D-A68A-DD1791B4A57B}" type="slidenum">
+              <a:rPr lang="zh-CN" altLang="en-US" smtClean="0"/>
+              <a:pPr/>
+              <a:t>38</a:t>
+            </a:fld>
+            <a:endParaRPr lang="zh-CN" altLang="en-US"/>
+          </a:p>
+        </p:txBody>
+      </p:sp>
     </p:spTree>
   </p:cSld>
   <p:clrMapOvr>
@@ -13994,6 +14818,30 @@
           <a:effectLst/>
         </p:spPr>
       </p:pic>
+      <p:sp>
+        <p:nvSpPr>
+          <p:cNvPr id="6" name="灯片编号占位符 5"/>
+          <p:cNvSpPr>
+            <a:spLocks noGrp="1"/>
+          </p:cNvSpPr>
+          <p:nvPr>
+            <p:ph type="sldNum" sz="quarter" idx="12"/>
+          </p:nvPr>
+        </p:nvSpPr>
+        <p:spPr/>
+        <p:txBody>
+          <a:bodyPr/>
+          <a:lstStyle/>
+          <a:p>
+            <a:fld id="{0C913308-F349-4B6D-A68A-DD1791B4A57B}" type="slidenum">
+              <a:rPr lang="zh-CN" altLang="en-US" smtClean="0"/>
+              <a:pPr/>
+              <a:t>39</a:t>
+            </a:fld>
+            <a:endParaRPr lang="zh-CN" altLang="en-US"/>
+          </a:p>
+        </p:txBody>
+      </p:sp>
     </p:spTree>
   </p:cSld>
   <p:clrMapOvr>
@@ -14213,6 +15061,30 @@
           </a:p>
         </p:txBody>
       </p:sp>
+      <p:sp>
+        <p:nvSpPr>
+          <p:cNvPr id="7" name="灯片编号占位符 6"/>
+          <p:cNvSpPr>
+            <a:spLocks noGrp="1"/>
+          </p:cNvSpPr>
+          <p:nvPr>
+            <p:ph type="sldNum" sz="quarter" idx="12"/>
+          </p:nvPr>
+        </p:nvSpPr>
+        <p:spPr/>
+        <p:txBody>
+          <a:bodyPr/>
+          <a:lstStyle/>
+          <a:p>
+            <a:fld id="{0C913308-F349-4B6D-A68A-DD1791B4A57B}" type="slidenum">
+              <a:rPr lang="zh-CN" altLang="en-US" smtClean="0"/>
+              <a:pPr/>
+              <a:t>4</a:t>
+            </a:fld>
+            <a:endParaRPr lang="zh-CN" altLang="en-US"/>
+          </a:p>
+        </p:txBody>
+      </p:sp>
     </p:spTree>
   </p:cSld>
   <p:clrMapOvr>
@@ -14329,6 +15201,30 @@
           <a:effectLst/>
         </p:spPr>
       </p:pic>
+      <p:sp>
+        <p:nvSpPr>
+          <p:cNvPr id="5" name="灯片编号占位符 4"/>
+          <p:cNvSpPr>
+            <a:spLocks noGrp="1"/>
+          </p:cNvSpPr>
+          <p:nvPr>
+            <p:ph type="sldNum" sz="quarter" idx="12"/>
+          </p:nvPr>
+        </p:nvSpPr>
+        <p:spPr/>
+        <p:txBody>
+          <a:bodyPr/>
+          <a:lstStyle/>
+          <a:p>
+            <a:fld id="{0C913308-F349-4B6D-A68A-DD1791B4A57B}" type="slidenum">
+              <a:rPr lang="zh-CN" altLang="en-US" smtClean="0"/>
+              <a:pPr/>
+              <a:t>40</a:t>
+            </a:fld>
+            <a:endParaRPr lang="zh-CN" altLang="en-US"/>
+          </a:p>
+        </p:txBody>
+      </p:sp>
     </p:spTree>
   </p:cSld>
   <p:clrMapOvr>
@@ -14450,6 +15346,30 @@
           <a:effectLst/>
         </p:spPr>
       </p:pic>
+      <p:sp>
+        <p:nvSpPr>
+          <p:cNvPr id="6" name="灯片编号占位符 5"/>
+          <p:cNvSpPr>
+            <a:spLocks noGrp="1"/>
+          </p:cNvSpPr>
+          <p:nvPr>
+            <p:ph type="sldNum" sz="quarter" idx="12"/>
+          </p:nvPr>
+        </p:nvSpPr>
+        <p:spPr/>
+        <p:txBody>
+          <a:bodyPr/>
+          <a:lstStyle/>
+          <a:p>
+            <a:fld id="{0C913308-F349-4B6D-A68A-DD1791B4A57B}" type="slidenum">
+              <a:rPr lang="zh-CN" altLang="en-US" smtClean="0"/>
+              <a:pPr/>
+              <a:t>41</a:t>
+            </a:fld>
+            <a:endParaRPr lang="zh-CN" altLang="en-US"/>
+          </a:p>
+        </p:txBody>
+      </p:sp>
     </p:spTree>
   </p:cSld>
   <p:clrMapOvr>
@@ -14556,6 +15476,30 @@
           </a:p>
         </p:txBody>
       </p:sp>
+      <p:sp>
+        <p:nvSpPr>
+          <p:cNvPr id="4" name="灯片编号占位符 3"/>
+          <p:cNvSpPr>
+            <a:spLocks noGrp="1"/>
+          </p:cNvSpPr>
+          <p:nvPr>
+            <p:ph type="sldNum" sz="quarter" idx="12"/>
+          </p:nvPr>
+        </p:nvSpPr>
+        <p:spPr/>
+        <p:txBody>
+          <a:bodyPr/>
+          <a:lstStyle/>
+          <a:p>
+            <a:fld id="{0C913308-F349-4B6D-A68A-DD1791B4A57B}" type="slidenum">
+              <a:rPr lang="zh-CN" altLang="en-US" smtClean="0"/>
+              <a:pPr/>
+              <a:t>42</a:t>
+            </a:fld>
+            <a:endParaRPr lang="zh-CN" altLang="en-US"/>
+          </a:p>
+        </p:txBody>
+      </p:sp>
     </p:spTree>
   </p:cSld>
   <p:clrMapOvr>
@@ -14830,6 +15774,30 @@
           </a:p>
         </p:txBody>
       </p:sp>
+      <p:sp>
+        <p:nvSpPr>
+          <p:cNvPr id="7" name="灯片编号占位符 6"/>
+          <p:cNvSpPr>
+            <a:spLocks noGrp="1"/>
+          </p:cNvSpPr>
+          <p:nvPr>
+            <p:ph type="sldNum" sz="quarter" idx="12"/>
+          </p:nvPr>
+        </p:nvSpPr>
+        <p:spPr/>
+        <p:txBody>
+          <a:bodyPr/>
+          <a:lstStyle/>
+          <a:p>
+            <a:fld id="{0C913308-F349-4B6D-A68A-DD1791B4A57B}" type="slidenum">
+              <a:rPr lang="zh-CN" altLang="en-US" smtClean="0"/>
+              <a:pPr/>
+              <a:t>43</a:t>
+            </a:fld>
+            <a:endParaRPr lang="zh-CN" altLang="en-US"/>
+          </a:p>
+        </p:txBody>
+      </p:sp>
     </p:spTree>
   </p:cSld>
   <p:clrMapOvr>
@@ -14925,6 +15893,30 @@
           <a:effectLst/>
         </p:spPr>
       </p:pic>
+      <p:sp>
+        <p:nvSpPr>
+          <p:cNvPr id="5" name="灯片编号占位符 4"/>
+          <p:cNvSpPr>
+            <a:spLocks noGrp="1"/>
+          </p:cNvSpPr>
+          <p:nvPr>
+            <p:ph type="sldNum" sz="quarter" idx="12"/>
+          </p:nvPr>
+        </p:nvSpPr>
+        <p:spPr/>
+        <p:txBody>
+          <a:bodyPr/>
+          <a:lstStyle/>
+          <a:p>
+            <a:fld id="{0C913308-F349-4B6D-A68A-DD1791B4A57B}" type="slidenum">
+              <a:rPr lang="zh-CN" altLang="en-US" smtClean="0"/>
+              <a:pPr/>
+              <a:t>44</a:t>
+            </a:fld>
+            <a:endParaRPr lang="zh-CN" altLang="en-US"/>
+          </a:p>
+        </p:txBody>
+      </p:sp>
     </p:spTree>
   </p:cSld>
   <p:clrMapOvr>
@@ -15118,6 +16110,30 @@
           </a:p>
         </p:txBody>
       </p:sp>
+      <p:sp>
+        <p:nvSpPr>
+          <p:cNvPr id="4" name="灯片编号占位符 3"/>
+          <p:cNvSpPr>
+            <a:spLocks noGrp="1"/>
+          </p:cNvSpPr>
+          <p:nvPr>
+            <p:ph type="sldNum" sz="quarter" idx="12"/>
+          </p:nvPr>
+        </p:nvSpPr>
+        <p:spPr/>
+        <p:txBody>
+          <a:bodyPr/>
+          <a:lstStyle/>
+          <a:p>
+            <a:fld id="{0C913308-F349-4B6D-A68A-DD1791B4A57B}" type="slidenum">
+              <a:rPr lang="zh-CN" altLang="en-US" smtClean="0"/>
+              <a:pPr/>
+              <a:t>45</a:t>
+            </a:fld>
+            <a:endParaRPr lang="zh-CN" altLang="en-US"/>
+          </a:p>
+        </p:txBody>
+      </p:sp>
     </p:spTree>
   </p:cSld>
   <p:clrMapOvr>
@@ -15242,6 +16258,30 @@
           <a:effectLst/>
         </p:spPr>
       </p:pic>
+      <p:sp>
+        <p:nvSpPr>
+          <p:cNvPr id="5" name="灯片编号占位符 4"/>
+          <p:cNvSpPr>
+            <a:spLocks noGrp="1"/>
+          </p:cNvSpPr>
+          <p:nvPr>
+            <p:ph type="sldNum" sz="quarter" idx="12"/>
+          </p:nvPr>
+        </p:nvSpPr>
+        <p:spPr/>
+        <p:txBody>
+          <a:bodyPr/>
+          <a:lstStyle/>
+          <a:p>
+            <a:fld id="{0C913308-F349-4B6D-A68A-DD1791B4A57B}" type="slidenum">
+              <a:rPr lang="zh-CN" altLang="en-US" smtClean="0"/>
+              <a:pPr/>
+              <a:t>46</a:t>
+            </a:fld>
+            <a:endParaRPr lang="zh-CN" altLang="en-US"/>
+          </a:p>
+        </p:txBody>
+      </p:sp>
     </p:spTree>
   </p:cSld>
   <p:clrMapOvr>
@@ -15430,6 +16470,30 @@
           <a:effectLst/>
         </p:spPr>
       </p:pic>
+      <p:sp>
+        <p:nvSpPr>
+          <p:cNvPr id="6" name="灯片编号占位符 5"/>
+          <p:cNvSpPr>
+            <a:spLocks noGrp="1"/>
+          </p:cNvSpPr>
+          <p:nvPr>
+            <p:ph type="sldNum" sz="quarter" idx="12"/>
+          </p:nvPr>
+        </p:nvSpPr>
+        <p:spPr/>
+        <p:txBody>
+          <a:bodyPr/>
+          <a:lstStyle/>
+          <a:p>
+            <a:fld id="{0C913308-F349-4B6D-A68A-DD1791B4A57B}" type="slidenum">
+              <a:rPr lang="zh-CN" altLang="en-US" smtClean="0"/>
+              <a:pPr/>
+              <a:t>47</a:t>
+            </a:fld>
+            <a:endParaRPr lang="zh-CN" altLang="en-US"/>
+          </a:p>
+        </p:txBody>
+      </p:sp>
     </p:spTree>
   </p:cSld>
   <p:clrMapOvr>
@@ -15586,6 +16650,30 @@
           <a:effectLst/>
         </p:spPr>
       </p:pic>
+      <p:sp>
+        <p:nvSpPr>
+          <p:cNvPr id="6" name="灯片编号占位符 5"/>
+          <p:cNvSpPr>
+            <a:spLocks noGrp="1"/>
+          </p:cNvSpPr>
+          <p:nvPr>
+            <p:ph type="sldNum" sz="quarter" idx="12"/>
+          </p:nvPr>
+        </p:nvSpPr>
+        <p:spPr/>
+        <p:txBody>
+          <a:bodyPr/>
+          <a:lstStyle/>
+          <a:p>
+            <a:fld id="{0C913308-F349-4B6D-A68A-DD1791B4A57B}" type="slidenum">
+              <a:rPr lang="zh-CN" altLang="en-US" smtClean="0"/>
+              <a:pPr/>
+              <a:t>48</a:t>
+            </a:fld>
+            <a:endParaRPr lang="zh-CN" altLang="en-US"/>
+          </a:p>
+        </p:txBody>
+      </p:sp>
     </p:spTree>
   </p:cSld>
   <p:clrMapOvr>
@@ -15792,6 +16880,30 @@
           </a:p>
         </p:txBody>
       </p:sp>
+      <p:sp>
+        <p:nvSpPr>
+          <p:cNvPr id="5" name="灯片编号占位符 4"/>
+          <p:cNvSpPr>
+            <a:spLocks noGrp="1"/>
+          </p:cNvSpPr>
+          <p:nvPr>
+            <p:ph type="sldNum" sz="quarter" idx="12"/>
+          </p:nvPr>
+        </p:nvSpPr>
+        <p:spPr/>
+        <p:txBody>
+          <a:bodyPr/>
+          <a:lstStyle/>
+          <a:p>
+            <a:fld id="{0C913308-F349-4B6D-A68A-DD1791B4A57B}" type="slidenum">
+              <a:rPr lang="zh-CN" altLang="en-US" smtClean="0"/>
+              <a:pPr/>
+              <a:t>49</a:t>
+            </a:fld>
+            <a:endParaRPr lang="zh-CN" altLang="en-US"/>
+          </a:p>
+        </p:txBody>
+      </p:sp>
     </p:spTree>
   </p:cSld>
   <p:clrMapOvr>
@@ -15971,6 +17083,30 @@
           <a:effectLst/>
         </p:spPr>
       </p:pic>
+      <p:sp>
+        <p:nvSpPr>
+          <p:cNvPr id="5" name="灯片编号占位符 4"/>
+          <p:cNvSpPr>
+            <a:spLocks noGrp="1"/>
+          </p:cNvSpPr>
+          <p:nvPr>
+            <p:ph type="sldNum" sz="quarter" idx="12"/>
+          </p:nvPr>
+        </p:nvSpPr>
+        <p:spPr/>
+        <p:txBody>
+          <a:bodyPr/>
+          <a:lstStyle/>
+          <a:p>
+            <a:fld id="{0C913308-F349-4B6D-A68A-DD1791B4A57B}" type="slidenum">
+              <a:rPr lang="zh-CN" altLang="en-US" smtClean="0"/>
+              <a:pPr/>
+              <a:t>5</a:t>
+            </a:fld>
+            <a:endParaRPr lang="zh-CN" altLang="en-US"/>
+          </a:p>
+        </p:txBody>
+      </p:sp>
     </p:spTree>
   </p:cSld>
   <p:clrMapOvr>
@@ -16127,6 +17263,30 @@
           <a:effectLst/>
         </p:spPr>
       </p:pic>
+      <p:sp>
+        <p:nvSpPr>
+          <p:cNvPr id="6" name="灯片编号占位符 5"/>
+          <p:cNvSpPr>
+            <a:spLocks noGrp="1"/>
+          </p:cNvSpPr>
+          <p:nvPr>
+            <p:ph type="sldNum" sz="quarter" idx="12"/>
+          </p:nvPr>
+        </p:nvSpPr>
+        <p:spPr/>
+        <p:txBody>
+          <a:bodyPr/>
+          <a:lstStyle/>
+          <a:p>
+            <a:fld id="{0C913308-F349-4B6D-A68A-DD1791B4A57B}" type="slidenum">
+              <a:rPr lang="zh-CN" altLang="en-US" smtClean="0"/>
+              <a:pPr/>
+              <a:t>50</a:t>
+            </a:fld>
+            <a:endParaRPr lang="zh-CN" altLang="en-US"/>
+          </a:p>
+        </p:txBody>
+      </p:sp>
     </p:spTree>
   </p:cSld>
   <p:clrMapOvr>
@@ -16298,6 +17458,30 @@
           <a:effectLst/>
         </p:spPr>
       </p:pic>
+      <p:sp>
+        <p:nvSpPr>
+          <p:cNvPr id="4" name="灯片编号占位符 3"/>
+          <p:cNvSpPr>
+            <a:spLocks noGrp="1"/>
+          </p:cNvSpPr>
+          <p:nvPr>
+            <p:ph type="sldNum" sz="quarter" idx="12"/>
+          </p:nvPr>
+        </p:nvSpPr>
+        <p:spPr/>
+        <p:txBody>
+          <a:bodyPr/>
+          <a:lstStyle/>
+          <a:p>
+            <a:fld id="{0C913308-F349-4B6D-A68A-DD1791B4A57B}" type="slidenum">
+              <a:rPr lang="zh-CN" altLang="en-US" smtClean="0"/>
+              <a:pPr/>
+              <a:t>51</a:t>
+            </a:fld>
+            <a:endParaRPr lang="zh-CN" altLang="en-US"/>
+          </a:p>
+        </p:txBody>
+      </p:sp>
     </p:spTree>
   </p:cSld>
   <p:clrMapOvr>
@@ -16401,6 +17585,30 @@
           <a:effectLst/>
         </p:spPr>
       </p:pic>
+      <p:sp>
+        <p:nvSpPr>
+          <p:cNvPr id="5" name="灯片编号占位符 4"/>
+          <p:cNvSpPr>
+            <a:spLocks noGrp="1"/>
+          </p:cNvSpPr>
+          <p:nvPr>
+            <p:ph type="sldNum" sz="quarter" idx="12"/>
+          </p:nvPr>
+        </p:nvSpPr>
+        <p:spPr/>
+        <p:txBody>
+          <a:bodyPr/>
+          <a:lstStyle/>
+          <a:p>
+            <a:fld id="{0C913308-F349-4B6D-A68A-DD1791B4A57B}" type="slidenum">
+              <a:rPr lang="zh-CN" altLang="en-US" smtClean="0"/>
+              <a:pPr/>
+              <a:t>6</a:t>
+            </a:fld>
+            <a:endParaRPr lang="zh-CN" altLang="en-US"/>
+          </a:p>
+        </p:txBody>
+      </p:sp>
     </p:spTree>
   </p:cSld>
   <p:clrMapOvr>
@@ -16561,6 +17769,30 @@
           <a:effectLst/>
         </p:spPr>
       </p:pic>
+      <p:sp>
+        <p:nvSpPr>
+          <p:cNvPr id="6" name="灯片编号占位符 5"/>
+          <p:cNvSpPr>
+            <a:spLocks noGrp="1"/>
+          </p:cNvSpPr>
+          <p:nvPr>
+            <p:ph type="sldNum" sz="quarter" idx="12"/>
+          </p:nvPr>
+        </p:nvSpPr>
+        <p:spPr/>
+        <p:txBody>
+          <a:bodyPr/>
+          <a:lstStyle/>
+          <a:p>
+            <a:fld id="{0C913308-F349-4B6D-A68A-DD1791B4A57B}" type="slidenum">
+              <a:rPr lang="zh-CN" altLang="en-US" smtClean="0"/>
+              <a:pPr/>
+              <a:t>7</a:t>
+            </a:fld>
+            <a:endParaRPr lang="zh-CN" altLang="en-US"/>
+          </a:p>
+        </p:txBody>
+      </p:sp>
     </p:spTree>
   </p:cSld>
   <p:clrMapOvr>
@@ -16723,7 +17955,7 @@
         </p:blipFill>
         <p:spPr bwMode="auto">
           <a:xfrm>
-            <a:off x="1214414" y="1571612"/>
+            <a:off x="1285852" y="1571612"/>
             <a:ext cx="7742237" cy="3990975"/>
           </a:xfrm>
           <a:prstGeom prst="rect">
@@ -16739,6 +17971,30 @@
           <a:effectLst/>
         </p:spPr>
       </p:pic>
+      <p:sp>
+        <p:nvSpPr>
+          <p:cNvPr id="7" name="灯片编号占位符 6"/>
+          <p:cNvSpPr>
+            <a:spLocks noGrp="1"/>
+          </p:cNvSpPr>
+          <p:nvPr>
+            <p:ph type="sldNum" sz="quarter" idx="12"/>
+          </p:nvPr>
+        </p:nvSpPr>
+        <p:spPr/>
+        <p:txBody>
+          <a:bodyPr/>
+          <a:lstStyle/>
+          <a:p>
+            <a:fld id="{0C913308-F349-4B6D-A68A-DD1791B4A57B}" type="slidenum">
+              <a:rPr lang="zh-CN" altLang="en-US" smtClean="0"/>
+              <a:pPr/>
+              <a:t>8</a:t>
+            </a:fld>
+            <a:endParaRPr lang="zh-CN" altLang="en-US"/>
+          </a:p>
+        </p:txBody>
+      </p:sp>
     </p:spTree>
   </p:cSld>
   <p:clrMapOvr>
@@ -16891,16 +18147,52 @@
           <a:p>
             <a:r>
               <a:rPr lang="zh-CN" altLang="en-US" dirty="0" smtClean="0"/>
-              <a:t>发送请求到后端（保存数据、获取数据）</a:t>
+              <a:t>跟后端交互（发请求保存</a:t>
+            </a:r>
+            <a:r>
+              <a:rPr lang="zh-CN" altLang="en-US" dirty="0" smtClean="0"/>
+              <a:t>数据、获取数据）</a:t>
             </a:r>
             <a:endParaRPr lang="en-US" altLang="zh-CN" dirty="0" smtClean="0"/>
           </a:p>
           <a:p>
             <a:r>
               <a:rPr lang="zh-CN" altLang="en-US" dirty="0" smtClean="0"/>
-              <a:t>添加一些交互效果（保存按钮、触发发送请求）</a:t>
+              <a:t>跟用户交互</a:t>
+            </a:r>
+            <a:r>
+              <a:rPr lang="zh-CN" altLang="en-US" dirty="0" smtClean="0"/>
+              <a:t>（</a:t>
+            </a:r>
+            <a:r>
+              <a:rPr lang="zh-CN" altLang="en-US" dirty="0" smtClean="0"/>
+              <a:t>保存按钮、触发发送请求）</a:t>
             </a:r>
             <a:endParaRPr lang="zh-CN" altLang="en-US" dirty="0"/>
+          </a:p>
+        </p:txBody>
+      </p:sp>
+      <p:sp>
+        <p:nvSpPr>
+          <p:cNvPr id="4" name="灯片编号占位符 3"/>
+          <p:cNvSpPr>
+            <a:spLocks noGrp="1"/>
+          </p:cNvSpPr>
+          <p:nvPr>
+            <p:ph type="sldNum" sz="quarter" idx="12"/>
+          </p:nvPr>
+        </p:nvSpPr>
+        <p:spPr/>
+        <p:txBody>
+          <a:bodyPr/>
+          <a:lstStyle/>
+          <a:p>
+            <a:fld id="{0C913308-F349-4B6D-A68A-DD1791B4A57B}" type="slidenum">
+              <a:rPr lang="zh-CN" altLang="en-US" smtClean="0"/>
+              <a:pPr/>
+              <a:t>9</a:t>
+            </a:fld>
+            <a:endParaRPr lang="zh-CN" altLang="en-US"/>
           </a:p>
         </p:txBody>
       </p:sp>
